--- a/HootBeat-block_diagram.pptx
+++ b/HootBeat-block_diagram.pptx
@@ -5,7 +5,7 @@
     <p:sldMasterId id="2147483648" r:id="rId1"/>
   </p:sldMasterIdLst>
   <p:sldIdLst>
-    <p:sldId id="256" r:id="rId2"/>
+    <p:sldId id="257" r:id="rId2"/>
   </p:sldIdLst>
   <p:sldSz cx="12192000" cy="6858000"/>
   <p:notesSz cx="6858000" cy="9144000"/>
@@ -104,6 +104,11 @@
       </a:defRPr>
     </a:lvl9pPr>
   </p:defaultTextStyle>
+  <p:extLst>
+    <p:ext uri="{EFAFB233-063F-42B5-8137-9DF3F51BA10A}">
+      <p15:sldGuideLst xmlns:p15="http://schemas.microsoft.com/office/powerpoint/2012/main"/>
+    </p:ext>
+  </p:extLst>
 </p:presentation>
 </file>
 
@@ -254,7 +259,7 @@
           <a:p>
             <a:fld id="{E49CE715-287F-4841-B672-C95A8DB42A70}" type="datetimeFigureOut">
               <a:rPr lang="en-US" smtClean="0"/>
-              <a:t>3/19/2022</a:t>
+              <a:t>3/20/2022</a:t>
             </a:fld>
             <a:endParaRPr lang="en-US"/>
           </a:p>
@@ -452,7 +457,7 @@
           <a:p>
             <a:fld id="{E49CE715-287F-4841-B672-C95A8DB42A70}" type="datetimeFigureOut">
               <a:rPr lang="en-US" smtClean="0"/>
-              <a:t>3/19/2022</a:t>
+              <a:t>3/20/2022</a:t>
             </a:fld>
             <a:endParaRPr lang="en-US"/>
           </a:p>
@@ -660,7 +665,7 @@
           <a:p>
             <a:fld id="{E49CE715-287F-4841-B672-C95A8DB42A70}" type="datetimeFigureOut">
               <a:rPr lang="en-US" smtClean="0"/>
-              <a:t>3/19/2022</a:t>
+              <a:t>3/20/2022</a:t>
             </a:fld>
             <a:endParaRPr lang="en-US"/>
           </a:p>
@@ -858,7 +863,7 @@
           <a:p>
             <a:fld id="{E49CE715-287F-4841-B672-C95A8DB42A70}" type="datetimeFigureOut">
               <a:rPr lang="en-US" smtClean="0"/>
-              <a:t>3/19/2022</a:t>
+              <a:t>3/20/2022</a:t>
             </a:fld>
             <a:endParaRPr lang="en-US"/>
           </a:p>
@@ -1133,7 +1138,7 @@
           <a:p>
             <a:fld id="{E49CE715-287F-4841-B672-C95A8DB42A70}" type="datetimeFigureOut">
               <a:rPr lang="en-US" smtClean="0"/>
-              <a:t>3/19/2022</a:t>
+              <a:t>3/20/2022</a:t>
             </a:fld>
             <a:endParaRPr lang="en-US"/>
           </a:p>
@@ -1398,7 +1403,7 @@
           <a:p>
             <a:fld id="{E49CE715-287F-4841-B672-C95A8DB42A70}" type="datetimeFigureOut">
               <a:rPr lang="en-US" smtClean="0"/>
-              <a:t>3/19/2022</a:t>
+              <a:t>3/20/2022</a:t>
             </a:fld>
             <a:endParaRPr lang="en-US"/>
           </a:p>
@@ -1810,7 +1815,7 @@
           <a:p>
             <a:fld id="{E49CE715-287F-4841-B672-C95A8DB42A70}" type="datetimeFigureOut">
               <a:rPr lang="en-US" smtClean="0"/>
-              <a:t>3/19/2022</a:t>
+              <a:t>3/20/2022</a:t>
             </a:fld>
             <a:endParaRPr lang="en-US"/>
           </a:p>
@@ -1951,7 +1956,7 @@
           <a:p>
             <a:fld id="{E49CE715-287F-4841-B672-C95A8DB42A70}" type="datetimeFigureOut">
               <a:rPr lang="en-US" smtClean="0"/>
-              <a:t>3/19/2022</a:t>
+              <a:t>3/20/2022</a:t>
             </a:fld>
             <a:endParaRPr lang="en-US"/>
           </a:p>
@@ -2064,7 +2069,7 @@
           <a:p>
             <a:fld id="{E49CE715-287F-4841-B672-C95A8DB42A70}" type="datetimeFigureOut">
               <a:rPr lang="en-US" smtClean="0"/>
-              <a:t>3/19/2022</a:t>
+              <a:t>3/20/2022</a:t>
             </a:fld>
             <a:endParaRPr lang="en-US"/>
           </a:p>
@@ -2375,7 +2380,7 @@
           <a:p>
             <a:fld id="{E49CE715-287F-4841-B672-C95A8DB42A70}" type="datetimeFigureOut">
               <a:rPr lang="en-US" smtClean="0"/>
-              <a:t>3/19/2022</a:t>
+              <a:t>3/20/2022</a:t>
             </a:fld>
             <a:endParaRPr lang="en-US"/>
           </a:p>
@@ -2663,7 +2668,7 @@
           <a:p>
             <a:fld id="{E49CE715-287F-4841-B672-C95A8DB42A70}" type="datetimeFigureOut">
               <a:rPr lang="en-US" smtClean="0"/>
-              <a:t>3/19/2022</a:t>
+              <a:t>3/20/2022</a:t>
             </a:fld>
             <a:endParaRPr lang="en-US"/>
           </a:p>
@@ -2904,7 +2909,7 @@
           <a:p>
             <a:fld id="{E49CE715-287F-4841-B672-C95A8DB42A70}" type="datetimeFigureOut">
               <a:rPr lang="en-US" smtClean="0"/>
-              <a:t>3/19/2022</a:t>
+              <a:t>3/20/2022</a:t>
             </a:fld>
             <a:endParaRPr lang="en-US"/>
           </a:p>
@@ -3897,10 +3902,10 @@
       </p:grpSp>
       <p:pic>
         <p:nvPicPr>
-          <p:cNvPr id="18" name="Graphic 17" descr="Laptop with solid fill">
-            <a:extLst>
-              <a:ext uri="{FF2B5EF4-FFF2-40B4-BE49-F238E27FC236}">
-                <a16:creationId xmlns:a16="http://schemas.microsoft.com/office/drawing/2014/main" id="{680D9264-369C-4614-9FD9-4F3A97CAFCB2}"/>
+          <p:cNvPr id="27" name="Graphic 26" descr="Drum set with solid fill">
+            <a:extLst>
+              <a:ext uri="{FF2B5EF4-FFF2-40B4-BE49-F238E27FC236}">
+                <a16:creationId xmlns:a16="http://schemas.microsoft.com/office/drawing/2014/main" id="{94830E7F-968A-45A5-825E-32FFE6A9C9A8}"/>
               </a:ext>
             </a:extLst>
           </p:cNvPr>
@@ -3917,45 +3922,6 @@
               </a:ext>
               <a:ext uri="{96DAC541-7B7A-43D3-8B79-37D633B846F1}">
                 <asvg:svgBlip xmlns:asvg="http://schemas.microsoft.com/office/drawing/2016/SVG/main" r:embed="rId3"/>
-              </a:ext>
-            </a:extLst>
-          </a:blip>
-          <a:stretch>
-            <a:fillRect/>
-          </a:stretch>
-        </p:blipFill>
-        <p:spPr>
-          <a:xfrm>
-            <a:off x="4572260" y="1452188"/>
-            <a:ext cx="2592381" cy="2592381"/>
-          </a:xfrm>
-          <a:prstGeom prst="rect">
-            <a:avLst/>
-          </a:prstGeom>
-        </p:spPr>
-      </p:pic>
-      <p:pic>
-        <p:nvPicPr>
-          <p:cNvPr id="27" name="Graphic 26" descr="Drum set with solid fill">
-            <a:extLst>
-              <a:ext uri="{FF2B5EF4-FFF2-40B4-BE49-F238E27FC236}">
-                <a16:creationId xmlns:a16="http://schemas.microsoft.com/office/drawing/2014/main" id="{94830E7F-968A-45A5-825E-32FFE6A9C9A8}"/>
-              </a:ext>
-            </a:extLst>
-          </p:cNvPr>
-          <p:cNvPicPr>
-            <a:picLocks noChangeAspect="1"/>
-          </p:cNvPicPr>
-          <p:nvPr/>
-        </p:nvPicPr>
-        <p:blipFill>
-          <a:blip r:embed="rId4">
-            <a:extLst>
-              <a:ext uri="{28A0092B-C50C-407E-A947-70E740481C1C}">
-                <a14:useLocalDpi xmlns:a14="http://schemas.microsoft.com/office/drawing/2010/main" val="0"/>
-              </a:ext>
-              <a:ext uri="{96DAC541-7B7A-43D3-8B79-37D633B846F1}">
-                <asvg:svgBlip xmlns:asvg="http://schemas.microsoft.com/office/drawing/2016/SVG/main" r:embed="rId5"/>
               </a:ext>
             </a:extLst>
           </a:blip>
@@ -6190,13 +6156,14 @@
           </p:cNvPr>
           <p:cNvCxnSpPr>
             <a:cxnSpLocks/>
+            <a:endCxn id="2" idx="1"/>
           </p:cNvCxnSpPr>
           <p:nvPr/>
         </p:nvCxnSpPr>
         <p:spPr>
           <a:xfrm flipV="1">
-            <a:off x="3104158" y="2748378"/>
-            <a:ext cx="1468102" cy="1832436"/>
+            <a:off x="3104158" y="2679905"/>
+            <a:ext cx="2079132" cy="1900909"/>
           </a:xfrm>
           <a:prstGeom prst="bentConnector3">
             <a:avLst/>
@@ -6232,13 +6199,15 @@
               </a:ext>
             </a:extLst>
           </p:cNvPr>
-          <p:cNvCxnSpPr/>
+          <p:cNvCxnSpPr>
+            <a:cxnSpLocks/>
+          </p:cNvCxnSpPr>
           <p:nvPr/>
         </p:nvCxnSpPr>
         <p:spPr>
           <a:xfrm flipV="1">
-            <a:off x="7108122" y="1067420"/>
-            <a:ext cx="1405800" cy="1149147"/>
+            <a:off x="6487250" y="1067420"/>
+            <a:ext cx="2013998" cy="1084440"/>
           </a:xfrm>
           <a:prstGeom prst="straightConnector1">
             <a:avLst/>
@@ -6282,8 +6251,8 @@
         </p:nvCxnSpPr>
         <p:spPr>
           <a:xfrm flipV="1">
-            <a:off x="7269972" y="1540795"/>
-            <a:ext cx="2080451" cy="924931"/>
+            <a:off x="6487250" y="1540795"/>
+            <a:ext cx="2863173" cy="953429"/>
           </a:xfrm>
           <a:prstGeom prst="straightConnector1">
             <a:avLst/>
@@ -6327,8 +6296,8 @@
         </p:nvCxnSpPr>
         <p:spPr>
           <a:xfrm flipV="1">
-            <a:off x="7308888" y="2386468"/>
-            <a:ext cx="1945431" cy="361911"/>
+            <a:off x="6472556" y="2386468"/>
+            <a:ext cx="2781763" cy="448267"/>
           </a:xfrm>
           <a:prstGeom prst="straightConnector1">
             <a:avLst/>
@@ -6372,8 +6341,8 @@
         </p:nvCxnSpPr>
         <p:spPr>
           <a:xfrm flipH="1" flipV="1">
-            <a:off x="7226358" y="3543058"/>
-            <a:ext cx="1663971" cy="1220737"/>
+            <a:off x="6456593" y="3308267"/>
+            <a:ext cx="2433736" cy="1455528"/>
           </a:xfrm>
           <a:prstGeom prst="straightConnector1">
             <a:avLst/>
@@ -6522,23 +6491,23 @@
               <a:rPr lang="en-US" sz="2000" dirty="0" err="1">
                 <a:latin typeface="Abadi" panose="020B0604020104020204" pitchFamily="34" charset="0"/>
               </a:rPr>
-              <a:t>Macbook</a:t>
+              <a:t>HootBeat</a:t>
             </a:r>
             <a:r>
               <a:rPr lang="en-US" sz="2000" dirty="0">
                 <a:latin typeface="Abadi" panose="020B0604020104020204" pitchFamily="34" charset="0"/>
               </a:rPr>
-              <a:t> running </a:t>
-            </a:r>
-            <a:r>
-              <a:rPr lang="en-US" sz="2000" dirty="0" err="1">
+              <a:t> brain</a:t>
+            </a:r>
+          </a:p>
+          <a:p>
+            <a:pPr algn="ctr"/>
+            <a:r>
+              <a:rPr lang="en-US" sz="2000" dirty="0">
                 <a:latin typeface="Abadi" panose="020B0604020104020204" pitchFamily="34" charset="0"/>
               </a:rPr>
-              <a:t>Puredata</a:t>
-            </a:r>
-            <a:endParaRPr lang="en-US" sz="2000" dirty="0">
-              <a:latin typeface="Abadi" panose="020B0604020104020204" pitchFamily="34" charset="0"/>
-            </a:endParaRPr>
+              <a:t>(Raspberry Pi)</a:t>
+            </a:r>
           </a:p>
         </p:txBody>
       </p:sp>
@@ -6827,11 +6796,14 @@
           <a:lstStyle/>
           <a:p>
             <a:r>
-              <a:rPr lang="en-US" sz="2000" dirty="0">
+              <a:rPr lang="en-US" sz="2000">
                 <a:latin typeface="Abadi" panose="020B0604020104020204" pitchFamily="34" charset="0"/>
               </a:rPr>
-              <a:t>MIDI</a:t>
-            </a:r>
+              <a:t>USB-MIDI</a:t>
+            </a:r>
+            <a:endParaRPr lang="en-US" sz="2000" dirty="0">
+              <a:latin typeface="Abadi" panose="020B0604020104020204" pitchFamily="34" charset="0"/>
+            </a:endParaRPr>
           </a:p>
           <a:p>
             <a:r>
@@ -6963,10 +6935,64 @@
           </a:p>
         </p:txBody>
       </p:sp>
+      <p:sp>
+        <p:nvSpPr>
+          <p:cNvPr id="2" name="Rectangle: Rounded Corners 1">
+            <a:extLst>
+              <a:ext uri="{FF2B5EF4-FFF2-40B4-BE49-F238E27FC236}">
+                <a16:creationId xmlns:a16="http://schemas.microsoft.com/office/drawing/2014/main" id="{644A97DA-8B0C-4F74-AA12-DD2817ED7247}"/>
+              </a:ext>
+            </a:extLst>
+          </p:cNvPr>
+          <p:cNvSpPr/>
+          <p:nvPr/>
+        </p:nvSpPr>
+        <p:spPr>
+          <a:xfrm>
+            <a:off x="5183290" y="1853948"/>
+            <a:ext cx="1237457" cy="1651913"/>
+          </a:xfrm>
+          <a:prstGeom prst="roundRect">
+            <a:avLst/>
+          </a:prstGeom>
+        </p:spPr>
+        <p:style>
+          <a:lnRef idx="2">
+            <a:schemeClr val="dk1">
+              <a:shade val="50000"/>
+            </a:schemeClr>
+          </a:lnRef>
+          <a:fillRef idx="1">
+            <a:schemeClr val="dk1"/>
+          </a:fillRef>
+          <a:effectRef idx="0">
+            <a:schemeClr val="dk1"/>
+          </a:effectRef>
+          <a:fontRef idx="minor">
+            <a:schemeClr val="lt1"/>
+          </a:fontRef>
+        </p:style>
+        <p:txBody>
+          <a:bodyPr rtlCol="0" anchor="t"/>
+          <a:lstStyle/>
+          <a:p>
+            <a:pPr algn="ctr"/>
+            <a:r>
+              <a:rPr lang="en-US" sz="5400" dirty="0" err="1">
+                <a:latin typeface="Abadi" panose="020B0604020104020204" pitchFamily="34" charset="0"/>
+              </a:rPr>
+              <a:t>oo</a:t>
+            </a:r>
+            <a:endParaRPr lang="en-US" sz="5400" dirty="0">
+              <a:latin typeface="Abadi" panose="020B0604020104020204" pitchFamily="34" charset="0"/>
+            </a:endParaRPr>
+          </a:p>
+        </p:txBody>
+      </p:sp>
     </p:spTree>
     <p:extLst>
       <p:ext uri="{BB962C8B-B14F-4D97-AF65-F5344CB8AC3E}">
-        <p14:creationId xmlns:p14="http://schemas.microsoft.com/office/powerpoint/2010/main" val="3869796422"/>
+        <p14:creationId xmlns:p14="http://schemas.microsoft.com/office/powerpoint/2010/main" val="250579749"/>
       </p:ext>
     </p:extLst>
   </p:cSld>

--- a/HootBeat-block_diagram.pptx
+++ b/HootBeat-block_diagram.pptx
@@ -6488,16 +6488,10 @@
           <a:p>
             <a:pPr algn="ctr"/>
             <a:r>
-              <a:rPr lang="en-US" sz="2000" dirty="0" err="1">
-                <a:latin typeface="Abadi" panose="020B0604020104020204" pitchFamily="34" charset="0"/>
-              </a:rPr>
-              <a:t>HootBeat</a:t>
-            </a:r>
-            <a:r>
               <a:rPr lang="en-US" sz="2000" dirty="0">
                 <a:latin typeface="Abadi" panose="020B0604020104020204" pitchFamily="34" charset="0"/>
               </a:rPr>
-              <a:t> brain</a:t>
+              <a:t>HootBeat brain</a:t>
             </a:r>
           </a:p>
           <a:p>
@@ -6579,14 +6573,11 @@
           <a:p>
             <a:pPr algn="ctr"/>
             <a:r>
-              <a:rPr lang="en-US" sz="2000" dirty="0" err="1">
+              <a:rPr lang="en-US" sz="2000" dirty="0">
                 <a:latin typeface="Abadi" panose="020B0604020104020204" pitchFamily="34" charset="0"/>
               </a:rPr>
               <a:t>HootBeat</a:t>
             </a:r>
-            <a:endParaRPr lang="en-US" sz="2000" dirty="0">
-              <a:latin typeface="Abadi" panose="020B0604020104020204" pitchFamily="34" charset="0"/>
-            </a:endParaRPr>
           </a:p>
           <a:p>
             <a:pPr algn="ctr"/>
@@ -6796,14 +6787,11 @@
           <a:lstStyle/>
           <a:p>
             <a:r>
-              <a:rPr lang="en-US" sz="2000">
+              <a:rPr lang="en-US" sz="2000" dirty="0">
                 <a:latin typeface="Abadi" panose="020B0604020104020204" pitchFamily="34" charset="0"/>
               </a:rPr>
               <a:t>USB-MIDI</a:t>
             </a:r>
-            <a:endParaRPr lang="en-US" sz="2000" dirty="0">
-              <a:latin typeface="Abadi" panose="020B0604020104020204" pitchFamily="34" charset="0"/>
-            </a:endParaRPr>
           </a:p>
           <a:p>
             <a:r>
@@ -6978,14 +6966,11 @@
           <a:p>
             <a:pPr algn="ctr"/>
             <a:r>
-              <a:rPr lang="en-US" sz="5400" dirty="0" err="1">
+              <a:rPr lang="en-US" sz="5400" dirty="0">
                 <a:latin typeface="Abadi" panose="020B0604020104020204" pitchFamily="34" charset="0"/>
               </a:rPr>
               <a:t>oo</a:t>
             </a:r>
-            <a:endParaRPr lang="en-US" sz="5400" dirty="0">
-              <a:latin typeface="Abadi" panose="020B0604020104020204" pitchFamily="34" charset="0"/>
-            </a:endParaRPr>
           </a:p>
         </p:txBody>
       </p:sp>

--- a/HootBeat-block_diagram.pptx
+++ b/HootBeat-block_diagram.pptx
@@ -3380,10 +3380,10 @@
       </p:sp>
       <p:grpSp>
         <p:nvGrpSpPr>
-          <p:cNvPr id="8" name="Group 7">
-            <a:extLst>
-              <a:ext uri="{FF2B5EF4-FFF2-40B4-BE49-F238E27FC236}">
-                <a16:creationId xmlns:a16="http://schemas.microsoft.com/office/drawing/2014/main" id="{32D0FEF8-BBB4-47F8-87E0-A741185D409A}"/>
+          <p:cNvPr id="5" name="Group 4">
+            <a:extLst>
+              <a:ext uri="{FF2B5EF4-FFF2-40B4-BE49-F238E27FC236}">
+                <a16:creationId xmlns:a16="http://schemas.microsoft.com/office/drawing/2014/main" id="{8F1B06BF-4BDA-4DAD-9A27-D3A6BD1FB8A9}"/>
               </a:ext>
             </a:extLst>
           </p:cNvPr>
@@ -3392,18 +3392,18 @@
         </p:nvGrpSpPr>
         <p:grpSpPr>
           <a:xfrm>
-            <a:off x="8670650" y="573836"/>
-            <a:ext cx="1007043" cy="471754"/>
-            <a:chOff x="2161567" y="1050705"/>
-            <a:chExt cx="1928651" cy="903486"/>
+            <a:off x="8588360" y="634978"/>
+            <a:ext cx="1238949" cy="447746"/>
+            <a:chOff x="8707899" y="597844"/>
+            <a:chExt cx="1238949" cy="447746"/>
           </a:xfrm>
         </p:grpSpPr>
         <p:sp>
           <p:nvSpPr>
-            <p:cNvPr id="7" name="Block Arc 6">
+            <p:cNvPr id="3" name="Arrow: Curved Right 2">
               <a:extLst>
                 <a:ext uri="{FF2B5EF4-FFF2-40B4-BE49-F238E27FC236}">
-                  <a16:creationId xmlns:a16="http://schemas.microsoft.com/office/drawing/2014/main" id="{2DBD3BF4-9B99-44D6-83D5-302F48268DE4}"/>
+                  <a16:creationId xmlns:a16="http://schemas.microsoft.com/office/drawing/2014/main" id="{38894D8D-97AB-4A26-8B5C-325D49EF5A7B}"/>
                 </a:ext>
               </a:extLst>
             </p:cNvPr>
@@ -3411,18 +3411,17 @@
             <p:nvPr/>
           </p:nvSpPr>
           <p:spPr>
-            <a:xfrm rot="5174612">
-              <a:off x="2927028" y="523249"/>
-              <a:ext cx="635734" cy="1690646"/>
+            <a:xfrm rot="20865349" flipH="1">
+              <a:off x="8945041" y="597844"/>
+              <a:ext cx="1001807" cy="313286"/>
             </a:xfrm>
-            <a:prstGeom prst="blockArc">
+            <a:prstGeom prst="curvedRightArrow">
               <a:avLst>
-                <a:gd name="adj1" fmla="val 4480086"/>
-                <a:gd name="adj2" fmla="val 1257505"/>
-                <a:gd name="adj3" fmla="val 18580"/>
+                <a:gd name="adj1" fmla="val 40132"/>
+                <a:gd name="adj2" fmla="val 27281"/>
+                <a:gd name="adj3" fmla="val 47456"/>
               </a:avLst>
             </a:prstGeom>
-            <a:ln w="28575"/>
           </p:spPr>
           <p:style>
             <a:lnRef idx="2">
@@ -3467,8 +3466,8 @@
           </p:nvSpPr>
           <p:spPr>
             <a:xfrm rot="15605945">
-              <a:off x="2078855" y="1274903"/>
-              <a:ext cx="713509" cy="548085"/>
+              <a:off x="8669166" y="703560"/>
+              <a:ext cx="334126" cy="256660"/>
             </a:xfrm>
             <a:prstGeom prst="can">
               <a:avLst>
@@ -3516,356 +3515,8 @@
           </p:nvSpPr>
           <p:spPr>
             <a:xfrm rot="15605945">
-              <a:off x="2556837" y="1323394"/>
-              <a:ext cx="713509" cy="548085"/>
-            </a:xfrm>
-            <a:prstGeom prst="can">
-              <a:avLst>
-                <a:gd name="adj" fmla="val 50000"/>
-              </a:avLst>
-            </a:prstGeom>
-            <a:ln w="28575"/>
-          </p:spPr>
-          <p:style>
-            <a:lnRef idx="2">
-              <a:schemeClr val="dk1">
-                <a:shade val="50000"/>
-              </a:schemeClr>
-            </a:lnRef>
-            <a:fillRef idx="1">
-              <a:schemeClr val="dk1"/>
-            </a:fillRef>
-            <a:effectRef idx="0">
-              <a:schemeClr val="dk1"/>
-            </a:effectRef>
-            <a:fontRef idx="minor">
-              <a:schemeClr val="lt1"/>
-            </a:fontRef>
-          </p:style>
-          <p:txBody>
-            <a:bodyPr rtlCol="0" anchor="ctr"/>
-            <a:lstStyle/>
-            <a:p>
-              <a:pPr algn="ctr"/>
-              <a:endParaRPr lang="en-US"/>
-            </a:p>
-          </p:txBody>
-        </p:sp>
-      </p:grpSp>
-      <p:grpSp>
-        <p:nvGrpSpPr>
-          <p:cNvPr id="9" name="Group 8">
-            <a:extLst>
-              <a:ext uri="{FF2B5EF4-FFF2-40B4-BE49-F238E27FC236}">
-                <a16:creationId xmlns:a16="http://schemas.microsoft.com/office/drawing/2014/main" id="{9F90C249-CF2F-427A-81F7-DD7412EEA2B1}"/>
-              </a:ext>
-            </a:extLst>
-          </p:cNvPr>
-          <p:cNvGrpSpPr/>
-          <p:nvPr/>
-        </p:nvGrpSpPr>
-        <p:grpSpPr>
-          <a:xfrm>
-            <a:off x="9582055" y="2050594"/>
-            <a:ext cx="1007043" cy="471754"/>
-            <a:chOff x="2161567" y="1050705"/>
-            <a:chExt cx="1928651" cy="903486"/>
-          </a:xfrm>
-        </p:grpSpPr>
-        <p:sp>
-          <p:nvSpPr>
-            <p:cNvPr id="10" name="Block Arc 9">
-              <a:extLst>
-                <a:ext uri="{FF2B5EF4-FFF2-40B4-BE49-F238E27FC236}">
-                  <a16:creationId xmlns:a16="http://schemas.microsoft.com/office/drawing/2014/main" id="{7CB9D565-D3FF-4AF5-81A6-8323D9C43A1C}"/>
-                </a:ext>
-              </a:extLst>
-            </p:cNvPr>
-            <p:cNvSpPr/>
-            <p:nvPr/>
-          </p:nvSpPr>
-          <p:spPr>
-            <a:xfrm rot="5174612">
-              <a:off x="2927028" y="523249"/>
-              <a:ext cx="635734" cy="1690646"/>
-            </a:xfrm>
-            <a:prstGeom prst="blockArc">
-              <a:avLst>
-                <a:gd name="adj1" fmla="val 4480086"/>
-                <a:gd name="adj2" fmla="val 1257505"/>
-                <a:gd name="adj3" fmla="val 18580"/>
-              </a:avLst>
-            </a:prstGeom>
-            <a:ln w="28575"/>
-          </p:spPr>
-          <p:style>
-            <a:lnRef idx="2">
-              <a:schemeClr val="dk1">
-                <a:shade val="50000"/>
-              </a:schemeClr>
-            </a:lnRef>
-            <a:fillRef idx="1">
-              <a:schemeClr val="dk1"/>
-            </a:fillRef>
-            <a:effectRef idx="0">
-              <a:schemeClr val="dk1"/>
-            </a:effectRef>
-            <a:fontRef idx="minor">
-              <a:schemeClr val="lt1"/>
-            </a:fontRef>
-          </p:style>
-          <p:txBody>
-            <a:bodyPr rtlCol="0" anchor="ctr"/>
-            <a:lstStyle/>
-            <a:p>
-              <a:pPr algn="ctr"/>
-              <a:endParaRPr lang="en-US">
-                <a:solidFill>
-                  <a:schemeClr val="tx1"/>
-                </a:solidFill>
-              </a:endParaRPr>
-            </a:p>
-          </p:txBody>
-        </p:sp>
-        <p:sp>
-          <p:nvSpPr>
-            <p:cNvPr id="11" name="Cylinder 10">
-              <a:extLst>
-                <a:ext uri="{FF2B5EF4-FFF2-40B4-BE49-F238E27FC236}">
-                  <a16:creationId xmlns:a16="http://schemas.microsoft.com/office/drawing/2014/main" id="{D81C439D-089F-4C95-A97C-18DD2F919BFB}"/>
-                </a:ext>
-              </a:extLst>
-            </p:cNvPr>
-            <p:cNvSpPr/>
-            <p:nvPr/>
-          </p:nvSpPr>
-          <p:spPr>
-            <a:xfrm rot="15605945">
-              <a:off x="2078855" y="1274903"/>
-              <a:ext cx="713509" cy="548085"/>
-            </a:xfrm>
-            <a:prstGeom prst="can">
-              <a:avLst>
-                <a:gd name="adj" fmla="val 50000"/>
-              </a:avLst>
-            </a:prstGeom>
-            <a:ln w="28575"/>
-          </p:spPr>
-          <p:style>
-            <a:lnRef idx="2">
-              <a:schemeClr val="dk1">
-                <a:shade val="50000"/>
-              </a:schemeClr>
-            </a:lnRef>
-            <a:fillRef idx="1">
-              <a:schemeClr val="dk1"/>
-            </a:fillRef>
-            <a:effectRef idx="0">
-              <a:schemeClr val="dk1"/>
-            </a:effectRef>
-            <a:fontRef idx="minor">
-              <a:schemeClr val="lt1"/>
-            </a:fontRef>
-          </p:style>
-          <p:txBody>
-            <a:bodyPr rtlCol="0" anchor="ctr"/>
-            <a:lstStyle/>
-            <a:p>
-              <a:pPr algn="ctr"/>
-              <a:endParaRPr lang="en-US"/>
-            </a:p>
-          </p:txBody>
-        </p:sp>
-        <p:sp>
-          <p:nvSpPr>
-            <p:cNvPr id="12" name="Cylinder 11">
-              <a:extLst>
-                <a:ext uri="{FF2B5EF4-FFF2-40B4-BE49-F238E27FC236}">
-                  <a16:creationId xmlns:a16="http://schemas.microsoft.com/office/drawing/2014/main" id="{FDCF9699-88FE-457F-93DA-B09518C1AAF9}"/>
-                </a:ext>
-              </a:extLst>
-            </p:cNvPr>
-            <p:cNvSpPr/>
-            <p:nvPr/>
-          </p:nvSpPr>
-          <p:spPr>
-            <a:xfrm rot="15605945">
-              <a:off x="2556837" y="1323394"/>
-              <a:ext cx="713509" cy="548085"/>
-            </a:xfrm>
-            <a:prstGeom prst="can">
-              <a:avLst>
-                <a:gd name="adj" fmla="val 50000"/>
-              </a:avLst>
-            </a:prstGeom>
-            <a:ln w="28575"/>
-          </p:spPr>
-          <p:style>
-            <a:lnRef idx="2">
-              <a:schemeClr val="dk1">
-                <a:shade val="50000"/>
-              </a:schemeClr>
-            </a:lnRef>
-            <a:fillRef idx="1">
-              <a:schemeClr val="dk1"/>
-            </a:fillRef>
-            <a:effectRef idx="0">
-              <a:schemeClr val="dk1"/>
-            </a:effectRef>
-            <a:fontRef idx="minor">
-              <a:schemeClr val="lt1"/>
-            </a:fontRef>
-          </p:style>
-          <p:txBody>
-            <a:bodyPr rtlCol="0" anchor="ctr"/>
-            <a:lstStyle/>
-            <a:p>
-              <a:pPr algn="ctr"/>
-              <a:endParaRPr lang="en-US"/>
-            </a:p>
-          </p:txBody>
-        </p:sp>
-      </p:grpSp>
-      <p:grpSp>
-        <p:nvGrpSpPr>
-          <p:cNvPr id="13" name="Group 12">
-            <a:extLst>
-              <a:ext uri="{FF2B5EF4-FFF2-40B4-BE49-F238E27FC236}">
-                <a16:creationId xmlns:a16="http://schemas.microsoft.com/office/drawing/2014/main" id="{2AABCB87-0C7D-44E5-9F6A-D75FBD525713}"/>
-              </a:ext>
-            </a:extLst>
-          </p:cNvPr>
-          <p:cNvGrpSpPr/>
-          <p:nvPr/>
-        </p:nvGrpSpPr>
-        <p:grpSpPr>
-          <a:xfrm>
-            <a:off x="9696403" y="1067420"/>
-            <a:ext cx="1007043" cy="471754"/>
-            <a:chOff x="2161567" y="1050705"/>
-            <a:chExt cx="1928651" cy="903486"/>
-          </a:xfrm>
-        </p:grpSpPr>
-        <p:sp>
-          <p:nvSpPr>
-            <p:cNvPr id="14" name="Block Arc 13">
-              <a:extLst>
-                <a:ext uri="{FF2B5EF4-FFF2-40B4-BE49-F238E27FC236}">
-                  <a16:creationId xmlns:a16="http://schemas.microsoft.com/office/drawing/2014/main" id="{BA91F6EA-311D-48BD-9E7D-35FE326823BF}"/>
-                </a:ext>
-              </a:extLst>
-            </p:cNvPr>
-            <p:cNvSpPr/>
-            <p:nvPr/>
-          </p:nvSpPr>
-          <p:spPr>
-            <a:xfrm rot="5174612">
-              <a:off x="2927028" y="523249"/>
-              <a:ext cx="635734" cy="1690646"/>
-            </a:xfrm>
-            <a:prstGeom prst="blockArc">
-              <a:avLst>
-                <a:gd name="adj1" fmla="val 4480086"/>
-                <a:gd name="adj2" fmla="val 1257505"/>
-                <a:gd name="adj3" fmla="val 18580"/>
-              </a:avLst>
-            </a:prstGeom>
-            <a:ln w="28575"/>
-          </p:spPr>
-          <p:style>
-            <a:lnRef idx="2">
-              <a:schemeClr val="dk1">
-                <a:shade val="50000"/>
-              </a:schemeClr>
-            </a:lnRef>
-            <a:fillRef idx="1">
-              <a:schemeClr val="dk1"/>
-            </a:fillRef>
-            <a:effectRef idx="0">
-              <a:schemeClr val="dk1"/>
-            </a:effectRef>
-            <a:fontRef idx="minor">
-              <a:schemeClr val="lt1"/>
-            </a:fontRef>
-          </p:style>
-          <p:txBody>
-            <a:bodyPr rtlCol="0" anchor="ctr"/>
-            <a:lstStyle/>
-            <a:p>
-              <a:pPr algn="ctr"/>
-              <a:endParaRPr lang="en-US">
-                <a:solidFill>
-                  <a:schemeClr val="tx1"/>
-                </a:solidFill>
-              </a:endParaRPr>
-            </a:p>
-          </p:txBody>
-        </p:sp>
-        <p:sp>
-          <p:nvSpPr>
-            <p:cNvPr id="15" name="Cylinder 14">
-              <a:extLst>
-                <a:ext uri="{FF2B5EF4-FFF2-40B4-BE49-F238E27FC236}">
-                  <a16:creationId xmlns:a16="http://schemas.microsoft.com/office/drawing/2014/main" id="{28DA6E16-E58F-4BEF-A33B-C2BE0A95DE3D}"/>
-                </a:ext>
-              </a:extLst>
-            </p:cNvPr>
-            <p:cNvSpPr/>
-            <p:nvPr/>
-          </p:nvSpPr>
-          <p:spPr>
-            <a:xfrm rot="15605945">
-              <a:off x="2078855" y="1274903"/>
-              <a:ext cx="713509" cy="548085"/>
-            </a:xfrm>
-            <a:prstGeom prst="can">
-              <a:avLst>
-                <a:gd name="adj" fmla="val 50000"/>
-              </a:avLst>
-            </a:prstGeom>
-            <a:ln w="28575"/>
-          </p:spPr>
-          <p:style>
-            <a:lnRef idx="2">
-              <a:schemeClr val="dk1">
-                <a:shade val="50000"/>
-              </a:schemeClr>
-            </a:lnRef>
-            <a:fillRef idx="1">
-              <a:schemeClr val="dk1"/>
-            </a:fillRef>
-            <a:effectRef idx="0">
-              <a:schemeClr val="dk1"/>
-            </a:effectRef>
-            <a:fontRef idx="minor">
-              <a:schemeClr val="lt1"/>
-            </a:fontRef>
-          </p:style>
-          <p:txBody>
-            <a:bodyPr rtlCol="0" anchor="ctr"/>
-            <a:lstStyle/>
-            <a:p>
-              <a:pPr algn="ctr"/>
-              <a:endParaRPr lang="en-US"/>
-            </a:p>
-          </p:txBody>
-        </p:sp>
-        <p:sp>
-          <p:nvSpPr>
-            <p:cNvPr id="16" name="Cylinder 15">
-              <a:extLst>
-                <a:ext uri="{FF2B5EF4-FFF2-40B4-BE49-F238E27FC236}">
-                  <a16:creationId xmlns:a16="http://schemas.microsoft.com/office/drawing/2014/main" id="{6B379B8E-3E11-4DCB-84C5-C39C5BD0ACC8}"/>
-                </a:ext>
-              </a:extLst>
-            </p:cNvPr>
-            <p:cNvSpPr/>
-            <p:nvPr/>
-          </p:nvSpPr>
-          <p:spPr>
-            <a:xfrm rot="15605945">
-              <a:off x="2556837" y="1323394"/>
-              <a:ext cx="713509" cy="548085"/>
+              <a:off x="8877040" y="716220"/>
+              <a:ext cx="372558" cy="286182"/>
             </a:xfrm>
             <a:prstGeom prst="can">
               <a:avLst>
@@ -6974,6 +6625,352 @@
           </a:p>
         </p:txBody>
       </p:sp>
+      <p:grpSp>
+        <p:nvGrpSpPr>
+          <p:cNvPr id="60" name="Group 59">
+            <a:extLst>
+              <a:ext uri="{FF2B5EF4-FFF2-40B4-BE49-F238E27FC236}">
+                <a16:creationId xmlns:a16="http://schemas.microsoft.com/office/drawing/2014/main" id="{22505D96-7EB4-40A8-B0BF-E755E9DDC90A}"/>
+              </a:ext>
+            </a:extLst>
+          </p:cNvPr>
+          <p:cNvGrpSpPr/>
+          <p:nvPr/>
+        </p:nvGrpSpPr>
+        <p:grpSpPr>
+          <a:xfrm>
+            <a:off x="9519406" y="1190562"/>
+            <a:ext cx="1238949" cy="447746"/>
+            <a:chOff x="8707899" y="597844"/>
+            <a:chExt cx="1238949" cy="447746"/>
+          </a:xfrm>
+        </p:grpSpPr>
+        <p:sp>
+          <p:nvSpPr>
+            <p:cNvPr id="62" name="Arrow: Curved Right 61">
+              <a:extLst>
+                <a:ext uri="{FF2B5EF4-FFF2-40B4-BE49-F238E27FC236}">
+                  <a16:creationId xmlns:a16="http://schemas.microsoft.com/office/drawing/2014/main" id="{B1902250-3267-4621-933C-DCD444802F2D}"/>
+                </a:ext>
+              </a:extLst>
+            </p:cNvPr>
+            <p:cNvSpPr/>
+            <p:nvPr/>
+          </p:nvSpPr>
+          <p:spPr>
+            <a:xfrm rot="20865349" flipH="1">
+              <a:off x="8945041" y="597844"/>
+              <a:ext cx="1001807" cy="313286"/>
+            </a:xfrm>
+            <a:prstGeom prst="curvedRightArrow">
+              <a:avLst>
+                <a:gd name="adj1" fmla="val 40132"/>
+                <a:gd name="adj2" fmla="val 27281"/>
+                <a:gd name="adj3" fmla="val 47456"/>
+              </a:avLst>
+            </a:prstGeom>
+          </p:spPr>
+          <p:style>
+            <a:lnRef idx="2">
+              <a:schemeClr val="dk1">
+                <a:shade val="50000"/>
+              </a:schemeClr>
+            </a:lnRef>
+            <a:fillRef idx="1">
+              <a:schemeClr val="dk1"/>
+            </a:fillRef>
+            <a:effectRef idx="0">
+              <a:schemeClr val="dk1"/>
+            </a:effectRef>
+            <a:fontRef idx="minor">
+              <a:schemeClr val="lt1"/>
+            </a:fontRef>
+          </p:style>
+          <p:txBody>
+            <a:bodyPr rtlCol="0" anchor="ctr"/>
+            <a:lstStyle/>
+            <a:p>
+              <a:pPr algn="ctr"/>
+              <a:endParaRPr lang="en-US">
+                <a:solidFill>
+                  <a:schemeClr val="tx1"/>
+                </a:solidFill>
+              </a:endParaRPr>
+            </a:p>
+          </p:txBody>
+        </p:sp>
+        <p:sp>
+          <p:nvSpPr>
+            <p:cNvPr id="63" name="Cylinder 62">
+              <a:extLst>
+                <a:ext uri="{FF2B5EF4-FFF2-40B4-BE49-F238E27FC236}">
+                  <a16:creationId xmlns:a16="http://schemas.microsoft.com/office/drawing/2014/main" id="{F84EF189-8C5A-460A-9E86-A2EE2CABCA7D}"/>
+                </a:ext>
+              </a:extLst>
+            </p:cNvPr>
+            <p:cNvSpPr/>
+            <p:nvPr/>
+          </p:nvSpPr>
+          <p:spPr>
+            <a:xfrm rot="15605945">
+              <a:off x="8669166" y="703560"/>
+              <a:ext cx="334126" cy="256660"/>
+            </a:xfrm>
+            <a:prstGeom prst="can">
+              <a:avLst>
+                <a:gd name="adj" fmla="val 50000"/>
+              </a:avLst>
+            </a:prstGeom>
+            <a:ln w="28575"/>
+          </p:spPr>
+          <p:style>
+            <a:lnRef idx="2">
+              <a:schemeClr val="dk1">
+                <a:shade val="50000"/>
+              </a:schemeClr>
+            </a:lnRef>
+            <a:fillRef idx="1">
+              <a:schemeClr val="dk1"/>
+            </a:fillRef>
+            <a:effectRef idx="0">
+              <a:schemeClr val="dk1"/>
+            </a:effectRef>
+            <a:fontRef idx="minor">
+              <a:schemeClr val="lt1"/>
+            </a:fontRef>
+          </p:style>
+          <p:txBody>
+            <a:bodyPr rtlCol="0" anchor="ctr"/>
+            <a:lstStyle/>
+            <a:p>
+              <a:pPr algn="ctr"/>
+              <a:endParaRPr lang="en-US"/>
+            </a:p>
+          </p:txBody>
+        </p:sp>
+        <p:sp>
+          <p:nvSpPr>
+            <p:cNvPr id="64" name="Cylinder 63">
+              <a:extLst>
+                <a:ext uri="{FF2B5EF4-FFF2-40B4-BE49-F238E27FC236}">
+                  <a16:creationId xmlns:a16="http://schemas.microsoft.com/office/drawing/2014/main" id="{33FC726D-4C1E-4D2C-86A6-3C272391D98B}"/>
+                </a:ext>
+              </a:extLst>
+            </p:cNvPr>
+            <p:cNvSpPr/>
+            <p:nvPr/>
+          </p:nvSpPr>
+          <p:spPr>
+            <a:xfrm rot="15605945">
+              <a:off x="8877040" y="716220"/>
+              <a:ext cx="372558" cy="286182"/>
+            </a:xfrm>
+            <a:prstGeom prst="can">
+              <a:avLst>
+                <a:gd name="adj" fmla="val 50000"/>
+              </a:avLst>
+            </a:prstGeom>
+            <a:ln w="28575"/>
+          </p:spPr>
+          <p:style>
+            <a:lnRef idx="2">
+              <a:schemeClr val="dk1">
+                <a:shade val="50000"/>
+              </a:schemeClr>
+            </a:lnRef>
+            <a:fillRef idx="1">
+              <a:schemeClr val="dk1"/>
+            </a:fillRef>
+            <a:effectRef idx="0">
+              <a:schemeClr val="dk1"/>
+            </a:effectRef>
+            <a:fontRef idx="minor">
+              <a:schemeClr val="lt1"/>
+            </a:fontRef>
+          </p:style>
+          <p:txBody>
+            <a:bodyPr rtlCol="0" anchor="ctr"/>
+            <a:lstStyle/>
+            <a:p>
+              <a:pPr algn="ctr"/>
+              <a:endParaRPr lang="en-US"/>
+            </a:p>
+          </p:txBody>
+        </p:sp>
+      </p:grpSp>
+      <p:grpSp>
+        <p:nvGrpSpPr>
+          <p:cNvPr id="67" name="Group 66">
+            <a:extLst>
+              <a:ext uri="{FF2B5EF4-FFF2-40B4-BE49-F238E27FC236}">
+                <a16:creationId xmlns:a16="http://schemas.microsoft.com/office/drawing/2014/main" id="{E8A00947-6465-4C60-87F8-A33AD7B11AA7}"/>
+              </a:ext>
+            </a:extLst>
+          </p:cNvPr>
+          <p:cNvGrpSpPr/>
+          <p:nvPr/>
+        </p:nvGrpSpPr>
+        <p:grpSpPr>
+          <a:xfrm>
+            <a:off x="9393214" y="2126612"/>
+            <a:ext cx="1238949" cy="447746"/>
+            <a:chOff x="8707899" y="597844"/>
+            <a:chExt cx="1238949" cy="447746"/>
+          </a:xfrm>
+        </p:grpSpPr>
+        <p:sp>
+          <p:nvSpPr>
+            <p:cNvPr id="69" name="Arrow: Curved Right 68">
+              <a:extLst>
+                <a:ext uri="{FF2B5EF4-FFF2-40B4-BE49-F238E27FC236}">
+                  <a16:creationId xmlns:a16="http://schemas.microsoft.com/office/drawing/2014/main" id="{A4F0AA07-B69A-49F3-99A4-6F7592055911}"/>
+                </a:ext>
+              </a:extLst>
+            </p:cNvPr>
+            <p:cNvSpPr/>
+            <p:nvPr/>
+          </p:nvSpPr>
+          <p:spPr>
+            <a:xfrm rot="20865349" flipH="1">
+              <a:off x="8945041" y="597844"/>
+              <a:ext cx="1001807" cy="313286"/>
+            </a:xfrm>
+            <a:prstGeom prst="curvedRightArrow">
+              <a:avLst>
+                <a:gd name="adj1" fmla="val 40132"/>
+                <a:gd name="adj2" fmla="val 27281"/>
+                <a:gd name="adj3" fmla="val 47456"/>
+              </a:avLst>
+            </a:prstGeom>
+          </p:spPr>
+          <p:style>
+            <a:lnRef idx="2">
+              <a:schemeClr val="dk1">
+                <a:shade val="50000"/>
+              </a:schemeClr>
+            </a:lnRef>
+            <a:fillRef idx="1">
+              <a:schemeClr val="dk1"/>
+            </a:fillRef>
+            <a:effectRef idx="0">
+              <a:schemeClr val="dk1"/>
+            </a:effectRef>
+            <a:fontRef idx="minor">
+              <a:schemeClr val="lt1"/>
+            </a:fontRef>
+          </p:style>
+          <p:txBody>
+            <a:bodyPr rtlCol="0" anchor="ctr"/>
+            <a:lstStyle/>
+            <a:p>
+              <a:pPr algn="ctr"/>
+              <a:endParaRPr lang="en-US">
+                <a:solidFill>
+                  <a:schemeClr val="tx1"/>
+                </a:solidFill>
+              </a:endParaRPr>
+            </a:p>
+          </p:txBody>
+        </p:sp>
+        <p:sp>
+          <p:nvSpPr>
+            <p:cNvPr id="70" name="Cylinder 69">
+              <a:extLst>
+                <a:ext uri="{FF2B5EF4-FFF2-40B4-BE49-F238E27FC236}">
+                  <a16:creationId xmlns:a16="http://schemas.microsoft.com/office/drawing/2014/main" id="{B2B39281-E2EE-4F09-AFF3-ED2933D9C560}"/>
+                </a:ext>
+              </a:extLst>
+            </p:cNvPr>
+            <p:cNvSpPr/>
+            <p:nvPr/>
+          </p:nvSpPr>
+          <p:spPr>
+            <a:xfrm rot="15605945">
+              <a:off x="8669166" y="703560"/>
+              <a:ext cx="334126" cy="256660"/>
+            </a:xfrm>
+            <a:prstGeom prst="can">
+              <a:avLst>
+                <a:gd name="adj" fmla="val 50000"/>
+              </a:avLst>
+            </a:prstGeom>
+            <a:ln w="28575"/>
+          </p:spPr>
+          <p:style>
+            <a:lnRef idx="2">
+              <a:schemeClr val="dk1">
+                <a:shade val="50000"/>
+              </a:schemeClr>
+            </a:lnRef>
+            <a:fillRef idx="1">
+              <a:schemeClr val="dk1"/>
+            </a:fillRef>
+            <a:effectRef idx="0">
+              <a:schemeClr val="dk1"/>
+            </a:effectRef>
+            <a:fontRef idx="minor">
+              <a:schemeClr val="lt1"/>
+            </a:fontRef>
+          </p:style>
+          <p:txBody>
+            <a:bodyPr rtlCol="0" anchor="ctr"/>
+            <a:lstStyle/>
+            <a:p>
+              <a:pPr algn="ctr"/>
+              <a:endParaRPr lang="en-US"/>
+            </a:p>
+          </p:txBody>
+        </p:sp>
+        <p:sp>
+          <p:nvSpPr>
+            <p:cNvPr id="71" name="Cylinder 70">
+              <a:extLst>
+                <a:ext uri="{FF2B5EF4-FFF2-40B4-BE49-F238E27FC236}">
+                  <a16:creationId xmlns:a16="http://schemas.microsoft.com/office/drawing/2014/main" id="{96750C45-6F64-4DA7-A8E4-EFC3CE27CB4D}"/>
+                </a:ext>
+              </a:extLst>
+            </p:cNvPr>
+            <p:cNvSpPr/>
+            <p:nvPr/>
+          </p:nvSpPr>
+          <p:spPr>
+            <a:xfrm rot="15605945">
+              <a:off x="8877040" y="716220"/>
+              <a:ext cx="372558" cy="286182"/>
+            </a:xfrm>
+            <a:prstGeom prst="can">
+              <a:avLst>
+                <a:gd name="adj" fmla="val 50000"/>
+              </a:avLst>
+            </a:prstGeom>
+            <a:ln w="28575"/>
+          </p:spPr>
+          <p:style>
+            <a:lnRef idx="2">
+              <a:schemeClr val="dk1">
+                <a:shade val="50000"/>
+              </a:schemeClr>
+            </a:lnRef>
+            <a:fillRef idx="1">
+              <a:schemeClr val="dk1"/>
+            </a:fillRef>
+            <a:effectRef idx="0">
+              <a:schemeClr val="dk1"/>
+            </a:effectRef>
+            <a:fontRef idx="minor">
+              <a:schemeClr val="lt1"/>
+            </a:fontRef>
+          </p:style>
+          <p:txBody>
+            <a:bodyPr rtlCol="0" anchor="ctr"/>
+            <a:lstStyle/>
+            <a:p>
+              <a:pPr algn="ctr"/>
+              <a:endParaRPr lang="en-US"/>
+            </a:p>
+          </p:txBody>
+        </p:sp>
+      </p:grpSp>
     </p:spTree>
     <p:extLst>
       <p:ext uri="{BB962C8B-B14F-4D97-AF65-F5344CB8AC3E}">

--- a/HootBeat-block_diagram.pptx
+++ b/HootBeat-block_diagram.pptx
@@ -6,6 +6,7 @@
   </p:sldMasterIdLst>
   <p:sldIdLst>
     <p:sldId id="257" r:id="rId2"/>
+    <p:sldId id="258" r:id="rId3"/>
   </p:sldIdLst>
   <p:sldSz cx="12192000" cy="6858000"/>
   <p:notesSz cx="6858000" cy="9144000"/>
@@ -6984,6 +6985,3796 @@
 </p:sld>
 </file>
 
+<file path=ppt/slides/slide2.xml><?xml version="1.0" encoding="utf-8"?>
+<p:sld xmlns:a="http://schemas.openxmlformats.org/drawingml/2006/main" xmlns:r="http://schemas.openxmlformats.org/officeDocument/2006/relationships" xmlns:p="http://schemas.openxmlformats.org/presentationml/2006/main">
+  <p:cSld>
+    <p:spTree>
+      <p:nvGrpSpPr>
+        <p:cNvPr id="1" name=""/>
+        <p:cNvGrpSpPr/>
+        <p:nvPr/>
+      </p:nvGrpSpPr>
+      <p:grpSpPr>
+        <a:xfrm>
+          <a:off x="0" y="0"/>
+          <a:ext cx="0" cy="0"/>
+          <a:chOff x="0" y="0"/>
+          <a:chExt cx="0" cy="0"/>
+        </a:xfrm>
+      </p:grpSpPr>
+      <p:sp>
+        <p:nvSpPr>
+          <p:cNvPr id="8" name="Rectangle 7">
+            <a:extLst>
+              <a:ext uri="{FF2B5EF4-FFF2-40B4-BE49-F238E27FC236}">
+                <a16:creationId xmlns:a16="http://schemas.microsoft.com/office/drawing/2014/main" id="{75850E4D-43B4-4EFA-B2B1-B385C92496CB}"/>
+              </a:ext>
+            </a:extLst>
+          </p:cNvPr>
+          <p:cNvSpPr/>
+          <p:nvPr/>
+        </p:nvSpPr>
+        <p:spPr>
+          <a:xfrm>
+            <a:off x="4326023" y="274231"/>
+            <a:ext cx="6686534" cy="6068071"/>
+          </a:xfrm>
+          <a:prstGeom prst="rect">
+            <a:avLst/>
+          </a:prstGeom>
+          <a:noFill/>
+          <a:ln w="28575">
+            <a:solidFill>
+              <a:schemeClr val="bg1">
+                <a:lumMod val="50000"/>
+              </a:schemeClr>
+            </a:solidFill>
+            <a:prstDash val="dash"/>
+          </a:ln>
+        </p:spPr>
+        <p:style>
+          <a:lnRef idx="2">
+            <a:schemeClr val="accent1">
+              <a:shade val="50000"/>
+            </a:schemeClr>
+          </a:lnRef>
+          <a:fillRef idx="1">
+            <a:schemeClr val="accent1"/>
+          </a:fillRef>
+          <a:effectRef idx="0">
+            <a:schemeClr val="accent1"/>
+          </a:effectRef>
+          <a:fontRef idx="minor">
+            <a:schemeClr val="lt1"/>
+          </a:fontRef>
+        </p:style>
+        <p:txBody>
+          <a:bodyPr rtlCol="0" anchor="ctr"/>
+          <a:lstStyle/>
+          <a:p>
+            <a:pPr algn="ctr"/>
+            <a:endParaRPr lang="en-US"/>
+          </a:p>
+        </p:txBody>
+      </p:sp>
+      <p:grpSp>
+        <p:nvGrpSpPr>
+          <p:cNvPr id="5" name="Group 4">
+            <a:extLst>
+              <a:ext uri="{FF2B5EF4-FFF2-40B4-BE49-F238E27FC236}">
+                <a16:creationId xmlns:a16="http://schemas.microsoft.com/office/drawing/2014/main" id="{8F1B06BF-4BDA-4DAD-9A27-D3A6BD1FB8A9}"/>
+              </a:ext>
+            </a:extLst>
+          </p:cNvPr>
+          <p:cNvGrpSpPr/>
+          <p:nvPr/>
+        </p:nvGrpSpPr>
+        <p:grpSpPr>
+          <a:xfrm>
+            <a:off x="8168448" y="479498"/>
+            <a:ext cx="1238949" cy="447746"/>
+            <a:chOff x="8707899" y="597844"/>
+            <a:chExt cx="1238949" cy="447746"/>
+          </a:xfrm>
+        </p:grpSpPr>
+        <p:sp>
+          <p:nvSpPr>
+            <p:cNvPr id="3" name="Arrow: Curved Right 2">
+              <a:extLst>
+                <a:ext uri="{FF2B5EF4-FFF2-40B4-BE49-F238E27FC236}">
+                  <a16:creationId xmlns:a16="http://schemas.microsoft.com/office/drawing/2014/main" id="{38894D8D-97AB-4A26-8B5C-325D49EF5A7B}"/>
+                </a:ext>
+              </a:extLst>
+            </p:cNvPr>
+            <p:cNvSpPr/>
+            <p:nvPr/>
+          </p:nvSpPr>
+          <p:spPr>
+            <a:xfrm rot="20865349" flipH="1">
+              <a:off x="8945041" y="597844"/>
+              <a:ext cx="1001807" cy="313286"/>
+            </a:xfrm>
+            <a:prstGeom prst="curvedRightArrow">
+              <a:avLst>
+                <a:gd name="adj1" fmla="val 40132"/>
+                <a:gd name="adj2" fmla="val 27281"/>
+                <a:gd name="adj3" fmla="val 47456"/>
+              </a:avLst>
+            </a:prstGeom>
+          </p:spPr>
+          <p:style>
+            <a:lnRef idx="2">
+              <a:schemeClr val="dk1">
+                <a:shade val="50000"/>
+              </a:schemeClr>
+            </a:lnRef>
+            <a:fillRef idx="1">
+              <a:schemeClr val="dk1"/>
+            </a:fillRef>
+            <a:effectRef idx="0">
+              <a:schemeClr val="dk1"/>
+            </a:effectRef>
+            <a:fontRef idx="minor">
+              <a:schemeClr val="lt1"/>
+            </a:fontRef>
+          </p:style>
+          <p:txBody>
+            <a:bodyPr rtlCol="0" anchor="ctr"/>
+            <a:lstStyle/>
+            <a:p>
+              <a:pPr algn="ctr"/>
+              <a:endParaRPr lang="en-US">
+                <a:solidFill>
+                  <a:schemeClr val="tx1"/>
+                </a:solidFill>
+              </a:endParaRPr>
+            </a:p>
+          </p:txBody>
+        </p:sp>
+        <p:sp>
+          <p:nvSpPr>
+            <p:cNvPr id="4" name="Cylinder 3">
+              <a:extLst>
+                <a:ext uri="{FF2B5EF4-FFF2-40B4-BE49-F238E27FC236}">
+                  <a16:creationId xmlns:a16="http://schemas.microsoft.com/office/drawing/2014/main" id="{0415A155-E169-4422-A96F-4E02266667B5}"/>
+                </a:ext>
+              </a:extLst>
+            </p:cNvPr>
+            <p:cNvSpPr/>
+            <p:nvPr/>
+          </p:nvSpPr>
+          <p:spPr>
+            <a:xfrm rot="15605945">
+              <a:off x="8669166" y="703560"/>
+              <a:ext cx="334126" cy="256660"/>
+            </a:xfrm>
+            <a:prstGeom prst="can">
+              <a:avLst>
+                <a:gd name="adj" fmla="val 50000"/>
+              </a:avLst>
+            </a:prstGeom>
+            <a:ln w="28575"/>
+          </p:spPr>
+          <p:style>
+            <a:lnRef idx="2">
+              <a:schemeClr val="dk1">
+                <a:shade val="50000"/>
+              </a:schemeClr>
+            </a:lnRef>
+            <a:fillRef idx="1">
+              <a:schemeClr val="dk1"/>
+            </a:fillRef>
+            <a:effectRef idx="0">
+              <a:schemeClr val="dk1"/>
+            </a:effectRef>
+            <a:fontRef idx="minor">
+              <a:schemeClr val="lt1"/>
+            </a:fontRef>
+          </p:style>
+          <p:txBody>
+            <a:bodyPr rtlCol="0" anchor="ctr"/>
+            <a:lstStyle/>
+            <a:p>
+              <a:pPr algn="ctr"/>
+              <a:endParaRPr lang="en-US"/>
+            </a:p>
+          </p:txBody>
+        </p:sp>
+        <p:sp>
+          <p:nvSpPr>
+            <p:cNvPr id="6" name="Cylinder 5">
+              <a:extLst>
+                <a:ext uri="{FF2B5EF4-FFF2-40B4-BE49-F238E27FC236}">
+                  <a16:creationId xmlns:a16="http://schemas.microsoft.com/office/drawing/2014/main" id="{BDF75E80-1675-4FF6-970E-F98D7DB658CE}"/>
+                </a:ext>
+              </a:extLst>
+            </p:cNvPr>
+            <p:cNvSpPr/>
+            <p:nvPr/>
+          </p:nvSpPr>
+          <p:spPr>
+            <a:xfrm rot="15605945">
+              <a:off x="8877040" y="716220"/>
+              <a:ext cx="372558" cy="286182"/>
+            </a:xfrm>
+            <a:prstGeom prst="can">
+              <a:avLst>
+                <a:gd name="adj" fmla="val 50000"/>
+              </a:avLst>
+            </a:prstGeom>
+            <a:ln w="28575"/>
+          </p:spPr>
+          <p:style>
+            <a:lnRef idx="2">
+              <a:schemeClr val="dk1">
+                <a:shade val="50000"/>
+              </a:schemeClr>
+            </a:lnRef>
+            <a:fillRef idx="1">
+              <a:schemeClr val="dk1"/>
+            </a:fillRef>
+            <a:effectRef idx="0">
+              <a:schemeClr val="dk1"/>
+            </a:effectRef>
+            <a:fontRef idx="minor">
+              <a:schemeClr val="lt1"/>
+            </a:fontRef>
+          </p:style>
+          <p:txBody>
+            <a:bodyPr rtlCol="0" anchor="ctr"/>
+            <a:lstStyle/>
+            <a:p>
+              <a:pPr algn="ctr"/>
+              <a:endParaRPr lang="en-US"/>
+            </a:p>
+          </p:txBody>
+        </p:sp>
+      </p:grpSp>
+      <p:pic>
+        <p:nvPicPr>
+          <p:cNvPr id="27" name="Graphic 26" descr="Drum set with solid fill">
+            <a:extLst>
+              <a:ext uri="{FF2B5EF4-FFF2-40B4-BE49-F238E27FC236}">
+                <a16:creationId xmlns:a16="http://schemas.microsoft.com/office/drawing/2014/main" id="{94830E7F-968A-45A5-825E-32FFE6A9C9A8}"/>
+              </a:ext>
+            </a:extLst>
+          </p:cNvPr>
+          <p:cNvPicPr>
+            <a:picLocks noChangeAspect="1"/>
+          </p:cNvPicPr>
+          <p:nvPr/>
+        </p:nvPicPr>
+        <p:blipFill>
+          <a:blip r:embed="rId2">
+            <a:extLst>
+              <a:ext uri="{28A0092B-C50C-407E-A947-70E740481C1C}">
+                <a14:useLocalDpi xmlns:a14="http://schemas.microsoft.com/office/drawing/2010/main" val="0"/>
+              </a:ext>
+              <a:ext uri="{96DAC541-7B7A-43D3-8B79-37D633B846F1}">
+                <asvg:svgBlip xmlns:asvg="http://schemas.microsoft.com/office/drawing/2016/SVG/main" r:embed="rId3"/>
+              </a:ext>
+            </a:extLst>
+          </a:blip>
+          <a:stretch>
+            <a:fillRect/>
+          </a:stretch>
+        </p:blipFill>
+        <p:spPr>
+          <a:xfrm>
+            <a:off x="1274820" y="434043"/>
+            <a:ext cx="1782524" cy="1782524"/>
+          </a:xfrm>
+          <a:prstGeom prst="rect">
+            <a:avLst/>
+          </a:prstGeom>
+        </p:spPr>
+      </p:pic>
+      <p:grpSp>
+        <p:nvGrpSpPr>
+          <p:cNvPr id="108" name="Group 107">
+            <a:extLst>
+              <a:ext uri="{FF2B5EF4-FFF2-40B4-BE49-F238E27FC236}">
+                <a16:creationId xmlns:a16="http://schemas.microsoft.com/office/drawing/2014/main" id="{715C3093-F082-4CF9-BB43-A8C8787F8F4F}"/>
+              </a:ext>
+            </a:extLst>
+          </p:cNvPr>
+          <p:cNvGrpSpPr/>
+          <p:nvPr/>
+        </p:nvGrpSpPr>
+        <p:grpSpPr>
+          <a:xfrm>
+            <a:off x="8668595" y="4432983"/>
+            <a:ext cx="1891469" cy="1072492"/>
+            <a:chOff x="8706767" y="4668369"/>
+            <a:chExt cx="1891469" cy="1072492"/>
+          </a:xfrm>
+        </p:grpSpPr>
+        <p:sp>
+          <p:nvSpPr>
+            <p:cNvPr id="29" name="Rectangle 28">
+              <a:extLst>
+                <a:ext uri="{FF2B5EF4-FFF2-40B4-BE49-F238E27FC236}">
+                  <a16:creationId xmlns:a16="http://schemas.microsoft.com/office/drawing/2014/main" id="{C3789DBF-AA31-A247-BBC8-57658529EAD7}"/>
+                </a:ext>
+              </a:extLst>
+            </p:cNvPr>
+            <p:cNvSpPr/>
+            <p:nvPr/>
+          </p:nvSpPr>
+          <p:spPr>
+            <a:xfrm>
+              <a:off x="8706767" y="4668369"/>
+              <a:ext cx="1891469" cy="1072492"/>
+            </a:xfrm>
+            <a:prstGeom prst="rect">
+              <a:avLst/>
+            </a:prstGeom>
+          </p:spPr>
+          <p:style>
+            <a:lnRef idx="2">
+              <a:schemeClr val="dk1">
+                <a:shade val="50000"/>
+              </a:schemeClr>
+            </a:lnRef>
+            <a:fillRef idx="1">
+              <a:schemeClr val="dk1"/>
+            </a:fillRef>
+            <a:effectRef idx="0">
+              <a:schemeClr val="dk1"/>
+            </a:effectRef>
+            <a:fontRef idx="minor">
+              <a:schemeClr val="lt1"/>
+            </a:fontRef>
+          </p:style>
+          <p:txBody>
+            <a:bodyPr rtlCol="0" anchor="ctr"/>
+            <a:lstStyle>
+              <a:defPPr>
+                <a:defRPr lang="en-US"/>
+              </a:defPPr>
+              <a:lvl1pPr marL="0" algn="l" defTabSz="914400" rtl="0" eaLnBrk="1" latinLnBrk="0" hangingPunct="1">
+                <a:defRPr sz="1800" kern="1200">
+                  <a:solidFill>
+                    <a:schemeClr val="lt1"/>
+                  </a:solidFill>
+                  <a:latin typeface="+mn-lt"/>
+                  <a:ea typeface="+mn-ea"/>
+                  <a:cs typeface="+mn-cs"/>
+                </a:defRPr>
+              </a:lvl1pPr>
+              <a:lvl2pPr marL="457200" algn="l" defTabSz="914400" rtl="0" eaLnBrk="1" latinLnBrk="0" hangingPunct="1">
+                <a:defRPr sz="1800" kern="1200">
+                  <a:solidFill>
+                    <a:schemeClr val="lt1"/>
+                  </a:solidFill>
+                  <a:latin typeface="+mn-lt"/>
+                  <a:ea typeface="+mn-ea"/>
+                  <a:cs typeface="+mn-cs"/>
+                </a:defRPr>
+              </a:lvl2pPr>
+              <a:lvl3pPr marL="914400" algn="l" defTabSz="914400" rtl="0" eaLnBrk="1" latinLnBrk="0" hangingPunct="1">
+                <a:defRPr sz="1800" kern="1200">
+                  <a:solidFill>
+                    <a:schemeClr val="lt1"/>
+                  </a:solidFill>
+                  <a:latin typeface="+mn-lt"/>
+                  <a:ea typeface="+mn-ea"/>
+                  <a:cs typeface="+mn-cs"/>
+                </a:defRPr>
+              </a:lvl3pPr>
+              <a:lvl4pPr marL="1371600" algn="l" defTabSz="914400" rtl="0" eaLnBrk="1" latinLnBrk="0" hangingPunct="1">
+                <a:defRPr sz="1800" kern="1200">
+                  <a:solidFill>
+                    <a:schemeClr val="lt1"/>
+                  </a:solidFill>
+                  <a:latin typeface="+mn-lt"/>
+                  <a:ea typeface="+mn-ea"/>
+                  <a:cs typeface="+mn-cs"/>
+                </a:defRPr>
+              </a:lvl4pPr>
+              <a:lvl5pPr marL="1828800" algn="l" defTabSz="914400" rtl="0" eaLnBrk="1" latinLnBrk="0" hangingPunct="1">
+                <a:defRPr sz="1800" kern="1200">
+                  <a:solidFill>
+                    <a:schemeClr val="lt1"/>
+                  </a:solidFill>
+                  <a:latin typeface="+mn-lt"/>
+                  <a:ea typeface="+mn-ea"/>
+                  <a:cs typeface="+mn-cs"/>
+                </a:defRPr>
+              </a:lvl5pPr>
+              <a:lvl6pPr marL="2286000" algn="l" defTabSz="914400" rtl="0" eaLnBrk="1" latinLnBrk="0" hangingPunct="1">
+                <a:defRPr sz="1800" kern="1200">
+                  <a:solidFill>
+                    <a:schemeClr val="lt1"/>
+                  </a:solidFill>
+                  <a:latin typeface="+mn-lt"/>
+                  <a:ea typeface="+mn-ea"/>
+                  <a:cs typeface="+mn-cs"/>
+                </a:defRPr>
+              </a:lvl6pPr>
+              <a:lvl7pPr marL="2743200" algn="l" defTabSz="914400" rtl="0" eaLnBrk="1" latinLnBrk="0" hangingPunct="1">
+                <a:defRPr sz="1800" kern="1200">
+                  <a:solidFill>
+                    <a:schemeClr val="lt1"/>
+                  </a:solidFill>
+                  <a:latin typeface="+mn-lt"/>
+                  <a:ea typeface="+mn-ea"/>
+                  <a:cs typeface="+mn-cs"/>
+                </a:defRPr>
+              </a:lvl7pPr>
+              <a:lvl8pPr marL="3200400" algn="l" defTabSz="914400" rtl="0" eaLnBrk="1" latinLnBrk="0" hangingPunct="1">
+                <a:defRPr sz="1800" kern="1200">
+                  <a:solidFill>
+                    <a:schemeClr val="lt1"/>
+                  </a:solidFill>
+                  <a:latin typeface="+mn-lt"/>
+                  <a:ea typeface="+mn-ea"/>
+                  <a:cs typeface="+mn-cs"/>
+                </a:defRPr>
+              </a:lvl8pPr>
+              <a:lvl9pPr marL="3657600" algn="l" defTabSz="914400" rtl="0" eaLnBrk="1" latinLnBrk="0" hangingPunct="1">
+                <a:defRPr sz="1800" kern="1200">
+                  <a:solidFill>
+                    <a:schemeClr val="lt1"/>
+                  </a:solidFill>
+                  <a:latin typeface="+mn-lt"/>
+                  <a:ea typeface="+mn-ea"/>
+                  <a:cs typeface="+mn-cs"/>
+                </a:defRPr>
+              </a:lvl9pPr>
+            </a:lstStyle>
+            <a:p>
+              <a:pPr algn="ctr"/>
+              <a:endParaRPr lang="en-US" sz="1600"/>
+            </a:p>
+          </p:txBody>
+        </p:sp>
+        <p:sp>
+          <p:nvSpPr>
+            <p:cNvPr id="30" name="Oval 29">
+              <a:extLst>
+                <a:ext uri="{FF2B5EF4-FFF2-40B4-BE49-F238E27FC236}">
+                  <a16:creationId xmlns:a16="http://schemas.microsoft.com/office/drawing/2014/main" id="{0823C409-8DA2-8146-A502-DED14F35560C}"/>
+                </a:ext>
+              </a:extLst>
+            </p:cNvPr>
+            <p:cNvSpPr/>
+            <p:nvPr/>
+          </p:nvSpPr>
+          <p:spPr>
+            <a:xfrm>
+              <a:off x="9630949" y="4810969"/>
+              <a:ext cx="41918" cy="41918"/>
+            </a:xfrm>
+            <a:prstGeom prst="ellipse">
+              <a:avLst/>
+            </a:prstGeom>
+            <a:solidFill>
+              <a:schemeClr val="tx1"/>
+            </a:solidFill>
+            <a:ln>
+              <a:solidFill>
+                <a:schemeClr val="bg1">
+                  <a:lumMod val="85000"/>
+                </a:schemeClr>
+              </a:solidFill>
+            </a:ln>
+          </p:spPr>
+          <p:style>
+            <a:lnRef idx="2">
+              <a:schemeClr val="accent1">
+                <a:shade val="50000"/>
+              </a:schemeClr>
+            </a:lnRef>
+            <a:fillRef idx="1">
+              <a:schemeClr val="accent1"/>
+            </a:fillRef>
+            <a:effectRef idx="0">
+              <a:schemeClr val="accent1"/>
+            </a:effectRef>
+            <a:fontRef idx="minor">
+              <a:schemeClr val="lt1"/>
+            </a:fontRef>
+          </p:style>
+          <p:txBody>
+            <a:bodyPr rtlCol="0" anchor="ctr"/>
+            <a:lstStyle>
+              <a:defPPr>
+                <a:defRPr lang="en-US"/>
+              </a:defPPr>
+              <a:lvl1pPr marL="0" algn="l" defTabSz="914400" rtl="0" eaLnBrk="1" latinLnBrk="0" hangingPunct="1">
+                <a:defRPr sz="1800" kern="1200">
+                  <a:solidFill>
+                    <a:schemeClr val="lt1"/>
+                  </a:solidFill>
+                  <a:latin typeface="+mn-lt"/>
+                  <a:ea typeface="+mn-ea"/>
+                  <a:cs typeface="+mn-cs"/>
+                </a:defRPr>
+              </a:lvl1pPr>
+              <a:lvl2pPr marL="457200" algn="l" defTabSz="914400" rtl="0" eaLnBrk="1" latinLnBrk="0" hangingPunct="1">
+                <a:defRPr sz="1800" kern="1200">
+                  <a:solidFill>
+                    <a:schemeClr val="lt1"/>
+                  </a:solidFill>
+                  <a:latin typeface="+mn-lt"/>
+                  <a:ea typeface="+mn-ea"/>
+                  <a:cs typeface="+mn-cs"/>
+                </a:defRPr>
+              </a:lvl2pPr>
+              <a:lvl3pPr marL="914400" algn="l" defTabSz="914400" rtl="0" eaLnBrk="1" latinLnBrk="0" hangingPunct="1">
+                <a:defRPr sz="1800" kern="1200">
+                  <a:solidFill>
+                    <a:schemeClr val="lt1"/>
+                  </a:solidFill>
+                  <a:latin typeface="+mn-lt"/>
+                  <a:ea typeface="+mn-ea"/>
+                  <a:cs typeface="+mn-cs"/>
+                </a:defRPr>
+              </a:lvl3pPr>
+              <a:lvl4pPr marL="1371600" algn="l" defTabSz="914400" rtl="0" eaLnBrk="1" latinLnBrk="0" hangingPunct="1">
+                <a:defRPr sz="1800" kern="1200">
+                  <a:solidFill>
+                    <a:schemeClr val="lt1"/>
+                  </a:solidFill>
+                  <a:latin typeface="+mn-lt"/>
+                  <a:ea typeface="+mn-ea"/>
+                  <a:cs typeface="+mn-cs"/>
+                </a:defRPr>
+              </a:lvl4pPr>
+              <a:lvl5pPr marL="1828800" algn="l" defTabSz="914400" rtl="0" eaLnBrk="1" latinLnBrk="0" hangingPunct="1">
+                <a:defRPr sz="1800" kern="1200">
+                  <a:solidFill>
+                    <a:schemeClr val="lt1"/>
+                  </a:solidFill>
+                  <a:latin typeface="+mn-lt"/>
+                  <a:ea typeface="+mn-ea"/>
+                  <a:cs typeface="+mn-cs"/>
+                </a:defRPr>
+              </a:lvl5pPr>
+              <a:lvl6pPr marL="2286000" algn="l" defTabSz="914400" rtl="0" eaLnBrk="1" latinLnBrk="0" hangingPunct="1">
+                <a:defRPr sz="1800" kern="1200">
+                  <a:solidFill>
+                    <a:schemeClr val="lt1"/>
+                  </a:solidFill>
+                  <a:latin typeface="+mn-lt"/>
+                  <a:ea typeface="+mn-ea"/>
+                  <a:cs typeface="+mn-cs"/>
+                </a:defRPr>
+              </a:lvl6pPr>
+              <a:lvl7pPr marL="2743200" algn="l" defTabSz="914400" rtl="0" eaLnBrk="1" latinLnBrk="0" hangingPunct="1">
+                <a:defRPr sz="1800" kern="1200">
+                  <a:solidFill>
+                    <a:schemeClr val="lt1"/>
+                  </a:solidFill>
+                  <a:latin typeface="+mn-lt"/>
+                  <a:ea typeface="+mn-ea"/>
+                  <a:cs typeface="+mn-cs"/>
+                </a:defRPr>
+              </a:lvl7pPr>
+              <a:lvl8pPr marL="3200400" algn="l" defTabSz="914400" rtl="0" eaLnBrk="1" latinLnBrk="0" hangingPunct="1">
+                <a:defRPr sz="1800" kern="1200">
+                  <a:solidFill>
+                    <a:schemeClr val="lt1"/>
+                  </a:solidFill>
+                  <a:latin typeface="+mn-lt"/>
+                  <a:ea typeface="+mn-ea"/>
+                  <a:cs typeface="+mn-cs"/>
+                </a:defRPr>
+              </a:lvl8pPr>
+              <a:lvl9pPr marL="3657600" algn="l" defTabSz="914400" rtl="0" eaLnBrk="1" latinLnBrk="0" hangingPunct="1">
+                <a:defRPr sz="1800" kern="1200">
+                  <a:solidFill>
+                    <a:schemeClr val="lt1"/>
+                  </a:solidFill>
+                  <a:latin typeface="+mn-lt"/>
+                  <a:ea typeface="+mn-ea"/>
+                  <a:cs typeface="+mn-cs"/>
+                </a:defRPr>
+              </a:lvl9pPr>
+            </a:lstStyle>
+            <a:p>
+              <a:pPr algn="ctr"/>
+              <a:endParaRPr lang="en-US" sz="1600" dirty="0"/>
+            </a:p>
+          </p:txBody>
+        </p:sp>
+        <p:sp>
+          <p:nvSpPr>
+            <p:cNvPr id="50" name="Oval 49">
+              <a:extLst>
+                <a:ext uri="{FF2B5EF4-FFF2-40B4-BE49-F238E27FC236}">
+                  <a16:creationId xmlns:a16="http://schemas.microsoft.com/office/drawing/2014/main" id="{161C1D16-17D7-0846-B7A7-D5AFF40D832D}"/>
+                </a:ext>
+              </a:extLst>
+            </p:cNvPr>
+            <p:cNvSpPr/>
+            <p:nvPr/>
+          </p:nvSpPr>
+          <p:spPr>
+            <a:xfrm>
+              <a:off x="8790249" y="4751780"/>
+              <a:ext cx="160297" cy="160297"/>
+            </a:xfrm>
+            <a:prstGeom prst="ellipse">
+              <a:avLst/>
+            </a:prstGeom>
+            <a:solidFill>
+              <a:schemeClr val="bg1">
+                <a:lumMod val="85000"/>
+              </a:schemeClr>
+            </a:solidFill>
+          </p:spPr>
+          <p:style>
+            <a:lnRef idx="2">
+              <a:schemeClr val="dk1"/>
+            </a:lnRef>
+            <a:fillRef idx="1">
+              <a:schemeClr val="lt1"/>
+            </a:fillRef>
+            <a:effectRef idx="0">
+              <a:schemeClr val="dk1"/>
+            </a:effectRef>
+            <a:fontRef idx="minor">
+              <a:schemeClr val="dk1"/>
+            </a:fontRef>
+          </p:style>
+          <p:txBody>
+            <a:bodyPr rtlCol="0" anchor="ctr"/>
+            <a:lstStyle>
+              <a:defPPr>
+                <a:defRPr lang="en-US"/>
+              </a:defPPr>
+              <a:lvl1pPr marL="0" algn="l" defTabSz="914400" rtl="0" eaLnBrk="1" latinLnBrk="0" hangingPunct="1">
+                <a:defRPr sz="1800" kern="1200">
+                  <a:solidFill>
+                    <a:schemeClr val="dk1"/>
+                  </a:solidFill>
+                  <a:latin typeface="+mn-lt"/>
+                  <a:ea typeface="+mn-ea"/>
+                  <a:cs typeface="+mn-cs"/>
+                </a:defRPr>
+              </a:lvl1pPr>
+              <a:lvl2pPr marL="457200" algn="l" defTabSz="914400" rtl="0" eaLnBrk="1" latinLnBrk="0" hangingPunct="1">
+                <a:defRPr sz="1800" kern="1200">
+                  <a:solidFill>
+                    <a:schemeClr val="dk1"/>
+                  </a:solidFill>
+                  <a:latin typeface="+mn-lt"/>
+                  <a:ea typeface="+mn-ea"/>
+                  <a:cs typeface="+mn-cs"/>
+                </a:defRPr>
+              </a:lvl2pPr>
+              <a:lvl3pPr marL="914400" algn="l" defTabSz="914400" rtl="0" eaLnBrk="1" latinLnBrk="0" hangingPunct="1">
+                <a:defRPr sz="1800" kern="1200">
+                  <a:solidFill>
+                    <a:schemeClr val="dk1"/>
+                  </a:solidFill>
+                  <a:latin typeface="+mn-lt"/>
+                  <a:ea typeface="+mn-ea"/>
+                  <a:cs typeface="+mn-cs"/>
+                </a:defRPr>
+              </a:lvl3pPr>
+              <a:lvl4pPr marL="1371600" algn="l" defTabSz="914400" rtl="0" eaLnBrk="1" latinLnBrk="0" hangingPunct="1">
+                <a:defRPr sz="1800" kern="1200">
+                  <a:solidFill>
+                    <a:schemeClr val="dk1"/>
+                  </a:solidFill>
+                  <a:latin typeface="+mn-lt"/>
+                  <a:ea typeface="+mn-ea"/>
+                  <a:cs typeface="+mn-cs"/>
+                </a:defRPr>
+              </a:lvl4pPr>
+              <a:lvl5pPr marL="1828800" algn="l" defTabSz="914400" rtl="0" eaLnBrk="1" latinLnBrk="0" hangingPunct="1">
+                <a:defRPr sz="1800" kern="1200">
+                  <a:solidFill>
+                    <a:schemeClr val="dk1"/>
+                  </a:solidFill>
+                  <a:latin typeface="+mn-lt"/>
+                  <a:ea typeface="+mn-ea"/>
+                  <a:cs typeface="+mn-cs"/>
+                </a:defRPr>
+              </a:lvl5pPr>
+              <a:lvl6pPr marL="2286000" algn="l" defTabSz="914400" rtl="0" eaLnBrk="1" latinLnBrk="0" hangingPunct="1">
+                <a:defRPr sz="1800" kern="1200">
+                  <a:solidFill>
+                    <a:schemeClr val="dk1"/>
+                  </a:solidFill>
+                  <a:latin typeface="+mn-lt"/>
+                  <a:ea typeface="+mn-ea"/>
+                  <a:cs typeface="+mn-cs"/>
+                </a:defRPr>
+              </a:lvl6pPr>
+              <a:lvl7pPr marL="2743200" algn="l" defTabSz="914400" rtl="0" eaLnBrk="1" latinLnBrk="0" hangingPunct="1">
+                <a:defRPr sz="1800" kern="1200">
+                  <a:solidFill>
+                    <a:schemeClr val="dk1"/>
+                  </a:solidFill>
+                  <a:latin typeface="+mn-lt"/>
+                  <a:ea typeface="+mn-ea"/>
+                  <a:cs typeface="+mn-cs"/>
+                </a:defRPr>
+              </a:lvl7pPr>
+              <a:lvl8pPr marL="3200400" algn="l" defTabSz="914400" rtl="0" eaLnBrk="1" latinLnBrk="0" hangingPunct="1">
+                <a:defRPr sz="1800" kern="1200">
+                  <a:solidFill>
+                    <a:schemeClr val="dk1"/>
+                  </a:solidFill>
+                  <a:latin typeface="+mn-lt"/>
+                  <a:ea typeface="+mn-ea"/>
+                  <a:cs typeface="+mn-cs"/>
+                </a:defRPr>
+              </a:lvl8pPr>
+              <a:lvl9pPr marL="3657600" algn="l" defTabSz="914400" rtl="0" eaLnBrk="1" latinLnBrk="0" hangingPunct="1">
+                <a:defRPr sz="1800" kern="1200">
+                  <a:solidFill>
+                    <a:schemeClr val="dk1"/>
+                  </a:solidFill>
+                  <a:latin typeface="+mn-lt"/>
+                  <a:ea typeface="+mn-ea"/>
+                  <a:cs typeface="+mn-cs"/>
+                </a:defRPr>
+              </a:lvl9pPr>
+            </a:lstStyle>
+            <a:p>
+              <a:pPr algn="ctr"/>
+              <a:endParaRPr lang="en-US" sz="1600" dirty="0"/>
+            </a:p>
+          </p:txBody>
+        </p:sp>
+        <p:sp>
+          <p:nvSpPr>
+            <p:cNvPr id="52" name="Oval 51">
+              <a:extLst>
+                <a:ext uri="{FF2B5EF4-FFF2-40B4-BE49-F238E27FC236}">
+                  <a16:creationId xmlns:a16="http://schemas.microsoft.com/office/drawing/2014/main" id="{4FBAD7DD-76C0-6045-8780-9E257058628D}"/>
+                </a:ext>
+              </a:extLst>
+            </p:cNvPr>
+            <p:cNvSpPr/>
+            <p:nvPr/>
+          </p:nvSpPr>
+          <p:spPr>
+            <a:xfrm>
+              <a:off x="8826095" y="4787965"/>
+              <a:ext cx="89923" cy="89923"/>
+            </a:xfrm>
+            <a:prstGeom prst="ellipse">
+              <a:avLst/>
+            </a:prstGeom>
+            <a:solidFill>
+              <a:schemeClr val="bg1">
+                <a:lumMod val="85000"/>
+              </a:schemeClr>
+            </a:solidFill>
+          </p:spPr>
+          <p:style>
+            <a:lnRef idx="2">
+              <a:schemeClr val="dk1"/>
+            </a:lnRef>
+            <a:fillRef idx="1">
+              <a:schemeClr val="lt1"/>
+            </a:fillRef>
+            <a:effectRef idx="0">
+              <a:schemeClr val="dk1"/>
+            </a:effectRef>
+            <a:fontRef idx="minor">
+              <a:schemeClr val="dk1"/>
+            </a:fontRef>
+          </p:style>
+          <p:txBody>
+            <a:bodyPr rtlCol="0" anchor="ctr"/>
+            <a:lstStyle>
+              <a:defPPr>
+                <a:defRPr lang="en-US"/>
+              </a:defPPr>
+              <a:lvl1pPr marL="0" algn="l" defTabSz="914400" rtl="0" eaLnBrk="1" latinLnBrk="0" hangingPunct="1">
+                <a:defRPr sz="1800" kern="1200">
+                  <a:solidFill>
+                    <a:schemeClr val="dk1"/>
+                  </a:solidFill>
+                  <a:latin typeface="+mn-lt"/>
+                  <a:ea typeface="+mn-ea"/>
+                  <a:cs typeface="+mn-cs"/>
+                </a:defRPr>
+              </a:lvl1pPr>
+              <a:lvl2pPr marL="457200" algn="l" defTabSz="914400" rtl="0" eaLnBrk="1" latinLnBrk="0" hangingPunct="1">
+                <a:defRPr sz="1800" kern="1200">
+                  <a:solidFill>
+                    <a:schemeClr val="dk1"/>
+                  </a:solidFill>
+                  <a:latin typeface="+mn-lt"/>
+                  <a:ea typeface="+mn-ea"/>
+                  <a:cs typeface="+mn-cs"/>
+                </a:defRPr>
+              </a:lvl2pPr>
+              <a:lvl3pPr marL="914400" algn="l" defTabSz="914400" rtl="0" eaLnBrk="1" latinLnBrk="0" hangingPunct="1">
+                <a:defRPr sz="1800" kern="1200">
+                  <a:solidFill>
+                    <a:schemeClr val="dk1"/>
+                  </a:solidFill>
+                  <a:latin typeface="+mn-lt"/>
+                  <a:ea typeface="+mn-ea"/>
+                  <a:cs typeface="+mn-cs"/>
+                </a:defRPr>
+              </a:lvl3pPr>
+              <a:lvl4pPr marL="1371600" algn="l" defTabSz="914400" rtl="0" eaLnBrk="1" latinLnBrk="0" hangingPunct="1">
+                <a:defRPr sz="1800" kern="1200">
+                  <a:solidFill>
+                    <a:schemeClr val="dk1"/>
+                  </a:solidFill>
+                  <a:latin typeface="+mn-lt"/>
+                  <a:ea typeface="+mn-ea"/>
+                  <a:cs typeface="+mn-cs"/>
+                </a:defRPr>
+              </a:lvl4pPr>
+              <a:lvl5pPr marL="1828800" algn="l" defTabSz="914400" rtl="0" eaLnBrk="1" latinLnBrk="0" hangingPunct="1">
+                <a:defRPr sz="1800" kern="1200">
+                  <a:solidFill>
+                    <a:schemeClr val="dk1"/>
+                  </a:solidFill>
+                  <a:latin typeface="+mn-lt"/>
+                  <a:ea typeface="+mn-ea"/>
+                  <a:cs typeface="+mn-cs"/>
+                </a:defRPr>
+              </a:lvl5pPr>
+              <a:lvl6pPr marL="2286000" algn="l" defTabSz="914400" rtl="0" eaLnBrk="1" latinLnBrk="0" hangingPunct="1">
+                <a:defRPr sz="1800" kern="1200">
+                  <a:solidFill>
+                    <a:schemeClr val="dk1"/>
+                  </a:solidFill>
+                  <a:latin typeface="+mn-lt"/>
+                  <a:ea typeface="+mn-ea"/>
+                  <a:cs typeface="+mn-cs"/>
+                </a:defRPr>
+              </a:lvl6pPr>
+              <a:lvl7pPr marL="2743200" algn="l" defTabSz="914400" rtl="0" eaLnBrk="1" latinLnBrk="0" hangingPunct="1">
+                <a:defRPr sz="1800" kern="1200">
+                  <a:solidFill>
+                    <a:schemeClr val="dk1"/>
+                  </a:solidFill>
+                  <a:latin typeface="+mn-lt"/>
+                  <a:ea typeface="+mn-ea"/>
+                  <a:cs typeface="+mn-cs"/>
+                </a:defRPr>
+              </a:lvl7pPr>
+              <a:lvl8pPr marL="3200400" algn="l" defTabSz="914400" rtl="0" eaLnBrk="1" latinLnBrk="0" hangingPunct="1">
+                <a:defRPr sz="1800" kern="1200">
+                  <a:solidFill>
+                    <a:schemeClr val="dk1"/>
+                  </a:solidFill>
+                  <a:latin typeface="+mn-lt"/>
+                  <a:ea typeface="+mn-ea"/>
+                  <a:cs typeface="+mn-cs"/>
+                </a:defRPr>
+              </a:lvl8pPr>
+              <a:lvl9pPr marL="3657600" algn="l" defTabSz="914400" rtl="0" eaLnBrk="1" latinLnBrk="0" hangingPunct="1">
+                <a:defRPr sz="1800" kern="1200">
+                  <a:solidFill>
+                    <a:schemeClr val="dk1"/>
+                  </a:solidFill>
+                  <a:latin typeface="+mn-lt"/>
+                  <a:ea typeface="+mn-ea"/>
+                  <a:cs typeface="+mn-cs"/>
+                </a:defRPr>
+              </a:lvl9pPr>
+            </a:lstStyle>
+            <a:p>
+              <a:pPr algn="ctr"/>
+              <a:endParaRPr lang="en-US" sz="1600" dirty="0"/>
+            </a:p>
+          </p:txBody>
+        </p:sp>
+        <p:sp>
+          <p:nvSpPr>
+            <p:cNvPr id="47" name="Oval 46">
+              <a:extLst>
+                <a:ext uri="{FF2B5EF4-FFF2-40B4-BE49-F238E27FC236}">
+                  <a16:creationId xmlns:a16="http://schemas.microsoft.com/office/drawing/2014/main" id="{B632B1A0-A86D-BE46-9F9A-51FD4ECF042C}"/>
+                </a:ext>
+              </a:extLst>
+            </p:cNvPr>
+            <p:cNvSpPr/>
+            <p:nvPr/>
+          </p:nvSpPr>
+          <p:spPr>
+            <a:xfrm>
+              <a:off x="10353575" y="4751780"/>
+              <a:ext cx="160297" cy="160297"/>
+            </a:xfrm>
+            <a:prstGeom prst="ellipse">
+              <a:avLst/>
+            </a:prstGeom>
+            <a:solidFill>
+              <a:schemeClr val="bg1">
+                <a:lumMod val="85000"/>
+              </a:schemeClr>
+            </a:solidFill>
+          </p:spPr>
+          <p:style>
+            <a:lnRef idx="2">
+              <a:schemeClr val="dk1"/>
+            </a:lnRef>
+            <a:fillRef idx="1">
+              <a:schemeClr val="lt1"/>
+            </a:fillRef>
+            <a:effectRef idx="0">
+              <a:schemeClr val="dk1"/>
+            </a:effectRef>
+            <a:fontRef idx="minor">
+              <a:schemeClr val="dk1"/>
+            </a:fontRef>
+          </p:style>
+          <p:txBody>
+            <a:bodyPr rtlCol="0" anchor="ctr"/>
+            <a:lstStyle>
+              <a:defPPr>
+                <a:defRPr lang="en-US"/>
+              </a:defPPr>
+              <a:lvl1pPr marL="0" algn="l" defTabSz="914400" rtl="0" eaLnBrk="1" latinLnBrk="0" hangingPunct="1">
+                <a:defRPr sz="1800" kern="1200">
+                  <a:solidFill>
+                    <a:schemeClr val="dk1"/>
+                  </a:solidFill>
+                  <a:latin typeface="+mn-lt"/>
+                  <a:ea typeface="+mn-ea"/>
+                  <a:cs typeface="+mn-cs"/>
+                </a:defRPr>
+              </a:lvl1pPr>
+              <a:lvl2pPr marL="457200" algn="l" defTabSz="914400" rtl="0" eaLnBrk="1" latinLnBrk="0" hangingPunct="1">
+                <a:defRPr sz="1800" kern="1200">
+                  <a:solidFill>
+                    <a:schemeClr val="dk1"/>
+                  </a:solidFill>
+                  <a:latin typeface="+mn-lt"/>
+                  <a:ea typeface="+mn-ea"/>
+                  <a:cs typeface="+mn-cs"/>
+                </a:defRPr>
+              </a:lvl2pPr>
+              <a:lvl3pPr marL="914400" algn="l" defTabSz="914400" rtl="0" eaLnBrk="1" latinLnBrk="0" hangingPunct="1">
+                <a:defRPr sz="1800" kern="1200">
+                  <a:solidFill>
+                    <a:schemeClr val="dk1"/>
+                  </a:solidFill>
+                  <a:latin typeface="+mn-lt"/>
+                  <a:ea typeface="+mn-ea"/>
+                  <a:cs typeface="+mn-cs"/>
+                </a:defRPr>
+              </a:lvl3pPr>
+              <a:lvl4pPr marL="1371600" algn="l" defTabSz="914400" rtl="0" eaLnBrk="1" latinLnBrk="0" hangingPunct="1">
+                <a:defRPr sz="1800" kern="1200">
+                  <a:solidFill>
+                    <a:schemeClr val="dk1"/>
+                  </a:solidFill>
+                  <a:latin typeface="+mn-lt"/>
+                  <a:ea typeface="+mn-ea"/>
+                  <a:cs typeface="+mn-cs"/>
+                </a:defRPr>
+              </a:lvl4pPr>
+              <a:lvl5pPr marL="1828800" algn="l" defTabSz="914400" rtl="0" eaLnBrk="1" latinLnBrk="0" hangingPunct="1">
+                <a:defRPr sz="1800" kern="1200">
+                  <a:solidFill>
+                    <a:schemeClr val="dk1"/>
+                  </a:solidFill>
+                  <a:latin typeface="+mn-lt"/>
+                  <a:ea typeface="+mn-ea"/>
+                  <a:cs typeface="+mn-cs"/>
+                </a:defRPr>
+              </a:lvl5pPr>
+              <a:lvl6pPr marL="2286000" algn="l" defTabSz="914400" rtl="0" eaLnBrk="1" latinLnBrk="0" hangingPunct="1">
+                <a:defRPr sz="1800" kern="1200">
+                  <a:solidFill>
+                    <a:schemeClr val="dk1"/>
+                  </a:solidFill>
+                  <a:latin typeface="+mn-lt"/>
+                  <a:ea typeface="+mn-ea"/>
+                  <a:cs typeface="+mn-cs"/>
+                </a:defRPr>
+              </a:lvl6pPr>
+              <a:lvl7pPr marL="2743200" algn="l" defTabSz="914400" rtl="0" eaLnBrk="1" latinLnBrk="0" hangingPunct="1">
+                <a:defRPr sz="1800" kern="1200">
+                  <a:solidFill>
+                    <a:schemeClr val="dk1"/>
+                  </a:solidFill>
+                  <a:latin typeface="+mn-lt"/>
+                  <a:ea typeface="+mn-ea"/>
+                  <a:cs typeface="+mn-cs"/>
+                </a:defRPr>
+              </a:lvl7pPr>
+              <a:lvl8pPr marL="3200400" algn="l" defTabSz="914400" rtl="0" eaLnBrk="1" latinLnBrk="0" hangingPunct="1">
+                <a:defRPr sz="1800" kern="1200">
+                  <a:solidFill>
+                    <a:schemeClr val="dk1"/>
+                  </a:solidFill>
+                  <a:latin typeface="+mn-lt"/>
+                  <a:ea typeface="+mn-ea"/>
+                  <a:cs typeface="+mn-cs"/>
+                </a:defRPr>
+              </a:lvl8pPr>
+              <a:lvl9pPr marL="3657600" algn="l" defTabSz="914400" rtl="0" eaLnBrk="1" latinLnBrk="0" hangingPunct="1">
+                <a:defRPr sz="1800" kern="1200">
+                  <a:solidFill>
+                    <a:schemeClr val="dk1"/>
+                  </a:solidFill>
+                  <a:latin typeface="+mn-lt"/>
+                  <a:ea typeface="+mn-ea"/>
+                  <a:cs typeface="+mn-cs"/>
+                </a:defRPr>
+              </a:lvl9pPr>
+            </a:lstStyle>
+            <a:p>
+              <a:pPr algn="ctr"/>
+              <a:endParaRPr lang="en-US" sz="1600" dirty="0"/>
+            </a:p>
+          </p:txBody>
+        </p:sp>
+        <p:sp>
+          <p:nvSpPr>
+            <p:cNvPr id="49" name="Oval 48">
+              <a:extLst>
+                <a:ext uri="{FF2B5EF4-FFF2-40B4-BE49-F238E27FC236}">
+                  <a16:creationId xmlns:a16="http://schemas.microsoft.com/office/drawing/2014/main" id="{E31013F2-6CD0-9940-AC76-5DCD986EFD4A}"/>
+                </a:ext>
+              </a:extLst>
+            </p:cNvPr>
+            <p:cNvSpPr/>
+            <p:nvPr/>
+          </p:nvSpPr>
+          <p:spPr>
+            <a:xfrm>
+              <a:off x="10389421" y="4787965"/>
+              <a:ext cx="89923" cy="89923"/>
+            </a:xfrm>
+            <a:prstGeom prst="ellipse">
+              <a:avLst/>
+            </a:prstGeom>
+            <a:solidFill>
+              <a:schemeClr val="bg1">
+                <a:lumMod val="85000"/>
+              </a:schemeClr>
+            </a:solidFill>
+          </p:spPr>
+          <p:style>
+            <a:lnRef idx="2">
+              <a:schemeClr val="dk1"/>
+            </a:lnRef>
+            <a:fillRef idx="1">
+              <a:schemeClr val="lt1"/>
+            </a:fillRef>
+            <a:effectRef idx="0">
+              <a:schemeClr val="dk1"/>
+            </a:effectRef>
+            <a:fontRef idx="minor">
+              <a:schemeClr val="dk1"/>
+            </a:fontRef>
+          </p:style>
+          <p:txBody>
+            <a:bodyPr rtlCol="0" anchor="ctr"/>
+            <a:lstStyle>
+              <a:defPPr>
+                <a:defRPr lang="en-US"/>
+              </a:defPPr>
+              <a:lvl1pPr marL="0" algn="l" defTabSz="914400" rtl="0" eaLnBrk="1" latinLnBrk="0" hangingPunct="1">
+                <a:defRPr sz="1800" kern="1200">
+                  <a:solidFill>
+                    <a:schemeClr val="dk1"/>
+                  </a:solidFill>
+                  <a:latin typeface="+mn-lt"/>
+                  <a:ea typeface="+mn-ea"/>
+                  <a:cs typeface="+mn-cs"/>
+                </a:defRPr>
+              </a:lvl1pPr>
+              <a:lvl2pPr marL="457200" algn="l" defTabSz="914400" rtl="0" eaLnBrk="1" latinLnBrk="0" hangingPunct="1">
+                <a:defRPr sz="1800" kern="1200">
+                  <a:solidFill>
+                    <a:schemeClr val="dk1"/>
+                  </a:solidFill>
+                  <a:latin typeface="+mn-lt"/>
+                  <a:ea typeface="+mn-ea"/>
+                  <a:cs typeface="+mn-cs"/>
+                </a:defRPr>
+              </a:lvl2pPr>
+              <a:lvl3pPr marL="914400" algn="l" defTabSz="914400" rtl="0" eaLnBrk="1" latinLnBrk="0" hangingPunct="1">
+                <a:defRPr sz="1800" kern="1200">
+                  <a:solidFill>
+                    <a:schemeClr val="dk1"/>
+                  </a:solidFill>
+                  <a:latin typeface="+mn-lt"/>
+                  <a:ea typeface="+mn-ea"/>
+                  <a:cs typeface="+mn-cs"/>
+                </a:defRPr>
+              </a:lvl3pPr>
+              <a:lvl4pPr marL="1371600" algn="l" defTabSz="914400" rtl="0" eaLnBrk="1" latinLnBrk="0" hangingPunct="1">
+                <a:defRPr sz="1800" kern="1200">
+                  <a:solidFill>
+                    <a:schemeClr val="dk1"/>
+                  </a:solidFill>
+                  <a:latin typeface="+mn-lt"/>
+                  <a:ea typeface="+mn-ea"/>
+                  <a:cs typeface="+mn-cs"/>
+                </a:defRPr>
+              </a:lvl4pPr>
+              <a:lvl5pPr marL="1828800" algn="l" defTabSz="914400" rtl="0" eaLnBrk="1" latinLnBrk="0" hangingPunct="1">
+                <a:defRPr sz="1800" kern="1200">
+                  <a:solidFill>
+                    <a:schemeClr val="dk1"/>
+                  </a:solidFill>
+                  <a:latin typeface="+mn-lt"/>
+                  <a:ea typeface="+mn-ea"/>
+                  <a:cs typeface="+mn-cs"/>
+                </a:defRPr>
+              </a:lvl5pPr>
+              <a:lvl6pPr marL="2286000" algn="l" defTabSz="914400" rtl="0" eaLnBrk="1" latinLnBrk="0" hangingPunct="1">
+                <a:defRPr sz="1800" kern="1200">
+                  <a:solidFill>
+                    <a:schemeClr val="dk1"/>
+                  </a:solidFill>
+                  <a:latin typeface="+mn-lt"/>
+                  <a:ea typeface="+mn-ea"/>
+                  <a:cs typeface="+mn-cs"/>
+                </a:defRPr>
+              </a:lvl6pPr>
+              <a:lvl7pPr marL="2743200" algn="l" defTabSz="914400" rtl="0" eaLnBrk="1" latinLnBrk="0" hangingPunct="1">
+                <a:defRPr sz="1800" kern="1200">
+                  <a:solidFill>
+                    <a:schemeClr val="dk1"/>
+                  </a:solidFill>
+                  <a:latin typeface="+mn-lt"/>
+                  <a:ea typeface="+mn-ea"/>
+                  <a:cs typeface="+mn-cs"/>
+                </a:defRPr>
+              </a:lvl7pPr>
+              <a:lvl8pPr marL="3200400" algn="l" defTabSz="914400" rtl="0" eaLnBrk="1" latinLnBrk="0" hangingPunct="1">
+                <a:defRPr sz="1800" kern="1200">
+                  <a:solidFill>
+                    <a:schemeClr val="dk1"/>
+                  </a:solidFill>
+                  <a:latin typeface="+mn-lt"/>
+                  <a:ea typeface="+mn-ea"/>
+                  <a:cs typeface="+mn-cs"/>
+                </a:defRPr>
+              </a:lvl8pPr>
+              <a:lvl9pPr marL="3657600" algn="l" defTabSz="914400" rtl="0" eaLnBrk="1" latinLnBrk="0" hangingPunct="1">
+                <a:defRPr sz="1800" kern="1200">
+                  <a:solidFill>
+                    <a:schemeClr val="dk1"/>
+                  </a:solidFill>
+                  <a:latin typeface="+mn-lt"/>
+                  <a:ea typeface="+mn-ea"/>
+                  <a:cs typeface="+mn-cs"/>
+                </a:defRPr>
+              </a:lvl9pPr>
+            </a:lstStyle>
+            <a:p>
+              <a:pPr algn="ctr"/>
+              <a:endParaRPr lang="en-US" sz="1600" dirty="0"/>
+            </a:p>
+          </p:txBody>
+        </p:sp>
+        <p:sp>
+          <p:nvSpPr>
+            <p:cNvPr id="44" name="Oval 43">
+              <a:extLst>
+                <a:ext uri="{FF2B5EF4-FFF2-40B4-BE49-F238E27FC236}">
+                  <a16:creationId xmlns:a16="http://schemas.microsoft.com/office/drawing/2014/main" id="{952D1361-0412-7642-A8EF-CC7CE28E9827}"/>
+                </a:ext>
+              </a:extLst>
+            </p:cNvPr>
+            <p:cNvSpPr/>
+            <p:nvPr/>
+          </p:nvSpPr>
+          <p:spPr>
+            <a:xfrm>
+              <a:off x="8793859" y="5492668"/>
+              <a:ext cx="160297" cy="160297"/>
+            </a:xfrm>
+            <a:prstGeom prst="ellipse">
+              <a:avLst/>
+            </a:prstGeom>
+            <a:solidFill>
+              <a:schemeClr val="bg1">
+                <a:lumMod val="85000"/>
+              </a:schemeClr>
+            </a:solidFill>
+          </p:spPr>
+          <p:style>
+            <a:lnRef idx="2">
+              <a:schemeClr val="dk1"/>
+            </a:lnRef>
+            <a:fillRef idx="1">
+              <a:schemeClr val="lt1"/>
+            </a:fillRef>
+            <a:effectRef idx="0">
+              <a:schemeClr val="dk1"/>
+            </a:effectRef>
+            <a:fontRef idx="minor">
+              <a:schemeClr val="dk1"/>
+            </a:fontRef>
+          </p:style>
+          <p:txBody>
+            <a:bodyPr rtlCol="0" anchor="ctr"/>
+            <a:lstStyle>
+              <a:defPPr>
+                <a:defRPr lang="en-US"/>
+              </a:defPPr>
+              <a:lvl1pPr marL="0" algn="l" defTabSz="914400" rtl="0" eaLnBrk="1" latinLnBrk="0" hangingPunct="1">
+                <a:defRPr sz="1800" kern="1200">
+                  <a:solidFill>
+                    <a:schemeClr val="dk1"/>
+                  </a:solidFill>
+                  <a:latin typeface="+mn-lt"/>
+                  <a:ea typeface="+mn-ea"/>
+                  <a:cs typeface="+mn-cs"/>
+                </a:defRPr>
+              </a:lvl1pPr>
+              <a:lvl2pPr marL="457200" algn="l" defTabSz="914400" rtl="0" eaLnBrk="1" latinLnBrk="0" hangingPunct="1">
+                <a:defRPr sz="1800" kern="1200">
+                  <a:solidFill>
+                    <a:schemeClr val="dk1"/>
+                  </a:solidFill>
+                  <a:latin typeface="+mn-lt"/>
+                  <a:ea typeface="+mn-ea"/>
+                  <a:cs typeface="+mn-cs"/>
+                </a:defRPr>
+              </a:lvl2pPr>
+              <a:lvl3pPr marL="914400" algn="l" defTabSz="914400" rtl="0" eaLnBrk="1" latinLnBrk="0" hangingPunct="1">
+                <a:defRPr sz="1800" kern="1200">
+                  <a:solidFill>
+                    <a:schemeClr val="dk1"/>
+                  </a:solidFill>
+                  <a:latin typeface="+mn-lt"/>
+                  <a:ea typeface="+mn-ea"/>
+                  <a:cs typeface="+mn-cs"/>
+                </a:defRPr>
+              </a:lvl3pPr>
+              <a:lvl4pPr marL="1371600" algn="l" defTabSz="914400" rtl="0" eaLnBrk="1" latinLnBrk="0" hangingPunct="1">
+                <a:defRPr sz="1800" kern="1200">
+                  <a:solidFill>
+                    <a:schemeClr val="dk1"/>
+                  </a:solidFill>
+                  <a:latin typeface="+mn-lt"/>
+                  <a:ea typeface="+mn-ea"/>
+                  <a:cs typeface="+mn-cs"/>
+                </a:defRPr>
+              </a:lvl4pPr>
+              <a:lvl5pPr marL="1828800" algn="l" defTabSz="914400" rtl="0" eaLnBrk="1" latinLnBrk="0" hangingPunct="1">
+                <a:defRPr sz="1800" kern="1200">
+                  <a:solidFill>
+                    <a:schemeClr val="dk1"/>
+                  </a:solidFill>
+                  <a:latin typeface="+mn-lt"/>
+                  <a:ea typeface="+mn-ea"/>
+                  <a:cs typeface="+mn-cs"/>
+                </a:defRPr>
+              </a:lvl5pPr>
+              <a:lvl6pPr marL="2286000" algn="l" defTabSz="914400" rtl="0" eaLnBrk="1" latinLnBrk="0" hangingPunct="1">
+                <a:defRPr sz="1800" kern="1200">
+                  <a:solidFill>
+                    <a:schemeClr val="dk1"/>
+                  </a:solidFill>
+                  <a:latin typeface="+mn-lt"/>
+                  <a:ea typeface="+mn-ea"/>
+                  <a:cs typeface="+mn-cs"/>
+                </a:defRPr>
+              </a:lvl6pPr>
+              <a:lvl7pPr marL="2743200" algn="l" defTabSz="914400" rtl="0" eaLnBrk="1" latinLnBrk="0" hangingPunct="1">
+                <a:defRPr sz="1800" kern="1200">
+                  <a:solidFill>
+                    <a:schemeClr val="dk1"/>
+                  </a:solidFill>
+                  <a:latin typeface="+mn-lt"/>
+                  <a:ea typeface="+mn-ea"/>
+                  <a:cs typeface="+mn-cs"/>
+                </a:defRPr>
+              </a:lvl7pPr>
+              <a:lvl8pPr marL="3200400" algn="l" defTabSz="914400" rtl="0" eaLnBrk="1" latinLnBrk="0" hangingPunct="1">
+                <a:defRPr sz="1800" kern="1200">
+                  <a:solidFill>
+                    <a:schemeClr val="dk1"/>
+                  </a:solidFill>
+                  <a:latin typeface="+mn-lt"/>
+                  <a:ea typeface="+mn-ea"/>
+                  <a:cs typeface="+mn-cs"/>
+                </a:defRPr>
+              </a:lvl8pPr>
+              <a:lvl9pPr marL="3657600" algn="l" defTabSz="914400" rtl="0" eaLnBrk="1" latinLnBrk="0" hangingPunct="1">
+                <a:defRPr sz="1800" kern="1200">
+                  <a:solidFill>
+                    <a:schemeClr val="dk1"/>
+                  </a:solidFill>
+                  <a:latin typeface="+mn-lt"/>
+                  <a:ea typeface="+mn-ea"/>
+                  <a:cs typeface="+mn-cs"/>
+                </a:defRPr>
+              </a:lvl9pPr>
+            </a:lstStyle>
+            <a:p>
+              <a:pPr algn="ctr"/>
+              <a:endParaRPr lang="en-US" sz="1600" dirty="0"/>
+            </a:p>
+          </p:txBody>
+        </p:sp>
+        <p:sp>
+          <p:nvSpPr>
+            <p:cNvPr id="46" name="Oval 45">
+              <a:extLst>
+                <a:ext uri="{FF2B5EF4-FFF2-40B4-BE49-F238E27FC236}">
+                  <a16:creationId xmlns:a16="http://schemas.microsoft.com/office/drawing/2014/main" id="{0802B6E2-AA88-ED43-B05E-C823653CE501}"/>
+                </a:ext>
+              </a:extLst>
+            </p:cNvPr>
+            <p:cNvSpPr/>
+            <p:nvPr/>
+          </p:nvSpPr>
+          <p:spPr>
+            <a:xfrm>
+              <a:off x="8829705" y="5528853"/>
+              <a:ext cx="89923" cy="89923"/>
+            </a:xfrm>
+            <a:prstGeom prst="ellipse">
+              <a:avLst/>
+            </a:prstGeom>
+            <a:solidFill>
+              <a:schemeClr val="bg1">
+                <a:lumMod val="85000"/>
+              </a:schemeClr>
+            </a:solidFill>
+          </p:spPr>
+          <p:style>
+            <a:lnRef idx="2">
+              <a:schemeClr val="dk1"/>
+            </a:lnRef>
+            <a:fillRef idx="1">
+              <a:schemeClr val="lt1"/>
+            </a:fillRef>
+            <a:effectRef idx="0">
+              <a:schemeClr val="dk1"/>
+            </a:effectRef>
+            <a:fontRef idx="minor">
+              <a:schemeClr val="dk1"/>
+            </a:fontRef>
+          </p:style>
+          <p:txBody>
+            <a:bodyPr rtlCol="0" anchor="ctr"/>
+            <a:lstStyle>
+              <a:defPPr>
+                <a:defRPr lang="en-US"/>
+              </a:defPPr>
+              <a:lvl1pPr marL="0" algn="l" defTabSz="914400" rtl="0" eaLnBrk="1" latinLnBrk="0" hangingPunct="1">
+                <a:defRPr sz="1800" kern="1200">
+                  <a:solidFill>
+                    <a:schemeClr val="dk1"/>
+                  </a:solidFill>
+                  <a:latin typeface="+mn-lt"/>
+                  <a:ea typeface="+mn-ea"/>
+                  <a:cs typeface="+mn-cs"/>
+                </a:defRPr>
+              </a:lvl1pPr>
+              <a:lvl2pPr marL="457200" algn="l" defTabSz="914400" rtl="0" eaLnBrk="1" latinLnBrk="0" hangingPunct="1">
+                <a:defRPr sz="1800" kern="1200">
+                  <a:solidFill>
+                    <a:schemeClr val="dk1"/>
+                  </a:solidFill>
+                  <a:latin typeface="+mn-lt"/>
+                  <a:ea typeface="+mn-ea"/>
+                  <a:cs typeface="+mn-cs"/>
+                </a:defRPr>
+              </a:lvl2pPr>
+              <a:lvl3pPr marL="914400" algn="l" defTabSz="914400" rtl="0" eaLnBrk="1" latinLnBrk="0" hangingPunct="1">
+                <a:defRPr sz="1800" kern="1200">
+                  <a:solidFill>
+                    <a:schemeClr val="dk1"/>
+                  </a:solidFill>
+                  <a:latin typeface="+mn-lt"/>
+                  <a:ea typeface="+mn-ea"/>
+                  <a:cs typeface="+mn-cs"/>
+                </a:defRPr>
+              </a:lvl3pPr>
+              <a:lvl4pPr marL="1371600" algn="l" defTabSz="914400" rtl="0" eaLnBrk="1" latinLnBrk="0" hangingPunct="1">
+                <a:defRPr sz="1800" kern="1200">
+                  <a:solidFill>
+                    <a:schemeClr val="dk1"/>
+                  </a:solidFill>
+                  <a:latin typeface="+mn-lt"/>
+                  <a:ea typeface="+mn-ea"/>
+                  <a:cs typeface="+mn-cs"/>
+                </a:defRPr>
+              </a:lvl4pPr>
+              <a:lvl5pPr marL="1828800" algn="l" defTabSz="914400" rtl="0" eaLnBrk="1" latinLnBrk="0" hangingPunct="1">
+                <a:defRPr sz="1800" kern="1200">
+                  <a:solidFill>
+                    <a:schemeClr val="dk1"/>
+                  </a:solidFill>
+                  <a:latin typeface="+mn-lt"/>
+                  <a:ea typeface="+mn-ea"/>
+                  <a:cs typeface="+mn-cs"/>
+                </a:defRPr>
+              </a:lvl5pPr>
+              <a:lvl6pPr marL="2286000" algn="l" defTabSz="914400" rtl="0" eaLnBrk="1" latinLnBrk="0" hangingPunct="1">
+                <a:defRPr sz="1800" kern="1200">
+                  <a:solidFill>
+                    <a:schemeClr val="dk1"/>
+                  </a:solidFill>
+                  <a:latin typeface="+mn-lt"/>
+                  <a:ea typeface="+mn-ea"/>
+                  <a:cs typeface="+mn-cs"/>
+                </a:defRPr>
+              </a:lvl6pPr>
+              <a:lvl7pPr marL="2743200" algn="l" defTabSz="914400" rtl="0" eaLnBrk="1" latinLnBrk="0" hangingPunct="1">
+                <a:defRPr sz="1800" kern="1200">
+                  <a:solidFill>
+                    <a:schemeClr val="dk1"/>
+                  </a:solidFill>
+                  <a:latin typeface="+mn-lt"/>
+                  <a:ea typeface="+mn-ea"/>
+                  <a:cs typeface="+mn-cs"/>
+                </a:defRPr>
+              </a:lvl7pPr>
+              <a:lvl8pPr marL="3200400" algn="l" defTabSz="914400" rtl="0" eaLnBrk="1" latinLnBrk="0" hangingPunct="1">
+                <a:defRPr sz="1800" kern="1200">
+                  <a:solidFill>
+                    <a:schemeClr val="dk1"/>
+                  </a:solidFill>
+                  <a:latin typeface="+mn-lt"/>
+                  <a:ea typeface="+mn-ea"/>
+                  <a:cs typeface="+mn-cs"/>
+                </a:defRPr>
+              </a:lvl8pPr>
+              <a:lvl9pPr marL="3657600" algn="l" defTabSz="914400" rtl="0" eaLnBrk="1" latinLnBrk="0" hangingPunct="1">
+                <a:defRPr sz="1800" kern="1200">
+                  <a:solidFill>
+                    <a:schemeClr val="dk1"/>
+                  </a:solidFill>
+                  <a:latin typeface="+mn-lt"/>
+                  <a:ea typeface="+mn-ea"/>
+                  <a:cs typeface="+mn-cs"/>
+                </a:defRPr>
+              </a:lvl9pPr>
+            </a:lstStyle>
+            <a:p>
+              <a:pPr algn="ctr"/>
+              <a:endParaRPr lang="en-US" sz="1600" dirty="0"/>
+            </a:p>
+          </p:txBody>
+        </p:sp>
+        <p:sp>
+          <p:nvSpPr>
+            <p:cNvPr id="41" name="Oval 40">
+              <a:extLst>
+                <a:ext uri="{FF2B5EF4-FFF2-40B4-BE49-F238E27FC236}">
+                  <a16:creationId xmlns:a16="http://schemas.microsoft.com/office/drawing/2014/main" id="{0B45DF8D-1ACD-2C43-903E-E3AAE56710BF}"/>
+                </a:ext>
+              </a:extLst>
+            </p:cNvPr>
+            <p:cNvSpPr/>
+            <p:nvPr/>
+          </p:nvSpPr>
+          <p:spPr>
+            <a:xfrm>
+              <a:off x="10348544" y="5493186"/>
+              <a:ext cx="160297" cy="160297"/>
+            </a:xfrm>
+            <a:prstGeom prst="ellipse">
+              <a:avLst/>
+            </a:prstGeom>
+            <a:solidFill>
+              <a:schemeClr val="bg1">
+                <a:lumMod val="85000"/>
+              </a:schemeClr>
+            </a:solidFill>
+          </p:spPr>
+          <p:style>
+            <a:lnRef idx="2">
+              <a:schemeClr val="dk1"/>
+            </a:lnRef>
+            <a:fillRef idx="1">
+              <a:schemeClr val="lt1"/>
+            </a:fillRef>
+            <a:effectRef idx="0">
+              <a:schemeClr val="dk1"/>
+            </a:effectRef>
+            <a:fontRef idx="minor">
+              <a:schemeClr val="dk1"/>
+            </a:fontRef>
+          </p:style>
+          <p:txBody>
+            <a:bodyPr rtlCol="0" anchor="ctr"/>
+            <a:lstStyle>
+              <a:defPPr>
+                <a:defRPr lang="en-US"/>
+              </a:defPPr>
+              <a:lvl1pPr marL="0" algn="l" defTabSz="914400" rtl="0" eaLnBrk="1" latinLnBrk="0" hangingPunct="1">
+                <a:defRPr sz="1800" kern="1200">
+                  <a:solidFill>
+                    <a:schemeClr val="dk1"/>
+                  </a:solidFill>
+                  <a:latin typeface="+mn-lt"/>
+                  <a:ea typeface="+mn-ea"/>
+                  <a:cs typeface="+mn-cs"/>
+                </a:defRPr>
+              </a:lvl1pPr>
+              <a:lvl2pPr marL="457200" algn="l" defTabSz="914400" rtl="0" eaLnBrk="1" latinLnBrk="0" hangingPunct="1">
+                <a:defRPr sz="1800" kern="1200">
+                  <a:solidFill>
+                    <a:schemeClr val="dk1"/>
+                  </a:solidFill>
+                  <a:latin typeface="+mn-lt"/>
+                  <a:ea typeface="+mn-ea"/>
+                  <a:cs typeface="+mn-cs"/>
+                </a:defRPr>
+              </a:lvl2pPr>
+              <a:lvl3pPr marL="914400" algn="l" defTabSz="914400" rtl="0" eaLnBrk="1" latinLnBrk="0" hangingPunct="1">
+                <a:defRPr sz="1800" kern="1200">
+                  <a:solidFill>
+                    <a:schemeClr val="dk1"/>
+                  </a:solidFill>
+                  <a:latin typeface="+mn-lt"/>
+                  <a:ea typeface="+mn-ea"/>
+                  <a:cs typeface="+mn-cs"/>
+                </a:defRPr>
+              </a:lvl3pPr>
+              <a:lvl4pPr marL="1371600" algn="l" defTabSz="914400" rtl="0" eaLnBrk="1" latinLnBrk="0" hangingPunct="1">
+                <a:defRPr sz="1800" kern="1200">
+                  <a:solidFill>
+                    <a:schemeClr val="dk1"/>
+                  </a:solidFill>
+                  <a:latin typeface="+mn-lt"/>
+                  <a:ea typeface="+mn-ea"/>
+                  <a:cs typeface="+mn-cs"/>
+                </a:defRPr>
+              </a:lvl4pPr>
+              <a:lvl5pPr marL="1828800" algn="l" defTabSz="914400" rtl="0" eaLnBrk="1" latinLnBrk="0" hangingPunct="1">
+                <a:defRPr sz="1800" kern="1200">
+                  <a:solidFill>
+                    <a:schemeClr val="dk1"/>
+                  </a:solidFill>
+                  <a:latin typeface="+mn-lt"/>
+                  <a:ea typeface="+mn-ea"/>
+                  <a:cs typeface="+mn-cs"/>
+                </a:defRPr>
+              </a:lvl5pPr>
+              <a:lvl6pPr marL="2286000" algn="l" defTabSz="914400" rtl="0" eaLnBrk="1" latinLnBrk="0" hangingPunct="1">
+                <a:defRPr sz="1800" kern="1200">
+                  <a:solidFill>
+                    <a:schemeClr val="dk1"/>
+                  </a:solidFill>
+                  <a:latin typeface="+mn-lt"/>
+                  <a:ea typeface="+mn-ea"/>
+                  <a:cs typeface="+mn-cs"/>
+                </a:defRPr>
+              </a:lvl6pPr>
+              <a:lvl7pPr marL="2743200" algn="l" defTabSz="914400" rtl="0" eaLnBrk="1" latinLnBrk="0" hangingPunct="1">
+                <a:defRPr sz="1800" kern="1200">
+                  <a:solidFill>
+                    <a:schemeClr val="dk1"/>
+                  </a:solidFill>
+                  <a:latin typeface="+mn-lt"/>
+                  <a:ea typeface="+mn-ea"/>
+                  <a:cs typeface="+mn-cs"/>
+                </a:defRPr>
+              </a:lvl7pPr>
+              <a:lvl8pPr marL="3200400" algn="l" defTabSz="914400" rtl="0" eaLnBrk="1" latinLnBrk="0" hangingPunct="1">
+                <a:defRPr sz="1800" kern="1200">
+                  <a:solidFill>
+                    <a:schemeClr val="dk1"/>
+                  </a:solidFill>
+                  <a:latin typeface="+mn-lt"/>
+                  <a:ea typeface="+mn-ea"/>
+                  <a:cs typeface="+mn-cs"/>
+                </a:defRPr>
+              </a:lvl8pPr>
+              <a:lvl9pPr marL="3657600" algn="l" defTabSz="914400" rtl="0" eaLnBrk="1" latinLnBrk="0" hangingPunct="1">
+                <a:defRPr sz="1800" kern="1200">
+                  <a:solidFill>
+                    <a:schemeClr val="dk1"/>
+                  </a:solidFill>
+                  <a:latin typeface="+mn-lt"/>
+                  <a:ea typeface="+mn-ea"/>
+                  <a:cs typeface="+mn-cs"/>
+                </a:defRPr>
+              </a:lvl9pPr>
+            </a:lstStyle>
+            <a:p>
+              <a:pPr algn="ctr"/>
+              <a:endParaRPr lang="en-US" sz="1600" dirty="0"/>
+            </a:p>
+          </p:txBody>
+        </p:sp>
+        <p:sp>
+          <p:nvSpPr>
+            <p:cNvPr id="43" name="Oval 42">
+              <a:extLst>
+                <a:ext uri="{FF2B5EF4-FFF2-40B4-BE49-F238E27FC236}">
+                  <a16:creationId xmlns:a16="http://schemas.microsoft.com/office/drawing/2014/main" id="{BB12EDC4-2978-DB4B-93C6-3DFEFF413D4F}"/>
+                </a:ext>
+              </a:extLst>
+            </p:cNvPr>
+            <p:cNvSpPr/>
+            <p:nvPr/>
+          </p:nvSpPr>
+          <p:spPr>
+            <a:xfrm>
+              <a:off x="10384390" y="5529371"/>
+              <a:ext cx="89923" cy="89923"/>
+            </a:xfrm>
+            <a:prstGeom prst="ellipse">
+              <a:avLst/>
+            </a:prstGeom>
+            <a:solidFill>
+              <a:schemeClr val="bg1">
+                <a:lumMod val="85000"/>
+              </a:schemeClr>
+            </a:solidFill>
+          </p:spPr>
+          <p:style>
+            <a:lnRef idx="2">
+              <a:schemeClr val="dk1"/>
+            </a:lnRef>
+            <a:fillRef idx="1">
+              <a:schemeClr val="lt1"/>
+            </a:fillRef>
+            <a:effectRef idx="0">
+              <a:schemeClr val="dk1"/>
+            </a:effectRef>
+            <a:fontRef idx="minor">
+              <a:schemeClr val="dk1"/>
+            </a:fontRef>
+          </p:style>
+          <p:txBody>
+            <a:bodyPr rtlCol="0" anchor="ctr"/>
+            <a:lstStyle>
+              <a:defPPr>
+                <a:defRPr lang="en-US"/>
+              </a:defPPr>
+              <a:lvl1pPr marL="0" algn="l" defTabSz="914400" rtl="0" eaLnBrk="1" latinLnBrk="0" hangingPunct="1">
+                <a:defRPr sz="1800" kern="1200">
+                  <a:solidFill>
+                    <a:schemeClr val="dk1"/>
+                  </a:solidFill>
+                  <a:latin typeface="+mn-lt"/>
+                  <a:ea typeface="+mn-ea"/>
+                  <a:cs typeface="+mn-cs"/>
+                </a:defRPr>
+              </a:lvl1pPr>
+              <a:lvl2pPr marL="457200" algn="l" defTabSz="914400" rtl="0" eaLnBrk="1" latinLnBrk="0" hangingPunct="1">
+                <a:defRPr sz="1800" kern="1200">
+                  <a:solidFill>
+                    <a:schemeClr val="dk1"/>
+                  </a:solidFill>
+                  <a:latin typeface="+mn-lt"/>
+                  <a:ea typeface="+mn-ea"/>
+                  <a:cs typeface="+mn-cs"/>
+                </a:defRPr>
+              </a:lvl2pPr>
+              <a:lvl3pPr marL="914400" algn="l" defTabSz="914400" rtl="0" eaLnBrk="1" latinLnBrk="0" hangingPunct="1">
+                <a:defRPr sz="1800" kern="1200">
+                  <a:solidFill>
+                    <a:schemeClr val="dk1"/>
+                  </a:solidFill>
+                  <a:latin typeface="+mn-lt"/>
+                  <a:ea typeface="+mn-ea"/>
+                  <a:cs typeface="+mn-cs"/>
+                </a:defRPr>
+              </a:lvl3pPr>
+              <a:lvl4pPr marL="1371600" algn="l" defTabSz="914400" rtl="0" eaLnBrk="1" latinLnBrk="0" hangingPunct="1">
+                <a:defRPr sz="1800" kern="1200">
+                  <a:solidFill>
+                    <a:schemeClr val="dk1"/>
+                  </a:solidFill>
+                  <a:latin typeface="+mn-lt"/>
+                  <a:ea typeface="+mn-ea"/>
+                  <a:cs typeface="+mn-cs"/>
+                </a:defRPr>
+              </a:lvl4pPr>
+              <a:lvl5pPr marL="1828800" algn="l" defTabSz="914400" rtl="0" eaLnBrk="1" latinLnBrk="0" hangingPunct="1">
+                <a:defRPr sz="1800" kern="1200">
+                  <a:solidFill>
+                    <a:schemeClr val="dk1"/>
+                  </a:solidFill>
+                  <a:latin typeface="+mn-lt"/>
+                  <a:ea typeface="+mn-ea"/>
+                  <a:cs typeface="+mn-cs"/>
+                </a:defRPr>
+              </a:lvl5pPr>
+              <a:lvl6pPr marL="2286000" algn="l" defTabSz="914400" rtl="0" eaLnBrk="1" latinLnBrk="0" hangingPunct="1">
+                <a:defRPr sz="1800" kern="1200">
+                  <a:solidFill>
+                    <a:schemeClr val="dk1"/>
+                  </a:solidFill>
+                  <a:latin typeface="+mn-lt"/>
+                  <a:ea typeface="+mn-ea"/>
+                  <a:cs typeface="+mn-cs"/>
+                </a:defRPr>
+              </a:lvl6pPr>
+              <a:lvl7pPr marL="2743200" algn="l" defTabSz="914400" rtl="0" eaLnBrk="1" latinLnBrk="0" hangingPunct="1">
+                <a:defRPr sz="1800" kern="1200">
+                  <a:solidFill>
+                    <a:schemeClr val="dk1"/>
+                  </a:solidFill>
+                  <a:latin typeface="+mn-lt"/>
+                  <a:ea typeface="+mn-ea"/>
+                  <a:cs typeface="+mn-cs"/>
+                </a:defRPr>
+              </a:lvl7pPr>
+              <a:lvl8pPr marL="3200400" algn="l" defTabSz="914400" rtl="0" eaLnBrk="1" latinLnBrk="0" hangingPunct="1">
+                <a:defRPr sz="1800" kern="1200">
+                  <a:solidFill>
+                    <a:schemeClr val="dk1"/>
+                  </a:solidFill>
+                  <a:latin typeface="+mn-lt"/>
+                  <a:ea typeface="+mn-ea"/>
+                  <a:cs typeface="+mn-cs"/>
+                </a:defRPr>
+              </a:lvl8pPr>
+              <a:lvl9pPr marL="3657600" algn="l" defTabSz="914400" rtl="0" eaLnBrk="1" latinLnBrk="0" hangingPunct="1">
+                <a:defRPr sz="1800" kern="1200">
+                  <a:solidFill>
+                    <a:schemeClr val="dk1"/>
+                  </a:solidFill>
+                  <a:latin typeface="+mn-lt"/>
+                  <a:ea typeface="+mn-ea"/>
+                  <a:cs typeface="+mn-cs"/>
+                </a:defRPr>
+              </a:lvl9pPr>
+            </a:lstStyle>
+            <a:p>
+              <a:pPr algn="ctr"/>
+              <a:endParaRPr lang="en-US" sz="1600" dirty="0"/>
+            </a:p>
+          </p:txBody>
+        </p:sp>
+        <p:sp>
+          <p:nvSpPr>
+            <p:cNvPr id="38" name="Oval 37">
+              <a:extLst>
+                <a:ext uri="{FF2B5EF4-FFF2-40B4-BE49-F238E27FC236}">
+                  <a16:creationId xmlns:a16="http://schemas.microsoft.com/office/drawing/2014/main" id="{61B4389F-14E2-ED41-A565-C65DFEE792BF}"/>
+                </a:ext>
+              </a:extLst>
+            </p:cNvPr>
+            <p:cNvSpPr/>
+            <p:nvPr/>
+          </p:nvSpPr>
+          <p:spPr>
+            <a:xfrm>
+              <a:off x="9575885" y="5103628"/>
+              <a:ext cx="160297" cy="160297"/>
+            </a:xfrm>
+            <a:prstGeom prst="ellipse">
+              <a:avLst/>
+            </a:prstGeom>
+            <a:solidFill>
+              <a:schemeClr val="bg1">
+                <a:lumMod val="85000"/>
+              </a:schemeClr>
+            </a:solidFill>
+          </p:spPr>
+          <p:style>
+            <a:lnRef idx="2">
+              <a:schemeClr val="dk1"/>
+            </a:lnRef>
+            <a:fillRef idx="1">
+              <a:schemeClr val="lt1"/>
+            </a:fillRef>
+            <a:effectRef idx="0">
+              <a:schemeClr val="dk1"/>
+            </a:effectRef>
+            <a:fontRef idx="minor">
+              <a:schemeClr val="dk1"/>
+            </a:fontRef>
+          </p:style>
+          <p:txBody>
+            <a:bodyPr rtlCol="0" anchor="ctr"/>
+            <a:lstStyle>
+              <a:defPPr>
+                <a:defRPr lang="en-US"/>
+              </a:defPPr>
+              <a:lvl1pPr marL="0" algn="l" defTabSz="914400" rtl="0" eaLnBrk="1" latinLnBrk="0" hangingPunct="1">
+                <a:defRPr sz="1800" kern="1200">
+                  <a:solidFill>
+                    <a:schemeClr val="dk1"/>
+                  </a:solidFill>
+                  <a:latin typeface="+mn-lt"/>
+                  <a:ea typeface="+mn-ea"/>
+                  <a:cs typeface="+mn-cs"/>
+                </a:defRPr>
+              </a:lvl1pPr>
+              <a:lvl2pPr marL="457200" algn="l" defTabSz="914400" rtl="0" eaLnBrk="1" latinLnBrk="0" hangingPunct="1">
+                <a:defRPr sz="1800" kern="1200">
+                  <a:solidFill>
+                    <a:schemeClr val="dk1"/>
+                  </a:solidFill>
+                  <a:latin typeface="+mn-lt"/>
+                  <a:ea typeface="+mn-ea"/>
+                  <a:cs typeface="+mn-cs"/>
+                </a:defRPr>
+              </a:lvl2pPr>
+              <a:lvl3pPr marL="914400" algn="l" defTabSz="914400" rtl="0" eaLnBrk="1" latinLnBrk="0" hangingPunct="1">
+                <a:defRPr sz="1800" kern="1200">
+                  <a:solidFill>
+                    <a:schemeClr val="dk1"/>
+                  </a:solidFill>
+                  <a:latin typeface="+mn-lt"/>
+                  <a:ea typeface="+mn-ea"/>
+                  <a:cs typeface="+mn-cs"/>
+                </a:defRPr>
+              </a:lvl3pPr>
+              <a:lvl4pPr marL="1371600" algn="l" defTabSz="914400" rtl="0" eaLnBrk="1" latinLnBrk="0" hangingPunct="1">
+                <a:defRPr sz="1800" kern="1200">
+                  <a:solidFill>
+                    <a:schemeClr val="dk1"/>
+                  </a:solidFill>
+                  <a:latin typeface="+mn-lt"/>
+                  <a:ea typeface="+mn-ea"/>
+                  <a:cs typeface="+mn-cs"/>
+                </a:defRPr>
+              </a:lvl4pPr>
+              <a:lvl5pPr marL="1828800" algn="l" defTabSz="914400" rtl="0" eaLnBrk="1" latinLnBrk="0" hangingPunct="1">
+                <a:defRPr sz="1800" kern="1200">
+                  <a:solidFill>
+                    <a:schemeClr val="dk1"/>
+                  </a:solidFill>
+                  <a:latin typeface="+mn-lt"/>
+                  <a:ea typeface="+mn-ea"/>
+                  <a:cs typeface="+mn-cs"/>
+                </a:defRPr>
+              </a:lvl5pPr>
+              <a:lvl6pPr marL="2286000" algn="l" defTabSz="914400" rtl="0" eaLnBrk="1" latinLnBrk="0" hangingPunct="1">
+                <a:defRPr sz="1800" kern="1200">
+                  <a:solidFill>
+                    <a:schemeClr val="dk1"/>
+                  </a:solidFill>
+                  <a:latin typeface="+mn-lt"/>
+                  <a:ea typeface="+mn-ea"/>
+                  <a:cs typeface="+mn-cs"/>
+                </a:defRPr>
+              </a:lvl6pPr>
+              <a:lvl7pPr marL="2743200" algn="l" defTabSz="914400" rtl="0" eaLnBrk="1" latinLnBrk="0" hangingPunct="1">
+                <a:defRPr sz="1800" kern="1200">
+                  <a:solidFill>
+                    <a:schemeClr val="dk1"/>
+                  </a:solidFill>
+                  <a:latin typeface="+mn-lt"/>
+                  <a:ea typeface="+mn-ea"/>
+                  <a:cs typeface="+mn-cs"/>
+                </a:defRPr>
+              </a:lvl7pPr>
+              <a:lvl8pPr marL="3200400" algn="l" defTabSz="914400" rtl="0" eaLnBrk="1" latinLnBrk="0" hangingPunct="1">
+                <a:defRPr sz="1800" kern="1200">
+                  <a:solidFill>
+                    <a:schemeClr val="dk1"/>
+                  </a:solidFill>
+                  <a:latin typeface="+mn-lt"/>
+                  <a:ea typeface="+mn-ea"/>
+                  <a:cs typeface="+mn-cs"/>
+                </a:defRPr>
+              </a:lvl8pPr>
+              <a:lvl9pPr marL="3657600" algn="l" defTabSz="914400" rtl="0" eaLnBrk="1" latinLnBrk="0" hangingPunct="1">
+                <a:defRPr sz="1800" kern="1200">
+                  <a:solidFill>
+                    <a:schemeClr val="dk1"/>
+                  </a:solidFill>
+                  <a:latin typeface="+mn-lt"/>
+                  <a:ea typeface="+mn-ea"/>
+                  <a:cs typeface="+mn-cs"/>
+                </a:defRPr>
+              </a:lvl9pPr>
+            </a:lstStyle>
+            <a:p>
+              <a:pPr algn="ctr"/>
+              <a:endParaRPr lang="en-US" sz="1600" dirty="0"/>
+            </a:p>
+          </p:txBody>
+        </p:sp>
+        <p:sp>
+          <p:nvSpPr>
+            <p:cNvPr id="40" name="Oval 39">
+              <a:extLst>
+                <a:ext uri="{FF2B5EF4-FFF2-40B4-BE49-F238E27FC236}">
+                  <a16:creationId xmlns:a16="http://schemas.microsoft.com/office/drawing/2014/main" id="{CD0DE9F8-7705-0042-A143-1DA665E0783E}"/>
+                </a:ext>
+              </a:extLst>
+            </p:cNvPr>
+            <p:cNvSpPr/>
+            <p:nvPr/>
+          </p:nvSpPr>
+          <p:spPr>
+            <a:xfrm>
+              <a:off x="9611731" y="5139813"/>
+              <a:ext cx="89923" cy="89923"/>
+            </a:xfrm>
+            <a:prstGeom prst="ellipse">
+              <a:avLst/>
+            </a:prstGeom>
+            <a:solidFill>
+              <a:schemeClr val="bg1">
+                <a:lumMod val="85000"/>
+              </a:schemeClr>
+            </a:solidFill>
+          </p:spPr>
+          <p:style>
+            <a:lnRef idx="2">
+              <a:schemeClr val="dk1"/>
+            </a:lnRef>
+            <a:fillRef idx="1">
+              <a:schemeClr val="lt1"/>
+            </a:fillRef>
+            <a:effectRef idx="0">
+              <a:schemeClr val="dk1"/>
+            </a:effectRef>
+            <a:fontRef idx="minor">
+              <a:schemeClr val="dk1"/>
+            </a:fontRef>
+          </p:style>
+          <p:txBody>
+            <a:bodyPr rtlCol="0" anchor="ctr"/>
+            <a:lstStyle>
+              <a:defPPr>
+                <a:defRPr lang="en-US"/>
+              </a:defPPr>
+              <a:lvl1pPr marL="0" algn="l" defTabSz="914400" rtl="0" eaLnBrk="1" latinLnBrk="0" hangingPunct="1">
+                <a:defRPr sz="1800" kern="1200">
+                  <a:solidFill>
+                    <a:schemeClr val="dk1"/>
+                  </a:solidFill>
+                  <a:latin typeface="+mn-lt"/>
+                  <a:ea typeface="+mn-ea"/>
+                  <a:cs typeface="+mn-cs"/>
+                </a:defRPr>
+              </a:lvl1pPr>
+              <a:lvl2pPr marL="457200" algn="l" defTabSz="914400" rtl="0" eaLnBrk="1" latinLnBrk="0" hangingPunct="1">
+                <a:defRPr sz="1800" kern="1200">
+                  <a:solidFill>
+                    <a:schemeClr val="dk1"/>
+                  </a:solidFill>
+                  <a:latin typeface="+mn-lt"/>
+                  <a:ea typeface="+mn-ea"/>
+                  <a:cs typeface="+mn-cs"/>
+                </a:defRPr>
+              </a:lvl2pPr>
+              <a:lvl3pPr marL="914400" algn="l" defTabSz="914400" rtl="0" eaLnBrk="1" latinLnBrk="0" hangingPunct="1">
+                <a:defRPr sz="1800" kern="1200">
+                  <a:solidFill>
+                    <a:schemeClr val="dk1"/>
+                  </a:solidFill>
+                  <a:latin typeface="+mn-lt"/>
+                  <a:ea typeface="+mn-ea"/>
+                  <a:cs typeface="+mn-cs"/>
+                </a:defRPr>
+              </a:lvl3pPr>
+              <a:lvl4pPr marL="1371600" algn="l" defTabSz="914400" rtl="0" eaLnBrk="1" latinLnBrk="0" hangingPunct="1">
+                <a:defRPr sz="1800" kern="1200">
+                  <a:solidFill>
+                    <a:schemeClr val="dk1"/>
+                  </a:solidFill>
+                  <a:latin typeface="+mn-lt"/>
+                  <a:ea typeface="+mn-ea"/>
+                  <a:cs typeface="+mn-cs"/>
+                </a:defRPr>
+              </a:lvl4pPr>
+              <a:lvl5pPr marL="1828800" algn="l" defTabSz="914400" rtl="0" eaLnBrk="1" latinLnBrk="0" hangingPunct="1">
+                <a:defRPr sz="1800" kern="1200">
+                  <a:solidFill>
+                    <a:schemeClr val="dk1"/>
+                  </a:solidFill>
+                  <a:latin typeface="+mn-lt"/>
+                  <a:ea typeface="+mn-ea"/>
+                  <a:cs typeface="+mn-cs"/>
+                </a:defRPr>
+              </a:lvl5pPr>
+              <a:lvl6pPr marL="2286000" algn="l" defTabSz="914400" rtl="0" eaLnBrk="1" latinLnBrk="0" hangingPunct="1">
+                <a:defRPr sz="1800" kern="1200">
+                  <a:solidFill>
+                    <a:schemeClr val="dk1"/>
+                  </a:solidFill>
+                  <a:latin typeface="+mn-lt"/>
+                  <a:ea typeface="+mn-ea"/>
+                  <a:cs typeface="+mn-cs"/>
+                </a:defRPr>
+              </a:lvl6pPr>
+              <a:lvl7pPr marL="2743200" algn="l" defTabSz="914400" rtl="0" eaLnBrk="1" latinLnBrk="0" hangingPunct="1">
+                <a:defRPr sz="1800" kern="1200">
+                  <a:solidFill>
+                    <a:schemeClr val="dk1"/>
+                  </a:solidFill>
+                  <a:latin typeface="+mn-lt"/>
+                  <a:ea typeface="+mn-ea"/>
+                  <a:cs typeface="+mn-cs"/>
+                </a:defRPr>
+              </a:lvl7pPr>
+              <a:lvl8pPr marL="3200400" algn="l" defTabSz="914400" rtl="0" eaLnBrk="1" latinLnBrk="0" hangingPunct="1">
+                <a:defRPr sz="1800" kern="1200">
+                  <a:solidFill>
+                    <a:schemeClr val="dk1"/>
+                  </a:solidFill>
+                  <a:latin typeface="+mn-lt"/>
+                  <a:ea typeface="+mn-ea"/>
+                  <a:cs typeface="+mn-cs"/>
+                </a:defRPr>
+              </a:lvl8pPr>
+              <a:lvl9pPr marL="3657600" algn="l" defTabSz="914400" rtl="0" eaLnBrk="1" latinLnBrk="0" hangingPunct="1">
+                <a:defRPr sz="1800" kern="1200">
+                  <a:solidFill>
+                    <a:schemeClr val="dk1"/>
+                  </a:solidFill>
+                  <a:latin typeface="+mn-lt"/>
+                  <a:ea typeface="+mn-ea"/>
+                  <a:cs typeface="+mn-cs"/>
+                </a:defRPr>
+              </a:lvl9pPr>
+            </a:lstStyle>
+            <a:p>
+              <a:pPr algn="ctr"/>
+              <a:endParaRPr lang="en-US" sz="1600" dirty="0"/>
+            </a:p>
+          </p:txBody>
+        </p:sp>
+        <p:sp>
+          <p:nvSpPr>
+            <p:cNvPr id="36" name="Oval 35">
+              <a:extLst>
+                <a:ext uri="{FF2B5EF4-FFF2-40B4-BE49-F238E27FC236}">
+                  <a16:creationId xmlns:a16="http://schemas.microsoft.com/office/drawing/2014/main" id="{CE8D5914-3E50-934B-A4ED-7869797E0F18}"/>
+                </a:ext>
+              </a:extLst>
+            </p:cNvPr>
+            <p:cNvSpPr/>
+            <p:nvPr/>
+          </p:nvSpPr>
+          <p:spPr>
+            <a:xfrm>
+              <a:off x="9736182" y="4810968"/>
+              <a:ext cx="41918" cy="41918"/>
+            </a:xfrm>
+            <a:prstGeom prst="ellipse">
+              <a:avLst/>
+            </a:prstGeom>
+            <a:solidFill>
+              <a:schemeClr val="tx1"/>
+            </a:solidFill>
+            <a:ln>
+              <a:solidFill>
+                <a:schemeClr val="bg1">
+                  <a:lumMod val="85000"/>
+                </a:schemeClr>
+              </a:solidFill>
+            </a:ln>
+          </p:spPr>
+          <p:style>
+            <a:lnRef idx="2">
+              <a:schemeClr val="accent1">
+                <a:shade val="50000"/>
+              </a:schemeClr>
+            </a:lnRef>
+            <a:fillRef idx="1">
+              <a:schemeClr val="accent1"/>
+            </a:fillRef>
+            <a:effectRef idx="0">
+              <a:schemeClr val="accent1"/>
+            </a:effectRef>
+            <a:fontRef idx="minor">
+              <a:schemeClr val="lt1"/>
+            </a:fontRef>
+          </p:style>
+          <p:txBody>
+            <a:bodyPr rtlCol="0" anchor="ctr"/>
+            <a:lstStyle>
+              <a:defPPr>
+                <a:defRPr lang="en-US"/>
+              </a:defPPr>
+              <a:lvl1pPr marL="0" algn="l" defTabSz="914400" rtl="0" eaLnBrk="1" latinLnBrk="0" hangingPunct="1">
+                <a:defRPr sz="1800" kern="1200">
+                  <a:solidFill>
+                    <a:schemeClr val="lt1"/>
+                  </a:solidFill>
+                  <a:latin typeface="+mn-lt"/>
+                  <a:ea typeface="+mn-ea"/>
+                  <a:cs typeface="+mn-cs"/>
+                </a:defRPr>
+              </a:lvl1pPr>
+              <a:lvl2pPr marL="457200" algn="l" defTabSz="914400" rtl="0" eaLnBrk="1" latinLnBrk="0" hangingPunct="1">
+                <a:defRPr sz="1800" kern="1200">
+                  <a:solidFill>
+                    <a:schemeClr val="lt1"/>
+                  </a:solidFill>
+                  <a:latin typeface="+mn-lt"/>
+                  <a:ea typeface="+mn-ea"/>
+                  <a:cs typeface="+mn-cs"/>
+                </a:defRPr>
+              </a:lvl2pPr>
+              <a:lvl3pPr marL="914400" algn="l" defTabSz="914400" rtl="0" eaLnBrk="1" latinLnBrk="0" hangingPunct="1">
+                <a:defRPr sz="1800" kern="1200">
+                  <a:solidFill>
+                    <a:schemeClr val="lt1"/>
+                  </a:solidFill>
+                  <a:latin typeface="+mn-lt"/>
+                  <a:ea typeface="+mn-ea"/>
+                  <a:cs typeface="+mn-cs"/>
+                </a:defRPr>
+              </a:lvl3pPr>
+              <a:lvl4pPr marL="1371600" algn="l" defTabSz="914400" rtl="0" eaLnBrk="1" latinLnBrk="0" hangingPunct="1">
+                <a:defRPr sz="1800" kern="1200">
+                  <a:solidFill>
+                    <a:schemeClr val="lt1"/>
+                  </a:solidFill>
+                  <a:latin typeface="+mn-lt"/>
+                  <a:ea typeface="+mn-ea"/>
+                  <a:cs typeface="+mn-cs"/>
+                </a:defRPr>
+              </a:lvl4pPr>
+              <a:lvl5pPr marL="1828800" algn="l" defTabSz="914400" rtl="0" eaLnBrk="1" latinLnBrk="0" hangingPunct="1">
+                <a:defRPr sz="1800" kern="1200">
+                  <a:solidFill>
+                    <a:schemeClr val="lt1"/>
+                  </a:solidFill>
+                  <a:latin typeface="+mn-lt"/>
+                  <a:ea typeface="+mn-ea"/>
+                  <a:cs typeface="+mn-cs"/>
+                </a:defRPr>
+              </a:lvl5pPr>
+              <a:lvl6pPr marL="2286000" algn="l" defTabSz="914400" rtl="0" eaLnBrk="1" latinLnBrk="0" hangingPunct="1">
+                <a:defRPr sz="1800" kern="1200">
+                  <a:solidFill>
+                    <a:schemeClr val="lt1"/>
+                  </a:solidFill>
+                  <a:latin typeface="+mn-lt"/>
+                  <a:ea typeface="+mn-ea"/>
+                  <a:cs typeface="+mn-cs"/>
+                </a:defRPr>
+              </a:lvl6pPr>
+              <a:lvl7pPr marL="2743200" algn="l" defTabSz="914400" rtl="0" eaLnBrk="1" latinLnBrk="0" hangingPunct="1">
+                <a:defRPr sz="1800" kern="1200">
+                  <a:solidFill>
+                    <a:schemeClr val="lt1"/>
+                  </a:solidFill>
+                  <a:latin typeface="+mn-lt"/>
+                  <a:ea typeface="+mn-ea"/>
+                  <a:cs typeface="+mn-cs"/>
+                </a:defRPr>
+              </a:lvl7pPr>
+              <a:lvl8pPr marL="3200400" algn="l" defTabSz="914400" rtl="0" eaLnBrk="1" latinLnBrk="0" hangingPunct="1">
+                <a:defRPr sz="1800" kern="1200">
+                  <a:solidFill>
+                    <a:schemeClr val="lt1"/>
+                  </a:solidFill>
+                  <a:latin typeface="+mn-lt"/>
+                  <a:ea typeface="+mn-ea"/>
+                  <a:cs typeface="+mn-cs"/>
+                </a:defRPr>
+              </a:lvl8pPr>
+              <a:lvl9pPr marL="3657600" algn="l" defTabSz="914400" rtl="0" eaLnBrk="1" latinLnBrk="0" hangingPunct="1">
+                <a:defRPr sz="1800" kern="1200">
+                  <a:solidFill>
+                    <a:schemeClr val="lt1"/>
+                  </a:solidFill>
+                  <a:latin typeface="+mn-lt"/>
+                  <a:ea typeface="+mn-ea"/>
+                  <a:cs typeface="+mn-cs"/>
+                </a:defRPr>
+              </a:lvl9pPr>
+            </a:lstStyle>
+            <a:p>
+              <a:pPr algn="ctr"/>
+              <a:endParaRPr lang="en-US" sz="1600" dirty="0"/>
+            </a:p>
+          </p:txBody>
+        </p:sp>
+        <p:sp>
+          <p:nvSpPr>
+            <p:cNvPr id="37" name="Oval 36">
+              <a:extLst>
+                <a:ext uri="{FF2B5EF4-FFF2-40B4-BE49-F238E27FC236}">
+                  <a16:creationId xmlns:a16="http://schemas.microsoft.com/office/drawing/2014/main" id="{90D2729A-7CDD-A949-9D0F-250925C0E856}"/>
+                </a:ext>
+              </a:extLst>
+            </p:cNvPr>
+            <p:cNvSpPr/>
+            <p:nvPr/>
+          </p:nvSpPr>
+          <p:spPr>
+            <a:xfrm>
+              <a:off x="9527314" y="4809859"/>
+              <a:ext cx="41918" cy="41918"/>
+            </a:xfrm>
+            <a:prstGeom prst="ellipse">
+              <a:avLst/>
+            </a:prstGeom>
+            <a:solidFill>
+              <a:schemeClr val="tx1"/>
+            </a:solidFill>
+            <a:ln>
+              <a:solidFill>
+                <a:schemeClr val="bg1">
+                  <a:lumMod val="85000"/>
+                </a:schemeClr>
+              </a:solidFill>
+            </a:ln>
+          </p:spPr>
+          <p:style>
+            <a:lnRef idx="2">
+              <a:schemeClr val="accent1">
+                <a:shade val="50000"/>
+              </a:schemeClr>
+            </a:lnRef>
+            <a:fillRef idx="1">
+              <a:schemeClr val="accent1"/>
+            </a:fillRef>
+            <a:effectRef idx="0">
+              <a:schemeClr val="accent1"/>
+            </a:effectRef>
+            <a:fontRef idx="minor">
+              <a:schemeClr val="lt1"/>
+            </a:fontRef>
+          </p:style>
+          <p:txBody>
+            <a:bodyPr rtlCol="0" anchor="ctr"/>
+            <a:lstStyle>
+              <a:defPPr>
+                <a:defRPr lang="en-US"/>
+              </a:defPPr>
+              <a:lvl1pPr marL="0" algn="l" defTabSz="914400" rtl="0" eaLnBrk="1" latinLnBrk="0" hangingPunct="1">
+                <a:defRPr sz="1800" kern="1200">
+                  <a:solidFill>
+                    <a:schemeClr val="lt1"/>
+                  </a:solidFill>
+                  <a:latin typeface="+mn-lt"/>
+                  <a:ea typeface="+mn-ea"/>
+                  <a:cs typeface="+mn-cs"/>
+                </a:defRPr>
+              </a:lvl1pPr>
+              <a:lvl2pPr marL="457200" algn="l" defTabSz="914400" rtl="0" eaLnBrk="1" latinLnBrk="0" hangingPunct="1">
+                <a:defRPr sz="1800" kern="1200">
+                  <a:solidFill>
+                    <a:schemeClr val="lt1"/>
+                  </a:solidFill>
+                  <a:latin typeface="+mn-lt"/>
+                  <a:ea typeface="+mn-ea"/>
+                  <a:cs typeface="+mn-cs"/>
+                </a:defRPr>
+              </a:lvl2pPr>
+              <a:lvl3pPr marL="914400" algn="l" defTabSz="914400" rtl="0" eaLnBrk="1" latinLnBrk="0" hangingPunct="1">
+                <a:defRPr sz="1800" kern="1200">
+                  <a:solidFill>
+                    <a:schemeClr val="lt1"/>
+                  </a:solidFill>
+                  <a:latin typeface="+mn-lt"/>
+                  <a:ea typeface="+mn-ea"/>
+                  <a:cs typeface="+mn-cs"/>
+                </a:defRPr>
+              </a:lvl3pPr>
+              <a:lvl4pPr marL="1371600" algn="l" defTabSz="914400" rtl="0" eaLnBrk="1" latinLnBrk="0" hangingPunct="1">
+                <a:defRPr sz="1800" kern="1200">
+                  <a:solidFill>
+                    <a:schemeClr val="lt1"/>
+                  </a:solidFill>
+                  <a:latin typeface="+mn-lt"/>
+                  <a:ea typeface="+mn-ea"/>
+                  <a:cs typeface="+mn-cs"/>
+                </a:defRPr>
+              </a:lvl4pPr>
+              <a:lvl5pPr marL="1828800" algn="l" defTabSz="914400" rtl="0" eaLnBrk="1" latinLnBrk="0" hangingPunct="1">
+                <a:defRPr sz="1800" kern="1200">
+                  <a:solidFill>
+                    <a:schemeClr val="lt1"/>
+                  </a:solidFill>
+                  <a:latin typeface="+mn-lt"/>
+                  <a:ea typeface="+mn-ea"/>
+                  <a:cs typeface="+mn-cs"/>
+                </a:defRPr>
+              </a:lvl5pPr>
+              <a:lvl6pPr marL="2286000" algn="l" defTabSz="914400" rtl="0" eaLnBrk="1" latinLnBrk="0" hangingPunct="1">
+                <a:defRPr sz="1800" kern="1200">
+                  <a:solidFill>
+                    <a:schemeClr val="lt1"/>
+                  </a:solidFill>
+                  <a:latin typeface="+mn-lt"/>
+                  <a:ea typeface="+mn-ea"/>
+                  <a:cs typeface="+mn-cs"/>
+                </a:defRPr>
+              </a:lvl6pPr>
+              <a:lvl7pPr marL="2743200" algn="l" defTabSz="914400" rtl="0" eaLnBrk="1" latinLnBrk="0" hangingPunct="1">
+                <a:defRPr sz="1800" kern="1200">
+                  <a:solidFill>
+                    <a:schemeClr val="lt1"/>
+                  </a:solidFill>
+                  <a:latin typeface="+mn-lt"/>
+                  <a:ea typeface="+mn-ea"/>
+                  <a:cs typeface="+mn-cs"/>
+                </a:defRPr>
+              </a:lvl7pPr>
+              <a:lvl8pPr marL="3200400" algn="l" defTabSz="914400" rtl="0" eaLnBrk="1" latinLnBrk="0" hangingPunct="1">
+                <a:defRPr sz="1800" kern="1200">
+                  <a:solidFill>
+                    <a:schemeClr val="lt1"/>
+                  </a:solidFill>
+                  <a:latin typeface="+mn-lt"/>
+                  <a:ea typeface="+mn-ea"/>
+                  <a:cs typeface="+mn-cs"/>
+                </a:defRPr>
+              </a:lvl8pPr>
+              <a:lvl9pPr marL="3657600" algn="l" defTabSz="914400" rtl="0" eaLnBrk="1" latinLnBrk="0" hangingPunct="1">
+                <a:defRPr sz="1800" kern="1200">
+                  <a:solidFill>
+                    <a:schemeClr val="lt1"/>
+                  </a:solidFill>
+                  <a:latin typeface="+mn-lt"/>
+                  <a:ea typeface="+mn-ea"/>
+                  <a:cs typeface="+mn-cs"/>
+                </a:defRPr>
+              </a:lvl9pPr>
+            </a:lstStyle>
+            <a:p>
+              <a:pPr algn="ctr"/>
+              <a:endParaRPr lang="en-US" sz="1600" dirty="0"/>
+            </a:p>
+          </p:txBody>
+        </p:sp>
+      </p:grpSp>
+      <p:grpSp>
+        <p:nvGrpSpPr>
+          <p:cNvPr id="59" name="Group 58">
+            <a:extLst>
+              <a:ext uri="{FF2B5EF4-FFF2-40B4-BE49-F238E27FC236}">
+                <a16:creationId xmlns:a16="http://schemas.microsoft.com/office/drawing/2014/main" id="{0CDA3608-DD66-4506-86E4-776584C0CBF7}"/>
+              </a:ext>
+            </a:extLst>
+          </p:cNvPr>
+          <p:cNvGrpSpPr/>
+          <p:nvPr/>
+        </p:nvGrpSpPr>
+        <p:grpSpPr>
+          <a:xfrm>
+            <a:off x="1393122" y="4044569"/>
+            <a:ext cx="1711036" cy="1072492"/>
+            <a:chOff x="1163782" y="4588602"/>
+            <a:chExt cx="1711036" cy="1072492"/>
+          </a:xfrm>
+        </p:grpSpPr>
+        <p:sp>
+          <p:nvSpPr>
+            <p:cNvPr id="56" name="Rectangle: Rounded Corners 55">
+              <a:extLst>
+                <a:ext uri="{FF2B5EF4-FFF2-40B4-BE49-F238E27FC236}">
+                  <a16:creationId xmlns:a16="http://schemas.microsoft.com/office/drawing/2014/main" id="{895A9F02-E8B7-476C-9439-3FD1D19D7ED7}"/>
+                </a:ext>
+              </a:extLst>
+            </p:cNvPr>
+            <p:cNvSpPr/>
+            <p:nvPr/>
+          </p:nvSpPr>
+          <p:spPr>
+            <a:xfrm>
+              <a:off x="1163782" y="4588602"/>
+              <a:ext cx="1711036" cy="1072492"/>
+            </a:xfrm>
+            <a:prstGeom prst="roundRect">
+              <a:avLst/>
+            </a:prstGeom>
+          </p:spPr>
+          <p:style>
+            <a:lnRef idx="2">
+              <a:schemeClr val="dk1">
+                <a:shade val="50000"/>
+              </a:schemeClr>
+            </a:lnRef>
+            <a:fillRef idx="1">
+              <a:schemeClr val="dk1"/>
+            </a:fillRef>
+            <a:effectRef idx="0">
+              <a:schemeClr val="dk1"/>
+            </a:effectRef>
+            <a:fontRef idx="minor">
+              <a:schemeClr val="lt1"/>
+            </a:fontRef>
+          </p:style>
+          <p:txBody>
+            <a:bodyPr rtlCol="0" anchor="ctr"/>
+            <a:lstStyle/>
+            <a:p>
+              <a:pPr algn="ctr"/>
+              <a:endParaRPr lang="en-US"/>
+            </a:p>
+          </p:txBody>
+        </p:sp>
+        <p:sp>
+          <p:nvSpPr>
+            <p:cNvPr id="57" name="Rectangle: Rounded Corners 56">
+              <a:extLst>
+                <a:ext uri="{FF2B5EF4-FFF2-40B4-BE49-F238E27FC236}">
+                  <a16:creationId xmlns:a16="http://schemas.microsoft.com/office/drawing/2014/main" id="{BAB9A8E3-09B5-4145-9EC3-CADC3AABF95D}"/>
+                </a:ext>
+              </a:extLst>
+            </p:cNvPr>
+            <p:cNvSpPr/>
+            <p:nvPr/>
+          </p:nvSpPr>
+          <p:spPr>
+            <a:xfrm>
+              <a:off x="1424899" y="4768412"/>
+              <a:ext cx="1177636" cy="239707"/>
+            </a:xfrm>
+            <a:prstGeom prst="roundRect">
+              <a:avLst/>
+            </a:prstGeom>
+          </p:spPr>
+          <p:style>
+            <a:lnRef idx="2">
+              <a:schemeClr val="dk1"/>
+            </a:lnRef>
+            <a:fillRef idx="1">
+              <a:schemeClr val="lt1"/>
+            </a:fillRef>
+            <a:effectRef idx="0">
+              <a:schemeClr val="dk1"/>
+            </a:effectRef>
+            <a:fontRef idx="minor">
+              <a:schemeClr val="dk1"/>
+            </a:fontRef>
+          </p:style>
+          <p:txBody>
+            <a:bodyPr rtlCol="0" anchor="ctr"/>
+            <a:lstStyle/>
+            <a:p>
+              <a:pPr algn="ctr"/>
+              <a:endParaRPr lang="en-US"/>
+            </a:p>
+          </p:txBody>
+        </p:sp>
+        <p:sp>
+          <p:nvSpPr>
+            <p:cNvPr id="58" name="Oval 57">
+              <a:extLst>
+                <a:ext uri="{FF2B5EF4-FFF2-40B4-BE49-F238E27FC236}">
+                  <a16:creationId xmlns:a16="http://schemas.microsoft.com/office/drawing/2014/main" id="{9F543A2D-ACCB-4B54-BE23-D1C1E73CCF9D}"/>
+                </a:ext>
+              </a:extLst>
+            </p:cNvPr>
+            <p:cNvSpPr/>
+            <p:nvPr/>
+          </p:nvSpPr>
+          <p:spPr>
+            <a:xfrm>
+              <a:off x="2235389" y="5122199"/>
+              <a:ext cx="377215" cy="377215"/>
+            </a:xfrm>
+            <a:prstGeom prst="ellipse">
+              <a:avLst/>
+            </a:prstGeom>
+            <a:solidFill>
+              <a:schemeClr val="tx1"/>
+            </a:solidFill>
+            <a:ln w="57150">
+              <a:solidFill>
+                <a:schemeClr val="bg1"/>
+              </a:solidFill>
+            </a:ln>
+          </p:spPr>
+          <p:style>
+            <a:lnRef idx="2">
+              <a:schemeClr val="accent1">
+                <a:shade val="50000"/>
+              </a:schemeClr>
+            </a:lnRef>
+            <a:fillRef idx="1">
+              <a:schemeClr val="accent1"/>
+            </a:fillRef>
+            <a:effectRef idx="0">
+              <a:schemeClr val="accent1"/>
+            </a:effectRef>
+            <a:fontRef idx="minor">
+              <a:schemeClr val="lt1"/>
+            </a:fontRef>
+          </p:style>
+          <p:txBody>
+            <a:bodyPr rtlCol="0" anchor="ctr"/>
+            <a:lstStyle/>
+            <a:p>
+              <a:pPr algn="ctr"/>
+              <a:endParaRPr lang="en-US"/>
+            </a:p>
+          </p:txBody>
+        </p:sp>
+      </p:grpSp>
+      <p:cxnSp>
+        <p:nvCxnSpPr>
+          <p:cNvPr id="61" name="Connector: Elbow 60">
+            <a:extLst>
+              <a:ext uri="{FF2B5EF4-FFF2-40B4-BE49-F238E27FC236}">
+                <a16:creationId xmlns:a16="http://schemas.microsoft.com/office/drawing/2014/main" id="{7A05F2A6-761A-43FF-8F52-6A020967B1D9}"/>
+              </a:ext>
+            </a:extLst>
+          </p:cNvPr>
+          <p:cNvCxnSpPr>
+            <a:cxnSpLocks/>
+            <a:stCxn id="56" idx="3"/>
+            <a:endCxn id="2" idx="1"/>
+          </p:cNvCxnSpPr>
+          <p:nvPr/>
+        </p:nvCxnSpPr>
+        <p:spPr>
+          <a:xfrm flipV="1">
+            <a:off x="3104158" y="2524425"/>
+            <a:ext cx="1659220" cy="2056390"/>
+          </a:xfrm>
+          <a:prstGeom prst="bentConnector3">
+            <a:avLst/>
+          </a:prstGeom>
+          <a:ln w="76200">
+            <a:solidFill>
+              <a:schemeClr val="accent2"/>
+            </a:solidFill>
+            <a:tailEnd type="triangle"/>
+          </a:ln>
+        </p:spPr>
+        <p:style>
+          <a:lnRef idx="1">
+            <a:schemeClr val="accent5"/>
+          </a:lnRef>
+          <a:fillRef idx="0">
+            <a:schemeClr val="accent5"/>
+          </a:fillRef>
+          <a:effectRef idx="0">
+            <a:schemeClr val="accent5"/>
+          </a:effectRef>
+          <a:fontRef idx="minor">
+            <a:schemeClr val="tx1"/>
+          </a:fontRef>
+        </p:style>
+      </p:cxnSp>
+      <p:cxnSp>
+        <p:nvCxnSpPr>
+          <p:cNvPr id="65" name="Straight Arrow Connector 64">
+            <a:extLst>
+              <a:ext uri="{FF2B5EF4-FFF2-40B4-BE49-F238E27FC236}">
+                <a16:creationId xmlns:a16="http://schemas.microsoft.com/office/drawing/2014/main" id="{872503C8-2937-4F16-9784-0F8FF2C6186E}"/>
+              </a:ext>
+            </a:extLst>
+          </p:cNvPr>
+          <p:cNvCxnSpPr>
+            <a:cxnSpLocks/>
+          </p:cNvCxnSpPr>
+          <p:nvPr/>
+        </p:nvCxnSpPr>
+        <p:spPr>
+          <a:xfrm flipV="1">
+            <a:off x="6067338" y="911940"/>
+            <a:ext cx="2013998" cy="1084440"/>
+          </a:xfrm>
+          <a:prstGeom prst="straightConnector1">
+            <a:avLst/>
+          </a:prstGeom>
+          <a:ln w="76200">
+            <a:solidFill>
+              <a:srgbClr val="00B0F0"/>
+            </a:solidFill>
+            <a:prstDash val="sysDot"/>
+            <a:tailEnd type="triangle"/>
+          </a:ln>
+        </p:spPr>
+        <p:style>
+          <a:lnRef idx="1">
+            <a:schemeClr val="accent1"/>
+          </a:lnRef>
+          <a:fillRef idx="0">
+            <a:schemeClr val="accent1"/>
+          </a:fillRef>
+          <a:effectRef idx="0">
+            <a:schemeClr val="accent1"/>
+          </a:effectRef>
+          <a:fontRef idx="minor">
+            <a:schemeClr val="tx1"/>
+          </a:fontRef>
+        </p:style>
+      </p:cxnSp>
+      <p:cxnSp>
+        <p:nvCxnSpPr>
+          <p:cNvPr id="66" name="Straight Arrow Connector 65">
+            <a:extLst>
+              <a:ext uri="{FF2B5EF4-FFF2-40B4-BE49-F238E27FC236}">
+                <a16:creationId xmlns:a16="http://schemas.microsoft.com/office/drawing/2014/main" id="{59CA1581-963B-429F-A80C-0CD0E99230CE}"/>
+              </a:ext>
+            </a:extLst>
+          </p:cNvPr>
+          <p:cNvCxnSpPr>
+            <a:cxnSpLocks/>
+          </p:cNvCxnSpPr>
+          <p:nvPr/>
+        </p:nvCxnSpPr>
+        <p:spPr>
+          <a:xfrm flipV="1">
+            <a:off x="6067338" y="1385315"/>
+            <a:ext cx="2863173" cy="953429"/>
+          </a:xfrm>
+          <a:prstGeom prst="straightConnector1">
+            <a:avLst/>
+          </a:prstGeom>
+          <a:ln w="76200">
+            <a:solidFill>
+              <a:srgbClr val="00B0F0"/>
+            </a:solidFill>
+            <a:prstDash val="sysDot"/>
+            <a:tailEnd type="triangle"/>
+          </a:ln>
+        </p:spPr>
+        <p:style>
+          <a:lnRef idx="1">
+            <a:schemeClr val="accent1"/>
+          </a:lnRef>
+          <a:fillRef idx="0">
+            <a:schemeClr val="accent1"/>
+          </a:fillRef>
+          <a:effectRef idx="0">
+            <a:schemeClr val="accent1"/>
+          </a:effectRef>
+          <a:fontRef idx="minor">
+            <a:schemeClr val="tx1"/>
+          </a:fontRef>
+        </p:style>
+      </p:cxnSp>
+      <p:cxnSp>
+        <p:nvCxnSpPr>
+          <p:cNvPr id="68" name="Straight Arrow Connector 67">
+            <a:extLst>
+              <a:ext uri="{FF2B5EF4-FFF2-40B4-BE49-F238E27FC236}">
+                <a16:creationId xmlns:a16="http://schemas.microsoft.com/office/drawing/2014/main" id="{9EEDE9EA-98D3-4152-830E-627D10B88838}"/>
+              </a:ext>
+            </a:extLst>
+          </p:cNvPr>
+          <p:cNvCxnSpPr>
+            <a:cxnSpLocks/>
+          </p:cNvCxnSpPr>
+          <p:nvPr/>
+        </p:nvCxnSpPr>
+        <p:spPr>
+          <a:xfrm flipV="1">
+            <a:off x="6052644" y="2230988"/>
+            <a:ext cx="2781763" cy="448267"/>
+          </a:xfrm>
+          <a:prstGeom prst="straightConnector1">
+            <a:avLst/>
+          </a:prstGeom>
+          <a:ln w="76200">
+            <a:solidFill>
+              <a:srgbClr val="00B0F0"/>
+            </a:solidFill>
+            <a:prstDash val="sysDot"/>
+            <a:tailEnd type="triangle"/>
+          </a:ln>
+        </p:spPr>
+        <p:style>
+          <a:lnRef idx="1">
+            <a:schemeClr val="accent1"/>
+          </a:lnRef>
+          <a:fillRef idx="0">
+            <a:schemeClr val="accent1"/>
+          </a:fillRef>
+          <a:effectRef idx="0">
+            <a:schemeClr val="accent1"/>
+          </a:effectRef>
+          <a:fontRef idx="minor">
+            <a:schemeClr val="tx1"/>
+          </a:fontRef>
+        </p:style>
+      </p:cxnSp>
+      <p:cxnSp>
+        <p:nvCxnSpPr>
+          <p:cNvPr id="72" name="Straight Arrow Connector 71">
+            <a:extLst>
+              <a:ext uri="{FF2B5EF4-FFF2-40B4-BE49-F238E27FC236}">
+                <a16:creationId xmlns:a16="http://schemas.microsoft.com/office/drawing/2014/main" id="{461E98BF-C61C-40A0-BAAD-D152B91D1B6E}"/>
+              </a:ext>
+            </a:extLst>
+          </p:cNvPr>
+          <p:cNvCxnSpPr>
+            <a:cxnSpLocks/>
+          </p:cNvCxnSpPr>
+          <p:nvPr/>
+        </p:nvCxnSpPr>
+        <p:spPr>
+          <a:xfrm flipH="1" flipV="1">
+            <a:off x="6036681" y="3152787"/>
+            <a:ext cx="2433736" cy="1455528"/>
+          </a:xfrm>
+          <a:prstGeom prst="straightConnector1">
+            <a:avLst/>
+          </a:prstGeom>
+          <a:ln w="76200">
+            <a:solidFill>
+              <a:srgbClr val="00B0F0"/>
+            </a:solidFill>
+            <a:prstDash val="sysDot"/>
+            <a:tailEnd type="triangle"/>
+          </a:ln>
+        </p:spPr>
+        <p:style>
+          <a:lnRef idx="1">
+            <a:schemeClr val="accent1"/>
+          </a:lnRef>
+          <a:fillRef idx="0">
+            <a:schemeClr val="accent1"/>
+          </a:fillRef>
+          <a:effectRef idx="0">
+            <a:schemeClr val="accent1"/>
+          </a:effectRef>
+          <a:fontRef idx="minor">
+            <a:schemeClr val="tx1"/>
+          </a:fontRef>
+        </p:style>
+      </p:cxnSp>
+      <p:cxnSp>
+        <p:nvCxnSpPr>
+          <p:cNvPr id="78" name="Straight Arrow Connector 77">
+            <a:extLst>
+              <a:ext uri="{FF2B5EF4-FFF2-40B4-BE49-F238E27FC236}">
+                <a16:creationId xmlns:a16="http://schemas.microsoft.com/office/drawing/2014/main" id="{396EBFB1-A790-449E-B539-8D4AE8120C52}"/>
+              </a:ext>
+            </a:extLst>
+          </p:cNvPr>
+          <p:cNvCxnSpPr>
+            <a:cxnSpLocks/>
+          </p:cNvCxnSpPr>
+          <p:nvPr/>
+        </p:nvCxnSpPr>
+        <p:spPr>
+          <a:xfrm>
+            <a:off x="1704849" y="2216567"/>
+            <a:ext cx="0" cy="1828002"/>
+          </a:xfrm>
+          <a:prstGeom prst="straightConnector1">
+            <a:avLst/>
+          </a:prstGeom>
+          <a:ln w="76200">
+            <a:solidFill>
+              <a:schemeClr val="tx1"/>
+            </a:solidFill>
+            <a:tailEnd type="triangle"/>
+          </a:ln>
+        </p:spPr>
+        <p:style>
+          <a:lnRef idx="1">
+            <a:schemeClr val="accent1"/>
+          </a:lnRef>
+          <a:fillRef idx="0">
+            <a:schemeClr val="accent1"/>
+          </a:fillRef>
+          <a:effectRef idx="0">
+            <a:schemeClr val="accent1"/>
+          </a:effectRef>
+          <a:fontRef idx="minor">
+            <a:schemeClr val="tx1"/>
+          </a:fontRef>
+        </p:style>
+      </p:cxnSp>
+      <p:cxnSp>
+        <p:nvCxnSpPr>
+          <p:cNvPr id="79" name="Straight Arrow Connector 78">
+            <a:extLst>
+              <a:ext uri="{FF2B5EF4-FFF2-40B4-BE49-F238E27FC236}">
+                <a16:creationId xmlns:a16="http://schemas.microsoft.com/office/drawing/2014/main" id="{01840620-852C-4C47-BBA0-BD7F585DE0C1}"/>
+              </a:ext>
+            </a:extLst>
+          </p:cNvPr>
+          <p:cNvCxnSpPr>
+            <a:cxnSpLocks/>
+          </p:cNvCxnSpPr>
+          <p:nvPr/>
+        </p:nvCxnSpPr>
+        <p:spPr>
+          <a:xfrm>
+            <a:off x="2166082" y="2216567"/>
+            <a:ext cx="0" cy="1828002"/>
+          </a:xfrm>
+          <a:prstGeom prst="straightConnector1">
+            <a:avLst/>
+          </a:prstGeom>
+          <a:ln w="76200">
+            <a:solidFill>
+              <a:schemeClr val="tx1"/>
+            </a:solidFill>
+            <a:tailEnd type="triangle"/>
+          </a:ln>
+        </p:spPr>
+        <p:style>
+          <a:lnRef idx="1">
+            <a:schemeClr val="accent1"/>
+          </a:lnRef>
+          <a:fillRef idx="0">
+            <a:schemeClr val="accent1"/>
+          </a:fillRef>
+          <a:effectRef idx="0">
+            <a:schemeClr val="accent1"/>
+          </a:effectRef>
+          <a:fontRef idx="minor">
+            <a:schemeClr val="tx1"/>
+          </a:fontRef>
+        </p:style>
+      </p:cxnSp>
+      <p:sp>
+        <p:nvSpPr>
+          <p:cNvPr id="80" name="TextBox 79">
+            <a:extLst>
+              <a:ext uri="{FF2B5EF4-FFF2-40B4-BE49-F238E27FC236}">
+                <a16:creationId xmlns:a16="http://schemas.microsoft.com/office/drawing/2014/main" id="{8C7923B5-26DD-4133-86E7-87815DB697FD}"/>
+              </a:ext>
+            </a:extLst>
+          </p:cNvPr>
+          <p:cNvSpPr txBox="1"/>
+          <p:nvPr/>
+        </p:nvSpPr>
+        <p:spPr>
+          <a:xfrm>
+            <a:off x="4245066" y="3402026"/>
+            <a:ext cx="2363202" cy="707886"/>
+          </a:xfrm>
+          <a:prstGeom prst="rect">
+            <a:avLst/>
+          </a:prstGeom>
+          <a:noFill/>
+        </p:spPr>
+        <p:txBody>
+          <a:bodyPr wrap="square" rtlCol="0">
+            <a:spAutoFit/>
+          </a:bodyPr>
+          <a:lstStyle/>
+          <a:p>
+            <a:pPr algn="ctr"/>
+            <a:r>
+              <a:rPr lang="en-US" sz="2000" dirty="0">
+                <a:latin typeface="Abadi" panose="020B0604020104020204" pitchFamily="34" charset="0"/>
+              </a:rPr>
+              <a:t>HootBeat brain</a:t>
+            </a:r>
+          </a:p>
+          <a:p>
+            <a:pPr algn="ctr"/>
+            <a:r>
+              <a:rPr lang="en-US" sz="2000" dirty="0">
+                <a:latin typeface="Abadi" panose="020B0604020104020204" pitchFamily="34" charset="0"/>
+              </a:rPr>
+              <a:t>(Raspberry Pi)</a:t>
+            </a:r>
+          </a:p>
+        </p:txBody>
+      </p:sp>
+      <p:sp>
+        <p:nvSpPr>
+          <p:cNvPr id="81" name="TextBox 80">
+            <a:extLst>
+              <a:ext uri="{FF2B5EF4-FFF2-40B4-BE49-F238E27FC236}">
+                <a16:creationId xmlns:a16="http://schemas.microsoft.com/office/drawing/2014/main" id="{04D7C62D-70CF-4521-9E88-C10CF3C7640E}"/>
+              </a:ext>
+            </a:extLst>
+          </p:cNvPr>
+          <p:cNvSpPr txBox="1"/>
+          <p:nvPr/>
+        </p:nvSpPr>
+        <p:spPr>
+          <a:xfrm>
+            <a:off x="8344484" y="5529387"/>
+            <a:ext cx="2580422" cy="707886"/>
+          </a:xfrm>
+          <a:prstGeom prst="rect">
+            <a:avLst/>
+          </a:prstGeom>
+          <a:noFill/>
+        </p:spPr>
+        <p:txBody>
+          <a:bodyPr wrap="square" rtlCol="0">
+            <a:spAutoFit/>
+          </a:bodyPr>
+          <a:lstStyle/>
+          <a:p>
+            <a:pPr algn="ctr"/>
+            <a:r>
+              <a:rPr lang="en-US" sz="2000" dirty="0">
+                <a:latin typeface="Abadi" panose="020B0604020104020204" pitchFamily="34" charset="0"/>
+              </a:rPr>
+              <a:t>BLE-MIDI-enabled pedalboard controller</a:t>
+            </a:r>
+          </a:p>
+        </p:txBody>
+      </p:sp>
+      <p:sp>
+        <p:nvSpPr>
+          <p:cNvPr id="82" name="TextBox 81">
+            <a:extLst>
+              <a:ext uri="{FF2B5EF4-FFF2-40B4-BE49-F238E27FC236}">
+                <a16:creationId xmlns:a16="http://schemas.microsoft.com/office/drawing/2014/main" id="{EF8AFF93-F499-43A1-A40C-D7537EDFFB9F}"/>
+              </a:ext>
+            </a:extLst>
+          </p:cNvPr>
+          <p:cNvSpPr txBox="1"/>
+          <p:nvPr/>
+        </p:nvSpPr>
+        <p:spPr>
+          <a:xfrm>
+            <a:off x="9031934" y="2555084"/>
+            <a:ext cx="1415987" cy="707886"/>
+          </a:xfrm>
+          <a:prstGeom prst="rect">
+            <a:avLst/>
+          </a:prstGeom>
+          <a:noFill/>
+        </p:spPr>
+        <p:txBody>
+          <a:bodyPr wrap="square" rtlCol="0">
+            <a:spAutoFit/>
+          </a:bodyPr>
+          <a:lstStyle/>
+          <a:p>
+            <a:pPr algn="ctr"/>
+            <a:r>
+              <a:rPr lang="en-US" sz="2000" dirty="0">
+                <a:latin typeface="Abadi" panose="020B0604020104020204" pitchFamily="34" charset="0"/>
+              </a:rPr>
+              <a:t>HootBeat</a:t>
+            </a:r>
+          </a:p>
+          <a:p>
+            <a:pPr algn="ctr"/>
+            <a:r>
+              <a:rPr lang="en-US" sz="2000" dirty="0">
+                <a:latin typeface="Abadi" panose="020B0604020104020204" pitchFamily="34" charset="0"/>
+              </a:rPr>
+              <a:t>Goggles</a:t>
+            </a:r>
+          </a:p>
+        </p:txBody>
+      </p:sp>
+      <p:sp>
+        <p:nvSpPr>
+          <p:cNvPr id="83" name="TextBox 82">
+            <a:extLst>
+              <a:ext uri="{FF2B5EF4-FFF2-40B4-BE49-F238E27FC236}">
+                <a16:creationId xmlns:a16="http://schemas.microsoft.com/office/drawing/2014/main" id="{88DFB63D-3286-47FF-ABB3-FD840754821A}"/>
+              </a:ext>
+            </a:extLst>
+          </p:cNvPr>
+          <p:cNvSpPr txBox="1"/>
+          <p:nvPr/>
+        </p:nvSpPr>
+        <p:spPr>
+          <a:xfrm>
+            <a:off x="759528" y="5135035"/>
+            <a:ext cx="3105263" cy="707886"/>
+          </a:xfrm>
+          <a:prstGeom prst="rect">
+            <a:avLst/>
+          </a:prstGeom>
+          <a:noFill/>
+        </p:spPr>
+        <p:txBody>
+          <a:bodyPr wrap="square" rtlCol="0">
+            <a:spAutoFit/>
+          </a:bodyPr>
+          <a:lstStyle/>
+          <a:p>
+            <a:pPr algn="ctr"/>
+            <a:r>
+              <a:rPr lang="en-US" sz="2000" dirty="0">
+                <a:latin typeface="Abadi" panose="020B0604020104020204" pitchFamily="34" charset="0"/>
+              </a:rPr>
+              <a:t>Trigger-to-MIDI interface</a:t>
+            </a:r>
+          </a:p>
+          <a:p>
+            <a:pPr algn="ctr"/>
+            <a:r>
+              <a:rPr lang="en-US" sz="2000" dirty="0">
+                <a:latin typeface="Abadi" panose="020B0604020104020204" pitchFamily="34" charset="0"/>
+              </a:rPr>
+              <a:t>(e.g. Roland TM-2)</a:t>
+            </a:r>
+          </a:p>
+        </p:txBody>
+      </p:sp>
+      <p:sp>
+        <p:nvSpPr>
+          <p:cNvPr id="87" name="TextBox 86">
+            <a:extLst>
+              <a:ext uri="{FF2B5EF4-FFF2-40B4-BE49-F238E27FC236}">
+                <a16:creationId xmlns:a16="http://schemas.microsoft.com/office/drawing/2014/main" id="{ED7A67F8-5872-4DAD-A930-86C27BEAF7A3}"/>
+              </a:ext>
+            </a:extLst>
+          </p:cNvPr>
+          <p:cNvSpPr txBox="1"/>
+          <p:nvPr/>
+        </p:nvSpPr>
+        <p:spPr>
+          <a:xfrm>
+            <a:off x="2624689" y="1237755"/>
+            <a:ext cx="1528647" cy="707886"/>
+          </a:xfrm>
+          <a:prstGeom prst="rect">
+            <a:avLst/>
+          </a:prstGeom>
+          <a:noFill/>
+        </p:spPr>
+        <p:txBody>
+          <a:bodyPr wrap="square" rtlCol="0">
+            <a:spAutoFit/>
+          </a:bodyPr>
+          <a:lstStyle/>
+          <a:p>
+            <a:pPr algn="ctr"/>
+            <a:r>
+              <a:rPr lang="en-US" sz="2000" dirty="0">
+                <a:latin typeface="Abadi" panose="020B0604020104020204" pitchFamily="34" charset="0"/>
+              </a:rPr>
+              <a:t>Drum triggers</a:t>
+            </a:r>
+          </a:p>
+        </p:txBody>
+      </p:sp>
+      <p:grpSp>
+        <p:nvGrpSpPr>
+          <p:cNvPr id="7" name="Group 6">
+            <a:extLst>
+              <a:ext uri="{FF2B5EF4-FFF2-40B4-BE49-F238E27FC236}">
+                <a16:creationId xmlns:a16="http://schemas.microsoft.com/office/drawing/2014/main" id="{2084D877-86DF-40C2-996D-D217CA977374}"/>
+              </a:ext>
+            </a:extLst>
+          </p:cNvPr>
+          <p:cNvGrpSpPr/>
+          <p:nvPr/>
+        </p:nvGrpSpPr>
+        <p:grpSpPr>
+          <a:xfrm>
+            <a:off x="4716045" y="4622534"/>
+            <a:ext cx="2854036" cy="900001"/>
+            <a:chOff x="4552176" y="5558474"/>
+            <a:chExt cx="2854036" cy="900001"/>
+          </a:xfrm>
+        </p:grpSpPr>
+        <p:sp>
+          <p:nvSpPr>
+            <p:cNvPr id="103" name="Rectangle 102">
+              <a:extLst>
+                <a:ext uri="{FF2B5EF4-FFF2-40B4-BE49-F238E27FC236}">
+                  <a16:creationId xmlns:a16="http://schemas.microsoft.com/office/drawing/2014/main" id="{2F339625-9C3B-493E-8A8B-339F24952064}"/>
+                </a:ext>
+              </a:extLst>
+            </p:cNvPr>
+            <p:cNvSpPr/>
+            <p:nvPr/>
+          </p:nvSpPr>
+          <p:spPr>
+            <a:xfrm>
+              <a:off x="4552176" y="5558474"/>
+              <a:ext cx="2854036" cy="900001"/>
+            </a:xfrm>
+            <a:prstGeom prst="rect">
+              <a:avLst/>
+            </a:prstGeom>
+            <a:noFill/>
+            <a:ln>
+              <a:solidFill>
+                <a:schemeClr val="tx1"/>
+              </a:solidFill>
+            </a:ln>
+          </p:spPr>
+          <p:style>
+            <a:lnRef idx="2">
+              <a:schemeClr val="accent1">
+                <a:shade val="50000"/>
+              </a:schemeClr>
+            </a:lnRef>
+            <a:fillRef idx="1">
+              <a:schemeClr val="accent1"/>
+            </a:fillRef>
+            <a:effectRef idx="0">
+              <a:schemeClr val="accent1"/>
+            </a:effectRef>
+            <a:fontRef idx="minor">
+              <a:schemeClr val="lt1"/>
+            </a:fontRef>
+          </p:style>
+          <p:txBody>
+            <a:bodyPr rtlCol="0" anchor="ctr"/>
+            <a:lstStyle/>
+            <a:p>
+              <a:pPr algn="ctr"/>
+              <a:endParaRPr lang="en-US"/>
+            </a:p>
+          </p:txBody>
+        </p:sp>
+        <p:cxnSp>
+          <p:nvCxnSpPr>
+            <p:cNvPr id="100" name="Straight Connector 99">
+              <a:extLst>
+                <a:ext uri="{FF2B5EF4-FFF2-40B4-BE49-F238E27FC236}">
+                  <a16:creationId xmlns:a16="http://schemas.microsoft.com/office/drawing/2014/main" id="{C83B1E5B-7DD3-446F-BC6C-FFF16589B354}"/>
+                </a:ext>
+              </a:extLst>
+            </p:cNvPr>
+            <p:cNvCxnSpPr/>
+            <p:nvPr/>
+          </p:nvCxnSpPr>
+          <p:spPr>
+            <a:xfrm>
+              <a:off x="4771530" y="5838382"/>
+              <a:ext cx="974455" cy="0"/>
+            </a:xfrm>
+            <a:prstGeom prst="line">
+              <a:avLst/>
+            </a:prstGeom>
+            <a:ln w="76200">
+              <a:solidFill>
+                <a:schemeClr val="accent2"/>
+              </a:solidFill>
+            </a:ln>
+          </p:spPr>
+          <p:style>
+            <a:lnRef idx="1">
+              <a:schemeClr val="accent1"/>
+            </a:lnRef>
+            <a:fillRef idx="0">
+              <a:schemeClr val="accent1"/>
+            </a:fillRef>
+            <a:effectRef idx="0">
+              <a:schemeClr val="accent1"/>
+            </a:effectRef>
+            <a:fontRef idx="minor">
+              <a:schemeClr val="tx1"/>
+            </a:fontRef>
+          </p:style>
+        </p:cxnSp>
+        <p:cxnSp>
+          <p:nvCxnSpPr>
+            <p:cNvPr id="101" name="Straight Connector 100">
+              <a:extLst>
+                <a:ext uri="{FF2B5EF4-FFF2-40B4-BE49-F238E27FC236}">
+                  <a16:creationId xmlns:a16="http://schemas.microsoft.com/office/drawing/2014/main" id="{3C5296DE-BEAE-4856-BAE2-34C71F6400CC}"/>
+                </a:ext>
+              </a:extLst>
+            </p:cNvPr>
+            <p:cNvCxnSpPr/>
+            <p:nvPr/>
+          </p:nvCxnSpPr>
+          <p:spPr>
+            <a:xfrm>
+              <a:off x="4771530" y="6184746"/>
+              <a:ext cx="974455" cy="0"/>
+            </a:xfrm>
+            <a:prstGeom prst="line">
+              <a:avLst/>
+            </a:prstGeom>
+            <a:ln w="76200">
+              <a:solidFill>
+                <a:srgbClr val="00B0F0"/>
+              </a:solidFill>
+              <a:prstDash val="sysDot"/>
+            </a:ln>
+          </p:spPr>
+          <p:style>
+            <a:lnRef idx="1">
+              <a:schemeClr val="accent1"/>
+            </a:lnRef>
+            <a:fillRef idx="0">
+              <a:schemeClr val="accent1"/>
+            </a:fillRef>
+            <a:effectRef idx="0">
+              <a:schemeClr val="accent1"/>
+            </a:effectRef>
+            <a:fontRef idx="minor">
+              <a:schemeClr val="tx1"/>
+            </a:fontRef>
+          </p:style>
+        </p:cxnSp>
+        <p:sp>
+          <p:nvSpPr>
+            <p:cNvPr id="102" name="TextBox 101">
+              <a:extLst>
+                <a:ext uri="{FF2B5EF4-FFF2-40B4-BE49-F238E27FC236}">
+                  <a16:creationId xmlns:a16="http://schemas.microsoft.com/office/drawing/2014/main" id="{B84B6188-F0A3-47AF-9403-9BCF1A1CDF89}"/>
+                </a:ext>
+              </a:extLst>
+            </p:cNvPr>
+            <p:cNvSpPr txBox="1"/>
+            <p:nvPr/>
+          </p:nvSpPr>
+          <p:spPr>
+            <a:xfrm>
+              <a:off x="5892102" y="5661763"/>
+              <a:ext cx="1396346" cy="707886"/>
+            </a:xfrm>
+            <a:prstGeom prst="rect">
+              <a:avLst/>
+            </a:prstGeom>
+            <a:noFill/>
+          </p:spPr>
+          <p:txBody>
+            <a:bodyPr wrap="square" rtlCol="0">
+              <a:spAutoFit/>
+            </a:bodyPr>
+            <a:lstStyle/>
+            <a:p>
+              <a:r>
+                <a:rPr lang="en-US" sz="2000" dirty="0">
+                  <a:latin typeface="Abadi" panose="020B0604020104020204" pitchFamily="34" charset="0"/>
+                </a:rPr>
+                <a:t>USB-MIDI</a:t>
+              </a:r>
+            </a:p>
+            <a:p>
+              <a:r>
+                <a:rPr lang="en-US" sz="2000" dirty="0">
+                  <a:latin typeface="Abadi" panose="020B0604020104020204" pitchFamily="34" charset="0"/>
+                </a:rPr>
+                <a:t>BLE-MIDI</a:t>
+              </a:r>
+            </a:p>
+          </p:txBody>
+        </p:sp>
+      </p:grpSp>
+      <p:sp>
+        <p:nvSpPr>
+          <p:cNvPr id="105" name="TextBox 104">
+            <a:extLst>
+              <a:ext uri="{FF2B5EF4-FFF2-40B4-BE49-F238E27FC236}">
+                <a16:creationId xmlns:a16="http://schemas.microsoft.com/office/drawing/2014/main" id="{E8332983-29F3-4C33-8984-4EA30BA590E6}"/>
+              </a:ext>
+            </a:extLst>
+          </p:cNvPr>
+          <p:cNvSpPr txBox="1"/>
+          <p:nvPr/>
+        </p:nvSpPr>
+        <p:spPr>
+          <a:xfrm>
+            <a:off x="7582737" y="3610873"/>
+            <a:ext cx="560193" cy="400110"/>
+          </a:xfrm>
+          <a:prstGeom prst="rect">
+            <a:avLst/>
+          </a:prstGeom>
+          <a:noFill/>
+        </p:spPr>
+        <p:txBody>
+          <a:bodyPr wrap="square" rtlCol="0">
+            <a:spAutoFit/>
+          </a:bodyPr>
+          <a:lstStyle/>
+          <a:p>
+            <a:r>
+              <a:rPr lang="en-US" sz="2000" dirty="0">
+                <a:solidFill>
+                  <a:srgbClr val="00B0F0"/>
+                </a:solidFill>
+                <a:latin typeface="Abadi" panose="020B0604020104020204" pitchFamily="34" charset="0"/>
+              </a:rPr>
+              <a:t>PC</a:t>
+            </a:r>
+          </a:p>
+        </p:txBody>
+      </p:sp>
+      <p:sp>
+        <p:nvSpPr>
+          <p:cNvPr id="106" name="TextBox 105">
+            <a:extLst>
+              <a:ext uri="{FF2B5EF4-FFF2-40B4-BE49-F238E27FC236}">
+                <a16:creationId xmlns:a16="http://schemas.microsoft.com/office/drawing/2014/main" id="{31C3D071-47C3-40B4-A2CB-1BC1C37C42E2}"/>
+              </a:ext>
+            </a:extLst>
+          </p:cNvPr>
+          <p:cNvSpPr txBox="1"/>
+          <p:nvPr/>
+        </p:nvSpPr>
+        <p:spPr>
+          <a:xfrm>
+            <a:off x="6224110" y="904269"/>
+            <a:ext cx="1378088" cy="400110"/>
+          </a:xfrm>
+          <a:prstGeom prst="rect">
+            <a:avLst/>
+          </a:prstGeom>
+          <a:noFill/>
+        </p:spPr>
+        <p:txBody>
+          <a:bodyPr wrap="square" rtlCol="0">
+            <a:spAutoFit/>
+          </a:bodyPr>
+          <a:lstStyle/>
+          <a:p>
+            <a:r>
+              <a:rPr lang="en-US" sz="2000" dirty="0">
+                <a:solidFill>
+                  <a:srgbClr val="00B0F0"/>
+                </a:solidFill>
+                <a:latin typeface="Abadi" panose="020B0604020104020204" pitchFamily="34" charset="0"/>
+              </a:rPr>
+              <a:t>PC, Notes</a:t>
+            </a:r>
+          </a:p>
+        </p:txBody>
+      </p:sp>
+      <p:sp>
+        <p:nvSpPr>
+          <p:cNvPr id="107" name="TextBox 106">
+            <a:extLst>
+              <a:ext uri="{FF2B5EF4-FFF2-40B4-BE49-F238E27FC236}">
+                <a16:creationId xmlns:a16="http://schemas.microsoft.com/office/drawing/2014/main" id="{7745AFA1-DCFD-4D9B-8D49-4C4808E116EA}"/>
+              </a:ext>
+            </a:extLst>
+          </p:cNvPr>
+          <p:cNvSpPr txBox="1"/>
+          <p:nvPr/>
+        </p:nvSpPr>
+        <p:spPr>
+          <a:xfrm>
+            <a:off x="3114325" y="3465785"/>
+            <a:ext cx="914054" cy="400110"/>
+          </a:xfrm>
+          <a:prstGeom prst="rect">
+            <a:avLst/>
+          </a:prstGeom>
+          <a:noFill/>
+        </p:spPr>
+        <p:txBody>
+          <a:bodyPr wrap="square" rtlCol="0">
+            <a:spAutoFit/>
+          </a:bodyPr>
+          <a:lstStyle/>
+          <a:p>
+            <a:r>
+              <a:rPr lang="en-US" sz="2000" dirty="0">
+                <a:solidFill>
+                  <a:schemeClr val="accent2"/>
+                </a:solidFill>
+                <a:latin typeface="Abadi" panose="020B0604020104020204" pitchFamily="34" charset="0"/>
+              </a:rPr>
+              <a:t>Notes</a:t>
+            </a:r>
+          </a:p>
+        </p:txBody>
+      </p:sp>
+      <p:sp>
+        <p:nvSpPr>
+          <p:cNvPr id="2" name="Rectangle: Rounded Corners 1">
+            <a:extLst>
+              <a:ext uri="{FF2B5EF4-FFF2-40B4-BE49-F238E27FC236}">
+                <a16:creationId xmlns:a16="http://schemas.microsoft.com/office/drawing/2014/main" id="{644A97DA-8B0C-4F74-AA12-DD2817ED7247}"/>
+              </a:ext>
+            </a:extLst>
+          </p:cNvPr>
+          <p:cNvSpPr/>
+          <p:nvPr/>
+        </p:nvSpPr>
+        <p:spPr>
+          <a:xfrm>
+            <a:off x="4763378" y="1698468"/>
+            <a:ext cx="1237457" cy="1651913"/>
+          </a:xfrm>
+          <a:prstGeom prst="roundRect">
+            <a:avLst/>
+          </a:prstGeom>
+        </p:spPr>
+        <p:style>
+          <a:lnRef idx="2">
+            <a:schemeClr val="dk1">
+              <a:shade val="50000"/>
+            </a:schemeClr>
+          </a:lnRef>
+          <a:fillRef idx="1">
+            <a:schemeClr val="dk1"/>
+          </a:fillRef>
+          <a:effectRef idx="0">
+            <a:schemeClr val="dk1"/>
+          </a:effectRef>
+          <a:fontRef idx="minor">
+            <a:schemeClr val="lt1"/>
+          </a:fontRef>
+        </p:style>
+        <p:txBody>
+          <a:bodyPr rtlCol="0" anchor="t"/>
+          <a:lstStyle/>
+          <a:p>
+            <a:pPr algn="ctr"/>
+            <a:r>
+              <a:rPr lang="en-US" sz="5400" dirty="0">
+                <a:latin typeface="Abadi" panose="020B0604020104020204" pitchFamily="34" charset="0"/>
+              </a:rPr>
+              <a:t>oo</a:t>
+            </a:r>
+          </a:p>
+        </p:txBody>
+      </p:sp>
+      <p:grpSp>
+        <p:nvGrpSpPr>
+          <p:cNvPr id="60" name="Group 59">
+            <a:extLst>
+              <a:ext uri="{FF2B5EF4-FFF2-40B4-BE49-F238E27FC236}">
+                <a16:creationId xmlns:a16="http://schemas.microsoft.com/office/drawing/2014/main" id="{22505D96-7EB4-40A8-B0BF-E755E9DDC90A}"/>
+              </a:ext>
+            </a:extLst>
+          </p:cNvPr>
+          <p:cNvGrpSpPr/>
+          <p:nvPr/>
+        </p:nvGrpSpPr>
+        <p:grpSpPr>
+          <a:xfrm>
+            <a:off x="9099494" y="1035082"/>
+            <a:ext cx="1238949" cy="447746"/>
+            <a:chOff x="8707899" y="597844"/>
+            <a:chExt cx="1238949" cy="447746"/>
+          </a:xfrm>
+        </p:grpSpPr>
+        <p:sp>
+          <p:nvSpPr>
+            <p:cNvPr id="62" name="Arrow: Curved Right 61">
+              <a:extLst>
+                <a:ext uri="{FF2B5EF4-FFF2-40B4-BE49-F238E27FC236}">
+                  <a16:creationId xmlns:a16="http://schemas.microsoft.com/office/drawing/2014/main" id="{B1902250-3267-4621-933C-DCD444802F2D}"/>
+                </a:ext>
+              </a:extLst>
+            </p:cNvPr>
+            <p:cNvSpPr/>
+            <p:nvPr/>
+          </p:nvSpPr>
+          <p:spPr>
+            <a:xfrm rot="20865349" flipH="1">
+              <a:off x="8945041" y="597844"/>
+              <a:ext cx="1001807" cy="313286"/>
+            </a:xfrm>
+            <a:prstGeom prst="curvedRightArrow">
+              <a:avLst>
+                <a:gd name="adj1" fmla="val 40132"/>
+                <a:gd name="adj2" fmla="val 27281"/>
+                <a:gd name="adj3" fmla="val 47456"/>
+              </a:avLst>
+            </a:prstGeom>
+          </p:spPr>
+          <p:style>
+            <a:lnRef idx="2">
+              <a:schemeClr val="dk1">
+                <a:shade val="50000"/>
+              </a:schemeClr>
+            </a:lnRef>
+            <a:fillRef idx="1">
+              <a:schemeClr val="dk1"/>
+            </a:fillRef>
+            <a:effectRef idx="0">
+              <a:schemeClr val="dk1"/>
+            </a:effectRef>
+            <a:fontRef idx="minor">
+              <a:schemeClr val="lt1"/>
+            </a:fontRef>
+          </p:style>
+          <p:txBody>
+            <a:bodyPr rtlCol="0" anchor="ctr"/>
+            <a:lstStyle/>
+            <a:p>
+              <a:pPr algn="ctr"/>
+              <a:endParaRPr lang="en-US">
+                <a:solidFill>
+                  <a:schemeClr val="tx1"/>
+                </a:solidFill>
+              </a:endParaRPr>
+            </a:p>
+          </p:txBody>
+        </p:sp>
+        <p:sp>
+          <p:nvSpPr>
+            <p:cNvPr id="63" name="Cylinder 62">
+              <a:extLst>
+                <a:ext uri="{FF2B5EF4-FFF2-40B4-BE49-F238E27FC236}">
+                  <a16:creationId xmlns:a16="http://schemas.microsoft.com/office/drawing/2014/main" id="{F84EF189-8C5A-460A-9E86-A2EE2CABCA7D}"/>
+                </a:ext>
+              </a:extLst>
+            </p:cNvPr>
+            <p:cNvSpPr/>
+            <p:nvPr/>
+          </p:nvSpPr>
+          <p:spPr>
+            <a:xfrm rot="15605945">
+              <a:off x="8669166" y="703560"/>
+              <a:ext cx="334126" cy="256660"/>
+            </a:xfrm>
+            <a:prstGeom prst="can">
+              <a:avLst>
+                <a:gd name="adj" fmla="val 50000"/>
+              </a:avLst>
+            </a:prstGeom>
+            <a:ln w="28575"/>
+          </p:spPr>
+          <p:style>
+            <a:lnRef idx="2">
+              <a:schemeClr val="dk1">
+                <a:shade val="50000"/>
+              </a:schemeClr>
+            </a:lnRef>
+            <a:fillRef idx="1">
+              <a:schemeClr val="dk1"/>
+            </a:fillRef>
+            <a:effectRef idx="0">
+              <a:schemeClr val="dk1"/>
+            </a:effectRef>
+            <a:fontRef idx="minor">
+              <a:schemeClr val="lt1"/>
+            </a:fontRef>
+          </p:style>
+          <p:txBody>
+            <a:bodyPr rtlCol="0" anchor="ctr"/>
+            <a:lstStyle/>
+            <a:p>
+              <a:pPr algn="ctr"/>
+              <a:endParaRPr lang="en-US"/>
+            </a:p>
+          </p:txBody>
+        </p:sp>
+        <p:sp>
+          <p:nvSpPr>
+            <p:cNvPr id="64" name="Cylinder 63">
+              <a:extLst>
+                <a:ext uri="{FF2B5EF4-FFF2-40B4-BE49-F238E27FC236}">
+                  <a16:creationId xmlns:a16="http://schemas.microsoft.com/office/drawing/2014/main" id="{33FC726D-4C1E-4D2C-86A6-3C272391D98B}"/>
+                </a:ext>
+              </a:extLst>
+            </p:cNvPr>
+            <p:cNvSpPr/>
+            <p:nvPr/>
+          </p:nvSpPr>
+          <p:spPr>
+            <a:xfrm rot="15605945">
+              <a:off x="8877040" y="716220"/>
+              <a:ext cx="372558" cy="286182"/>
+            </a:xfrm>
+            <a:prstGeom prst="can">
+              <a:avLst>
+                <a:gd name="adj" fmla="val 50000"/>
+              </a:avLst>
+            </a:prstGeom>
+            <a:ln w="28575"/>
+          </p:spPr>
+          <p:style>
+            <a:lnRef idx="2">
+              <a:schemeClr val="dk1">
+                <a:shade val="50000"/>
+              </a:schemeClr>
+            </a:lnRef>
+            <a:fillRef idx="1">
+              <a:schemeClr val="dk1"/>
+            </a:fillRef>
+            <a:effectRef idx="0">
+              <a:schemeClr val="dk1"/>
+            </a:effectRef>
+            <a:fontRef idx="minor">
+              <a:schemeClr val="lt1"/>
+            </a:fontRef>
+          </p:style>
+          <p:txBody>
+            <a:bodyPr rtlCol="0" anchor="ctr"/>
+            <a:lstStyle/>
+            <a:p>
+              <a:pPr algn="ctr"/>
+              <a:endParaRPr lang="en-US"/>
+            </a:p>
+          </p:txBody>
+        </p:sp>
+      </p:grpSp>
+      <p:grpSp>
+        <p:nvGrpSpPr>
+          <p:cNvPr id="67" name="Group 66">
+            <a:extLst>
+              <a:ext uri="{FF2B5EF4-FFF2-40B4-BE49-F238E27FC236}">
+                <a16:creationId xmlns:a16="http://schemas.microsoft.com/office/drawing/2014/main" id="{E8A00947-6465-4C60-87F8-A33AD7B11AA7}"/>
+              </a:ext>
+            </a:extLst>
+          </p:cNvPr>
+          <p:cNvGrpSpPr/>
+          <p:nvPr/>
+        </p:nvGrpSpPr>
+        <p:grpSpPr>
+          <a:xfrm>
+            <a:off x="8973302" y="1971132"/>
+            <a:ext cx="1238949" cy="447746"/>
+            <a:chOff x="8707899" y="597844"/>
+            <a:chExt cx="1238949" cy="447746"/>
+          </a:xfrm>
+        </p:grpSpPr>
+        <p:sp>
+          <p:nvSpPr>
+            <p:cNvPr id="69" name="Arrow: Curved Right 68">
+              <a:extLst>
+                <a:ext uri="{FF2B5EF4-FFF2-40B4-BE49-F238E27FC236}">
+                  <a16:creationId xmlns:a16="http://schemas.microsoft.com/office/drawing/2014/main" id="{A4F0AA07-B69A-49F3-99A4-6F7592055911}"/>
+                </a:ext>
+              </a:extLst>
+            </p:cNvPr>
+            <p:cNvSpPr/>
+            <p:nvPr/>
+          </p:nvSpPr>
+          <p:spPr>
+            <a:xfrm rot="20865349" flipH="1">
+              <a:off x="8945041" y="597844"/>
+              <a:ext cx="1001807" cy="313286"/>
+            </a:xfrm>
+            <a:prstGeom prst="curvedRightArrow">
+              <a:avLst>
+                <a:gd name="adj1" fmla="val 40132"/>
+                <a:gd name="adj2" fmla="val 27281"/>
+                <a:gd name="adj3" fmla="val 47456"/>
+              </a:avLst>
+            </a:prstGeom>
+          </p:spPr>
+          <p:style>
+            <a:lnRef idx="2">
+              <a:schemeClr val="dk1">
+                <a:shade val="50000"/>
+              </a:schemeClr>
+            </a:lnRef>
+            <a:fillRef idx="1">
+              <a:schemeClr val="dk1"/>
+            </a:fillRef>
+            <a:effectRef idx="0">
+              <a:schemeClr val="dk1"/>
+            </a:effectRef>
+            <a:fontRef idx="minor">
+              <a:schemeClr val="lt1"/>
+            </a:fontRef>
+          </p:style>
+          <p:txBody>
+            <a:bodyPr rtlCol="0" anchor="ctr"/>
+            <a:lstStyle/>
+            <a:p>
+              <a:pPr algn="ctr"/>
+              <a:endParaRPr lang="en-US">
+                <a:solidFill>
+                  <a:schemeClr val="tx1"/>
+                </a:solidFill>
+              </a:endParaRPr>
+            </a:p>
+          </p:txBody>
+        </p:sp>
+        <p:sp>
+          <p:nvSpPr>
+            <p:cNvPr id="70" name="Cylinder 69">
+              <a:extLst>
+                <a:ext uri="{FF2B5EF4-FFF2-40B4-BE49-F238E27FC236}">
+                  <a16:creationId xmlns:a16="http://schemas.microsoft.com/office/drawing/2014/main" id="{B2B39281-E2EE-4F09-AFF3-ED2933D9C560}"/>
+                </a:ext>
+              </a:extLst>
+            </p:cNvPr>
+            <p:cNvSpPr/>
+            <p:nvPr/>
+          </p:nvSpPr>
+          <p:spPr>
+            <a:xfrm rot="15605945">
+              <a:off x="8669166" y="703560"/>
+              <a:ext cx="334126" cy="256660"/>
+            </a:xfrm>
+            <a:prstGeom prst="can">
+              <a:avLst>
+                <a:gd name="adj" fmla="val 50000"/>
+              </a:avLst>
+            </a:prstGeom>
+            <a:ln w="28575"/>
+          </p:spPr>
+          <p:style>
+            <a:lnRef idx="2">
+              <a:schemeClr val="dk1">
+                <a:shade val="50000"/>
+              </a:schemeClr>
+            </a:lnRef>
+            <a:fillRef idx="1">
+              <a:schemeClr val="dk1"/>
+            </a:fillRef>
+            <a:effectRef idx="0">
+              <a:schemeClr val="dk1"/>
+            </a:effectRef>
+            <a:fontRef idx="minor">
+              <a:schemeClr val="lt1"/>
+            </a:fontRef>
+          </p:style>
+          <p:txBody>
+            <a:bodyPr rtlCol="0" anchor="ctr"/>
+            <a:lstStyle/>
+            <a:p>
+              <a:pPr algn="ctr"/>
+              <a:endParaRPr lang="en-US"/>
+            </a:p>
+          </p:txBody>
+        </p:sp>
+        <p:sp>
+          <p:nvSpPr>
+            <p:cNvPr id="71" name="Cylinder 70">
+              <a:extLst>
+                <a:ext uri="{FF2B5EF4-FFF2-40B4-BE49-F238E27FC236}">
+                  <a16:creationId xmlns:a16="http://schemas.microsoft.com/office/drawing/2014/main" id="{96750C45-6F64-4DA7-A8E4-EFC3CE27CB4D}"/>
+                </a:ext>
+              </a:extLst>
+            </p:cNvPr>
+            <p:cNvSpPr/>
+            <p:nvPr/>
+          </p:nvSpPr>
+          <p:spPr>
+            <a:xfrm rot="15605945">
+              <a:off x="8877040" y="716220"/>
+              <a:ext cx="372558" cy="286182"/>
+            </a:xfrm>
+            <a:prstGeom prst="can">
+              <a:avLst>
+                <a:gd name="adj" fmla="val 50000"/>
+              </a:avLst>
+            </a:prstGeom>
+            <a:ln w="28575"/>
+          </p:spPr>
+          <p:style>
+            <a:lnRef idx="2">
+              <a:schemeClr val="dk1">
+                <a:shade val="50000"/>
+              </a:schemeClr>
+            </a:lnRef>
+            <a:fillRef idx="1">
+              <a:schemeClr val="dk1"/>
+            </a:fillRef>
+            <a:effectRef idx="0">
+              <a:schemeClr val="dk1"/>
+            </a:effectRef>
+            <a:fontRef idx="minor">
+              <a:schemeClr val="lt1"/>
+            </a:fontRef>
+          </p:style>
+          <p:txBody>
+            <a:bodyPr rtlCol="0" anchor="ctr"/>
+            <a:lstStyle/>
+            <a:p>
+              <a:pPr algn="ctr"/>
+              <a:endParaRPr lang="en-US"/>
+            </a:p>
+          </p:txBody>
+        </p:sp>
+      </p:grpSp>
+      <p:sp>
+        <p:nvSpPr>
+          <p:cNvPr id="73" name="TextBox 72">
+            <a:extLst>
+              <a:ext uri="{FF2B5EF4-FFF2-40B4-BE49-F238E27FC236}">
+                <a16:creationId xmlns:a16="http://schemas.microsoft.com/office/drawing/2014/main" id="{C963605E-99A4-4420-A76E-8C669F0F7CB2}"/>
+              </a:ext>
+            </a:extLst>
+          </p:cNvPr>
+          <p:cNvSpPr txBox="1"/>
+          <p:nvPr/>
+        </p:nvSpPr>
+        <p:spPr>
+          <a:xfrm>
+            <a:off x="4428724" y="342237"/>
+            <a:ext cx="1965149" cy="523220"/>
+          </a:xfrm>
+          <a:prstGeom prst="rect">
+            <a:avLst/>
+          </a:prstGeom>
+          <a:noFill/>
+        </p:spPr>
+        <p:txBody>
+          <a:bodyPr wrap="square">
+            <a:spAutoFit/>
+          </a:bodyPr>
+          <a:lstStyle/>
+          <a:p>
+            <a:r>
+              <a:rPr lang="en-US" sz="2800" dirty="0">
+                <a:latin typeface="Abadi" panose="020B0604020104020204" pitchFamily="34" charset="0"/>
+              </a:rPr>
+              <a:t>HootBeat</a:t>
+            </a:r>
+            <a:endParaRPr lang="en-US" sz="2800" dirty="0"/>
+          </a:p>
+        </p:txBody>
+      </p:sp>
+    </p:spTree>
+    <p:extLst>
+      <p:ext uri="{BB962C8B-B14F-4D97-AF65-F5344CB8AC3E}">
+        <p14:creationId xmlns:p14="http://schemas.microsoft.com/office/powerpoint/2010/main" val="764427434"/>
+      </p:ext>
+    </p:extLst>
+  </p:cSld>
+  <p:clrMapOvr>
+    <a:masterClrMapping/>
+  </p:clrMapOvr>
+</p:sld>
+</file>
+
 <file path=ppt/theme/theme1.xml><?xml version="1.0" encoding="utf-8"?>
 <a:theme xmlns:a="http://schemas.openxmlformats.org/drawingml/2006/main" name="Office Theme">
   <a:themeElements>

--- a/HootBeat-block_diagram.pptx
+++ b/HootBeat-block_diagram.pptx
@@ -9822,7 +9822,7 @@
               <a:rPr lang="en-US" sz="2000" dirty="0">
                 <a:latin typeface="Abadi" panose="020B0604020104020204" pitchFamily="34" charset="0"/>
               </a:rPr>
-              <a:t>HootBeat brain</a:t>
+              <a:t>HootBeat Brain</a:t>
             </a:r>
           </a:p>
           <a:p>

--- a/HootBeat-block_diagram.pptx
+++ b/HootBeat-block_diagram.pptx
@@ -7,6 +7,8 @@
   <p:sldIdLst>
     <p:sldId id="257" r:id="rId2"/>
     <p:sldId id="258" r:id="rId3"/>
+    <p:sldId id="259" r:id="rId4"/>
+    <p:sldId id="260" r:id="rId5"/>
   </p:sldIdLst>
   <p:sldSz cx="12192000" cy="6858000"/>
   <p:notesSz cx="6858000" cy="9144000"/>
@@ -260,7 +262,7 @@
           <a:p>
             <a:fld id="{E49CE715-287F-4841-B672-C95A8DB42A70}" type="datetimeFigureOut">
               <a:rPr lang="en-US" smtClean="0"/>
-              <a:t>3/20/2022</a:t>
+              <a:t>7/4/2023</a:t>
             </a:fld>
             <a:endParaRPr lang="en-US"/>
           </a:p>
@@ -458,7 +460,7 @@
           <a:p>
             <a:fld id="{E49CE715-287F-4841-B672-C95A8DB42A70}" type="datetimeFigureOut">
               <a:rPr lang="en-US" smtClean="0"/>
-              <a:t>3/20/2022</a:t>
+              <a:t>7/4/2023</a:t>
             </a:fld>
             <a:endParaRPr lang="en-US"/>
           </a:p>
@@ -666,7 +668,7 @@
           <a:p>
             <a:fld id="{E49CE715-287F-4841-B672-C95A8DB42A70}" type="datetimeFigureOut">
               <a:rPr lang="en-US" smtClean="0"/>
-              <a:t>3/20/2022</a:t>
+              <a:t>7/4/2023</a:t>
             </a:fld>
             <a:endParaRPr lang="en-US"/>
           </a:p>
@@ -864,7 +866,7 @@
           <a:p>
             <a:fld id="{E49CE715-287F-4841-B672-C95A8DB42A70}" type="datetimeFigureOut">
               <a:rPr lang="en-US" smtClean="0"/>
-              <a:t>3/20/2022</a:t>
+              <a:t>7/4/2023</a:t>
             </a:fld>
             <a:endParaRPr lang="en-US"/>
           </a:p>
@@ -1139,7 +1141,7 @@
           <a:p>
             <a:fld id="{E49CE715-287F-4841-B672-C95A8DB42A70}" type="datetimeFigureOut">
               <a:rPr lang="en-US" smtClean="0"/>
-              <a:t>3/20/2022</a:t>
+              <a:t>7/4/2023</a:t>
             </a:fld>
             <a:endParaRPr lang="en-US"/>
           </a:p>
@@ -1404,7 +1406,7 @@
           <a:p>
             <a:fld id="{E49CE715-287F-4841-B672-C95A8DB42A70}" type="datetimeFigureOut">
               <a:rPr lang="en-US" smtClean="0"/>
-              <a:t>3/20/2022</a:t>
+              <a:t>7/4/2023</a:t>
             </a:fld>
             <a:endParaRPr lang="en-US"/>
           </a:p>
@@ -1816,7 +1818,7 @@
           <a:p>
             <a:fld id="{E49CE715-287F-4841-B672-C95A8DB42A70}" type="datetimeFigureOut">
               <a:rPr lang="en-US" smtClean="0"/>
-              <a:t>3/20/2022</a:t>
+              <a:t>7/4/2023</a:t>
             </a:fld>
             <a:endParaRPr lang="en-US"/>
           </a:p>
@@ -1957,7 +1959,7 @@
           <a:p>
             <a:fld id="{E49CE715-287F-4841-B672-C95A8DB42A70}" type="datetimeFigureOut">
               <a:rPr lang="en-US" smtClean="0"/>
-              <a:t>3/20/2022</a:t>
+              <a:t>7/4/2023</a:t>
             </a:fld>
             <a:endParaRPr lang="en-US"/>
           </a:p>
@@ -2070,7 +2072,7 @@
           <a:p>
             <a:fld id="{E49CE715-287F-4841-B672-C95A8DB42A70}" type="datetimeFigureOut">
               <a:rPr lang="en-US" smtClean="0"/>
-              <a:t>3/20/2022</a:t>
+              <a:t>7/4/2023</a:t>
             </a:fld>
             <a:endParaRPr lang="en-US"/>
           </a:p>
@@ -2381,7 +2383,7 @@
           <a:p>
             <a:fld id="{E49CE715-287F-4841-B672-C95A8DB42A70}" type="datetimeFigureOut">
               <a:rPr lang="en-US" smtClean="0"/>
-              <a:t>3/20/2022</a:t>
+              <a:t>7/4/2023</a:t>
             </a:fld>
             <a:endParaRPr lang="en-US"/>
           </a:p>
@@ -2669,7 +2671,7 @@
           <a:p>
             <a:fld id="{E49CE715-287F-4841-B672-C95A8DB42A70}" type="datetimeFigureOut">
               <a:rPr lang="en-US" smtClean="0"/>
-              <a:t>3/20/2022</a:t>
+              <a:t>7/4/2023</a:t>
             </a:fld>
             <a:endParaRPr lang="en-US"/>
           </a:p>
@@ -2910,7 +2912,7 @@
           <a:p>
             <a:fld id="{E49CE715-287F-4841-B672-C95A8DB42A70}" type="datetimeFigureOut">
               <a:rPr lang="en-US" smtClean="0"/>
-              <a:t>3/20/2022</a:t>
+              <a:t>7/4/2023</a:t>
             </a:fld>
             <a:endParaRPr lang="en-US"/>
           </a:p>
@@ -10775,6 +10777,9264 @@
 </p:sld>
 </file>
 
+<file path=ppt/slides/slide3.xml><?xml version="1.0" encoding="utf-8"?>
+<p:sld xmlns:a="http://schemas.openxmlformats.org/drawingml/2006/main" xmlns:r="http://schemas.openxmlformats.org/officeDocument/2006/relationships" xmlns:p="http://schemas.openxmlformats.org/presentationml/2006/main">
+  <p:cSld>
+    <p:spTree>
+      <p:nvGrpSpPr>
+        <p:cNvPr id="1" name=""/>
+        <p:cNvGrpSpPr/>
+        <p:nvPr/>
+      </p:nvGrpSpPr>
+      <p:grpSpPr>
+        <a:xfrm>
+          <a:off x="0" y="0"/>
+          <a:ext cx="0" cy="0"/>
+          <a:chOff x="0" y="0"/>
+          <a:chExt cx="0" cy="0"/>
+        </a:xfrm>
+      </p:grpSpPr>
+      <p:grpSp>
+        <p:nvGrpSpPr>
+          <p:cNvPr id="13" name="Group 12">
+            <a:extLst>
+              <a:ext uri="{FF2B5EF4-FFF2-40B4-BE49-F238E27FC236}">
+                <a16:creationId xmlns:a16="http://schemas.microsoft.com/office/drawing/2014/main" id="{91662234-6831-892E-A2F8-919597071329}"/>
+              </a:ext>
+            </a:extLst>
+          </p:cNvPr>
+          <p:cNvGrpSpPr/>
+          <p:nvPr/>
+        </p:nvGrpSpPr>
+        <p:grpSpPr>
+          <a:xfrm>
+            <a:off x="4358853" y="1684792"/>
+            <a:ext cx="1805322" cy="1805322"/>
+            <a:chOff x="4418788" y="1835197"/>
+            <a:chExt cx="1521775" cy="1521775"/>
+          </a:xfrm>
+        </p:grpSpPr>
+        <p:pic>
+          <p:nvPicPr>
+            <p:cNvPr id="10" name="Graphic 9" descr="Laptop with solid fill">
+              <a:extLst>
+                <a:ext uri="{FF2B5EF4-FFF2-40B4-BE49-F238E27FC236}">
+                  <a16:creationId xmlns:a16="http://schemas.microsoft.com/office/drawing/2014/main" id="{1C6C131C-39FF-AC9A-492C-F22B443C98BB}"/>
+                </a:ext>
+              </a:extLst>
+            </p:cNvPr>
+            <p:cNvPicPr>
+              <a:picLocks noChangeAspect="1"/>
+            </p:cNvPicPr>
+            <p:nvPr/>
+          </p:nvPicPr>
+          <p:blipFill>
+            <a:blip r:embed="rId2">
+              <a:extLst>
+                <a:ext uri="{28A0092B-C50C-407E-A947-70E740481C1C}">
+                  <a14:useLocalDpi xmlns:a14="http://schemas.microsoft.com/office/drawing/2010/main" val="0"/>
+                </a:ext>
+                <a:ext uri="{96DAC541-7B7A-43D3-8B79-37D633B846F1}">
+                  <asvg:svgBlip xmlns:asvg="http://schemas.microsoft.com/office/drawing/2016/SVG/main" r:embed="rId3"/>
+                </a:ext>
+              </a:extLst>
+            </a:blip>
+            <a:stretch>
+              <a:fillRect/>
+            </a:stretch>
+          </p:blipFill>
+          <p:spPr>
+            <a:xfrm>
+              <a:off x="4418788" y="1835197"/>
+              <a:ext cx="1521775" cy="1521775"/>
+            </a:xfrm>
+            <a:prstGeom prst="rect">
+              <a:avLst/>
+            </a:prstGeom>
+          </p:spPr>
+        </p:pic>
+        <p:sp>
+          <p:nvSpPr>
+            <p:cNvPr id="12" name="TextBox 11">
+              <a:extLst>
+                <a:ext uri="{FF2B5EF4-FFF2-40B4-BE49-F238E27FC236}">
+                  <a16:creationId xmlns:a16="http://schemas.microsoft.com/office/drawing/2014/main" id="{6E949B88-60DF-D95F-CC4C-48C4C2979BDC}"/>
+                </a:ext>
+              </a:extLst>
+            </p:cNvPr>
+            <p:cNvSpPr txBox="1"/>
+            <p:nvPr/>
+          </p:nvSpPr>
+          <p:spPr>
+            <a:xfrm>
+              <a:off x="4733686" y="2031334"/>
+              <a:ext cx="896602" cy="856141"/>
+            </a:xfrm>
+            <a:prstGeom prst="rect">
+              <a:avLst/>
+            </a:prstGeom>
+            <a:noFill/>
+          </p:spPr>
+          <p:txBody>
+            <a:bodyPr wrap="square" anchor="ctr">
+              <a:spAutoFit/>
+            </a:bodyPr>
+            <a:lstStyle/>
+            <a:p>
+              <a:pPr algn="ctr"/>
+              <a:r>
+                <a:rPr lang="en-US" sz="6000" dirty="0">
+                  <a:latin typeface="Abadi" panose="020B0604020104020204" pitchFamily="34" charset="0"/>
+                </a:rPr>
+                <a:t>oo</a:t>
+              </a:r>
+              <a:endParaRPr lang="en-US" sz="4400" dirty="0">
+                <a:latin typeface="Abadi" panose="020B0604020104020204" pitchFamily="34" charset="0"/>
+              </a:endParaRPr>
+            </a:p>
+          </p:txBody>
+        </p:sp>
+      </p:grpSp>
+      <p:sp>
+        <p:nvSpPr>
+          <p:cNvPr id="8" name="Rectangle 7">
+            <a:extLst>
+              <a:ext uri="{FF2B5EF4-FFF2-40B4-BE49-F238E27FC236}">
+                <a16:creationId xmlns:a16="http://schemas.microsoft.com/office/drawing/2014/main" id="{75850E4D-43B4-4EFA-B2B1-B385C92496CB}"/>
+              </a:ext>
+            </a:extLst>
+          </p:cNvPr>
+          <p:cNvSpPr/>
+          <p:nvPr/>
+        </p:nvSpPr>
+        <p:spPr>
+          <a:xfrm>
+            <a:off x="4326023" y="274231"/>
+            <a:ext cx="6686534" cy="6068071"/>
+          </a:xfrm>
+          <a:prstGeom prst="rect">
+            <a:avLst/>
+          </a:prstGeom>
+          <a:noFill/>
+          <a:ln w="28575">
+            <a:solidFill>
+              <a:schemeClr val="bg1">
+                <a:lumMod val="50000"/>
+              </a:schemeClr>
+            </a:solidFill>
+            <a:prstDash val="dash"/>
+          </a:ln>
+        </p:spPr>
+        <p:style>
+          <a:lnRef idx="2">
+            <a:schemeClr val="accent1">
+              <a:shade val="50000"/>
+            </a:schemeClr>
+          </a:lnRef>
+          <a:fillRef idx="1">
+            <a:schemeClr val="accent1"/>
+          </a:fillRef>
+          <a:effectRef idx="0">
+            <a:schemeClr val="accent1"/>
+          </a:effectRef>
+          <a:fontRef idx="minor">
+            <a:schemeClr val="lt1"/>
+          </a:fontRef>
+        </p:style>
+        <p:txBody>
+          <a:bodyPr rtlCol="0" anchor="ctr"/>
+          <a:lstStyle/>
+          <a:p>
+            <a:pPr algn="ctr"/>
+            <a:endParaRPr lang="en-US"/>
+          </a:p>
+        </p:txBody>
+      </p:sp>
+      <p:grpSp>
+        <p:nvGrpSpPr>
+          <p:cNvPr id="5" name="Group 4">
+            <a:extLst>
+              <a:ext uri="{FF2B5EF4-FFF2-40B4-BE49-F238E27FC236}">
+                <a16:creationId xmlns:a16="http://schemas.microsoft.com/office/drawing/2014/main" id="{8F1B06BF-4BDA-4DAD-9A27-D3A6BD1FB8A9}"/>
+              </a:ext>
+            </a:extLst>
+          </p:cNvPr>
+          <p:cNvGrpSpPr/>
+          <p:nvPr/>
+        </p:nvGrpSpPr>
+        <p:grpSpPr>
+          <a:xfrm>
+            <a:off x="8090242" y="552917"/>
+            <a:ext cx="820508" cy="296525"/>
+            <a:chOff x="8707899" y="597844"/>
+            <a:chExt cx="1238949" cy="447746"/>
+          </a:xfrm>
+        </p:grpSpPr>
+        <p:sp>
+          <p:nvSpPr>
+            <p:cNvPr id="3" name="Arrow: Curved Right 2">
+              <a:extLst>
+                <a:ext uri="{FF2B5EF4-FFF2-40B4-BE49-F238E27FC236}">
+                  <a16:creationId xmlns:a16="http://schemas.microsoft.com/office/drawing/2014/main" id="{38894D8D-97AB-4A26-8B5C-325D49EF5A7B}"/>
+                </a:ext>
+              </a:extLst>
+            </p:cNvPr>
+            <p:cNvSpPr/>
+            <p:nvPr/>
+          </p:nvSpPr>
+          <p:spPr>
+            <a:xfrm rot="20865349" flipH="1">
+              <a:off x="8945041" y="597844"/>
+              <a:ext cx="1001807" cy="313286"/>
+            </a:xfrm>
+            <a:prstGeom prst="curvedRightArrow">
+              <a:avLst>
+                <a:gd name="adj1" fmla="val 40132"/>
+                <a:gd name="adj2" fmla="val 27281"/>
+                <a:gd name="adj3" fmla="val 47456"/>
+              </a:avLst>
+            </a:prstGeom>
+          </p:spPr>
+          <p:style>
+            <a:lnRef idx="2">
+              <a:schemeClr val="dk1">
+                <a:shade val="50000"/>
+              </a:schemeClr>
+            </a:lnRef>
+            <a:fillRef idx="1">
+              <a:schemeClr val="dk1"/>
+            </a:fillRef>
+            <a:effectRef idx="0">
+              <a:schemeClr val="dk1"/>
+            </a:effectRef>
+            <a:fontRef idx="minor">
+              <a:schemeClr val="lt1"/>
+            </a:fontRef>
+          </p:style>
+          <p:txBody>
+            <a:bodyPr rtlCol="0" anchor="ctr"/>
+            <a:lstStyle/>
+            <a:p>
+              <a:pPr algn="ctr"/>
+              <a:endParaRPr lang="en-US">
+                <a:solidFill>
+                  <a:schemeClr val="tx1"/>
+                </a:solidFill>
+              </a:endParaRPr>
+            </a:p>
+          </p:txBody>
+        </p:sp>
+        <p:sp>
+          <p:nvSpPr>
+            <p:cNvPr id="4" name="Cylinder 3">
+              <a:extLst>
+                <a:ext uri="{FF2B5EF4-FFF2-40B4-BE49-F238E27FC236}">
+                  <a16:creationId xmlns:a16="http://schemas.microsoft.com/office/drawing/2014/main" id="{0415A155-E169-4422-A96F-4E02266667B5}"/>
+                </a:ext>
+              </a:extLst>
+            </p:cNvPr>
+            <p:cNvSpPr/>
+            <p:nvPr/>
+          </p:nvSpPr>
+          <p:spPr>
+            <a:xfrm rot="15605945">
+              <a:off x="8669166" y="703560"/>
+              <a:ext cx="334126" cy="256660"/>
+            </a:xfrm>
+            <a:prstGeom prst="can">
+              <a:avLst>
+                <a:gd name="adj" fmla="val 50000"/>
+              </a:avLst>
+            </a:prstGeom>
+            <a:ln w="28575"/>
+          </p:spPr>
+          <p:style>
+            <a:lnRef idx="2">
+              <a:schemeClr val="dk1">
+                <a:shade val="50000"/>
+              </a:schemeClr>
+            </a:lnRef>
+            <a:fillRef idx="1">
+              <a:schemeClr val="dk1"/>
+            </a:fillRef>
+            <a:effectRef idx="0">
+              <a:schemeClr val="dk1"/>
+            </a:effectRef>
+            <a:fontRef idx="minor">
+              <a:schemeClr val="lt1"/>
+            </a:fontRef>
+          </p:style>
+          <p:txBody>
+            <a:bodyPr rtlCol="0" anchor="ctr"/>
+            <a:lstStyle/>
+            <a:p>
+              <a:pPr algn="ctr"/>
+              <a:endParaRPr lang="en-US"/>
+            </a:p>
+          </p:txBody>
+        </p:sp>
+        <p:sp>
+          <p:nvSpPr>
+            <p:cNvPr id="6" name="Cylinder 5">
+              <a:extLst>
+                <a:ext uri="{FF2B5EF4-FFF2-40B4-BE49-F238E27FC236}">
+                  <a16:creationId xmlns:a16="http://schemas.microsoft.com/office/drawing/2014/main" id="{BDF75E80-1675-4FF6-970E-F98D7DB658CE}"/>
+                </a:ext>
+              </a:extLst>
+            </p:cNvPr>
+            <p:cNvSpPr/>
+            <p:nvPr/>
+          </p:nvSpPr>
+          <p:spPr>
+            <a:xfrm rot="15605945">
+              <a:off x="8877040" y="716220"/>
+              <a:ext cx="372558" cy="286182"/>
+            </a:xfrm>
+            <a:prstGeom prst="can">
+              <a:avLst>
+                <a:gd name="adj" fmla="val 50000"/>
+              </a:avLst>
+            </a:prstGeom>
+            <a:ln w="28575"/>
+          </p:spPr>
+          <p:style>
+            <a:lnRef idx="2">
+              <a:schemeClr val="dk1">
+                <a:shade val="50000"/>
+              </a:schemeClr>
+            </a:lnRef>
+            <a:fillRef idx="1">
+              <a:schemeClr val="dk1"/>
+            </a:fillRef>
+            <a:effectRef idx="0">
+              <a:schemeClr val="dk1"/>
+            </a:effectRef>
+            <a:fontRef idx="minor">
+              <a:schemeClr val="lt1"/>
+            </a:fontRef>
+          </p:style>
+          <p:txBody>
+            <a:bodyPr rtlCol="0" anchor="ctr"/>
+            <a:lstStyle/>
+            <a:p>
+              <a:pPr algn="ctr"/>
+              <a:endParaRPr lang="en-US"/>
+            </a:p>
+          </p:txBody>
+        </p:sp>
+      </p:grpSp>
+      <p:pic>
+        <p:nvPicPr>
+          <p:cNvPr id="27" name="Graphic 26" descr="Drum set with solid fill">
+            <a:extLst>
+              <a:ext uri="{FF2B5EF4-FFF2-40B4-BE49-F238E27FC236}">
+                <a16:creationId xmlns:a16="http://schemas.microsoft.com/office/drawing/2014/main" id="{94830E7F-968A-45A5-825E-32FFE6A9C9A8}"/>
+              </a:ext>
+            </a:extLst>
+          </p:cNvPr>
+          <p:cNvPicPr>
+            <a:picLocks noChangeAspect="1"/>
+          </p:cNvPicPr>
+          <p:nvPr/>
+        </p:nvPicPr>
+        <p:blipFill>
+          <a:blip r:embed="rId4">
+            <a:extLst>
+              <a:ext uri="{28A0092B-C50C-407E-A947-70E740481C1C}">
+                <a14:useLocalDpi xmlns:a14="http://schemas.microsoft.com/office/drawing/2010/main" val="0"/>
+              </a:ext>
+              <a:ext uri="{96DAC541-7B7A-43D3-8B79-37D633B846F1}">
+                <asvg:svgBlip xmlns:asvg="http://schemas.microsoft.com/office/drawing/2016/SVG/main" r:embed="rId5"/>
+              </a:ext>
+            </a:extLst>
+          </a:blip>
+          <a:stretch>
+            <a:fillRect/>
+          </a:stretch>
+        </p:blipFill>
+        <p:spPr>
+          <a:xfrm>
+            <a:off x="1274820" y="434043"/>
+            <a:ext cx="1782524" cy="1782524"/>
+          </a:xfrm>
+          <a:prstGeom prst="rect">
+            <a:avLst/>
+          </a:prstGeom>
+        </p:spPr>
+      </p:pic>
+      <p:grpSp>
+        <p:nvGrpSpPr>
+          <p:cNvPr id="108" name="Group 107">
+            <a:extLst>
+              <a:ext uri="{FF2B5EF4-FFF2-40B4-BE49-F238E27FC236}">
+                <a16:creationId xmlns:a16="http://schemas.microsoft.com/office/drawing/2014/main" id="{715C3093-F082-4CF9-BB43-A8C8787F8F4F}"/>
+              </a:ext>
+            </a:extLst>
+          </p:cNvPr>
+          <p:cNvGrpSpPr/>
+          <p:nvPr/>
+        </p:nvGrpSpPr>
+        <p:grpSpPr>
+          <a:xfrm>
+            <a:off x="8668595" y="4432983"/>
+            <a:ext cx="1891469" cy="1072492"/>
+            <a:chOff x="8706767" y="4668369"/>
+            <a:chExt cx="1891469" cy="1072492"/>
+          </a:xfrm>
+        </p:grpSpPr>
+        <p:sp>
+          <p:nvSpPr>
+            <p:cNvPr id="29" name="Rectangle 28">
+              <a:extLst>
+                <a:ext uri="{FF2B5EF4-FFF2-40B4-BE49-F238E27FC236}">
+                  <a16:creationId xmlns:a16="http://schemas.microsoft.com/office/drawing/2014/main" id="{C3789DBF-AA31-A247-BBC8-57658529EAD7}"/>
+                </a:ext>
+              </a:extLst>
+            </p:cNvPr>
+            <p:cNvSpPr/>
+            <p:nvPr/>
+          </p:nvSpPr>
+          <p:spPr>
+            <a:xfrm>
+              <a:off x="8706767" y="4668369"/>
+              <a:ext cx="1891469" cy="1072492"/>
+            </a:xfrm>
+            <a:prstGeom prst="rect">
+              <a:avLst/>
+            </a:prstGeom>
+          </p:spPr>
+          <p:style>
+            <a:lnRef idx="2">
+              <a:schemeClr val="dk1">
+                <a:shade val="50000"/>
+              </a:schemeClr>
+            </a:lnRef>
+            <a:fillRef idx="1">
+              <a:schemeClr val="dk1"/>
+            </a:fillRef>
+            <a:effectRef idx="0">
+              <a:schemeClr val="dk1"/>
+            </a:effectRef>
+            <a:fontRef idx="minor">
+              <a:schemeClr val="lt1"/>
+            </a:fontRef>
+          </p:style>
+          <p:txBody>
+            <a:bodyPr rtlCol="0" anchor="ctr"/>
+            <a:lstStyle>
+              <a:defPPr>
+                <a:defRPr lang="en-US"/>
+              </a:defPPr>
+              <a:lvl1pPr marL="0" algn="l" defTabSz="914400" rtl="0" eaLnBrk="1" latinLnBrk="0" hangingPunct="1">
+                <a:defRPr sz="1800" kern="1200">
+                  <a:solidFill>
+                    <a:schemeClr val="lt1"/>
+                  </a:solidFill>
+                  <a:latin typeface="+mn-lt"/>
+                  <a:ea typeface="+mn-ea"/>
+                  <a:cs typeface="+mn-cs"/>
+                </a:defRPr>
+              </a:lvl1pPr>
+              <a:lvl2pPr marL="457200" algn="l" defTabSz="914400" rtl="0" eaLnBrk="1" latinLnBrk="0" hangingPunct="1">
+                <a:defRPr sz="1800" kern="1200">
+                  <a:solidFill>
+                    <a:schemeClr val="lt1"/>
+                  </a:solidFill>
+                  <a:latin typeface="+mn-lt"/>
+                  <a:ea typeface="+mn-ea"/>
+                  <a:cs typeface="+mn-cs"/>
+                </a:defRPr>
+              </a:lvl2pPr>
+              <a:lvl3pPr marL="914400" algn="l" defTabSz="914400" rtl="0" eaLnBrk="1" latinLnBrk="0" hangingPunct="1">
+                <a:defRPr sz="1800" kern="1200">
+                  <a:solidFill>
+                    <a:schemeClr val="lt1"/>
+                  </a:solidFill>
+                  <a:latin typeface="+mn-lt"/>
+                  <a:ea typeface="+mn-ea"/>
+                  <a:cs typeface="+mn-cs"/>
+                </a:defRPr>
+              </a:lvl3pPr>
+              <a:lvl4pPr marL="1371600" algn="l" defTabSz="914400" rtl="0" eaLnBrk="1" latinLnBrk="0" hangingPunct="1">
+                <a:defRPr sz="1800" kern="1200">
+                  <a:solidFill>
+                    <a:schemeClr val="lt1"/>
+                  </a:solidFill>
+                  <a:latin typeface="+mn-lt"/>
+                  <a:ea typeface="+mn-ea"/>
+                  <a:cs typeface="+mn-cs"/>
+                </a:defRPr>
+              </a:lvl4pPr>
+              <a:lvl5pPr marL="1828800" algn="l" defTabSz="914400" rtl="0" eaLnBrk="1" latinLnBrk="0" hangingPunct="1">
+                <a:defRPr sz="1800" kern="1200">
+                  <a:solidFill>
+                    <a:schemeClr val="lt1"/>
+                  </a:solidFill>
+                  <a:latin typeface="+mn-lt"/>
+                  <a:ea typeface="+mn-ea"/>
+                  <a:cs typeface="+mn-cs"/>
+                </a:defRPr>
+              </a:lvl5pPr>
+              <a:lvl6pPr marL="2286000" algn="l" defTabSz="914400" rtl="0" eaLnBrk="1" latinLnBrk="0" hangingPunct="1">
+                <a:defRPr sz="1800" kern="1200">
+                  <a:solidFill>
+                    <a:schemeClr val="lt1"/>
+                  </a:solidFill>
+                  <a:latin typeface="+mn-lt"/>
+                  <a:ea typeface="+mn-ea"/>
+                  <a:cs typeface="+mn-cs"/>
+                </a:defRPr>
+              </a:lvl6pPr>
+              <a:lvl7pPr marL="2743200" algn="l" defTabSz="914400" rtl="0" eaLnBrk="1" latinLnBrk="0" hangingPunct="1">
+                <a:defRPr sz="1800" kern="1200">
+                  <a:solidFill>
+                    <a:schemeClr val="lt1"/>
+                  </a:solidFill>
+                  <a:latin typeface="+mn-lt"/>
+                  <a:ea typeface="+mn-ea"/>
+                  <a:cs typeface="+mn-cs"/>
+                </a:defRPr>
+              </a:lvl7pPr>
+              <a:lvl8pPr marL="3200400" algn="l" defTabSz="914400" rtl="0" eaLnBrk="1" latinLnBrk="0" hangingPunct="1">
+                <a:defRPr sz="1800" kern="1200">
+                  <a:solidFill>
+                    <a:schemeClr val="lt1"/>
+                  </a:solidFill>
+                  <a:latin typeface="+mn-lt"/>
+                  <a:ea typeface="+mn-ea"/>
+                  <a:cs typeface="+mn-cs"/>
+                </a:defRPr>
+              </a:lvl8pPr>
+              <a:lvl9pPr marL="3657600" algn="l" defTabSz="914400" rtl="0" eaLnBrk="1" latinLnBrk="0" hangingPunct="1">
+                <a:defRPr sz="1800" kern="1200">
+                  <a:solidFill>
+                    <a:schemeClr val="lt1"/>
+                  </a:solidFill>
+                  <a:latin typeface="+mn-lt"/>
+                  <a:ea typeface="+mn-ea"/>
+                  <a:cs typeface="+mn-cs"/>
+                </a:defRPr>
+              </a:lvl9pPr>
+            </a:lstStyle>
+            <a:p>
+              <a:pPr algn="ctr"/>
+              <a:endParaRPr lang="en-US" sz="1600"/>
+            </a:p>
+          </p:txBody>
+        </p:sp>
+        <p:sp>
+          <p:nvSpPr>
+            <p:cNvPr id="30" name="Oval 29">
+              <a:extLst>
+                <a:ext uri="{FF2B5EF4-FFF2-40B4-BE49-F238E27FC236}">
+                  <a16:creationId xmlns:a16="http://schemas.microsoft.com/office/drawing/2014/main" id="{0823C409-8DA2-8146-A502-DED14F35560C}"/>
+                </a:ext>
+              </a:extLst>
+            </p:cNvPr>
+            <p:cNvSpPr/>
+            <p:nvPr/>
+          </p:nvSpPr>
+          <p:spPr>
+            <a:xfrm>
+              <a:off x="9630949" y="4810969"/>
+              <a:ext cx="41918" cy="41918"/>
+            </a:xfrm>
+            <a:prstGeom prst="ellipse">
+              <a:avLst/>
+            </a:prstGeom>
+            <a:solidFill>
+              <a:schemeClr val="tx1"/>
+            </a:solidFill>
+            <a:ln>
+              <a:solidFill>
+                <a:schemeClr val="bg1">
+                  <a:lumMod val="85000"/>
+                </a:schemeClr>
+              </a:solidFill>
+            </a:ln>
+          </p:spPr>
+          <p:style>
+            <a:lnRef idx="2">
+              <a:schemeClr val="accent1">
+                <a:shade val="50000"/>
+              </a:schemeClr>
+            </a:lnRef>
+            <a:fillRef idx="1">
+              <a:schemeClr val="accent1"/>
+            </a:fillRef>
+            <a:effectRef idx="0">
+              <a:schemeClr val="accent1"/>
+            </a:effectRef>
+            <a:fontRef idx="minor">
+              <a:schemeClr val="lt1"/>
+            </a:fontRef>
+          </p:style>
+          <p:txBody>
+            <a:bodyPr rtlCol="0" anchor="ctr"/>
+            <a:lstStyle>
+              <a:defPPr>
+                <a:defRPr lang="en-US"/>
+              </a:defPPr>
+              <a:lvl1pPr marL="0" algn="l" defTabSz="914400" rtl="0" eaLnBrk="1" latinLnBrk="0" hangingPunct="1">
+                <a:defRPr sz="1800" kern="1200">
+                  <a:solidFill>
+                    <a:schemeClr val="lt1"/>
+                  </a:solidFill>
+                  <a:latin typeface="+mn-lt"/>
+                  <a:ea typeface="+mn-ea"/>
+                  <a:cs typeface="+mn-cs"/>
+                </a:defRPr>
+              </a:lvl1pPr>
+              <a:lvl2pPr marL="457200" algn="l" defTabSz="914400" rtl="0" eaLnBrk="1" latinLnBrk="0" hangingPunct="1">
+                <a:defRPr sz="1800" kern="1200">
+                  <a:solidFill>
+                    <a:schemeClr val="lt1"/>
+                  </a:solidFill>
+                  <a:latin typeface="+mn-lt"/>
+                  <a:ea typeface="+mn-ea"/>
+                  <a:cs typeface="+mn-cs"/>
+                </a:defRPr>
+              </a:lvl2pPr>
+              <a:lvl3pPr marL="914400" algn="l" defTabSz="914400" rtl="0" eaLnBrk="1" latinLnBrk="0" hangingPunct="1">
+                <a:defRPr sz="1800" kern="1200">
+                  <a:solidFill>
+                    <a:schemeClr val="lt1"/>
+                  </a:solidFill>
+                  <a:latin typeface="+mn-lt"/>
+                  <a:ea typeface="+mn-ea"/>
+                  <a:cs typeface="+mn-cs"/>
+                </a:defRPr>
+              </a:lvl3pPr>
+              <a:lvl4pPr marL="1371600" algn="l" defTabSz="914400" rtl="0" eaLnBrk="1" latinLnBrk="0" hangingPunct="1">
+                <a:defRPr sz="1800" kern="1200">
+                  <a:solidFill>
+                    <a:schemeClr val="lt1"/>
+                  </a:solidFill>
+                  <a:latin typeface="+mn-lt"/>
+                  <a:ea typeface="+mn-ea"/>
+                  <a:cs typeface="+mn-cs"/>
+                </a:defRPr>
+              </a:lvl4pPr>
+              <a:lvl5pPr marL="1828800" algn="l" defTabSz="914400" rtl="0" eaLnBrk="1" latinLnBrk="0" hangingPunct="1">
+                <a:defRPr sz="1800" kern="1200">
+                  <a:solidFill>
+                    <a:schemeClr val="lt1"/>
+                  </a:solidFill>
+                  <a:latin typeface="+mn-lt"/>
+                  <a:ea typeface="+mn-ea"/>
+                  <a:cs typeface="+mn-cs"/>
+                </a:defRPr>
+              </a:lvl5pPr>
+              <a:lvl6pPr marL="2286000" algn="l" defTabSz="914400" rtl="0" eaLnBrk="1" latinLnBrk="0" hangingPunct="1">
+                <a:defRPr sz="1800" kern="1200">
+                  <a:solidFill>
+                    <a:schemeClr val="lt1"/>
+                  </a:solidFill>
+                  <a:latin typeface="+mn-lt"/>
+                  <a:ea typeface="+mn-ea"/>
+                  <a:cs typeface="+mn-cs"/>
+                </a:defRPr>
+              </a:lvl6pPr>
+              <a:lvl7pPr marL="2743200" algn="l" defTabSz="914400" rtl="0" eaLnBrk="1" latinLnBrk="0" hangingPunct="1">
+                <a:defRPr sz="1800" kern="1200">
+                  <a:solidFill>
+                    <a:schemeClr val="lt1"/>
+                  </a:solidFill>
+                  <a:latin typeface="+mn-lt"/>
+                  <a:ea typeface="+mn-ea"/>
+                  <a:cs typeface="+mn-cs"/>
+                </a:defRPr>
+              </a:lvl7pPr>
+              <a:lvl8pPr marL="3200400" algn="l" defTabSz="914400" rtl="0" eaLnBrk="1" latinLnBrk="0" hangingPunct="1">
+                <a:defRPr sz="1800" kern="1200">
+                  <a:solidFill>
+                    <a:schemeClr val="lt1"/>
+                  </a:solidFill>
+                  <a:latin typeface="+mn-lt"/>
+                  <a:ea typeface="+mn-ea"/>
+                  <a:cs typeface="+mn-cs"/>
+                </a:defRPr>
+              </a:lvl8pPr>
+              <a:lvl9pPr marL="3657600" algn="l" defTabSz="914400" rtl="0" eaLnBrk="1" latinLnBrk="0" hangingPunct="1">
+                <a:defRPr sz="1800" kern="1200">
+                  <a:solidFill>
+                    <a:schemeClr val="lt1"/>
+                  </a:solidFill>
+                  <a:latin typeface="+mn-lt"/>
+                  <a:ea typeface="+mn-ea"/>
+                  <a:cs typeface="+mn-cs"/>
+                </a:defRPr>
+              </a:lvl9pPr>
+            </a:lstStyle>
+            <a:p>
+              <a:pPr algn="ctr"/>
+              <a:endParaRPr lang="en-US" sz="1600" dirty="0"/>
+            </a:p>
+          </p:txBody>
+        </p:sp>
+        <p:sp>
+          <p:nvSpPr>
+            <p:cNvPr id="50" name="Oval 49">
+              <a:extLst>
+                <a:ext uri="{FF2B5EF4-FFF2-40B4-BE49-F238E27FC236}">
+                  <a16:creationId xmlns:a16="http://schemas.microsoft.com/office/drawing/2014/main" id="{161C1D16-17D7-0846-B7A7-D5AFF40D832D}"/>
+                </a:ext>
+              </a:extLst>
+            </p:cNvPr>
+            <p:cNvSpPr/>
+            <p:nvPr/>
+          </p:nvSpPr>
+          <p:spPr>
+            <a:xfrm>
+              <a:off x="8790249" y="4751780"/>
+              <a:ext cx="160297" cy="160297"/>
+            </a:xfrm>
+            <a:prstGeom prst="ellipse">
+              <a:avLst/>
+            </a:prstGeom>
+            <a:solidFill>
+              <a:schemeClr val="bg1">
+                <a:lumMod val="85000"/>
+              </a:schemeClr>
+            </a:solidFill>
+          </p:spPr>
+          <p:style>
+            <a:lnRef idx="2">
+              <a:schemeClr val="dk1"/>
+            </a:lnRef>
+            <a:fillRef idx="1">
+              <a:schemeClr val="lt1"/>
+            </a:fillRef>
+            <a:effectRef idx="0">
+              <a:schemeClr val="dk1"/>
+            </a:effectRef>
+            <a:fontRef idx="minor">
+              <a:schemeClr val="dk1"/>
+            </a:fontRef>
+          </p:style>
+          <p:txBody>
+            <a:bodyPr rtlCol="0" anchor="ctr"/>
+            <a:lstStyle>
+              <a:defPPr>
+                <a:defRPr lang="en-US"/>
+              </a:defPPr>
+              <a:lvl1pPr marL="0" algn="l" defTabSz="914400" rtl="0" eaLnBrk="1" latinLnBrk="0" hangingPunct="1">
+                <a:defRPr sz="1800" kern="1200">
+                  <a:solidFill>
+                    <a:schemeClr val="dk1"/>
+                  </a:solidFill>
+                  <a:latin typeface="+mn-lt"/>
+                  <a:ea typeface="+mn-ea"/>
+                  <a:cs typeface="+mn-cs"/>
+                </a:defRPr>
+              </a:lvl1pPr>
+              <a:lvl2pPr marL="457200" algn="l" defTabSz="914400" rtl="0" eaLnBrk="1" latinLnBrk="0" hangingPunct="1">
+                <a:defRPr sz="1800" kern="1200">
+                  <a:solidFill>
+                    <a:schemeClr val="dk1"/>
+                  </a:solidFill>
+                  <a:latin typeface="+mn-lt"/>
+                  <a:ea typeface="+mn-ea"/>
+                  <a:cs typeface="+mn-cs"/>
+                </a:defRPr>
+              </a:lvl2pPr>
+              <a:lvl3pPr marL="914400" algn="l" defTabSz="914400" rtl="0" eaLnBrk="1" latinLnBrk="0" hangingPunct="1">
+                <a:defRPr sz="1800" kern="1200">
+                  <a:solidFill>
+                    <a:schemeClr val="dk1"/>
+                  </a:solidFill>
+                  <a:latin typeface="+mn-lt"/>
+                  <a:ea typeface="+mn-ea"/>
+                  <a:cs typeface="+mn-cs"/>
+                </a:defRPr>
+              </a:lvl3pPr>
+              <a:lvl4pPr marL="1371600" algn="l" defTabSz="914400" rtl="0" eaLnBrk="1" latinLnBrk="0" hangingPunct="1">
+                <a:defRPr sz="1800" kern="1200">
+                  <a:solidFill>
+                    <a:schemeClr val="dk1"/>
+                  </a:solidFill>
+                  <a:latin typeface="+mn-lt"/>
+                  <a:ea typeface="+mn-ea"/>
+                  <a:cs typeface="+mn-cs"/>
+                </a:defRPr>
+              </a:lvl4pPr>
+              <a:lvl5pPr marL="1828800" algn="l" defTabSz="914400" rtl="0" eaLnBrk="1" latinLnBrk="0" hangingPunct="1">
+                <a:defRPr sz="1800" kern="1200">
+                  <a:solidFill>
+                    <a:schemeClr val="dk1"/>
+                  </a:solidFill>
+                  <a:latin typeface="+mn-lt"/>
+                  <a:ea typeface="+mn-ea"/>
+                  <a:cs typeface="+mn-cs"/>
+                </a:defRPr>
+              </a:lvl5pPr>
+              <a:lvl6pPr marL="2286000" algn="l" defTabSz="914400" rtl="0" eaLnBrk="1" latinLnBrk="0" hangingPunct="1">
+                <a:defRPr sz="1800" kern="1200">
+                  <a:solidFill>
+                    <a:schemeClr val="dk1"/>
+                  </a:solidFill>
+                  <a:latin typeface="+mn-lt"/>
+                  <a:ea typeface="+mn-ea"/>
+                  <a:cs typeface="+mn-cs"/>
+                </a:defRPr>
+              </a:lvl6pPr>
+              <a:lvl7pPr marL="2743200" algn="l" defTabSz="914400" rtl="0" eaLnBrk="1" latinLnBrk="0" hangingPunct="1">
+                <a:defRPr sz="1800" kern="1200">
+                  <a:solidFill>
+                    <a:schemeClr val="dk1"/>
+                  </a:solidFill>
+                  <a:latin typeface="+mn-lt"/>
+                  <a:ea typeface="+mn-ea"/>
+                  <a:cs typeface="+mn-cs"/>
+                </a:defRPr>
+              </a:lvl7pPr>
+              <a:lvl8pPr marL="3200400" algn="l" defTabSz="914400" rtl="0" eaLnBrk="1" latinLnBrk="0" hangingPunct="1">
+                <a:defRPr sz="1800" kern="1200">
+                  <a:solidFill>
+                    <a:schemeClr val="dk1"/>
+                  </a:solidFill>
+                  <a:latin typeface="+mn-lt"/>
+                  <a:ea typeface="+mn-ea"/>
+                  <a:cs typeface="+mn-cs"/>
+                </a:defRPr>
+              </a:lvl8pPr>
+              <a:lvl9pPr marL="3657600" algn="l" defTabSz="914400" rtl="0" eaLnBrk="1" latinLnBrk="0" hangingPunct="1">
+                <a:defRPr sz="1800" kern="1200">
+                  <a:solidFill>
+                    <a:schemeClr val="dk1"/>
+                  </a:solidFill>
+                  <a:latin typeface="+mn-lt"/>
+                  <a:ea typeface="+mn-ea"/>
+                  <a:cs typeface="+mn-cs"/>
+                </a:defRPr>
+              </a:lvl9pPr>
+            </a:lstStyle>
+            <a:p>
+              <a:pPr algn="ctr"/>
+              <a:endParaRPr lang="en-US" sz="1600" dirty="0"/>
+            </a:p>
+          </p:txBody>
+        </p:sp>
+        <p:sp>
+          <p:nvSpPr>
+            <p:cNvPr id="52" name="Oval 51">
+              <a:extLst>
+                <a:ext uri="{FF2B5EF4-FFF2-40B4-BE49-F238E27FC236}">
+                  <a16:creationId xmlns:a16="http://schemas.microsoft.com/office/drawing/2014/main" id="{4FBAD7DD-76C0-6045-8780-9E257058628D}"/>
+                </a:ext>
+              </a:extLst>
+            </p:cNvPr>
+            <p:cNvSpPr/>
+            <p:nvPr/>
+          </p:nvSpPr>
+          <p:spPr>
+            <a:xfrm>
+              <a:off x="8826095" y="4787965"/>
+              <a:ext cx="89923" cy="89923"/>
+            </a:xfrm>
+            <a:prstGeom prst="ellipse">
+              <a:avLst/>
+            </a:prstGeom>
+            <a:solidFill>
+              <a:schemeClr val="bg1">
+                <a:lumMod val="85000"/>
+              </a:schemeClr>
+            </a:solidFill>
+          </p:spPr>
+          <p:style>
+            <a:lnRef idx="2">
+              <a:schemeClr val="dk1"/>
+            </a:lnRef>
+            <a:fillRef idx="1">
+              <a:schemeClr val="lt1"/>
+            </a:fillRef>
+            <a:effectRef idx="0">
+              <a:schemeClr val="dk1"/>
+            </a:effectRef>
+            <a:fontRef idx="minor">
+              <a:schemeClr val="dk1"/>
+            </a:fontRef>
+          </p:style>
+          <p:txBody>
+            <a:bodyPr rtlCol="0" anchor="ctr"/>
+            <a:lstStyle>
+              <a:defPPr>
+                <a:defRPr lang="en-US"/>
+              </a:defPPr>
+              <a:lvl1pPr marL="0" algn="l" defTabSz="914400" rtl="0" eaLnBrk="1" latinLnBrk="0" hangingPunct="1">
+                <a:defRPr sz="1800" kern="1200">
+                  <a:solidFill>
+                    <a:schemeClr val="dk1"/>
+                  </a:solidFill>
+                  <a:latin typeface="+mn-lt"/>
+                  <a:ea typeface="+mn-ea"/>
+                  <a:cs typeface="+mn-cs"/>
+                </a:defRPr>
+              </a:lvl1pPr>
+              <a:lvl2pPr marL="457200" algn="l" defTabSz="914400" rtl="0" eaLnBrk="1" latinLnBrk="0" hangingPunct="1">
+                <a:defRPr sz="1800" kern="1200">
+                  <a:solidFill>
+                    <a:schemeClr val="dk1"/>
+                  </a:solidFill>
+                  <a:latin typeface="+mn-lt"/>
+                  <a:ea typeface="+mn-ea"/>
+                  <a:cs typeface="+mn-cs"/>
+                </a:defRPr>
+              </a:lvl2pPr>
+              <a:lvl3pPr marL="914400" algn="l" defTabSz="914400" rtl="0" eaLnBrk="1" latinLnBrk="0" hangingPunct="1">
+                <a:defRPr sz="1800" kern="1200">
+                  <a:solidFill>
+                    <a:schemeClr val="dk1"/>
+                  </a:solidFill>
+                  <a:latin typeface="+mn-lt"/>
+                  <a:ea typeface="+mn-ea"/>
+                  <a:cs typeface="+mn-cs"/>
+                </a:defRPr>
+              </a:lvl3pPr>
+              <a:lvl4pPr marL="1371600" algn="l" defTabSz="914400" rtl="0" eaLnBrk="1" latinLnBrk="0" hangingPunct="1">
+                <a:defRPr sz="1800" kern="1200">
+                  <a:solidFill>
+                    <a:schemeClr val="dk1"/>
+                  </a:solidFill>
+                  <a:latin typeface="+mn-lt"/>
+                  <a:ea typeface="+mn-ea"/>
+                  <a:cs typeface="+mn-cs"/>
+                </a:defRPr>
+              </a:lvl4pPr>
+              <a:lvl5pPr marL="1828800" algn="l" defTabSz="914400" rtl="0" eaLnBrk="1" latinLnBrk="0" hangingPunct="1">
+                <a:defRPr sz="1800" kern="1200">
+                  <a:solidFill>
+                    <a:schemeClr val="dk1"/>
+                  </a:solidFill>
+                  <a:latin typeface="+mn-lt"/>
+                  <a:ea typeface="+mn-ea"/>
+                  <a:cs typeface="+mn-cs"/>
+                </a:defRPr>
+              </a:lvl5pPr>
+              <a:lvl6pPr marL="2286000" algn="l" defTabSz="914400" rtl="0" eaLnBrk="1" latinLnBrk="0" hangingPunct="1">
+                <a:defRPr sz="1800" kern="1200">
+                  <a:solidFill>
+                    <a:schemeClr val="dk1"/>
+                  </a:solidFill>
+                  <a:latin typeface="+mn-lt"/>
+                  <a:ea typeface="+mn-ea"/>
+                  <a:cs typeface="+mn-cs"/>
+                </a:defRPr>
+              </a:lvl6pPr>
+              <a:lvl7pPr marL="2743200" algn="l" defTabSz="914400" rtl="0" eaLnBrk="1" latinLnBrk="0" hangingPunct="1">
+                <a:defRPr sz="1800" kern="1200">
+                  <a:solidFill>
+                    <a:schemeClr val="dk1"/>
+                  </a:solidFill>
+                  <a:latin typeface="+mn-lt"/>
+                  <a:ea typeface="+mn-ea"/>
+                  <a:cs typeface="+mn-cs"/>
+                </a:defRPr>
+              </a:lvl7pPr>
+              <a:lvl8pPr marL="3200400" algn="l" defTabSz="914400" rtl="0" eaLnBrk="1" latinLnBrk="0" hangingPunct="1">
+                <a:defRPr sz="1800" kern="1200">
+                  <a:solidFill>
+                    <a:schemeClr val="dk1"/>
+                  </a:solidFill>
+                  <a:latin typeface="+mn-lt"/>
+                  <a:ea typeface="+mn-ea"/>
+                  <a:cs typeface="+mn-cs"/>
+                </a:defRPr>
+              </a:lvl8pPr>
+              <a:lvl9pPr marL="3657600" algn="l" defTabSz="914400" rtl="0" eaLnBrk="1" latinLnBrk="0" hangingPunct="1">
+                <a:defRPr sz="1800" kern="1200">
+                  <a:solidFill>
+                    <a:schemeClr val="dk1"/>
+                  </a:solidFill>
+                  <a:latin typeface="+mn-lt"/>
+                  <a:ea typeface="+mn-ea"/>
+                  <a:cs typeface="+mn-cs"/>
+                </a:defRPr>
+              </a:lvl9pPr>
+            </a:lstStyle>
+            <a:p>
+              <a:pPr algn="ctr"/>
+              <a:endParaRPr lang="en-US" sz="1600" dirty="0"/>
+            </a:p>
+          </p:txBody>
+        </p:sp>
+        <p:sp>
+          <p:nvSpPr>
+            <p:cNvPr id="47" name="Oval 46">
+              <a:extLst>
+                <a:ext uri="{FF2B5EF4-FFF2-40B4-BE49-F238E27FC236}">
+                  <a16:creationId xmlns:a16="http://schemas.microsoft.com/office/drawing/2014/main" id="{B632B1A0-A86D-BE46-9F9A-51FD4ECF042C}"/>
+                </a:ext>
+              </a:extLst>
+            </p:cNvPr>
+            <p:cNvSpPr/>
+            <p:nvPr/>
+          </p:nvSpPr>
+          <p:spPr>
+            <a:xfrm>
+              <a:off x="10353575" y="4751780"/>
+              <a:ext cx="160297" cy="160297"/>
+            </a:xfrm>
+            <a:prstGeom prst="ellipse">
+              <a:avLst/>
+            </a:prstGeom>
+            <a:solidFill>
+              <a:schemeClr val="bg1">
+                <a:lumMod val="85000"/>
+              </a:schemeClr>
+            </a:solidFill>
+          </p:spPr>
+          <p:style>
+            <a:lnRef idx="2">
+              <a:schemeClr val="dk1"/>
+            </a:lnRef>
+            <a:fillRef idx="1">
+              <a:schemeClr val="lt1"/>
+            </a:fillRef>
+            <a:effectRef idx="0">
+              <a:schemeClr val="dk1"/>
+            </a:effectRef>
+            <a:fontRef idx="minor">
+              <a:schemeClr val="dk1"/>
+            </a:fontRef>
+          </p:style>
+          <p:txBody>
+            <a:bodyPr rtlCol="0" anchor="ctr"/>
+            <a:lstStyle>
+              <a:defPPr>
+                <a:defRPr lang="en-US"/>
+              </a:defPPr>
+              <a:lvl1pPr marL="0" algn="l" defTabSz="914400" rtl="0" eaLnBrk="1" latinLnBrk="0" hangingPunct="1">
+                <a:defRPr sz="1800" kern="1200">
+                  <a:solidFill>
+                    <a:schemeClr val="dk1"/>
+                  </a:solidFill>
+                  <a:latin typeface="+mn-lt"/>
+                  <a:ea typeface="+mn-ea"/>
+                  <a:cs typeface="+mn-cs"/>
+                </a:defRPr>
+              </a:lvl1pPr>
+              <a:lvl2pPr marL="457200" algn="l" defTabSz="914400" rtl="0" eaLnBrk="1" latinLnBrk="0" hangingPunct="1">
+                <a:defRPr sz="1800" kern="1200">
+                  <a:solidFill>
+                    <a:schemeClr val="dk1"/>
+                  </a:solidFill>
+                  <a:latin typeface="+mn-lt"/>
+                  <a:ea typeface="+mn-ea"/>
+                  <a:cs typeface="+mn-cs"/>
+                </a:defRPr>
+              </a:lvl2pPr>
+              <a:lvl3pPr marL="914400" algn="l" defTabSz="914400" rtl="0" eaLnBrk="1" latinLnBrk="0" hangingPunct="1">
+                <a:defRPr sz="1800" kern="1200">
+                  <a:solidFill>
+                    <a:schemeClr val="dk1"/>
+                  </a:solidFill>
+                  <a:latin typeface="+mn-lt"/>
+                  <a:ea typeface="+mn-ea"/>
+                  <a:cs typeface="+mn-cs"/>
+                </a:defRPr>
+              </a:lvl3pPr>
+              <a:lvl4pPr marL="1371600" algn="l" defTabSz="914400" rtl="0" eaLnBrk="1" latinLnBrk="0" hangingPunct="1">
+                <a:defRPr sz="1800" kern="1200">
+                  <a:solidFill>
+                    <a:schemeClr val="dk1"/>
+                  </a:solidFill>
+                  <a:latin typeface="+mn-lt"/>
+                  <a:ea typeface="+mn-ea"/>
+                  <a:cs typeface="+mn-cs"/>
+                </a:defRPr>
+              </a:lvl4pPr>
+              <a:lvl5pPr marL="1828800" algn="l" defTabSz="914400" rtl="0" eaLnBrk="1" latinLnBrk="0" hangingPunct="1">
+                <a:defRPr sz="1800" kern="1200">
+                  <a:solidFill>
+                    <a:schemeClr val="dk1"/>
+                  </a:solidFill>
+                  <a:latin typeface="+mn-lt"/>
+                  <a:ea typeface="+mn-ea"/>
+                  <a:cs typeface="+mn-cs"/>
+                </a:defRPr>
+              </a:lvl5pPr>
+              <a:lvl6pPr marL="2286000" algn="l" defTabSz="914400" rtl="0" eaLnBrk="1" latinLnBrk="0" hangingPunct="1">
+                <a:defRPr sz="1800" kern="1200">
+                  <a:solidFill>
+                    <a:schemeClr val="dk1"/>
+                  </a:solidFill>
+                  <a:latin typeface="+mn-lt"/>
+                  <a:ea typeface="+mn-ea"/>
+                  <a:cs typeface="+mn-cs"/>
+                </a:defRPr>
+              </a:lvl6pPr>
+              <a:lvl7pPr marL="2743200" algn="l" defTabSz="914400" rtl="0" eaLnBrk="1" latinLnBrk="0" hangingPunct="1">
+                <a:defRPr sz="1800" kern="1200">
+                  <a:solidFill>
+                    <a:schemeClr val="dk1"/>
+                  </a:solidFill>
+                  <a:latin typeface="+mn-lt"/>
+                  <a:ea typeface="+mn-ea"/>
+                  <a:cs typeface="+mn-cs"/>
+                </a:defRPr>
+              </a:lvl7pPr>
+              <a:lvl8pPr marL="3200400" algn="l" defTabSz="914400" rtl="0" eaLnBrk="1" latinLnBrk="0" hangingPunct="1">
+                <a:defRPr sz="1800" kern="1200">
+                  <a:solidFill>
+                    <a:schemeClr val="dk1"/>
+                  </a:solidFill>
+                  <a:latin typeface="+mn-lt"/>
+                  <a:ea typeface="+mn-ea"/>
+                  <a:cs typeface="+mn-cs"/>
+                </a:defRPr>
+              </a:lvl8pPr>
+              <a:lvl9pPr marL="3657600" algn="l" defTabSz="914400" rtl="0" eaLnBrk="1" latinLnBrk="0" hangingPunct="1">
+                <a:defRPr sz="1800" kern="1200">
+                  <a:solidFill>
+                    <a:schemeClr val="dk1"/>
+                  </a:solidFill>
+                  <a:latin typeface="+mn-lt"/>
+                  <a:ea typeface="+mn-ea"/>
+                  <a:cs typeface="+mn-cs"/>
+                </a:defRPr>
+              </a:lvl9pPr>
+            </a:lstStyle>
+            <a:p>
+              <a:pPr algn="ctr"/>
+              <a:endParaRPr lang="en-US" sz="1600" dirty="0"/>
+            </a:p>
+          </p:txBody>
+        </p:sp>
+        <p:sp>
+          <p:nvSpPr>
+            <p:cNvPr id="49" name="Oval 48">
+              <a:extLst>
+                <a:ext uri="{FF2B5EF4-FFF2-40B4-BE49-F238E27FC236}">
+                  <a16:creationId xmlns:a16="http://schemas.microsoft.com/office/drawing/2014/main" id="{E31013F2-6CD0-9940-AC76-5DCD986EFD4A}"/>
+                </a:ext>
+              </a:extLst>
+            </p:cNvPr>
+            <p:cNvSpPr/>
+            <p:nvPr/>
+          </p:nvSpPr>
+          <p:spPr>
+            <a:xfrm>
+              <a:off x="10389421" y="4787965"/>
+              <a:ext cx="89923" cy="89923"/>
+            </a:xfrm>
+            <a:prstGeom prst="ellipse">
+              <a:avLst/>
+            </a:prstGeom>
+            <a:solidFill>
+              <a:schemeClr val="bg1">
+                <a:lumMod val="85000"/>
+              </a:schemeClr>
+            </a:solidFill>
+          </p:spPr>
+          <p:style>
+            <a:lnRef idx="2">
+              <a:schemeClr val="dk1"/>
+            </a:lnRef>
+            <a:fillRef idx="1">
+              <a:schemeClr val="lt1"/>
+            </a:fillRef>
+            <a:effectRef idx="0">
+              <a:schemeClr val="dk1"/>
+            </a:effectRef>
+            <a:fontRef idx="minor">
+              <a:schemeClr val="dk1"/>
+            </a:fontRef>
+          </p:style>
+          <p:txBody>
+            <a:bodyPr rtlCol="0" anchor="ctr"/>
+            <a:lstStyle>
+              <a:defPPr>
+                <a:defRPr lang="en-US"/>
+              </a:defPPr>
+              <a:lvl1pPr marL="0" algn="l" defTabSz="914400" rtl="0" eaLnBrk="1" latinLnBrk="0" hangingPunct="1">
+                <a:defRPr sz="1800" kern="1200">
+                  <a:solidFill>
+                    <a:schemeClr val="dk1"/>
+                  </a:solidFill>
+                  <a:latin typeface="+mn-lt"/>
+                  <a:ea typeface="+mn-ea"/>
+                  <a:cs typeface="+mn-cs"/>
+                </a:defRPr>
+              </a:lvl1pPr>
+              <a:lvl2pPr marL="457200" algn="l" defTabSz="914400" rtl="0" eaLnBrk="1" latinLnBrk="0" hangingPunct="1">
+                <a:defRPr sz="1800" kern="1200">
+                  <a:solidFill>
+                    <a:schemeClr val="dk1"/>
+                  </a:solidFill>
+                  <a:latin typeface="+mn-lt"/>
+                  <a:ea typeface="+mn-ea"/>
+                  <a:cs typeface="+mn-cs"/>
+                </a:defRPr>
+              </a:lvl2pPr>
+              <a:lvl3pPr marL="914400" algn="l" defTabSz="914400" rtl="0" eaLnBrk="1" latinLnBrk="0" hangingPunct="1">
+                <a:defRPr sz="1800" kern="1200">
+                  <a:solidFill>
+                    <a:schemeClr val="dk1"/>
+                  </a:solidFill>
+                  <a:latin typeface="+mn-lt"/>
+                  <a:ea typeface="+mn-ea"/>
+                  <a:cs typeface="+mn-cs"/>
+                </a:defRPr>
+              </a:lvl3pPr>
+              <a:lvl4pPr marL="1371600" algn="l" defTabSz="914400" rtl="0" eaLnBrk="1" latinLnBrk="0" hangingPunct="1">
+                <a:defRPr sz="1800" kern="1200">
+                  <a:solidFill>
+                    <a:schemeClr val="dk1"/>
+                  </a:solidFill>
+                  <a:latin typeface="+mn-lt"/>
+                  <a:ea typeface="+mn-ea"/>
+                  <a:cs typeface="+mn-cs"/>
+                </a:defRPr>
+              </a:lvl4pPr>
+              <a:lvl5pPr marL="1828800" algn="l" defTabSz="914400" rtl="0" eaLnBrk="1" latinLnBrk="0" hangingPunct="1">
+                <a:defRPr sz="1800" kern="1200">
+                  <a:solidFill>
+                    <a:schemeClr val="dk1"/>
+                  </a:solidFill>
+                  <a:latin typeface="+mn-lt"/>
+                  <a:ea typeface="+mn-ea"/>
+                  <a:cs typeface="+mn-cs"/>
+                </a:defRPr>
+              </a:lvl5pPr>
+              <a:lvl6pPr marL="2286000" algn="l" defTabSz="914400" rtl="0" eaLnBrk="1" latinLnBrk="0" hangingPunct="1">
+                <a:defRPr sz="1800" kern="1200">
+                  <a:solidFill>
+                    <a:schemeClr val="dk1"/>
+                  </a:solidFill>
+                  <a:latin typeface="+mn-lt"/>
+                  <a:ea typeface="+mn-ea"/>
+                  <a:cs typeface="+mn-cs"/>
+                </a:defRPr>
+              </a:lvl6pPr>
+              <a:lvl7pPr marL="2743200" algn="l" defTabSz="914400" rtl="0" eaLnBrk="1" latinLnBrk="0" hangingPunct="1">
+                <a:defRPr sz="1800" kern="1200">
+                  <a:solidFill>
+                    <a:schemeClr val="dk1"/>
+                  </a:solidFill>
+                  <a:latin typeface="+mn-lt"/>
+                  <a:ea typeface="+mn-ea"/>
+                  <a:cs typeface="+mn-cs"/>
+                </a:defRPr>
+              </a:lvl7pPr>
+              <a:lvl8pPr marL="3200400" algn="l" defTabSz="914400" rtl="0" eaLnBrk="1" latinLnBrk="0" hangingPunct="1">
+                <a:defRPr sz="1800" kern="1200">
+                  <a:solidFill>
+                    <a:schemeClr val="dk1"/>
+                  </a:solidFill>
+                  <a:latin typeface="+mn-lt"/>
+                  <a:ea typeface="+mn-ea"/>
+                  <a:cs typeface="+mn-cs"/>
+                </a:defRPr>
+              </a:lvl8pPr>
+              <a:lvl9pPr marL="3657600" algn="l" defTabSz="914400" rtl="0" eaLnBrk="1" latinLnBrk="0" hangingPunct="1">
+                <a:defRPr sz="1800" kern="1200">
+                  <a:solidFill>
+                    <a:schemeClr val="dk1"/>
+                  </a:solidFill>
+                  <a:latin typeface="+mn-lt"/>
+                  <a:ea typeface="+mn-ea"/>
+                  <a:cs typeface="+mn-cs"/>
+                </a:defRPr>
+              </a:lvl9pPr>
+            </a:lstStyle>
+            <a:p>
+              <a:pPr algn="ctr"/>
+              <a:endParaRPr lang="en-US" sz="1600" dirty="0"/>
+            </a:p>
+          </p:txBody>
+        </p:sp>
+        <p:sp>
+          <p:nvSpPr>
+            <p:cNvPr id="44" name="Oval 43">
+              <a:extLst>
+                <a:ext uri="{FF2B5EF4-FFF2-40B4-BE49-F238E27FC236}">
+                  <a16:creationId xmlns:a16="http://schemas.microsoft.com/office/drawing/2014/main" id="{952D1361-0412-7642-A8EF-CC7CE28E9827}"/>
+                </a:ext>
+              </a:extLst>
+            </p:cNvPr>
+            <p:cNvSpPr/>
+            <p:nvPr/>
+          </p:nvSpPr>
+          <p:spPr>
+            <a:xfrm>
+              <a:off x="8793859" y="5492668"/>
+              <a:ext cx="160297" cy="160297"/>
+            </a:xfrm>
+            <a:prstGeom prst="ellipse">
+              <a:avLst/>
+            </a:prstGeom>
+            <a:solidFill>
+              <a:schemeClr val="bg1">
+                <a:lumMod val="85000"/>
+              </a:schemeClr>
+            </a:solidFill>
+          </p:spPr>
+          <p:style>
+            <a:lnRef idx="2">
+              <a:schemeClr val="dk1"/>
+            </a:lnRef>
+            <a:fillRef idx="1">
+              <a:schemeClr val="lt1"/>
+            </a:fillRef>
+            <a:effectRef idx="0">
+              <a:schemeClr val="dk1"/>
+            </a:effectRef>
+            <a:fontRef idx="minor">
+              <a:schemeClr val="dk1"/>
+            </a:fontRef>
+          </p:style>
+          <p:txBody>
+            <a:bodyPr rtlCol="0" anchor="ctr"/>
+            <a:lstStyle>
+              <a:defPPr>
+                <a:defRPr lang="en-US"/>
+              </a:defPPr>
+              <a:lvl1pPr marL="0" algn="l" defTabSz="914400" rtl="0" eaLnBrk="1" latinLnBrk="0" hangingPunct="1">
+                <a:defRPr sz="1800" kern="1200">
+                  <a:solidFill>
+                    <a:schemeClr val="dk1"/>
+                  </a:solidFill>
+                  <a:latin typeface="+mn-lt"/>
+                  <a:ea typeface="+mn-ea"/>
+                  <a:cs typeface="+mn-cs"/>
+                </a:defRPr>
+              </a:lvl1pPr>
+              <a:lvl2pPr marL="457200" algn="l" defTabSz="914400" rtl="0" eaLnBrk="1" latinLnBrk="0" hangingPunct="1">
+                <a:defRPr sz="1800" kern="1200">
+                  <a:solidFill>
+                    <a:schemeClr val="dk1"/>
+                  </a:solidFill>
+                  <a:latin typeface="+mn-lt"/>
+                  <a:ea typeface="+mn-ea"/>
+                  <a:cs typeface="+mn-cs"/>
+                </a:defRPr>
+              </a:lvl2pPr>
+              <a:lvl3pPr marL="914400" algn="l" defTabSz="914400" rtl="0" eaLnBrk="1" latinLnBrk="0" hangingPunct="1">
+                <a:defRPr sz="1800" kern="1200">
+                  <a:solidFill>
+                    <a:schemeClr val="dk1"/>
+                  </a:solidFill>
+                  <a:latin typeface="+mn-lt"/>
+                  <a:ea typeface="+mn-ea"/>
+                  <a:cs typeface="+mn-cs"/>
+                </a:defRPr>
+              </a:lvl3pPr>
+              <a:lvl4pPr marL="1371600" algn="l" defTabSz="914400" rtl="0" eaLnBrk="1" latinLnBrk="0" hangingPunct="1">
+                <a:defRPr sz="1800" kern="1200">
+                  <a:solidFill>
+                    <a:schemeClr val="dk1"/>
+                  </a:solidFill>
+                  <a:latin typeface="+mn-lt"/>
+                  <a:ea typeface="+mn-ea"/>
+                  <a:cs typeface="+mn-cs"/>
+                </a:defRPr>
+              </a:lvl4pPr>
+              <a:lvl5pPr marL="1828800" algn="l" defTabSz="914400" rtl="0" eaLnBrk="1" latinLnBrk="0" hangingPunct="1">
+                <a:defRPr sz="1800" kern="1200">
+                  <a:solidFill>
+                    <a:schemeClr val="dk1"/>
+                  </a:solidFill>
+                  <a:latin typeface="+mn-lt"/>
+                  <a:ea typeface="+mn-ea"/>
+                  <a:cs typeface="+mn-cs"/>
+                </a:defRPr>
+              </a:lvl5pPr>
+              <a:lvl6pPr marL="2286000" algn="l" defTabSz="914400" rtl="0" eaLnBrk="1" latinLnBrk="0" hangingPunct="1">
+                <a:defRPr sz="1800" kern="1200">
+                  <a:solidFill>
+                    <a:schemeClr val="dk1"/>
+                  </a:solidFill>
+                  <a:latin typeface="+mn-lt"/>
+                  <a:ea typeface="+mn-ea"/>
+                  <a:cs typeface="+mn-cs"/>
+                </a:defRPr>
+              </a:lvl6pPr>
+              <a:lvl7pPr marL="2743200" algn="l" defTabSz="914400" rtl="0" eaLnBrk="1" latinLnBrk="0" hangingPunct="1">
+                <a:defRPr sz="1800" kern="1200">
+                  <a:solidFill>
+                    <a:schemeClr val="dk1"/>
+                  </a:solidFill>
+                  <a:latin typeface="+mn-lt"/>
+                  <a:ea typeface="+mn-ea"/>
+                  <a:cs typeface="+mn-cs"/>
+                </a:defRPr>
+              </a:lvl7pPr>
+              <a:lvl8pPr marL="3200400" algn="l" defTabSz="914400" rtl="0" eaLnBrk="1" latinLnBrk="0" hangingPunct="1">
+                <a:defRPr sz="1800" kern="1200">
+                  <a:solidFill>
+                    <a:schemeClr val="dk1"/>
+                  </a:solidFill>
+                  <a:latin typeface="+mn-lt"/>
+                  <a:ea typeface="+mn-ea"/>
+                  <a:cs typeface="+mn-cs"/>
+                </a:defRPr>
+              </a:lvl8pPr>
+              <a:lvl9pPr marL="3657600" algn="l" defTabSz="914400" rtl="0" eaLnBrk="1" latinLnBrk="0" hangingPunct="1">
+                <a:defRPr sz="1800" kern="1200">
+                  <a:solidFill>
+                    <a:schemeClr val="dk1"/>
+                  </a:solidFill>
+                  <a:latin typeface="+mn-lt"/>
+                  <a:ea typeface="+mn-ea"/>
+                  <a:cs typeface="+mn-cs"/>
+                </a:defRPr>
+              </a:lvl9pPr>
+            </a:lstStyle>
+            <a:p>
+              <a:pPr algn="ctr"/>
+              <a:endParaRPr lang="en-US" sz="1600" dirty="0"/>
+            </a:p>
+          </p:txBody>
+        </p:sp>
+        <p:sp>
+          <p:nvSpPr>
+            <p:cNvPr id="46" name="Oval 45">
+              <a:extLst>
+                <a:ext uri="{FF2B5EF4-FFF2-40B4-BE49-F238E27FC236}">
+                  <a16:creationId xmlns:a16="http://schemas.microsoft.com/office/drawing/2014/main" id="{0802B6E2-AA88-ED43-B05E-C823653CE501}"/>
+                </a:ext>
+              </a:extLst>
+            </p:cNvPr>
+            <p:cNvSpPr/>
+            <p:nvPr/>
+          </p:nvSpPr>
+          <p:spPr>
+            <a:xfrm>
+              <a:off x="8829705" y="5528853"/>
+              <a:ext cx="89923" cy="89923"/>
+            </a:xfrm>
+            <a:prstGeom prst="ellipse">
+              <a:avLst/>
+            </a:prstGeom>
+            <a:solidFill>
+              <a:schemeClr val="bg1">
+                <a:lumMod val="85000"/>
+              </a:schemeClr>
+            </a:solidFill>
+          </p:spPr>
+          <p:style>
+            <a:lnRef idx="2">
+              <a:schemeClr val="dk1"/>
+            </a:lnRef>
+            <a:fillRef idx="1">
+              <a:schemeClr val="lt1"/>
+            </a:fillRef>
+            <a:effectRef idx="0">
+              <a:schemeClr val="dk1"/>
+            </a:effectRef>
+            <a:fontRef idx="minor">
+              <a:schemeClr val="dk1"/>
+            </a:fontRef>
+          </p:style>
+          <p:txBody>
+            <a:bodyPr rtlCol="0" anchor="ctr"/>
+            <a:lstStyle>
+              <a:defPPr>
+                <a:defRPr lang="en-US"/>
+              </a:defPPr>
+              <a:lvl1pPr marL="0" algn="l" defTabSz="914400" rtl="0" eaLnBrk="1" latinLnBrk="0" hangingPunct="1">
+                <a:defRPr sz="1800" kern="1200">
+                  <a:solidFill>
+                    <a:schemeClr val="dk1"/>
+                  </a:solidFill>
+                  <a:latin typeface="+mn-lt"/>
+                  <a:ea typeface="+mn-ea"/>
+                  <a:cs typeface="+mn-cs"/>
+                </a:defRPr>
+              </a:lvl1pPr>
+              <a:lvl2pPr marL="457200" algn="l" defTabSz="914400" rtl="0" eaLnBrk="1" latinLnBrk="0" hangingPunct="1">
+                <a:defRPr sz="1800" kern="1200">
+                  <a:solidFill>
+                    <a:schemeClr val="dk1"/>
+                  </a:solidFill>
+                  <a:latin typeface="+mn-lt"/>
+                  <a:ea typeface="+mn-ea"/>
+                  <a:cs typeface="+mn-cs"/>
+                </a:defRPr>
+              </a:lvl2pPr>
+              <a:lvl3pPr marL="914400" algn="l" defTabSz="914400" rtl="0" eaLnBrk="1" latinLnBrk="0" hangingPunct="1">
+                <a:defRPr sz="1800" kern="1200">
+                  <a:solidFill>
+                    <a:schemeClr val="dk1"/>
+                  </a:solidFill>
+                  <a:latin typeface="+mn-lt"/>
+                  <a:ea typeface="+mn-ea"/>
+                  <a:cs typeface="+mn-cs"/>
+                </a:defRPr>
+              </a:lvl3pPr>
+              <a:lvl4pPr marL="1371600" algn="l" defTabSz="914400" rtl="0" eaLnBrk="1" latinLnBrk="0" hangingPunct="1">
+                <a:defRPr sz="1800" kern="1200">
+                  <a:solidFill>
+                    <a:schemeClr val="dk1"/>
+                  </a:solidFill>
+                  <a:latin typeface="+mn-lt"/>
+                  <a:ea typeface="+mn-ea"/>
+                  <a:cs typeface="+mn-cs"/>
+                </a:defRPr>
+              </a:lvl4pPr>
+              <a:lvl5pPr marL="1828800" algn="l" defTabSz="914400" rtl="0" eaLnBrk="1" latinLnBrk="0" hangingPunct="1">
+                <a:defRPr sz="1800" kern="1200">
+                  <a:solidFill>
+                    <a:schemeClr val="dk1"/>
+                  </a:solidFill>
+                  <a:latin typeface="+mn-lt"/>
+                  <a:ea typeface="+mn-ea"/>
+                  <a:cs typeface="+mn-cs"/>
+                </a:defRPr>
+              </a:lvl5pPr>
+              <a:lvl6pPr marL="2286000" algn="l" defTabSz="914400" rtl="0" eaLnBrk="1" latinLnBrk="0" hangingPunct="1">
+                <a:defRPr sz="1800" kern="1200">
+                  <a:solidFill>
+                    <a:schemeClr val="dk1"/>
+                  </a:solidFill>
+                  <a:latin typeface="+mn-lt"/>
+                  <a:ea typeface="+mn-ea"/>
+                  <a:cs typeface="+mn-cs"/>
+                </a:defRPr>
+              </a:lvl6pPr>
+              <a:lvl7pPr marL="2743200" algn="l" defTabSz="914400" rtl="0" eaLnBrk="1" latinLnBrk="0" hangingPunct="1">
+                <a:defRPr sz="1800" kern="1200">
+                  <a:solidFill>
+                    <a:schemeClr val="dk1"/>
+                  </a:solidFill>
+                  <a:latin typeface="+mn-lt"/>
+                  <a:ea typeface="+mn-ea"/>
+                  <a:cs typeface="+mn-cs"/>
+                </a:defRPr>
+              </a:lvl7pPr>
+              <a:lvl8pPr marL="3200400" algn="l" defTabSz="914400" rtl="0" eaLnBrk="1" latinLnBrk="0" hangingPunct="1">
+                <a:defRPr sz="1800" kern="1200">
+                  <a:solidFill>
+                    <a:schemeClr val="dk1"/>
+                  </a:solidFill>
+                  <a:latin typeface="+mn-lt"/>
+                  <a:ea typeface="+mn-ea"/>
+                  <a:cs typeface="+mn-cs"/>
+                </a:defRPr>
+              </a:lvl8pPr>
+              <a:lvl9pPr marL="3657600" algn="l" defTabSz="914400" rtl="0" eaLnBrk="1" latinLnBrk="0" hangingPunct="1">
+                <a:defRPr sz="1800" kern="1200">
+                  <a:solidFill>
+                    <a:schemeClr val="dk1"/>
+                  </a:solidFill>
+                  <a:latin typeface="+mn-lt"/>
+                  <a:ea typeface="+mn-ea"/>
+                  <a:cs typeface="+mn-cs"/>
+                </a:defRPr>
+              </a:lvl9pPr>
+            </a:lstStyle>
+            <a:p>
+              <a:pPr algn="ctr"/>
+              <a:endParaRPr lang="en-US" sz="1600" dirty="0"/>
+            </a:p>
+          </p:txBody>
+        </p:sp>
+        <p:sp>
+          <p:nvSpPr>
+            <p:cNvPr id="41" name="Oval 40">
+              <a:extLst>
+                <a:ext uri="{FF2B5EF4-FFF2-40B4-BE49-F238E27FC236}">
+                  <a16:creationId xmlns:a16="http://schemas.microsoft.com/office/drawing/2014/main" id="{0B45DF8D-1ACD-2C43-903E-E3AAE56710BF}"/>
+                </a:ext>
+              </a:extLst>
+            </p:cNvPr>
+            <p:cNvSpPr/>
+            <p:nvPr/>
+          </p:nvSpPr>
+          <p:spPr>
+            <a:xfrm>
+              <a:off x="10348544" y="5493186"/>
+              <a:ext cx="160297" cy="160297"/>
+            </a:xfrm>
+            <a:prstGeom prst="ellipse">
+              <a:avLst/>
+            </a:prstGeom>
+            <a:solidFill>
+              <a:schemeClr val="bg1">
+                <a:lumMod val="85000"/>
+              </a:schemeClr>
+            </a:solidFill>
+          </p:spPr>
+          <p:style>
+            <a:lnRef idx="2">
+              <a:schemeClr val="dk1"/>
+            </a:lnRef>
+            <a:fillRef idx="1">
+              <a:schemeClr val="lt1"/>
+            </a:fillRef>
+            <a:effectRef idx="0">
+              <a:schemeClr val="dk1"/>
+            </a:effectRef>
+            <a:fontRef idx="minor">
+              <a:schemeClr val="dk1"/>
+            </a:fontRef>
+          </p:style>
+          <p:txBody>
+            <a:bodyPr rtlCol="0" anchor="ctr"/>
+            <a:lstStyle>
+              <a:defPPr>
+                <a:defRPr lang="en-US"/>
+              </a:defPPr>
+              <a:lvl1pPr marL="0" algn="l" defTabSz="914400" rtl="0" eaLnBrk="1" latinLnBrk="0" hangingPunct="1">
+                <a:defRPr sz="1800" kern="1200">
+                  <a:solidFill>
+                    <a:schemeClr val="dk1"/>
+                  </a:solidFill>
+                  <a:latin typeface="+mn-lt"/>
+                  <a:ea typeface="+mn-ea"/>
+                  <a:cs typeface="+mn-cs"/>
+                </a:defRPr>
+              </a:lvl1pPr>
+              <a:lvl2pPr marL="457200" algn="l" defTabSz="914400" rtl="0" eaLnBrk="1" latinLnBrk="0" hangingPunct="1">
+                <a:defRPr sz="1800" kern="1200">
+                  <a:solidFill>
+                    <a:schemeClr val="dk1"/>
+                  </a:solidFill>
+                  <a:latin typeface="+mn-lt"/>
+                  <a:ea typeface="+mn-ea"/>
+                  <a:cs typeface="+mn-cs"/>
+                </a:defRPr>
+              </a:lvl2pPr>
+              <a:lvl3pPr marL="914400" algn="l" defTabSz="914400" rtl="0" eaLnBrk="1" latinLnBrk="0" hangingPunct="1">
+                <a:defRPr sz="1800" kern="1200">
+                  <a:solidFill>
+                    <a:schemeClr val="dk1"/>
+                  </a:solidFill>
+                  <a:latin typeface="+mn-lt"/>
+                  <a:ea typeface="+mn-ea"/>
+                  <a:cs typeface="+mn-cs"/>
+                </a:defRPr>
+              </a:lvl3pPr>
+              <a:lvl4pPr marL="1371600" algn="l" defTabSz="914400" rtl="0" eaLnBrk="1" latinLnBrk="0" hangingPunct="1">
+                <a:defRPr sz="1800" kern="1200">
+                  <a:solidFill>
+                    <a:schemeClr val="dk1"/>
+                  </a:solidFill>
+                  <a:latin typeface="+mn-lt"/>
+                  <a:ea typeface="+mn-ea"/>
+                  <a:cs typeface="+mn-cs"/>
+                </a:defRPr>
+              </a:lvl4pPr>
+              <a:lvl5pPr marL="1828800" algn="l" defTabSz="914400" rtl="0" eaLnBrk="1" latinLnBrk="0" hangingPunct="1">
+                <a:defRPr sz="1800" kern="1200">
+                  <a:solidFill>
+                    <a:schemeClr val="dk1"/>
+                  </a:solidFill>
+                  <a:latin typeface="+mn-lt"/>
+                  <a:ea typeface="+mn-ea"/>
+                  <a:cs typeface="+mn-cs"/>
+                </a:defRPr>
+              </a:lvl5pPr>
+              <a:lvl6pPr marL="2286000" algn="l" defTabSz="914400" rtl="0" eaLnBrk="1" latinLnBrk="0" hangingPunct="1">
+                <a:defRPr sz="1800" kern="1200">
+                  <a:solidFill>
+                    <a:schemeClr val="dk1"/>
+                  </a:solidFill>
+                  <a:latin typeface="+mn-lt"/>
+                  <a:ea typeface="+mn-ea"/>
+                  <a:cs typeface="+mn-cs"/>
+                </a:defRPr>
+              </a:lvl6pPr>
+              <a:lvl7pPr marL="2743200" algn="l" defTabSz="914400" rtl="0" eaLnBrk="1" latinLnBrk="0" hangingPunct="1">
+                <a:defRPr sz="1800" kern="1200">
+                  <a:solidFill>
+                    <a:schemeClr val="dk1"/>
+                  </a:solidFill>
+                  <a:latin typeface="+mn-lt"/>
+                  <a:ea typeface="+mn-ea"/>
+                  <a:cs typeface="+mn-cs"/>
+                </a:defRPr>
+              </a:lvl7pPr>
+              <a:lvl8pPr marL="3200400" algn="l" defTabSz="914400" rtl="0" eaLnBrk="1" latinLnBrk="0" hangingPunct="1">
+                <a:defRPr sz="1800" kern="1200">
+                  <a:solidFill>
+                    <a:schemeClr val="dk1"/>
+                  </a:solidFill>
+                  <a:latin typeface="+mn-lt"/>
+                  <a:ea typeface="+mn-ea"/>
+                  <a:cs typeface="+mn-cs"/>
+                </a:defRPr>
+              </a:lvl8pPr>
+              <a:lvl9pPr marL="3657600" algn="l" defTabSz="914400" rtl="0" eaLnBrk="1" latinLnBrk="0" hangingPunct="1">
+                <a:defRPr sz="1800" kern="1200">
+                  <a:solidFill>
+                    <a:schemeClr val="dk1"/>
+                  </a:solidFill>
+                  <a:latin typeface="+mn-lt"/>
+                  <a:ea typeface="+mn-ea"/>
+                  <a:cs typeface="+mn-cs"/>
+                </a:defRPr>
+              </a:lvl9pPr>
+            </a:lstStyle>
+            <a:p>
+              <a:pPr algn="ctr"/>
+              <a:endParaRPr lang="en-US" sz="1600" dirty="0"/>
+            </a:p>
+          </p:txBody>
+        </p:sp>
+        <p:sp>
+          <p:nvSpPr>
+            <p:cNvPr id="43" name="Oval 42">
+              <a:extLst>
+                <a:ext uri="{FF2B5EF4-FFF2-40B4-BE49-F238E27FC236}">
+                  <a16:creationId xmlns:a16="http://schemas.microsoft.com/office/drawing/2014/main" id="{BB12EDC4-2978-DB4B-93C6-3DFEFF413D4F}"/>
+                </a:ext>
+              </a:extLst>
+            </p:cNvPr>
+            <p:cNvSpPr/>
+            <p:nvPr/>
+          </p:nvSpPr>
+          <p:spPr>
+            <a:xfrm>
+              <a:off x="10384390" y="5529371"/>
+              <a:ext cx="89923" cy="89923"/>
+            </a:xfrm>
+            <a:prstGeom prst="ellipse">
+              <a:avLst/>
+            </a:prstGeom>
+            <a:solidFill>
+              <a:schemeClr val="bg1">
+                <a:lumMod val="85000"/>
+              </a:schemeClr>
+            </a:solidFill>
+          </p:spPr>
+          <p:style>
+            <a:lnRef idx="2">
+              <a:schemeClr val="dk1"/>
+            </a:lnRef>
+            <a:fillRef idx="1">
+              <a:schemeClr val="lt1"/>
+            </a:fillRef>
+            <a:effectRef idx="0">
+              <a:schemeClr val="dk1"/>
+            </a:effectRef>
+            <a:fontRef idx="minor">
+              <a:schemeClr val="dk1"/>
+            </a:fontRef>
+          </p:style>
+          <p:txBody>
+            <a:bodyPr rtlCol="0" anchor="ctr"/>
+            <a:lstStyle>
+              <a:defPPr>
+                <a:defRPr lang="en-US"/>
+              </a:defPPr>
+              <a:lvl1pPr marL="0" algn="l" defTabSz="914400" rtl="0" eaLnBrk="1" latinLnBrk="0" hangingPunct="1">
+                <a:defRPr sz="1800" kern="1200">
+                  <a:solidFill>
+                    <a:schemeClr val="dk1"/>
+                  </a:solidFill>
+                  <a:latin typeface="+mn-lt"/>
+                  <a:ea typeface="+mn-ea"/>
+                  <a:cs typeface="+mn-cs"/>
+                </a:defRPr>
+              </a:lvl1pPr>
+              <a:lvl2pPr marL="457200" algn="l" defTabSz="914400" rtl="0" eaLnBrk="1" latinLnBrk="0" hangingPunct="1">
+                <a:defRPr sz="1800" kern="1200">
+                  <a:solidFill>
+                    <a:schemeClr val="dk1"/>
+                  </a:solidFill>
+                  <a:latin typeface="+mn-lt"/>
+                  <a:ea typeface="+mn-ea"/>
+                  <a:cs typeface="+mn-cs"/>
+                </a:defRPr>
+              </a:lvl2pPr>
+              <a:lvl3pPr marL="914400" algn="l" defTabSz="914400" rtl="0" eaLnBrk="1" latinLnBrk="0" hangingPunct="1">
+                <a:defRPr sz="1800" kern="1200">
+                  <a:solidFill>
+                    <a:schemeClr val="dk1"/>
+                  </a:solidFill>
+                  <a:latin typeface="+mn-lt"/>
+                  <a:ea typeface="+mn-ea"/>
+                  <a:cs typeface="+mn-cs"/>
+                </a:defRPr>
+              </a:lvl3pPr>
+              <a:lvl4pPr marL="1371600" algn="l" defTabSz="914400" rtl="0" eaLnBrk="1" latinLnBrk="0" hangingPunct="1">
+                <a:defRPr sz="1800" kern="1200">
+                  <a:solidFill>
+                    <a:schemeClr val="dk1"/>
+                  </a:solidFill>
+                  <a:latin typeface="+mn-lt"/>
+                  <a:ea typeface="+mn-ea"/>
+                  <a:cs typeface="+mn-cs"/>
+                </a:defRPr>
+              </a:lvl4pPr>
+              <a:lvl5pPr marL="1828800" algn="l" defTabSz="914400" rtl="0" eaLnBrk="1" latinLnBrk="0" hangingPunct="1">
+                <a:defRPr sz="1800" kern="1200">
+                  <a:solidFill>
+                    <a:schemeClr val="dk1"/>
+                  </a:solidFill>
+                  <a:latin typeface="+mn-lt"/>
+                  <a:ea typeface="+mn-ea"/>
+                  <a:cs typeface="+mn-cs"/>
+                </a:defRPr>
+              </a:lvl5pPr>
+              <a:lvl6pPr marL="2286000" algn="l" defTabSz="914400" rtl="0" eaLnBrk="1" latinLnBrk="0" hangingPunct="1">
+                <a:defRPr sz="1800" kern="1200">
+                  <a:solidFill>
+                    <a:schemeClr val="dk1"/>
+                  </a:solidFill>
+                  <a:latin typeface="+mn-lt"/>
+                  <a:ea typeface="+mn-ea"/>
+                  <a:cs typeface="+mn-cs"/>
+                </a:defRPr>
+              </a:lvl6pPr>
+              <a:lvl7pPr marL="2743200" algn="l" defTabSz="914400" rtl="0" eaLnBrk="1" latinLnBrk="0" hangingPunct="1">
+                <a:defRPr sz="1800" kern="1200">
+                  <a:solidFill>
+                    <a:schemeClr val="dk1"/>
+                  </a:solidFill>
+                  <a:latin typeface="+mn-lt"/>
+                  <a:ea typeface="+mn-ea"/>
+                  <a:cs typeface="+mn-cs"/>
+                </a:defRPr>
+              </a:lvl7pPr>
+              <a:lvl8pPr marL="3200400" algn="l" defTabSz="914400" rtl="0" eaLnBrk="1" latinLnBrk="0" hangingPunct="1">
+                <a:defRPr sz="1800" kern="1200">
+                  <a:solidFill>
+                    <a:schemeClr val="dk1"/>
+                  </a:solidFill>
+                  <a:latin typeface="+mn-lt"/>
+                  <a:ea typeface="+mn-ea"/>
+                  <a:cs typeface="+mn-cs"/>
+                </a:defRPr>
+              </a:lvl8pPr>
+              <a:lvl9pPr marL="3657600" algn="l" defTabSz="914400" rtl="0" eaLnBrk="1" latinLnBrk="0" hangingPunct="1">
+                <a:defRPr sz="1800" kern="1200">
+                  <a:solidFill>
+                    <a:schemeClr val="dk1"/>
+                  </a:solidFill>
+                  <a:latin typeface="+mn-lt"/>
+                  <a:ea typeface="+mn-ea"/>
+                  <a:cs typeface="+mn-cs"/>
+                </a:defRPr>
+              </a:lvl9pPr>
+            </a:lstStyle>
+            <a:p>
+              <a:pPr algn="ctr"/>
+              <a:endParaRPr lang="en-US" sz="1600" dirty="0"/>
+            </a:p>
+          </p:txBody>
+        </p:sp>
+        <p:sp>
+          <p:nvSpPr>
+            <p:cNvPr id="38" name="Oval 37">
+              <a:extLst>
+                <a:ext uri="{FF2B5EF4-FFF2-40B4-BE49-F238E27FC236}">
+                  <a16:creationId xmlns:a16="http://schemas.microsoft.com/office/drawing/2014/main" id="{61B4389F-14E2-ED41-A565-C65DFEE792BF}"/>
+                </a:ext>
+              </a:extLst>
+            </p:cNvPr>
+            <p:cNvSpPr/>
+            <p:nvPr/>
+          </p:nvSpPr>
+          <p:spPr>
+            <a:xfrm>
+              <a:off x="9575885" y="5103628"/>
+              <a:ext cx="160297" cy="160297"/>
+            </a:xfrm>
+            <a:prstGeom prst="ellipse">
+              <a:avLst/>
+            </a:prstGeom>
+            <a:solidFill>
+              <a:schemeClr val="bg1">
+                <a:lumMod val="85000"/>
+              </a:schemeClr>
+            </a:solidFill>
+          </p:spPr>
+          <p:style>
+            <a:lnRef idx="2">
+              <a:schemeClr val="dk1"/>
+            </a:lnRef>
+            <a:fillRef idx="1">
+              <a:schemeClr val="lt1"/>
+            </a:fillRef>
+            <a:effectRef idx="0">
+              <a:schemeClr val="dk1"/>
+            </a:effectRef>
+            <a:fontRef idx="minor">
+              <a:schemeClr val="dk1"/>
+            </a:fontRef>
+          </p:style>
+          <p:txBody>
+            <a:bodyPr rtlCol="0" anchor="ctr"/>
+            <a:lstStyle>
+              <a:defPPr>
+                <a:defRPr lang="en-US"/>
+              </a:defPPr>
+              <a:lvl1pPr marL="0" algn="l" defTabSz="914400" rtl="0" eaLnBrk="1" latinLnBrk="0" hangingPunct="1">
+                <a:defRPr sz="1800" kern="1200">
+                  <a:solidFill>
+                    <a:schemeClr val="dk1"/>
+                  </a:solidFill>
+                  <a:latin typeface="+mn-lt"/>
+                  <a:ea typeface="+mn-ea"/>
+                  <a:cs typeface="+mn-cs"/>
+                </a:defRPr>
+              </a:lvl1pPr>
+              <a:lvl2pPr marL="457200" algn="l" defTabSz="914400" rtl="0" eaLnBrk="1" latinLnBrk="0" hangingPunct="1">
+                <a:defRPr sz="1800" kern="1200">
+                  <a:solidFill>
+                    <a:schemeClr val="dk1"/>
+                  </a:solidFill>
+                  <a:latin typeface="+mn-lt"/>
+                  <a:ea typeface="+mn-ea"/>
+                  <a:cs typeface="+mn-cs"/>
+                </a:defRPr>
+              </a:lvl2pPr>
+              <a:lvl3pPr marL="914400" algn="l" defTabSz="914400" rtl="0" eaLnBrk="1" latinLnBrk="0" hangingPunct="1">
+                <a:defRPr sz="1800" kern="1200">
+                  <a:solidFill>
+                    <a:schemeClr val="dk1"/>
+                  </a:solidFill>
+                  <a:latin typeface="+mn-lt"/>
+                  <a:ea typeface="+mn-ea"/>
+                  <a:cs typeface="+mn-cs"/>
+                </a:defRPr>
+              </a:lvl3pPr>
+              <a:lvl4pPr marL="1371600" algn="l" defTabSz="914400" rtl="0" eaLnBrk="1" latinLnBrk="0" hangingPunct="1">
+                <a:defRPr sz="1800" kern="1200">
+                  <a:solidFill>
+                    <a:schemeClr val="dk1"/>
+                  </a:solidFill>
+                  <a:latin typeface="+mn-lt"/>
+                  <a:ea typeface="+mn-ea"/>
+                  <a:cs typeface="+mn-cs"/>
+                </a:defRPr>
+              </a:lvl4pPr>
+              <a:lvl5pPr marL="1828800" algn="l" defTabSz="914400" rtl="0" eaLnBrk="1" latinLnBrk="0" hangingPunct="1">
+                <a:defRPr sz="1800" kern="1200">
+                  <a:solidFill>
+                    <a:schemeClr val="dk1"/>
+                  </a:solidFill>
+                  <a:latin typeface="+mn-lt"/>
+                  <a:ea typeface="+mn-ea"/>
+                  <a:cs typeface="+mn-cs"/>
+                </a:defRPr>
+              </a:lvl5pPr>
+              <a:lvl6pPr marL="2286000" algn="l" defTabSz="914400" rtl="0" eaLnBrk="1" latinLnBrk="0" hangingPunct="1">
+                <a:defRPr sz="1800" kern="1200">
+                  <a:solidFill>
+                    <a:schemeClr val="dk1"/>
+                  </a:solidFill>
+                  <a:latin typeface="+mn-lt"/>
+                  <a:ea typeface="+mn-ea"/>
+                  <a:cs typeface="+mn-cs"/>
+                </a:defRPr>
+              </a:lvl6pPr>
+              <a:lvl7pPr marL="2743200" algn="l" defTabSz="914400" rtl="0" eaLnBrk="1" latinLnBrk="0" hangingPunct="1">
+                <a:defRPr sz="1800" kern="1200">
+                  <a:solidFill>
+                    <a:schemeClr val="dk1"/>
+                  </a:solidFill>
+                  <a:latin typeface="+mn-lt"/>
+                  <a:ea typeface="+mn-ea"/>
+                  <a:cs typeface="+mn-cs"/>
+                </a:defRPr>
+              </a:lvl7pPr>
+              <a:lvl8pPr marL="3200400" algn="l" defTabSz="914400" rtl="0" eaLnBrk="1" latinLnBrk="0" hangingPunct="1">
+                <a:defRPr sz="1800" kern="1200">
+                  <a:solidFill>
+                    <a:schemeClr val="dk1"/>
+                  </a:solidFill>
+                  <a:latin typeface="+mn-lt"/>
+                  <a:ea typeface="+mn-ea"/>
+                  <a:cs typeface="+mn-cs"/>
+                </a:defRPr>
+              </a:lvl8pPr>
+              <a:lvl9pPr marL="3657600" algn="l" defTabSz="914400" rtl="0" eaLnBrk="1" latinLnBrk="0" hangingPunct="1">
+                <a:defRPr sz="1800" kern="1200">
+                  <a:solidFill>
+                    <a:schemeClr val="dk1"/>
+                  </a:solidFill>
+                  <a:latin typeface="+mn-lt"/>
+                  <a:ea typeface="+mn-ea"/>
+                  <a:cs typeface="+mn-cs"/>
+                </a:defRPr>
+              </a:lvl9pPr>
+            </a:lstStyle>
+            <a:p>
+              <a:pPr algn="ctr"/>
+              <a:endParaRPr lang="en-US" sz="1600" dirty="0"/>
+            </a:p>
+          </p:txBody>
+        </p:sp>
+        <p:sp>
+          <p:nvSpPr>
+            <p:cNvPr id="40" name="Oval 39">
+              <a:extLst>
+                <a:ext uri="{FF2B5EF4-FFF2-40B4-BE49-F238E27FC236}">
+                  <a16:creationId xmlns:a16="http://schemas.microsoft.com/office/drawing/2014/main" id="{CD0DE9F8-7705-0042-A143-1DA665E0783E}"/>
+                </a:ext>
+              </a:extLst>
+            </p:cNvPr>
+            <p:cNvSpPr/>
+            <p:nvPr/>
+          </p:nvSpPr>
+          <p:spPr>
+            <a:xfrm>
+              <a:off x="9611731" y="5139813"/>
+              <a:ext cx="89923" cy="89923"/>
+            </a:xfrm>
+            <a:prstGeom prst="ellipse">
+              <a:avLst/>
+            </a:prstGeom>
+            <a:solidFill>
+              <a:schemeClr val="bg1">
+                <a:lumMod val="85000"/>
+              </a:schemeClr>
+            </a:solidFill>
+          </p:spPr>
+          <p:style>
+            <a:lnRef idx="2">
+              <a:schemeClr val="dk1"/>
+            </a:lnRef>
+            <a:fillRef idx="1">
+              <a:schemeClr val="lt1"/>
+            </a:fillRef>
+            <a:effectRef idx="0">
+              <a:schemeClr val="dk1"/>
+            </a:effectRef>
+            <a:fontRef idx="minor">
+              <a:schemeClr val="dk1"/>
+            </a:fontRef>
+          </p:style>
+          <p:txBody>
+            <a:bodyPr rtlCol="0" anchor="ctr"/>
+            <a:lstStyle>
+              <a:defPPr>
+                <a:defRPr lang="en-US"/>
+              </a:defPPr>
+              <a:lvl1pPr marL="0" algn="l" defTabSz="914400" rtl="0" eaLnBrk="1" latinLnBrk="0" hangingPunct="1">
+                <a:defRPr sz="1800" kern="1200">
+                  <a:solidFill>
+                    <a:schemeClr val="dk1"/>
+                  </a:solidFill>
+                  <a:latin typeface="+mn-lt"/>
+                  <a:ea typeface="+mn-ea"/>
+                  <a:cs typeface="+mn-cs"/>
+                </a:defRPr>
+              </a:lvl1pPr>
+              <a:lvl2pPr marL="457200" algn="l" defTabSz="914400" rtl="0" eaLnBrk="1" latinLnBrk="0" hangingPunct="1">
+                <a:defRPr sz="1800" kern="1200">
+                  <a:solidFill>
+                    <a:schemeClr val="dk1"/>
+                  </a:solidFill>
+                  <a:latin typeface="+mn-lt"/>
+                  <a:ea typeface="+mn-ea"/>
+                  <a:cs typeface="+mn-cs"/>
+                </a:defRPr>
+              </a:lvl2pPr>
+              <a:lvl3pPr marL="914400" algn="l" defTabSz="914400" rtl="0" eaLnBrk="1" latinLnBrk="0" hangingPunct="1">
+                <a:defRPr sz="1800" kern="1200">
+                  <a:solidFill>
+                    <a:schemeClr val="dk1"/>
+                  </a:solidFill>
+                  <a:latin typeface="+mn-lt"/>
+                  <a:ea typeface="+mn-ea"/>
+                  <a:cs typeface="+mn-cs"/>
+                </a:defRPr>
+              </a:lvl3pPr>
+              <a:lvl4pPr marL="1371600" algn="l" defTabSz="914400" rtl="0" eaLnBrk="1" latinLnBrk="0" hangingPunct="1">
+                <a:defRPr sz="1800" kern="1200">
+                  <a:solidFill>
+                    <a:schemeClr val="dk1"/>
+                  </a:solidFill>
+                  <a:latin typeface="+mn-lt"/>
+                  <a:ea typeface="+mn-ea"/>
+                  <a:cs typeface="+mn-cs"/>
+                </a:defRPr>
+              </a:lvl4pPr>
+              <a:lvl5pPr marL="1828800" algn="l" defTabSz="914400" rtl="0" eaLnBrk="1" latinLnBrk="0" hangingPunct="1">
+                <a:defRPr sz="1800" kern="1200">
+                  <a:solidFill>
+                    <a:schemeClr val="dk1"/>
+                  </a:solidFill>
+                  <a:latin typeface="+mn-lt"/>
+                  <a:ea typeface="+mn-ea"/>
+                  <a:cs typeface="+mn-cs"/>
+                </a:defRPr>
+              </a:lvl5pPr>
+              <a:lvl6pPr marL="2286000" algn="l" defTabSz="914400" rtl="0" eaLnBrk="1" latinLnBrk="0" hangingPunct="1">
+                <a:defRPr sz="1800" kern="1200">
+                  <a:solidFill>
+                    <a:schemeClr val="dk1"/>
+                  </a:solidFill>
+                  <a:latin typeface="+mn-lt"/>
+                  <a:ea typeface="+mn-ea"/>
+                  <a:cs typeface="+mn-cs"/>
+                </a:defRPr>
+              </a:lvl6pPr>
+              <a:lvl7pPr marL="2743200" algn="l" defTabSz="914400" rtl="0" eaLnBrk="1" latinLnBrk="0" hangingPunct="1">
+                <a:defRPr sz="1800" kern="1200">
+                  <a:solidFill>
+                    <a:schemeClr val="dk1"/>
+                  </a:solidFill>
+                  <a:latin typeface="+mn-lt"/>
+                  <a:ea typeface="+mn-ea"/>
+                  <a:cs typeface="+mn-cs"/>
+                </a:defRPr>
+              </a:lvl7pPr>
+              <a:lvl8pPr marL="3200400" algn="l" defTabSz="914400" rtl="0" eaLnBrk="1" latinLnBrk="0" hangingPunct="1">
+                <a:defRPr sz="1800" kern="1200">
+                  <a:solidFill>
+                    <a:schemeClr val="dk1"/>
+                  </a:solidFill>
+                  <a:latin typeface="+mn-lt"/>
+                  <a:ea typeface="+mn-ea"/>
+                  <a:cs typeface="+mn-cs"/>
+                </a:defRPr>
+              </a:lvl8pPr>
+              <a:lvl9pPr marL="3657600" algn="l" defTabSz="914400" rtl="0" eaLnBrk="1" latinLnBrk="0" hangingPunct="1">
+                <a:defRPr sz="1800" kern="1200">
+                  <a:solidFill>
+                    <a:schemeClr val="dk1"/>
+                  </a:solidFill>
+                  <a:latin typeface="+mn-lt"/>
+                  <a:ea typeface="+mn-ea"/>
+                  <a:cs typeface="+mn-cs"/>
+                </a:defRPr>
+              </a:lvl9pPr>
+            </a:lstStyle>
+            <a:p>
+              <a:pPr algn="ctr"/>
+              <a:endParaRPr lang="en-US" sz="1600" dirty="0"/>
+            </a:p>
+          </p:txBody>
+        </p:sp>
+        <p:sp>
+          <p:nvSpPr>
+            <p:cNvPr id="36" name="Oval 35">
+              <a:extLst>
+                <a:ext uri="{FF2B5EF4-FFF2-40B4-BE49-F238E27FC236}">
+                  <a16:creationId xmlns:a16="http://schemas.microsoft.com/office/drawing/2014/main" id="{CE8D5914-3E50-934B-A4ED-7869797E0F18}"/>
+                </a:ext>
+              </a:extLst>
+            </p:cNvPr>
+            <p:cNvSpPr/>
+            <p:nvPr/>
+          </p:nvSpPr>
+          <p:spPr>
+            <a:xfrm>
+              <a:off x="9736182" y="4810968"/>
+              <a:ext cx="41918" cy="41918"/>
+            </a:xfrm>
+            <a:prstGeom prst="ellipse">
+              <a:avLst/>
+            </a:prstGeom>
+            <a:solidFill>
+              <a:schemeClr val="tx1"/>
+            </a:solidFill>
+            <a:ln>
+              <a:solidFill>
+                <a:schemeClr val="bg1">
+                  <a:lumMod val="85000"/>
+                </a:schemeClr>
+              </a:solidFill>
+            </a:ln>
+          </p:spPr>
+          <p:style>
+            <a:lnRef idx="2">
+              <a:schemeClr val="accent1">
+                <a:shade val="50000"/>
+              </a:schemeClr>
+            </a:lnRef>
+            <a:fillRef idx="1">
+              <a:schemeClr val="accent1"/>
+            </a:fillRef>
+            <a:effectRef idx="0">
+              <a:schemeClr val="accent1"/>
+            </a:effectRef>
+            <a:fontRef idx="minor">
+              <a:schemeClr val="lt1"/>
+            </a:fontRef>
+          </p:style>
+          <p:txBody>
+            <a:bodyPr rtlCol="0" anchor="ctr"/>
+            <a:lstStyle>
+              <a:defPPr>
+                <a:defRPr lang="en-US"/>
+              </a:defPPr>
+              <a:lvl1pPr marL="0" algn="l" defTabSz="914400" rtl="0" eaLnBrk="1" latinLnBrk="0" hangingPunct="1">
+                <a:defRPr sz="1800" kern="1200">
+                  <a:solidFill>
+                    <a:schemeClr val="lt1"/>
+                  </a:solidFill>
+                  <a:latin typeface="+mn-lt"/>
+                  <a:ea typeface="+mn-ea"/>
+                  <a:cs typeface="+mn-cs"/>
+                </a:defRPr>
+              </a:lvl1pPr>
+              <a:lvl2pPr marL="457200" algn="l" defTabSz="914400" rtl="0" eaLnBrk="1" latinLnBrk="0" hangingPunct="1">
+                <a:defRPr sz="1800" kern="1200">
+                  <a:solidFill>
+                    <a:schemeClr val="lt1"/>
+                  </a:solidFill>
+                  <a:latin typeface="+mn-lt"/>
+                  <a:ea typeface="+mn-ea"/>
+                  <a:cs typeface="+mn-cs"/>
+                </a:defRPr>
+              </a:lvl2pPr>
+              <a:lvl3pPr marL="914400" algn="l" defTabSz="914400" rtl="0" eaLnBrk="1" latinLnBrk="0" hangingPunct="1">
+                <a:defRPr sz="1800" kern="1200">
+                  <a:solidFill>
+                    <a:schemeClr val="lt1"/>
+                  </a:solidFill>
+                  <a:latin typeface="+mn-lt"/>
+                  <a:ea typeface="+mn-ea"/>
+                  <a:cs typeface="+mn-cs"/>
+                </a:defRPr>
+              </a:lvl3pPr>
+              <a:lvl4pPr marL="1371600" algn="l" defTabSz="914400" rtl="0" eaLnBrk="1" latinLnBrk="0" hangingPunct="1">
+                <a:defRPr sz="1800" kern="1200">
+                  <a:solidFill>
+                    <a:schemeClr val="lt1"/>
+                  </a:solidFill>
+                  <a:latin typeface="+mn-lt"/>
+                  <a:ea typeface="+mn-ea"/>
+                  <a:cs typeface="+mn-cs"/>
+                </a:defRPr>
+              </a:lvl4pPr>
+              <a:lvl5pPr marL="1828800" algn="l" defTabSz="914400" rtl="0" eaLnBrk="1" latinLnBrk="0" hangingPunct="1">
+                <a:defRPr sz="1800" kern="1200">
+                  <a:solidFill>
+                    <a:schemeClr val="lt1"/>
+                  </a:solidFill>
+                  <a:latin typeface="+mn-lt"/>
+                  <a:ea typeface="+mn-ea"/>
+                  <a:cs typeface="+mn-cs"/>
+                </a:defRPr>
+              </a:lvl5pPr>
+              <a:lvl6pPr marL="2286000" algn="l" defTabSz="914400" rtl="0" eaLnBrk="1" latinLnBrk="0" hangingPunct="1">
+                <a:defRPr sz="1800" kern="1200">
+                  <a:solidFill>
+                    <a:schemeClr val="lt1"/>
+                  </a:solidFill>
+                  <a:latin typeface="+mn-lt"/>
+                  <a:ea typeface="+mn-ea"/>
+                  <a:cs typeface="+mn-cs"/>
+                </a:defRPr>
+              </a:lvl6pPr>
+              <a:lvl7pPr marL="2743200" algn="l" defTabSz="914400" rtl="0" eaLnBrk="1" latinLnBrk="0" hangingPunct="1">
+                <a:defRPr sz="1800" kern="1200">
+                  <a:solidFill>
+                    <a:schemeClr val="lt1"/>
+                  </a:solidFill>
+                  <a:latin typeface="+mn-lt"/>
+                  <a:ea typeface="+mn-ea"/>
+                  <a:cs typeface="+mn-cs"/>
+                </a:defRPr>
+              </a:lvl7pPr>
+              <a:lvl8pPr marL="3200400" algn="l" defTabSz="914400" rtl="0" eaLnBrk="1" latinLnBrk="0" hangingPunct="1">
+                <a:defRPr sz="1800" kern="1200">
+                  <a:solidFill>
+                    <a:schemeClr val="lt1"/>
+                  </a:solidFill>
+                  <a:latin typeface="+mn-lt"/>
+                  <a:ea typeface="+mn-ea"/>
+                  <a:cs typeface="+mn-cs"/>
+                </a:defRPr>
+              </a:lvl8pPr>
+              <a:lvl9pPr marL="3657600" algn="l" defTabSz="914400" rtl="0" eaLnBrk="1" latinLnBrk="0" hangingPunct="1">
+                <a:defRPr sz="1800" kern="1200">
+                  <a:solidFill>
+                    <a:schemeClr val="lt1"/>
+                  </a:solidFill>
+                  <a:latin typeface="+mn-lt"/>
+                  <a:ea typeface="+mn-ea"/>
+                  <a:cs typeface="+mn-cs"/>
+                </a:defRPr>
+              </a:lvl9pPr>
+            </a:lstStyle>
+            <a:p>
+              <a:pPr algn="ctr"/>
+              <a:endParaRPr lang="en-US" sz="1600" dirty="0"/>
+            </a:p>
+          </p:txBody>
+        </p:sp>
+        <p:sp>
+          <p:nvSpPr>
+            <p:cNvPr id="37" name="Oval 36">
+              <a:extLst>
+                <a:ext uri="{FF2B5EF4-FFF2-40B4-BE49-F238E27FC236}">
+                  <a16:creationId xmlns:a16="http://schemas.microsoft.com/office/drawing/2014/main" id="{90D2729A-7CDD-A949-9D0F-250925C0E856}"/>
+                </a:ext>
+              </a:extLst>
+            </p:cNvPr>
+            <p:cNvSpPr/>
+            <p:nvPr/>
+          </p:nvSpPr>
+          <p:spPr>
+            <a:xfrm>
+              <a:off x="9527314" y="4809859"/>
+              <a:ext cx="41918" cy="41918"/>
+            </a:xfrm>
+            <a:prstGeom prst="ellipse">
+              <a:avLst/>
+            </a:prstGeom>
+            <a:solidFill>
+              <a:schemeClr val="tx1"/>
+            </a:solidFill>
+            <a:ln>
+              <a:solidFill>
+                <a:schemeClr val="bg1">
+                  <a:lumMod val="85000"/>
+                </a:schemeClr>
+              </a:solidFill>
+            </a:ln>
+          </p:spPr>
+          <p:style>
+            <a:lnRef idx="2">
+              <a:schemeClr val="accent1">
+                <a:shade val="50000"/>
+              </a:schemeClr>
+            </a:lnRef>
+            <a:fillRef idx="1">
+              <a:schemeClr val="accent1"/>
+            </a:fillRef>
+            <a:effectRef idx="0">
+              <a:schemeClr val="accent1"/>
+            </a:effectRef>
+            <a:fontRef idx="minor">
+              <a:schemeClr val="lt1"/>
+            </a:fontRef>
+          </p:style>
+          <p:txBody>
+            <a:bodyPr rtlCol="0" anchor="ctr"/>
+            <a:lstStyle>
+              <a:defPPr>
+                <a:defRPr lang="en-US"/>
+              </a:defPPr>
+              <a:lvl1pPr marL="0" algn="l" defTabSz="914400" rtl="0" eaLnBrk="1" latinLnBrk="0" hangingPunct="1">
+                <a:defRPr sz="1800" kern="1200">
+                  <a:solidFill>
+                    <a:schemeClr val="lt1"/>
+                  </a:solidFill>
+                  <a:latin typeface="+mn-lt"/>
+                  <a:ea typeface="+mn-ea"/>
+                  <a:cs typeface="+mn-cs"/>
+                </a:defRPr>
+              </a:lvl1pPr>
+              <a:lvl2pPr marL="457200" algn="l" defTabSz="914400" rtl="0" eaLnBrk="1" latinLnBrk="0" hangingPunct="1">
+                <a:defRPr sz="1800" kern="1200">
+                  <a:solidFill>
+                    <a:schemeClr val="lt1"/>
+                  </a:solidFill>
+                  <a:latin typeface="+mn-lt"/>
+                  <a:ea typeface="+mn-ea"/>
+                  <a:cs typeface="+mn-cs"/>
+                </a:defRPr>
+              </a:lvl2pPr>
+              <a:lvl3pPr marL="914400" algn="l" defTabSz="914400" rtl="0" eaLnBrk="1" latinLnBrk="0" hangingPunct="1">
+                <a:defRPr sz="1800" kern="1200">
+                  <a:solidFill>
+                    <a:schemeClr val="lt1"/>
+                  </a:solidFill>
+                  <a:latin typeface="+mn-lt"/>
+                  <a:ea typeface="+mn-ea"/>
+                  <a:cs typeface="+mn-cs"/>
+                </a:defRPr>
+              </a:lvl3pPr>
+              <a:lvl4pPr marL="1371600" algn="l" defTabSz="914400" rtl="0" eaLnBrk="1" latinLnBrk="0" hangingPunct="1">
+                <a:defRPr sz="1800" kern="1200">
+                  <a:solidFill>
+                    <a:schemeClr val="lt1"/>
+                  </a:solidFill>
+                  <a:latin typeface="+mn-lt"/>
+                  <a:ea typeface="+mn-ea"/>
+                  <a:cs typeface="+mn-cs"/>
+                </a:defRPr>
+              </a:lvl4pPr>
+              <a:lvl5pPr marL="1828800" algn="l" defTabSz="914400" rtl="0" eaLnBrk="1" latinLnBrk="0" hangingPunct="1">
+                <a:defRPr sz="1800" kern="1200">
+                  <a:solidFill>
+                    <a:schemeClr val="lt1"/>
+                  </a:solidFill>
+                  <a:latin typeface="+mn-lt"/>
+                  <a:ea typeface="+mn-ea"/>
+                  <a:cs typeface="+mn-cs"/>
+                </a:defRPr>
+              </a:lvl5pPr>
+              <a:lvl6pPr marL="2286000" algn="l" defTabSz="914400" rtl="0" eaLnBrk="1" latinLnBrk="0" hangingPunct="1">
+                <a:defRPr sz="1800" kern="1200">
+                  <a:solidFill>
+                    <a:schemeClr val="lt1"/>
+                  </a:solidFill>
+                  <a:latin typeface="+mn-lt"/>
+                  <a:ea typeface="+mn-ea"/>
+                  <a:cs typeface="+mn-cs"/>
+                </a:defRPr>
+              </a:lvl6pPr>
+              <a:lvl7pPr marL="2743200" algn="l" defTabSz="914400" rtl="0" eaLnBrk="1" latinLnBrk="0" hangingPunct="1">
+                <a:defRPr sz="1800" kern="1200">
+                  <a:solidFill>
+                    <a:schemeClr val="lt1"/>
+                  </a:solidFill>
+                  <a:latin typeface="+mn-lt"/>
+                  <a:ea typeface="+mn-ea"/>
+                  <a:cs typeface="+mn-cs"/>
+                </a:defRPr>
+              </a:lvl7pPr>
+              <a:lvl8pPr marL="3200400" algn="l" defTabSz="914400" rtl="0" eaLnBrk="1" latinLnBrk="0" hangingPunct="1">
+                <a:defRPr sz="1800" kern="1200">
+                  <a:solidFill>
+                    <a:schemeClr val="lt1"/>
+                  </a:solidFill>
+                  <a:latin typeface="+mn-lt"/>
+                  <a:ea typeface="+mn-ea"/>
+                  <a:cs typeface="+mn-cs"/>
+                </a:defRPr>
+              </a:lvl8pPr>
+              <a:lvl9pPr marL="3657600" algn="l" defTabSz="914400" rtl="0" eaLnBrk="1" latinLnBrk="0" hangingPunct="1">
+                <a:defRPr sz="1800" kern="1200">
+                  <a:solidFill>
+                    <a:schemeClr val="lt1"/>
+                  </a:solidFill>
+                  <a:latin typeface="+mn-lt"/>
+                  <a:ea typeface="+mn-ea"/>
+                  <a:cs typeface="+mn-cs"/>
+                </a:defRPr>
+              </a:lvl9pPr>
+            </a:lstStyle>
+            <a:p>
+              <a:pPr algn="ctr"/>
+              <a:endParaRPr lang="en-US" sz="1600" dirty="0"/>
+            </a:p>
+          </p:txBody>
+        </p:sp>
+      </p:grpSp>
+      <p:grpSp>
+        <p:nvGrpSpPr>
+          <p:cNvPr id="59" name="Group 58">
+            <a:extLst>
+              <a:ext uri="{FF2B5EF4-FFF2-40B4-BE49-F238E27FC236}">
+                <a16:creationId xmlns:a16="http://schemas.microsoft.com/office/drawing/2014/main" id="{0CDA3608-DD66-4506-86E4-776584C0CBF7}"/>
+              </a:ext>
+            </a:extLst>
+          </p:cNvPr>
+          <p:cNvGrpSpPr/>
+          <p:nvPr/>
+        </p:nvGrpSpPr>
+        <p:grpSpPr>
+          <a:xfrm>
+            <a:off x="1393122" y="4044569"/>
+            <a:ext cx="1711036" cy="1072492"/>
+            <a:chOff x="1163782" y="4588602"/>
+            <a:chExt cx="1711036" cy="1072492"/>
+          </a:xfrm>
+        </p:grpSpPr>
+        <p:sp>
+          <p:nvSpPr>
+            <p:cNvPr id="56" name="Rectangle: Rounded Corners 55">
+              <a:extLst>
+                <a:ext uri="{FF2B5EF4-FFF2-40B4-BE49-F238E27FC236}">
+                  <a16:creationId xmlns:a16="http://schemas.microsoft.com/office/drawing/2014/main" id="{895A9F02-E8B7-476C-9439-3FD1D19D7ED7}"/>
+                </a:ext>
+              </a:extLst>
+            </p:cNvPr>
+            <p:cNvSpPr/>
+            <p:nvPr/>
+          </p:nvSpPr>
+          <p:spPr>
+            <a:xfrm>
+              <a:off x="1163782" y="4588602"/>
+              <a:ext cx="1711036" cy="1072492"/>
+            </a:xfrm>
+            <a:prstGeom prst="roundRect">
+              <a:avLst/>
+            </a:prstGeom>
+          </p:spPr>
+          <p:style>
+            <a:lnRef idx="2">
+              <a:schemeClr val="dk1">
+                <a:shade val="50000"/>
+              </a:schemeClr>
+            </a:lnRef>
+            <a:fillRef idx="1">
+              <a:schemeClr val="dk1"/>
+            </a:fillRef>
+            <a:effectRef idx="0">
+              <a:schemeClr val="dk1"/>
+            </a:effectRef>
+            <a:fontRef idx="minor">
+              <a:schemeClr val="lt1"/>
+            </a:fontRef>
+          </p:style>
+          <p:txBody>
+            <a:bodyPr rtlCol="0" anchor="ctr"/>
+            <a:lstStyle/>
+            <a:p>
+              <a:pPr algn="ctr"/>
+              <a:endParaRPr lang="en-US"/>
+            </a:p>
+          </p:txBody>
+        </p:sp>
+        <p:sp>
+          <p:nvSpPr>
+            <p:cNvPr id="57" name="Rectangle: Rounded Corners 56">
+              <a:extLst>
+                <a:ext uri="{FF2B5EF4-FFF2-40B4-BE49-F238E27FC236}">
+                  <a16:creationId xmlns:a16="http://schemas.microsoft.com/office/drawing/2014/main" id="{BAB9A8E3-09B5-4145-9EC3-CADC3AABF95D}"/>
+                </a:ext>
+              </a:extLst>
+            </p:cNvPr>
+            <p:cNvSpPr/>
+            <p:nvPr/>
+          </p:nvSpPr>
+          <p:spPr>
+            <a:xfrm>
+              <a:off x="1424899" y="4768412"/>
+              <a:ext cx="1177636" cy="239707"/>
+            </a:xfrm>
+            <a:prstGeom prst="roundRect">
+              <a:avLst/>
+            </a:prstGeom>
+          </p:spPr>
+          <p:style>
+            <a:lnRef idx="2">
+              <a:schemeClr val="dk1"/>
+            </a:lnRef>
+            <a:fillRef idx="1">
+              <a:schemeClr val="lt1"/>
+            </a:fillRef>
+            <a:effectRef idx="0">
+              <a:schemeClr val="dk1"/>
+            </a:effectRef>
+            <a:fontRef idx="minor">
+              <a:schemeClr val="dk1"/>
+            </a:fontRef>
+          </p:style>
+          <p:txBody>
+            <a:bodyPr rtlCol="0" anchor="ctr"/>
+            <a:lstStyle/>
+            <a:p>
+              <a:pPr algn="ctr"/>
+              <a:endParaRPr lang="en-US"/>
+            </a:p>
+          </p:txBody>
+        </p:sp>
+        <p:sp>
+          <p:nvSpPr>
+            <p:cNvPr id="58" name="Oval 57">
+              <a:extLst>
+                <a:ext uri="{FF2B5EF4-FFF2-40B4-BE49-F238E27FC236}">
+                  <a16:creationId xmlns:a16="http://schemas.microsoft.com/office/drawing/2014/main" id="{9F543A2D-ACCB-4B54-BE23-D1C1E73CCF9D}"/>
+                </a:ext>
+              </a:extLst>
+            </p:cNvPr>
+            <p:cNvSpPr/>
+            <p:nvPr/>
+          </p:nvSpPr>
+          <p:spPr>
+            <a:xfrm>
+              <a:off x="2235389" y="5122199"/>
+              <a:ext cx="377215" cy="377215"/>
+            </a:xfrm>
+            <a:prstGeom prst="ellipse">
+              <a:avLst/>
+            </a:prstGeom>
+            <a:solidFill>
+              <a:schemeClr val="tx1"/>
+            </a:solidFill>
+            <a:ln w="57150">
+              <a:solidFill>
+                <a:schemeClr val="bg1"/>
+              </a:solidFill>
+            </a:ln>
+          </p:spPr>
+          <p:style>
+            <a:lnRef idx="2">
+              <a:schemeClr val="accent1">
+                <a:shade val="50000"/>
+              </a:schemeClr>
+            </a:lnRef>
+            <a:fillRef idx="1">
+              <a:schemeClr val="accent1"/>
+            </a:fillRef>
+            <a:effectRef idx="0">
+              <a:schemeClr val="accent1"/>
+            </a:effectRef>
+            <a:fontRef idx="minor">
+              <a:schemeClr val="lt1"/>
+            </a:fontRef>
+          </p:style>
+          <p:txBody>
+            <a:bodyPr rtlCol="0" anchor="ctr"/>
+            <a:lstStyle/>
+            <a:p>
+              <a:pPr algn="ctr"/>
+              <a:endParaRPr lang="en-US"/>
+            </a:p>
+          </p:txBody>
+        </p:sp>
+      </p:grpSp>
+      <p:cxnSp>
+        <p:nvCxnSpPr>
+          <p:cNvPr id="61" name="Connector: Elbow 60">
+            <a:extLst>
+              <a:ext uri="{FF2B5EF4-FFF2-40B4-BE49-F238E27FC236}">
+                <a16:creationId xmlns:a16="http://schemas.microsoft.com/office/drawing/2014/main" id="{7A05F2A6-761A-43FF-8F52-6A020967B1D9}"/>
+              </a:ext>
+            </a:extLst>
+          </p:cNvPr>
+          <p:cNvCxnSpPr>
+            <a:cxnSpLocks/>
+            <a:stCxn id="56" idx="3"/>
+          </p:cNvCxnSpPr>
+          <p:nvPr/>
+        </p:nvCxnSpPr>
+        <p:spPr>
+          <a:xfrm flipV="1">
+            <a:off x="3104158" y="2524425"/>
+            <a:ext cx="1659220" cy="2056390"/>
+          </a:xfrm>
+          <a:prstGeom prst="bentConnector3">
+            <a:avLst/>
+          </a:prstGeom>
+          <a:ln w="76200">
+            <a:solidFill>
+              <a:schemeClr val="accent2"/>
+            </a:solidFill>
+            <a:tailEnd type="triangle"/>
+          </a:ln>
+        </p:spPr>
+        <p:style>
+          <a:lnRef idx="1">
+            <a:schemeClr val="accent5"/>
+          </a:lnRef>
+          <a:fillRef idx="0">
+            <a:schemeClr val="accent5"/>
+          </a:fillRef>
+          <a:effectRef idx="0">
+            <a:schemeClr val="accent5"/>
+          </a:effectRef>
+          <a:fontRef idx="minor">
+            <a:schemeClr val="tx1"/>
+          </a:fontRef>
+        </p:style>
+      </p:cxnSp>
+      <p:cxnSp>
+        <p:nvCxnSpPr>
+          <p:cNvPr id="65" name="Straight Arrow Connector 64">
+            <a:extLst>
+              <a:ext uri="{FF2B5EF4-FFF2-40B4-BE49-F238E27FC236}">
+                <a16:creationId xmlns:a16="http://schemas.microsoft.com/office/drawing/2014/main" id="{872503C8-2937-4F16-9784-0F8FF2C6186E}"/>
+              </a:ext>
+            </a:extLst>
+          </p:cNvPr>
+          <p:cNvCxnSpPr>
+            <a:cxnSpLocks/>
+          </p:cNvCxnSpPr>
+          <p:nvPr/>
+        </p:nvCxnSpPr>
+        <p:spPr>
+          <a:xfrm flipV="1">
+            <a:off x="6054943" y="1146548"/>
+            <a:ext cx="2013998" cy="1084440"/>
+          </a:xfrm>
+          <a:prstGeom prst="straightConnector1">
+            <a:avLst/>
+          </a:prstGeom>
+          <a:ln w="76200">
+            <a:solidFill>
+              <a:srgbClr val="00B0F0"/>
+            </a:solidFill>
+            <a:prstDash val="sysDot"/>
+            <a:tailEnd type="triangle"/>
+          </a:ln>
+        </p:spPr>
+        <p:style>
+          <a:lnRef idx="1">
+            <a:schemeClr val="accent1"/>
+          </a:lnRef>
+          <a:fillRef idx="0">
+            <a:schemeClr val="accent1"/>
+          </a:fillRef>
+          <a:effectRef idx="0">
+            <a:schemeClr val="accent1"/>
+          </a:effectRef>
+          <a:fontRef idx="minor">
+            <a:schemeClr val="tx1"/>
+          </a:fontRef>
+        </p:style>
+      </p:cxnSp>
+      <p:cxnSp>
+        <p:nvCxnSpPr>
+          <p:cNvPr id="68" name="Straight Arrow Connector 67">
+            <a:extLst>
+              <a:ext uri="{FF2B5EF4-FFF2-40B4-BE49-F238E27FC236}">
+                <a16:creationId xmlns:a16="http://schemas.microsoft.com/office/drawing/2014/main" id="{9EEDE9EA-98D3-4152-830E-627D10B88838}"/>
+              </a:ext>
+            </a:extLst>
+          </p:cNvPr>
+          <p:cNvCxnSpPr>
+            <a:cxnSpLocks/>
+          </p:cNvCxnSpPr>
+          <p:nvPr/>
+        </p:nvCxnSpPr>
+        <p:spPr>
+          <a:xfrm flipV="1">
+            <a:off x="6052644" y="2330376"/>
+            <a:ext cx="2719272" cy="348879"/>
+          </a:xfrm>
+          <a:prstGeom prst="straightConnector1">
+            <a:avLst/>
+          </a:prstGeom>
+          <a:ln w="76200">
+            <a:solidFill>
+              <a:srgbClr val="00B0F0"/>
+            </a:solidFill>
+            <a:prstDash val="sysDot"/>
+            <a:tailEnd type="triangle"/>
+          </a:ln>
+        </p:spPr>
+        <p:style>
+          <a:lnRef idx="1">
+            <a:schemeClr val="accent1"/>
+          </a:lnRef>
+          <a:fillRef idx="0">
+            <a:schemeClr val="accent1"/>
+          </a:fillRef>
+          <a:effectRef idx="0">
+            <a:schemeClr val="accent1"/>
+          </a:effectRef>
+          <a:fontRef idx="minor">
+            <a:schemeClr val="tx1"/>
+          </a:fontRef>
+        </p:style>
+      </p:cxnSp>
+      <p:cxnSp>
+        <p:nvCxnSpPr>
+          <p:cNvPr id="72" name="Straight Arrow Connector 71">
+            <a:extLst>
+              <a:ext uri="{FF2B5EF4-FFF2-40B4-BE49-F238E27FC236}">
+                <a16:creationId xmlns:a16="http://schemas.microsoft.com/office/drawing/2014/main" id="{461E98BF-C61C-40A0-BAAD-D152B91D1B6E}"/>
+              </a:ext>
+            </a:extLst>
+          </p:cNvPr>
+          <p:cNvCxnSpPr>
+            <a:cxnSpLocks/>
+          </p:cNvCxnSpPr>
+          <p:nvPr/>
+        </p:nvCxnSpPr>
+        <p:spPr>
+          <a:xfrm flipH="1" flipV="1">
+            <a:off x="6036681" y="3152787"/>
+            <a:ext cx="2433736" cy="1455528"/>
+          </a:xfrm>
+          <a:prstGeom prst="straightConnector1">
+            <a:avLst/>
+          </a:prstGeom>
+          <a:ln w="76200">
+            <a:solidFill>
+              <a:srgbClr val="00B0F0"/>
+            </a:solidFill>
+            <a:prstDash val="sysDot"/>
+            <a:tailEnd type="triangle"/>
+          </a:ln>
+        </p:spPr>
+        <p:style>
+          <a:lnRef idx="1">
+            <a:schemeClr val="accent1"/>
+          </a:lnRef>
+          <a:fillRef idx="0">
+            <a:schemeClr val="accent1"/>
+          </a:fillRef>
+          <a:effectRef idx="0">
+            <a:schemeClr val="accent1"/>
+          </a:effectRef>
+          <a:fontRef idx="minor">
+            <a:schemeClr val="tx1"/>
+          </a:fontRef>
+        </p:style>
+      </p:cxnSp>
+      <p:cxnSp>
+        <p:nvCxnSpPr>
+          <p:cNvPr id="78" name="Straight Arrow Connector 77">
+            <a:extLst>
+              <a:ext uri="{FF2B5EF4-FFF2-40B4-BE49-F238E27FC236}">
+                <a16:creationId xmlns:a16="http://schemas.microsoft.com/office/drawing/2014/main" id="{396EBFB1-A790-449E-B539-8D4AE8120C52}"/>
+              </a:ext>
+            </a:extLst>
+          </p:cNvPr>
+          <p:cNvCxnSpPr>
+            <a:cxnSpLocks/>
+          </p:cNvCxnSpPr>
+          <p:nvPr/>
+        </p:nvCxnSpPr>
+        <p:spPr>
+          <a:xfrm>
+            <a:off x="1704849" y="2216567"/>
+            <a:ext cx="0" cy="1828002"/>
+          </a:xfrm>
+          <a:prstGeom prst="straightConnector1">
+            <a:avLst/>
+          </a:prstGeom>
+          <a:ln w="76200">
+            <a:solidFill>
+              <a:schemeClr val="tx1"/>
+            </a:solidFill>
+            <a:tailEnd type="triangle"/>
+          </a:ln>
+        </p:spPr>
+        <p:style>
+          <a:lnRef idx="1">
+            <a:schemeClr val="accent1"/>
+          </a:lnRef>
+          <a:fillRef idx="0">
+            <a:schemeClr val="accent1"/>
+          </a:fillRef>
+          <a:effectRef idx="0">
+            <a:schemeClr val="accent1"/>
+          </a:effectRef>
+          <a:fontRef idx="minor">
+            <a:schemeClr val="tx1"/>
+          </a:fontRef>
+        </p:style>
+      </p:cxnSp>
+      <p:cxnSp>
+        <p:nvCxnSpPr>
+          <p:cNvPr id="79" name="Straight Arrow Connector 78">
+            <a:extLst>
+              <a:ext uri="{FF2B5EF4-FFF2-40B4-BE49-F238E27FC236}">
+                <a16:creationId xmlns:a16="http://schemas.microsoft.com/office/drawing/2014/main" id="{01840620-852C-4C47-BBA0-BD7F585DE0C1}"/>
+              </a:ext>
+            </a:extLst>
+          </p:cNvPr>
+          <p:cNvCxnSpPr>
+            <a:cxnSpLocks/>
+          </p:cNvCxnSpPr>
+          <p:nvPr/>
+        </p:nvCxnSpPr>
+        <p:spPr>
+          <a:xfrm>
+            <a:off x="2166082" y="2216567"/>
+            <a:ext cx="0" cy="1828002"/>
+          </a:xfrm>
+          <a:prstGeom prst="straightConnector1">
+            <a:avLst/>
+          </a:prstGeom>
+          <a:ln w="76200">
+            <a:solidFill>
+              <a:schemeClr val="tx1"/>
+            </a:solidFill>
+            <a:tailEnd type="triangle"/>
+          </a:ln>
+        </p:spPr>
+        <p:style>
+          <a:lnRef idx="1">
+            <a:schemeClr val="accent1"/>
+          </a:lnRef>
+          <a:fillRef idx="0">
+            <a:schemeClr val="accent1"/>
+          </a:fillRef>
+          <a:effectRef idx="0">
+            <a:schemeClr val="accent1"/>
+          </a:effectRef>
+          <a:fontRef idx="minor">
+            <a:schemeClr val="tx1"/>
+          </a:fontRef>
+        </p:style>
+      </p:cxnSp>
+      <p:sp>
+        <p:nvSpPr>
+          <p:cNvPr id="80" name="TextBox 79">
+            <a:extLst>
+              <a:ext uri="{FF2B5EF4-FFF2-40B4-BE49-F238E27FC236}">
+                <a16:creationId xmlns:a16="http://schemas.microsoft.com/office/drawing/2014/main" id="{8C7923B5-26DD-4133-86E7-87815DB697FD}"/>
+              </a:ext>
+            </a:extLst>
+          </p:cNvPr>
+          <p:cNvSpPr txBox="1"/>
+          <p:nvPr/>
+        </p:nvSpPr>
+        <p:spPr>
+          <a:xfrm>
+            <a:off x="4113997" y="3152787"/>
+            <a:ext cx="2363202" cy="400110"/>
+          </a:xfrm>
+          <a:prstGeom prst="rect">
+            <a:avLst/>
+          </a:prstGeom>
+          <a:noFill/>
+        </p:spPr>
+        <p:txBody>
+          <a:bodyPr wrap="square" rtlCol="0">
+            <a:spAutoFit/>
+          </a:bodyPr>
+          <a:lstStyle/>
+          <a:p>
+            <a:pPr algn="ctr"/>
+            <a:r>
+              <a:rPr lang="en-US" sz="2000" dirty="0">
+                <a:latin typeface="Abadi" panose="020B0604020104020204" pitchFamily="34" charset="0"/>
+              </a:rPr>
+              <a:t>HootBeat Brain</a:t>
+            </a:r>
+          </a:p>
+        </p:txBody>
+      </p:sp>
+      <p:sp>
+        <p:nvSpPr>
+          <p:cNvPr id="81" name="TextBox 80">
+            <a:extLst>
+              <a:ext uri="{FF2B5EF4-FFF2-40B4-BE49-F238E27FC236}">
+                <a16:creationId xmlns:a16="http://schemas.microsoft.com/office/drawing/2014/main" id="{04D7C62D-70CF-4521-9E88-C10CF3C7640E}"/>
+              </a:ext>
+            </a:extLst>
+          </p:cNvPr>
+          <p:cNvSpPr txBox="1"/>
+          <p:nvPr/>
+        </p:nvSpPr>
+        <p:spPr>
+          <a:xfrm>
+            <a:off x="8344484" y="5529387"/>
+            <a:ext cx="2580422" cy="707886"/>
+          </a:xfrm>
+          <a:prstGeom prst="rect">
+            <a:avLst/>
+          </a:prstGeom>
+          <a:noFill/>
+        </p:spPr>
+        <p:txBody>
+          <a:bodyPr wrap="square" rtlCol="0">
+            <a:spAutoFit/>
+          </a:bodyPr>
+          <a:lstStyle/>
+          <a:p>
+            <a:pPr algn="ctr"/>
+            <a:r>
+              <a:rPr lang="en-US" sz="2000" dirty="0">
+                <a:latin typeface="Abadi" panose="020B0604020104020204" pitchFamily="34" charset="0"/>
+              </a:rPr>
+              <a:t>BLE-MIDI-enabled pedalboard controller</a:t>
+            </a:r>
+          </a:p>
+        </p:txBody>
+      </p:sp>
+      <p:sp>
+        <p:nvSpPr>
+          <p:cNvPr id="82" name="TextBox 81">
+            <a:extLst>
+              <a:ext uri="{FF2B5EF4-FFF2-40B4-BE49-F238E27FC236}">
+                <a16:creationId xmlns:a16="http://schemas.microsoft.com/office/drawing/2014/main" id="{EF8AFF93-F499-43A1-A40C-D7537EDFFB9F}"/>
+              </a:ext>
+            </a:extLst>
+          </p:cNvPr>
+          <p:cNvSpPr txBox="1"/>
+          <p:nvPr/>
+        </p:nvSpPr>
+        <p:spPr>
+          <a:xfrm>
+            <a:off x="9673455" y="627927"/>
+            <a:ext cx="1415987" cy="707886"/>
+          </a:xfrm>
+          <a:prstGeom prst="rect">
+            <a:avLst/>
+          </a:prstGeom>
+          <a:noFill/>
+        </p:spPr>
+        <p:txBody>
+          <a:bodyPr wrap="square" rtlCol="0">
+            <a:spAutoFit/>
+          </a:bodyPr>
+          <a:lstStyle/>
+          <a:p>
+            <a:pPr algn="ctr"/>
+            <a:r>
+              <a:rPr lang="en-US" sz="2000" dirty="0">
+                <a:latin typeface="Abadi" panose="020B0604020104020204" pitchFamily="34" charset="0"/>
+              </a:rPr>
+              <a:t>HootBeat</a:t>
+            </a:r>
+          </a:p>
+          <a:p>
+            <a:pPr algn="ctr"/>
+            <a:r>
+              <a:rPr lang="en-US" sz="2000" dirty="0">
+                <a:latin typeface="Abadi" panose="020B0604020104020204" pitchFamily="34" charset="0"/>
+              </a:rPr>
+              <a:t>Goggles</a:t>
+            </a:r>
+          </a:p>
+        </p:txBody>
+      </p:sp>
+      <p:sp>
+        <p:nvSpPr>
+          <p:cNvPr id="83" name="TextBox 82">
+            <a:extLst>
+              <a:ext uri="{FF2B5EF4-FFF2-40B4-BE49-F238E27FC236}">
+                <a16:creationId xmlns:a16="http://schemas.microsoft.com/office/drawing/2014/main" id="{88DFB63D-3286-47FF-ABB3-FD840754821A}"/>
+              </a:ext>
+            </a:extLst>
+          </p:cNvPr>
+          <p:cNvSpPr txBox="1"/>
+          <p:nvPr/>
+        </p:nvSpPr>
+        <p:spPr>
+          <a:xfrm>
+            <a:off x="759528" y="5135035"/>
+            <a:ext cx="3105263" cy="400110"/>
+          </a:xfrm>
+          <a:prstGeom prst="rect">
+            <a:avLst/>
+          </a:prstGeom>
+          <a:noFill/>
+        </p:spPr>
+        <p:txBody>
+          <a:bodyPr wrap="square" rtlCol="0">
+            <a:spAutoFit/>
+          </a:bodyPr>
+          <a:lstStyle/>
+          <a:p>
+            <a:pPr algn="ctr"/>
+            <a:r>
+              <a:rPr lang="en-US" sz="2000" dirty="0">
+                <a:latin typeface="Abadi" panose="020B0604020104020204" pitchFamily="34" charset="0"/>
+              </a:rPr>
+              <a:t>Trigger-to-MIDI interface</a:t>
+            </a:r>
+          </a:p>
+        </p:txBody>
+      </p:sp>
+      <p:sp>
+        <p:nvSpPr>
+          <p:cNvPr id="87" name="TextBox 86">
+            <a:extLst>
+              <a:ext uri="{FF2B5EF4-FFF2-40B4-BE49-F238E27FC236}">
+                <a16:creationId xmlns:a16="http://schemas.microsoft.com/office/drawing/2014/main" id="{ED7A67F8-5872-4DAD-A930-86C27BEAF7A3}"/>
+              </a:ext>
+            </a:extLst>
+          </p:cNvPr>
+          <p:cNvSpPr txBox="1"/>
+          <p:nvPr/>
+        </p:nvSpPr>
+        <p:spPr>
+          <a:xfrm>
+            <a:off x="2624689" y="1237755"/>
+            <a:ext cx="1528647" cy="707886"/>
+          </a:xfrm>
+          <a:prstGeom prst="rect">
+            <a:avLst/>
+          </a:prstGeom>
+          <a:noFill/>
+        </p:spPr>
+        <p:txBody>
+          <a:bodyPr wrap="square" rtlCol="0">
+            <a:spAutoFit/>
+          </a:bodyPr>
+          <a:lstStyle/>
+          <a:p>
+            <a:pPr algn="ctr"/>
+            <a:r>
+              <a:rPr lang="en-US" sz="2000" dirty="0">
+                <a:latin typeface="Abadi" panose="020B0604020104020204" pitchFamily="34" charset="0"/>
+              </a:rPr>
+              <a:t>Drum</a:t>
+            </a:r>
+          </a:p>
+          <a:p>
+            <a:pPr algn="ctr"/>
+            <a:r>
+              <a:rPr lang="en-US" sz="2000" dirty="0">
+                <a:latin typeface="Abadi" panose="020B0604020104020204" pitchFamily="34" charset="0"/>
+              </a:rPr>
+              <a:t>triggers</a:t>
+            </a:r>
+          </a:p>
+        </p:txBody>
+      </p:sp>
+      <p:grpSp>
+        <p:nvGrpSpPr>
+          <p:cNvPr id="7" name="Group 6">
+            <a:extLst>
+              <a:ext uri="{FF2B5EF4-FFF2-40B4-BE49-F238E27FC236}">
+                <a16:creationId xmlns:a16="http://schemas.microsoft.com/office/drawing/2014/main" id="{2084D877-86DF-40C2-996D-D217CA977374}"/>
+              </a:ext>
+            </a:extLst>
+          </p:cNvPr>
+          <p:cNvGrpSpPr/>
+          <p:nvPr/>
+        </p:nvGrpSpPr>
+        <p:grpSpPr>
+          <a:xfrm>
+            <a:off x="4716045" y="4622534"/>
+            <a:ext cx="2854036" cy="900001"/>
+            <a:chOff x="4552176" y="5558474"/>
+            <a:chExt cx="2854036" cy="900001"/>
+          </a:xfrm>
+        </p:grpSpPr>
+        <p:sp>
+          <p:nvSpPr>
+            <p:cNvPr id="103" name="Rectangle 102">
+              <a:extLst>
+                <a:ext uri="{FF2B5EF4-FFF2-40B4-BE49-F238E27FC236}">
+                  <a16:creationId xmlns:a16="http://schemas.microsoft.com/office/drawing/2014/main" id="{2F339625-9C3B-493E-8A8B-339F24952064}"/>
+                </a:ext>
+              </a:extLst>
+            </p:cNvPr>
+            <p:cNvSpPr/>
+            <p:nvPr/>
+          </p:nvSpPr>
+          <p:spPr>
+            <a:xfrm>
+              <a:off x="4552176" y="5558474"/>
+              <a:ext cx="2854036" cy="900001"/>
+            </a:xfrm>
+            <a:prstGeom prst="rect">
+              <a:avLst/>
+            </a:prstGeom>
+            <a:noFill/>
+            <a:ln>
+              <a:solidFill>
+                <a:schemeClr val="tx1"/>
+              </a:solidFill>
+            </a:ln>
+          </p:spPr>
+          <p:style>
+            <a:lnRef idx="2">
+              <a:schemeClr val="accent1">
+                <a:shade val="50000"/>
+              </a:schemeClr>
+            </a:lnRef>
+            <a:fillRef idx="1">
+              <a:schemeClr val="accent1"/>
+            </a:fillRef>
+            <a:effectRef idx="0">
+              <a:schemeClr val="accent1"/>
+            </a:effectRef>
+            <a:fontRef idx="minor">
+              <a:schemeClr val="lt1"/>
+            </a:fontRef>
+          </p:style>
+          <p:txBody>
+            <a:bodyPr rtlCol="0" anchor="ctr"/>
+            <a:lstStyle/>
+            <a:p>
+              <a:pPr algn="ctr"/>
+              <a:endParaRPr lang="en-US"/>
+            </a:p>
+          </p:txBody>
+        </p:sp>
+        <p:cxnSp>
+          <p:nvCxnSpPr>
+            <p:cNvPr id="100" name="Straight Connector 99">
+              <a:extLst>
+                <a:ext uri="{FF2B5EF4-FFF2-40B4-BE49-F238E27FC236}">
+                  <a16:creationId xmlns:a16="http://schemas.microsoft.com/office/drawing/2014/main" id="{C83B1E5B-7DD3-446F-BC6C-FFF16589B354}"/>
+                </a:ext>
+              </a:extLst>
+            </p:cNvPr>
+            <p:cNvCxnSpPr/>
+            <p:nvPr/>
+          </p:nvCxnSpPr>
+          <p:spPr>
+            <a:xfrm>
+              <a:off x="4771530" y="5838382"/>
+              <a:ext cx="974455" cy="0"/>
+            </a:xfrm>
+            <a:prstGeom prst="line">
+              <a:avLst/>
+            </a:prstGeom>
+            <a:ln w="76200">
+              <a:solidFill>
+                <a:schemeClr val="accent2"/>
+              </a:solidFill>
+            </a:ln>
+          </p:spPr>
+          <p:style>
+            <a:lnRef idx="1">
+              <a:schemeClr val="accent1"/>
+            </a:lnRef>
+            <a:fillRef idx="0">
+              <a:schemeClr val="accent1"/>
+            </a:fillRef>
+            <a:effectRef idx="0">
+              <a:schemeClr val="accent1"/>
+            </a:effectRef>
+            <a:fontRef idx="minor">
+              <a:schemeClr val="tx1"/>
+            </a:fontRef>
+          </p:style>
+        </p:cxnSp>
+        <p:cxnSp>
+          <p:nvCxnSpPr>
+            <p:cNvPr id="101" name="Straight Connector 100">
+              <a:extLst>
+                <a:ext uri="{FF2B5EF4-FFF2-40B4-BE49-F238E27FC236}">
+                  <a16:creationId xmlns:a16="http://schemas.microsoft.com/office/drawing/2014/main" id="{3C5296DE-BEAE-4856-BAE2-34C71F6400CC}"/>
+                </a:ext>
+              </a:extLst>
+            </p:cNvPr>
+            <p:cNvCxnSpPr/>
+            <p:nvPr/>
+          </p:nvCxnSpPr>
+          <p:spPr>
+            <a:xfrm>
+              <a:off x="4771530" y="6184746"/>
+              <a:ext cx="974455" cy="0"/>
+            </a:xfrm>
+            <a:prstGeom prst="line">
+              <a:avLst/>
+            </a:prstGeom>
+            <a:ln w="76200">
+              <a:solidFill>
+                <a:srgbClr val="00B0F0"/>
+              </a:solidFill>
+              <a:prstDash val="sysDot"/>
+            </a:ln>
+          </p:spPr>
+          <p:style>
+            <a:lnRef idx="1">
+              <a:schemeClr val="accent1"/>
+            </a:lnRef>
+            <a:fillRef idx="0">
+              <a:schemeClr val="accent1"/>
+            </a:fillRef>
+            <a:effectRef idx="0">
+              <a:schemeClr val="accent1"/>
+            </a:effectRef>
+            <a:fontRef idx="minor">
+              <a:schemeClr val="tx1"/>
+            </a:fontRef>
+          </p:style>
+        </p:cxnSp>
+        <p:sp>
+          <p:nvSpPr>
+            <p:cNvPr id="102" name="TextBox 101">
+              <a:extLst>
+                <a:ext uri="{FF2B5EF4-FFF2-40B4-BE49-F238E27FC236}">
+                  <a16:creationId xmlns:a16="http://schemas.microsoft.com/office/drawing/2014/main" id="{B84B6188-F0A3-47AF-9403-9BCF1A1CDF89}"/>
+                </a:ext>
+              </a:extLst>
+            </p:cNvPr>
+            <p:cNvSpPr txBox="1"/>
+            <p:nvPr/>
+          </p:nvSpPr>
+          <p:spPr>
+            <a:xfrm>
+              <a:off x="5892102" y="5661763"/>
+              <a:ext cx="1396346" cy="707886"/>
+            </a:xfrm>
+            <a:prstGeom prst="rect">
+              <a:avLst/>
+            </a:prstGeom>
+            <a:noFill/>
+          </p:spPr>
+          <p:txBody>
+            <a:bodyPr wrap="square" rtlCol="0">
+              <a:spAutoFit/>
+            </a:bodyPr>
+            <a:lstStyle/>
+            <a:p>
+              <a:r>
+                <a:rPr lang="en-US" sz="2000" dirty="0">
+                  <a:latin typeface="Abadi" panose="020B0604020104020204" pitchFamily="34" charset="0"/>
+                </a:rPr>
+                <a:t>USB-MIDI</a:t>
+              </a:r>
+            </a:p>
+            <a:p>
+              <a:r>
+                <a:rPr lang="en-US" sz="2000" dirty="0">
+                  <a:latin typeface="Abadi" panose="020B0604020104020204" pitchFamily="34" charset="0"/>
+                </a:rPr>
+                <a:t>BLE-MIDI</a:t>
+              </a:r>
+            </a:p>
+          </p:txBody>
+        </p:sp>
+      </p:grpSp>
+      <p:sp>
+        <p:nvSpPr>
+          <p:cNvPr id="105" name="TextBox 104">
+            <a:extLst>
+              <a:ext uri="{FF2B5EF4-FFF2-40B4-BE49-F238E27FC236}">
+                <a16:creationId xmlns:a16="http://schemas.microsoft.com/office/drawing/2014/main" id="{E8332983-29F3-4C33-8984-4EA30BA590E6}"/>
+              </a:ext>
+            </a:extLst>
+          </p:cNvPr>
+          <p:cNvSpPr txBox="1"/>
+          <p:nvPr/>
+        </p:nvSpPr>
+        <p:spPr>
+          <a:xfrm>
+            <a:off x="7582737" y="3610873"/>
+            <a:ext cx="560193" cy="400110"/>
+          </a:xfrm>
+          <a:prstGeom prst="rect">
+            <a:avLst/>
+          </a:prstGeom>
+          <a:noFill/>
+        </p:spPr>
+        <p:txBody>
+          <a:bodyPr wrap="square" rtlCol="0">
+            <a:spAutoFit/>
+          </a:bodyPr>
+          <a:lstStyle/>
+          <a:p>
+            <a:r>
+              <a:rPr lang="en-US" sz="2000" dirty="0">
+                <a:solidFill>
+                  <a:srgbClr val="00B0F0"/>
+                </a:solidFill>
+                <a:latin typeface="Abadi" panose="020B0604020104020204" pitchFamily="34" charset="0"/>
+              </a:rPr>
+              <a:t>PC</a:t>
+            </a:r>
+          </a:p>
+        </p:txBody>
+      </p:sp>
+      <p:sp>
+        <p:nvSpPr>
+          <p:cNvPr id="106" name="TextBox 105">
+            <a:extLst>
+              <a:ext uri="{FF2B5EF4-FFF2-40B4-BE49-F238E27FC236}">
+                <a16:creationId xmlns:a16="http://schemas.microsoft.com/office/drawing/2014/main" id="{31C3D071-47C3-40B4-A2CB-1BC1C37C42E2}"/>
+              </a:ext>
+            </a:extLst>
+          </p:cNvPr>
+          <p:cNvSpPr txBox="1"/>
+          <p:nvPr/>
+        </p:nvSpPr>
+        <p:spPr>
+          <a:xfrm>
+            <a:off x="6575546" y="942789"/>
+            <a:ext cx="1378088" cy="400110"/>
+          </a:xfrm>
+          <a:prstGeom prst="rect">
+            <a:avLst/>
+          </a:prstGeom>
+          <a:noFill/>
+        </p:spPr>
+        <p:txBody>
+          <a:bodyPr wrap="square" rtlCol="0">
+            <a:spAutoFit/>
+          </a:bodyPr>
+          <a:lstStyle/>
+          <a:p>
+            <a:r>
+              <a:rPr lang="en-US" sz="2000" dirty="0">
+                <a:solidFill>
+                  <a:srgbClr val="00B0F0"/>
+                </a:solidFill>
+                <a:latin typeface="Abadi" panose="020B0604020104020204" pitchFamily="34" charset="0"/>
+              </a:rPr>
+              <a:t>PC, Notes</a:t>
+            </a:r>
+          </a:p>
+        </p:txBody>
+      </p:sp>
+      <p:sp>
+        <p:nvSpPr>
+          <p:cNvPr id="107" name="TextBox 106">
+            <a:extLst>
+              <a:ext uri="{FF2B5EF4-FFF2-40B4-BE49-F238E27FC236}">
+                <a16:creationId xmlns:a16="http://schemas.microsoft.com/office/drawing/2014/main" id="{7745AFA1-DCFD-4D9B-8D49-4C4808E116EA}"/>
+              </a:ext>
+            </a:extLst>
+          </p:cNvPr>
+          <p:cNvSpPr txBox="1"/>
+          <p:nvPr/>
+        </p:nvSpPr>
+        <p:spPr>
+          <a:xfrm>
+            <a:off x="3114325" y="3465785"/>
+            <a:ext cx="914054" cy="400110"/>
+          </a:xfrm>
+          <a:prstGeom prst="rect">
+            <a:avLst/>
+          </a:prstGeom>
+          <a:noFill/>
+        </p:spPr>
+        <p:txBody>
+          <a:bodyPr wrap="square" rtlCol="0">
+            <a:spAutoFit/>
+          </a:bodyPr>
+          <a:lstStyle/>
+          <a:p>
+            <a:r>
+              <a:rPr lang="en-US" sz="2000" dirty="0">
+                <a:solidFill>
+                  <a:schemeClr val="accent2"/>
+                </a:solidFill>
+                <a:latin typeface="Abadi" panose="020B0604020104020204" pitchFamily="34" charset="0"/>
+              </a:rPr>
+              <a:t>Notes</a:t>
+            </a:r>
+          </a:p>
+        </p:txBody>
+      </p:sp>
+      <p:grpSp>
+        <p:nvGrpSpPr>
+          <p:cNvPr id="60" name="Group 59">
+            <a:extLst>
+              <a:ext uri="{FF2B5EF4-FFF2-40B4-BE49-F238E27FC236}">
+                <a16:creationId xmlns:a16="http://schemas.microsoft.com/office/drawing/2014/main" id="{22505D96-7EB4-40A8-B0BF-E755E9DDC90A}"/>
+              </a:ext>
+            </a:extLst>
+          </p:cNvPr>
+          <p:cNvGrpSpPr/>
+          <p:nvPr/>
+        </p:nvGrpSpPr>
+        <p:grpSpPr>
+          <a:xfrm>
+            <a:off x="8907494" y="739876"/>
+            <a:ext cx="820508" cy="296525"/>
+            <a:chOff x="8707899" y="597844"/>
+            <a:chExt cx="1238949" cy="447746"/>
+          </a:xfrm>
+        </p:grpSpPr>
+        <p:sp>
+          <p:nvSpPr>
+            <p:cNvPr id="62" name="Arrow: Curved Right 61">
+              <a:extLst>
+                <a:ext uri="{FF2B5EF4-FFF2-40B4-BE49-F238E27FC236}">
+                  <a16:creationId xmlns:a16="http://schemas.microsoft.com/office/drawing/2014/main" id="{B1902250-3267-4621-933C-DCD444802F2D}"/>
+                </a:ext>
+              </a:extLst>
+            </p:cNvPr>
+            <p:cNvSpPr/>
+            <p:nvPr/>
+          </p:nvSpPr>
+          <p:spPr>
+            <a:xfrm rot="20865349" flipH="1">
+              <a:off x="8945041" y="597844"/>
+              <a:ext cx="1001807" cy="313286"/>
+            </a:xfrm>
+            <a:prstGeom prst="curvedRightArrow">
+              <a:avLst>
+                <a:gd name="adj1" fmla="val 40132"/>
+                <a:gd name="adj2" fmla="val 27281"/>
+                <a:gd name="adj3" fmla="val 47456"/>
+              </a:avLst>
+            </a:prstGeom>
+          </p:spPr>
+          <p:style>
+            <a:lnRef idx="2">
+              <a:schemeClr val="dk1">
+                <a:shade val="50000"/>
+              </a:schemeClr>
+            </a:lnRef>
+            <a:fillRef idx="1">
+              <a:schemeClr val="dk1"/>
+            </a:fillRef>
+            <a:effectRef idx="0">
+              <a:schemeClr val="dk1"/>
+            </a:effectRef>
+            <a:fontRef idx="minor">
+              <a:schemeClr val="lt1"/>
+            </a:fontRef>
+          </p:style>
+          <p:txBody>
+            <a:bodyPr rtlCol="0" anchor="ctr"/>
+            <a:lstStyle/>
+            <a:p>
+              <a:pPr algn="ctr"/>
+              <a:endParaRPr lang="en-US">
+                <a:solidFill>
+                  <a:schemeClr val="tx1"/>
+                </a:solidFill>
+              </a:endParaRPr>
+            </a:p>
+          </p:txBody>
+        </p:sp>
+        <p:sp>
+          <p:nvSpPr>
+            <p:cNvPr id="63" name="Cylinder 62">
+              <a:extLst>
+                <a:ext uri="{FF2B5EF4-FFF2-40B4-BE49-F238E27FC236}">
+                  <a16:creationId xmlns:a16="http://schemas.microsoft.com/office/drawing/2014/main" id="{F84EF189-8C5A-460A-9E86-A2EE2CABCA7D}"/>
+                </a:ext>
+              </a:extLst>
+            </p:cNvPr>
+            <p:cNvSpPr/>
+            <p:nvPr/>
+          </p:nvSpPr>
+          <p:spPr>
+            <a:xfrm rot="15605945">
+              <a:off x="8669166" y="703560"/>
+              <a:ext cx="334126" cy="256660"/>
+            </a:xfrm>
+            <a:prstGeom prst="can">
+              <a:avLst>
+                <a:gd name="adj" fmla="val 50000"/>
+              </a:avLst>
+            </a:prstGeom>
+            <a:ln w="28575"/>
+          </p:spPr>
+          <p:style>
+            <a:lnRef idx="2">
+              <a:schemeClr val="dk1">
+                <a:shade val="50000"/>
+              </a:schemeClr>
+            </a:lnRef>
+            <a:fillRef idx="1">
+              <a:schemeClr val="dk1"/>
+            </a:fillRef>
+            <a:effectRef idx="0">
+              <a:schemeClr val="dk1"/>
+            </a:effectRef>
+            <a:fontRef idx="minor">
+              <a:schemeClr val="lt1"/>
+            </a:fontRef>
+          </p:style>
+          <p:txBody>
+            <a:bodyPr rtlCol="0" anchor="ctr"/>
+            <a:lstStyle/>
+            <a:p>
+              <a:pPr algn="ctr"/>
+              <a:endParaRPr lang="en-US"/>
+            </a:p>
+          </p:txBody>
+        </p:sp>
+        <p:sp>
+          <p:nvSpPr>
+            <p:cNvPr id="64" name="Cylinder 63">
+              <a:extLst>
+                <a:ext uri="{FF2B5EF4-FFF2-40B4-BE49-F238E27FC236}">
+                  <a16:creationId xmlns:a16="http://schemas.microsoft.com/office/drawing/2014/main" id="{33FC726D-4C1E-4D2C-86A6-3C272391D98B}"/>
+                </a:ext>
+              </a:extLst>
+            </p:cNvPr>
+            <p:cNvSpPr/>
+            <p:nvPr/>
+          </p:nvSpPr>
+          <p:spPr>
+            <a:xfrm rot="15605945">
+              <a:off x="8877040" y="716220"/>
+              <a:ext cx="372558" cy="286182"/>
+            </a:xfrm>
+            <a:prstGeom prst="can">
+              <a:avLst>
+                <a:gd name="adj" fmla="val 50000"/>
+              </a:avLst>
+            </a:prstGeom>
+            <a:ln w="28575"/>
+          </p:spPr>
+          <p:style>
+            <a:lnRef idx="2">
+              <a:schemeClr val="dk1">
+                <a:shade val="50000"/>
+              </a:schemeClr>
+            </a:lnRef>
+            <a:fillRef idx="1">
+              <a:schemeClr val="dk1"/>
+            </a:fillRef>
+            <a:effectRef idx="0">
+              <a:schemeClr val="dk1"/>
+            </a:effectRef>
+            <a:fontRef idx="minor">
+              <a:schemeClr val="lt1"/>
+            </a:fontRef>
+          </p:style>
+          <p:txBody>
+            <a:bodyPr rtlCol="0" anchor="ctr"/>
+            <a:lstStyle/>
+            <a:p>
+              <a:pPr algn="ctr"/>
+              <a:endParaRPr lang="en-US"/>
+            </a:p>
+          </p:txBody>
+        </p:sp>
+      </p:grpSp>
+      <p:grpSp>
+        <p:nvGrpSpPr>
+          <p:cNvPr id="67" name="Group 66">
+            <a:extLst>
+              <a:ext uri="{FF2B5EF4-FFF2-40B4-BE49-F238E27FC236}">
+                <a16:creationId xmlns:a16="http://schemas.microsoft.com/office/drawing/2014/main" id="{E8A00947-6465-4C60-87F8-A33AD7B11AA7}"/>
+              </a:ext>
+            </a:extLst>
+          </p:cNvPr>
+          <p:cNvGrpSpPr/>
+          <p:nvPr/>
+        </p:nvGrpSpPr>
+        <p:grpSpPr>
+          <a:xfrm>
+            <a:off x="8421971" y="1311392"/>
+            <a:ext cx="820508" cy="296525"/>
+            <a:chOff x="8707899" y="597844"/>
+            <a:chExt cx="1238949" cy="447746"/>
+          </a:xfrm>
+        </p:grpSpPr>
+        <p:sp>
+          <p:nvSpPr>
+            <p:cNvPr id="69" name="Arrow: Curved Right 68">
+              <a:extLst>
+                <a:ext uri="{FF2B5EF4-FFF2-40B4-BE49-F238E27FC236}">
+                  <a16:creationId xmlns:a16="http://schemas.microsoft.com/office/drawing/2014/main" id="{A4F0AA07-B69A-49F3-99A4-6F7592055911}"/>
+                </a:ext>
+              </a:extLst>
+            </p:cNvPr>
+            <p:cNvSpPr/>
+            <p:nvPr/>
+          </p:nvSpPr>
+          <p:spPr>
+            <a:xfrm rot="20865349" flipH="1">
+              <a:off x="8945041" y="597844"/>
+              <a:ext cx="1001807" cy="313286"/>
+            </a:xfrm>
+            <a:prstGeom prst="curvedRightArrow">
+              <a:avLst>
+                <a:gd name="adj1" fmla="val 40132"/>
+                <a:gd name="adj2" fmla="val 27281"/>
+                <a:gd name="adj3" fmla="val 47456"/>
+              </a:avLst>
+            </a:prstGeom>
+          </p:spPr>
+          <p:style>
+            <a:lnRef idx="2">
+              <a:schemeClr val="dk1">
+                <a:shade val="50000"/>
+              </a:schemeClr>
+            </a:lnRef>
+            <a:fillRef idx="1">
+              <a:schemeClr val="dk1"/>
+            </a:fillRef>
+            <a:effectRef idx="0">
+              <a:schemeClr val="dk1"/>
+            </a:effectRef>
+            <a:fontRef idx="minor">
+              <a:schemeClr val="lt1"/>
+            </a:fontRef>
+          </p:style>
+          <p:txBody>
+            <a:bodyPr rtlCol="0" anchor="ctr"/>
+            <a:lstStyle/>
+            <a:p>
+              <a:pPr algn="ctr"/>
+              <a:endParaRPr lang="en-US">
+                <a:solidFill>
+                  <a:schemeClr val="tx1"/>
+                </a:solidFill>
+              </a:endParaRPr>
+            </a:p>
+          </p:txBody>
+        </p:sp>
+        <p:sp>
+          <p:nvSpPr>
+            <p:cNvPr id="70" name="Cylinder 69">
+              <a:extLst>
+                <a:ext uri="{FF2B5EF4-FFF2-40B4-BE49-F238E27FC236}">
+                  <a16:creationId xmlns:a16="http://schemas.microsoft.com/office/drawing/2014/main" id="{B2B39281-E2EE-4F09-AFF3-ED2933D9C560}"/>
+                </a:ext>
+              </a:extLst>
+            </p:cNvPr>
+            <p:cNvSpPr/>
+            <p:nvPr/>
+          </p:nvSpPr>
+          <p:spPr>
+            <a:xfrm rot="15605945">
+              <a:off x="8669166" y="703560"/>
+              <a:ext cx="334126" cy="256660"/>
+            </a:xfrm>
+            <a:prstGeom prst="can">
+              <a:avLst>
+                <a:gd name="adj" fmla="val 50000"/>
+              </a:avLst>
+            </a:prstGeom>
+            <a:ln w="28575"/>
+          </p:spPr>
+          <p:style>
+            <a:lnRef idx="2">
+              <a:schemeClr val="dk1">
+                <a:shade val="50000"/>
+              </a:schemeClr>
+            </a:lnRef>
+            <a:fillRef idx="1">
+              <a:schemeClr val="dk1"/>
+            </a:fillRef>
+            <a:effectRef idx="0">
+              <a:schemeClr val="dk1"/>
+            </a:effectRef>
+            <a:fontRef idx="minor">
+              <a:schemeClr val="lt1"/>
+            </a:fontRef>
+          </p:style>
+          <p:txBody>
+            <a:bodyPr rtlCol="0" anchor="ctr"/>
+            <a:lstStyle/>
+            <a:p>
+              <a:pPr algn="ctr"/>
+              <a:endParaRPr lang="en-US"/>
+            </a:p>
+          </p:txBody>
+        </p:sp>
+        <p:sp>
+          <p:nvSpPr>
+            <p:cNvPr id="71" name="Cylinder 70">
+              <a:extLst>
+                <a:ext uri="{FF2B5EF4-FFF2-40B4-BE49-F238E27FC236}">
+                  <a16:creationId xmlns:a16="http://schemas.microsoft.com/office/drawing/2014/main" id="{96750C45-6F64-4DA7-A8E4-EFC3CE27CB4D}"/>
+                </a:ext>
+              </a:extLst>
+            </p:cNvPr>
+            <p:cNvSpPr/>
+            <p:nvPr/>
+          </p:nvSpPr>
+          <p:spPr>
+            <a:xfrm rot="15605945">
+              <a:off x="8877040" y="716220"/>
+              <a:ext cx="372558" cy="286182"/>
+            </a:xfrm>
+            <a:prstGeom prst="can">
+              <a:avLst>
+                <a:gd name="adj" fmla="val 50000"/>
+              </a:avLst>
+            </a:prstGeom>
+            <a:ln w="28575"/>
+          </p:spPr>
+          <p:style>
+            <a:lnRef idx="2">
+              <a:schemeClr val="dk1">
+                <a:shade val="50000"/>
+              </a:schemeClr>
+            </a:lnRef>
+            <a:fillRef idx="1">
+              <a:schemeClr val="dk1"/>
+            </a:fillRef>
+            <a:effectRef idx="0">
+              <a:schemeClr val="dk1"/>
+            </a:effectRef>
+            <a:fontRef idx="minor">
+              <a:schemeClr val="lt1"/>
+            </a:fontRef>
+          </p:style>
+          <p:txBody>
+            <a:bodyPr rtlCol="0" anchor="ctr"/>
+            <a:lstStyle/>
+            <a:p>
+              <a:pPr algn="ctr"/>
+              <a:endParaRPr lang="en-US"/>
+            </a:p>
+          </p:txBody>
+        </p:sp>
+      </p:grpSp>
+      <p:sp>
+        <p:nvSpPr>
+          <p:cNvPr id="73" name="TextBox 72">
+            <a:extLst>
+              <a:ext uri="{FF2B5EF4-FFF2-40B4-BE49-F238E27FC236}">
+                <a16:creationId xmlns:a16="http://schemas.microsoft.com/office/drawing/2014/main" id="{C963605E-99A4-4420-A76E-8C669F0F7CB2}"/>
+              </a:ext>
+            </a:extLst>
+          </p:cNvPr>
+          <p:cNvSpPr txBox="1"/>
+          <p:nvPr/>
+        </p:nvSpPr>
+        <p:spPr>
+          <a:xfrm>
+            <a:off x="4428724" y="342237"/>
+            <a:ext cx="1965149" cy="523220"/>
+          </a:xfrm>
+          <a:prstGeom prst="rect">
+            <a:avLst/>
+          </a:prstGeom>
+          <a:noFill/>
+        </p:spPr>
+        <p:txBody>
+          <a:bodyPr wrap="square">
+            <a:spAutoFit/>
+          </a:bodyPr>
+          <a:lstStyle/>
+          <a:p>
+            <a:r>
+              <a:rPr lang="en-US" sz="2800" dirty="0">
+                <a:latin typeface="Abadi" panose="020B0604020104020204" pitchFamily="34" charset="0"/>
+              </a:rPr>
+              <a:t>HootBeat</a:t>
+            </a:r>
+            <a:endParaRPr lang="en-US" sz="2800" dirty="0"/>
+          </a:p>
+        </p:txBody>
+      </p:sp>
+      <p:sp>
+        <p:nvSpPr>
+          <p:cNvPr id="15" name="TextBox 14">
+            <a:extLst>
+              <a:ext uri="{FF2B5EF4-FFF2-40B4-BE49-F238E27FC236}">
+                <a16:creationId xmlns:a16="http://schemas.microsoft.com/office/drawing/2014/main" id="{C05F2CF9-E042-E872-EAB8-156912AAB0E3}"/>
+              </a:ext>
+            </a:extLst>
+          </p:cNvPr>
+          <p:cNvSpPr txBox="1"/>
+          <p:nvPr/>
+        </p:nvSpPr>
+        <p:spPr>
+          <a:xfrm>
+            <a:off x="9396273" y="2220584"/>
+            <a:ext cx="1415987" cy="707886"/>
+          </a:xfrm>
+          <a:prstGeom prst="rect">
+            <a:avLst/>
+          </a:prstGeom>
+          <a:noFill/>
+        </p:spPr>
+        <p:txBody>
+          <a:bodyPr wrap="square" rtlCol="0">
+            <a:spAutoFit/>
+          </a:bodyPr>
+          <a:lstStyle/>
+          <a:p>
+            <a:pPr algn="ctr"/>
+            <a:r>
+              <a:rPr lang="en-US" sz="2000" dirty="0">
+                <a:latin typeface="Abadi" panose="020B0604020104020204" pitchFamily="34" charset="0"/>
+              </a:rPr>
+              <a:t>BT LED bars</a:t>
+            </a:r>
+          </a:p>
+        </p:txBody>
+      </p:sp>
+      <p:grpSp>
+        <p:nvGrpSpPr>
+          <p:cNvPr id="23" name="Group 22">
+            <a:extLst>
+              <a:ext uri="{FF2B5EF4-FFF2-40B4-BE49-F238E27FC236}">
+                <a16:creationId xmlns:a16="http://schemas.microsoft.com/office/drawing/2014/main" id="{1EA79E6C-1D34-155D-E60F-05BF24109F77}"/>
+              </a:ext>
+            </a:extLst>
+          </p:cNvPr>
+          <p:cNvGrpSpPr/>
+          <p:nvPr/>
+        </p:nvGrpSpPr>
+        <p:grpSpPr>
+          <a:xfrm>
+            <a:off x="8935524" y="1936418"/>
+            <a:ext cx="229130" cy="1388263"/>
+            <a:chOff x="9050090" y="2101851"/>
+            <a:chExt cx="229130" cy="1388263"/>
+          </a:xfrm>
+        </p:grpSpPr>
+        <p:sp>
+          <p:nvSpPr>
+            <p:cNvPr id="21" name="Rectangle: Rounded Corners 20">
+              <a:extLst>
+                <a:ext uri="{FF2B5EF4-FFF2-40B4-BE49-F238E27FC236}">
+                  <a16:creationId xmlns:a16="http://schemas.microsoft.com/office/drawing/2014/main" id="{EB4BD70D-DFCB-3837-4D6F-5B485C5E8773}"/>
+                </a:ext>
+              </a:extLst>
+            </p:cNvPr>
+            <p:cNvSpPr/>
+            <p:nvPr/>
+          </p:nvSpPr>
+          <p:spPr>
+            <a:xfrm>
+              <a:off x="9095229" y="2101851"/>
+              <a:ext cx="137919" cy="1276218"/>
+            </a:xfrm>
+            <a:prstGeom prst="roundRect">
+              <a:avLst>
+                <a:gd name="adj" fmla="val 50000"/>
+              </a:avLst>
+            </a:prstGeom>
+            <a:noFill/>
+            <a:ln w="57150">
+              <a:solidFill>
+                <a:schemeClr val="tx1"/>
+              </a:solidFill>
+            </a:ln>
+          </p:spPr>
+          <p:style>
+            <a:lnRef idx="2">
+              <a:schemeClr val="accent1">
+                <a:shade val="15000"/>
+              </a:schemeClr>
+            </a:lnRef>
+            <a:fillRef idx="1">
+              <a:schemeClr val="accent1"/>
+            </a:fillRef>
+            <a:effectRef idx="0">
+              <a:schemeClr val="accent1"/>
+            </a:effectRef>
+            <a:fontRef idx="minor">
+              <a:schemeClr val="lt1"/>
+            </a:fontRef>
+          </p:style>
+          <p:txBody>
+            <a:bodyPr rtlCol="0" anchor="ctr"/>
+            <a:lstStyle/>
+            <a:p>
+              <a:pPr algn="ctr"/>
+              <a:endParaRPr lang="en-US"/>
+            </a:p>
+          </p:txBody>
+        </p:sp>
+        <p:sp>
+          <p:nvSpPr>
+            <p:cNvPr id="22" name="Rectangle: Rounded Corners 21">
+              <a:extLst>
+                <a:ext uri="{FF2B5EF4-FFF2-40B4-BE49-F238E27FC236}">
+                  <a16:creationId xmlns:a16="http://schemas.microsoft.com/office/drawing/2014/main" id="{B312F504-9871-D207-B76B-3486E39C5726}"/>
+                </a:ext>
+              </a:extLst>
+            </p:cNvPr>
+            <p:cNvSpPr/>
+            <p:nvPr/>
+          </p:nvSpPr>
+          <p:spPr>
+            <a:xfrm>
+              <a:off x="9050090" y="3283129"/>
+              <a:ext cx="229130" cy="206985"/>
+            </a:xfrm>
+            <a:prstGeom prst="roundRect">
+              <a:avLst>
+                <a:gd name="adj" fmla="val 16558"/>
+              </a:avLst>
+            </a:prstGeom>
+            <a:solidFill>
+              <a:schemeClr val="tx1"/>
+            </a:solidFill>
+            <a:ln w="57150">
+              <a:solidFill>
+                <a:schemeClr val="tx1"/>
+              </a:solidFill>
+            </a:ln>
+          </p:spPr>
+          <p:style>
+            <a:lnRef idx="2">
+              <a:schemeClr val="accent1">
+                <a:shade val="15000"/>
+              </a:schemeClr>
+            </a:lnRef>
+            <a:fillRef idx="1">
+              <a:schemeClr val="accent1"/>
+            </a:fillRef>
+            <a:effectRef idx="0">
+              <a:schemeClr val="accent1"/>
+            </a:effectRef>
+            <a:fontRef idx="minor">
+              <a:schemeClr val="lt1"/>
+            </a:fontRef>
+          </p:style>
+          <p:txBody>
+            <a:bodyPr rtlCol="0" anchor="ctr"/>
+            <a:lstStyle/>
+            <a:p>
+              <a:pPr algn="ctr"/>
+              <a:endParaRPr lang="en-US"/>
+            </a:p>
+          </p:txBody>
+        </p:sp>
+      </p:grpSp>
+      <p:grpSp>
+        <p:nvGrpSpPr>
+          <p:cNvPr id="25" name="Group 24">
+            <a:extLst>
+              <a:ext uri="{FF2B5EF4-FFF2-40B4-BE49-F238E27FC236}">
+                <a16:creationId xmlns:a16="http://schemas.microsoft.com/office/drawing/2014/main" id="{929BB049-166B-A7EB-FBF7-A5C3FA7BCC52}"/>
+              </a:ext>
+            </a:extLst>
+          </p:cNvPr>
+          <p:cNvGrpSpPr/>
+          <p:nvPr/>
+        </p:nvGrpSpPr>
+        <p:grpSpPr>
+          <a:xfrm>
+            <a:off x="9283226" y="1936418"/>
+            <a:ext cx="229130" cy="1388263"/>
+            <a:chOff x="9050090" y="2101851"/>
+            <a:chExt cx="229130" cy="1388263"/>
+          </a:xfrm>
+        </p:grpSpPr>
+        <p:sp>
+          <p:nvSpPr>
+            <p:cNvPr id="26" name="Rectangle: Rounded Corners 25">
+              <a:extLst>
+                <a:ext uri="{FF2B5EF4-FFF2-40B4-BE49-F238E27FC236}">
+                  <a16:creationId xmlns:a16="http://schemas.microsoft.com/office/drawing/2014/main" id="{5496FC93-1534-3B6A-EC00-992286EDDB57}"/>
+                </a:ext>
+              </a:extLst>
+            </p:cNvPr>
+            <p:cNvSpPr/>
+            <p:nvPr/>
+          </p:nvSpPr>
+          <p:spPr>
+            <a:xfrm>
+              <a:off x="9095229" y="2101851"/>
+              <a:ext cx="137919" cy="1276218"/>
+            </a:xfrm>
+            <a:prstGeom prst="roundRect">
+              <a:avLst>
+                <a:gd name="adj" fmla="val 50000"/>
+              </a:avLst>
+            </a:prstGeom>
+            <a:noFill/>
+            <a:ln w="57150">
+              <a:solidFill>
+                <a:schemeClr val="tx1"/>
+              </a:solidFill>
+            </a:ln>
+          </p:spPr>
+          <p:style>
+            <a:lnRef idx="2">
+              <a:schemeClr val="accent1">
+                <a:shade val="15000"/>
+              </a:schemeClr>
+            </a:lnRef>
+            <a:fillRef idx="1">
+              <a:schemeClr val="accent1"/>
+            </a:fillRef>
+            <a:effectRef idx="0">
+              <a:schemeClr val="accent1"/>
+            </a:effectRef>
+            <a:fontRef idx="minor">
+              <a:schemeClr val="lt1"/>
+            </a:fontRef>
+          </p:style>
+          <p:txBody>
+            <a:bodyPr rtlCol="0" anchor="ctr"/>
+            <a:lstStyle/>
+            <a:p>
+              <a:pPr algn="ctr"/>
+              <a:endParaRPr lang="en-US"/>
+            </a:p>
+          </p:txBody>
+        </p:sp>
+        <p:sp>
+          <p:nvSpPr>
+            <p:cNvPr id="28" name="Rectangle: Rounded Corners 27">
+              <a:extLst>
+                <a:ext uri="{FF2B5EF4-FFF2-40B4-BE49-F238E27FC236}">
+                  <a16:creationId xmlns:a16="http://schemas.microsoft.com/office/drawing/2014/main" id="{475C414D-4FF3-A3DE-0700-CDA71A100A9C}"/>
+                </a:ext>
+              </a:extLst>
+            </p:cNvPr>
+            <p:cNvSpPr/>
+            <p:nvPr/>
+          </p:nvSpPr>
+          <p:spPr>
+            <a:xfrm>
+              <a:off x="9050090" y="3283129"/>
+              <a:ext cx="229130" cy="206985"/>
+            </a:xfrm>
+            <a:prstGeom prst="roundRect">
+              <a:avLst>
+                <a:gd name="adj" fmla="val 16558"/>
+              </a:avLst>
+            </a:prstGeom>
+            <a:solidFill>
+              <a:schemeClr val="tx1"/>
+            </a:solidFill>
+            <a:ln w="57150">
+              <a:solidFill>
+                <a:schemeClr val="tx1"/>
+              </a:solidFill>
+            </a:ln>
+          </p:spPr>
+          <p:style>
+            <a:lnRef idx="2">
+              <a:schemeClr val="accent1">
+                <a:shade val="15000"/>
+              </a:schemeClr>
+            </a:lnRef>
+            <a:fillRef idx="1">
+              <a:schemeClr val="accent1"/>
+            </a:fillRef>
+            <a:effectRef idx="0">
+              <a:schemeClr val="accent1"/>
+            </a:effectRef>
+            <a:fontRef idx="minor">
+              <a:schemeClr val="lt1"/>
+            </a:fontRef>
+          </p:style>
+          <p:txBody>
+            <a:bodyPr rtlCol="0" anchor="ctr"/>
+            <a:lstStyle/>
+            <a:p>
+              <a:pPr algn="ctr"/>
+              <a:endParaRPr lang="en-US"/>
+            </a:p>
+          </p:txBody>
+        </p:sp>
+      </p:grpSp>
+      <p:sp>
+        <p:nvSpPr>
+          <p:cNvPr id="34" name="TextBox 33">
+            <a:extLst>
+              <a:ext uri="{FF2B5EF4-FFF2-40B4-BE49-F238E27FC236}">
+                <a16:creationId xmlns:a16="http://schemas.microsoft.com/office/drawing/2014/main" id="{DA448FB6-67B4-41D4-EE9B-CBF337EE2299}"/>
+              </a:ext>
+            </a:extLst>
+          </p:cNvPr>
+          <p:cNvSpPr txBox="1"/>
+          <p:nvPr/>
+        </p:nvSpPr>
+        <p:spPr>
+          <a:xfrm>
+            <a:off x="6948891" y="1945501"/>
+            <a:ext cx="1378088" cy="400110"/>
+          </a:xfrm>
+          <a:prstGeom prst="rect">
+            <a:avLst/>
+          </a:prstGeom>
+          <a:noFill/>
+        </p:spPr>
+        <p:txBody>
+          <a:bodyPr wrap="square" rtlCol="0">
+            <a:spAutoFit/>
+          </a:bodyPr>
+          <a:lstStyle/>
+          <a:p>
+            <a:r>
+              <a:rPr lang="en-US" sz="2000" dirty="0">
+                <a:solidFill>
+                  <a:srgbClr val="00B0F0"/>
+                </a:solidFill>
+                <a:latin typeface="Abadi" panose="020B0604020104020204" pitchFamily="34" charset="0"/>
+              </a:rPr>
+              <a:t>PC, Notes</a:t>
+            </a:r>
+          </a:p>
+        </p:txBody>
+      </p:sp>
+    </p:spTree>
+    <p:extLst>
+      <p:ext uri="{BB962C8B-B14F-4D97-AF65-F5344CB8AC3E}">
+        <p14:creationId xmlns:p14="http://schemas.microsoft.com/office/powerpoint/2010/main" val="1656454619"/>
+      </p:ext>
+    </p:extLst>
+  </p:cSld>
+  <p:clrMapOvr>
+    <a:masterClrMapping/>
+  </p:clrMapOvr>
+</p:sld>
+</file>
+
+<file path=ppt/slides/slide4.xml><?xml version="1.0" encoding="utf-8"?>
+<p:sld xmlns:a="http://schemas.openxmlformats.org/drawingml/2006/main" xmlns:r="http://schemas.openxmlformats.org/officeDocument/2006/relationships" xmlns:p="http://schemas.openxmlformats.org/presentationml/2006/main">
+  <p:cSld>
+    <p:spTree>
+      <p:nvGrpSpPr>
+        <p:cNvPr id="1" name=""/>
+        <p:cNvGrpSpPr/>
+        <p:nvPr/>
+      </p:nvGrpSpPr>
+      <p:grpSpPr>
+        <a:xfrm>
+          <a:off x="0" y="0"/>
+          <a:ext cx="0" cy="0"/>
+          <a:chOff x="0" y="0"/>
+          <a:chExt cx="0" cy="0"/>
+        </a:xfrm>
+      </p:grpSpPr>
+      <p:grpSp>
+        <p:nvGrpSpPr>
+          <p:cNvPr id="91" name="Group 90">
+            <a:extLst>
+              <a:ext uri="{FF2B5EF4-FFF2-40B4-BE49-F238E27FC236}">
+                <a16:creationId xmlns:a16="http://schemas.microsoft.com/office/drawing/2014/main" id="{83AD28DA-43F4-0A91-3FC8-1AD490DF8650}"/>
+              </a:ext>
+            </a:extLst>
+          </p:cNvPr>
+          <p:cNvGrpSpPr/>
+          <p:nvPr/>
+        </p:nvGrpSpPr>
+        <p:grpSpPr>
+          <a:xfrm>
+            <a:off x="2923309" y="167141"/>
+            <a:ext cx="8166133" cy="6506316"/>
+            <a:chOff x="4152714" y="815506"/>
+            <a:chExt cx="6936728" cy="5526796"/>
+          </a:xfrm>
+        </p:grpSpPr>
+        <p:grpSp>
+          <p:nvGrpSpPr>
+            <p:cNvPr id="2" name="Group 1">
+              <a:extLst>
+                <a:ext uri="{FF2B5EF4-FFF2-40B4-BE49-F238E27FC236}">
+                  <a16:creationId xmlns:a16="http://schemas.microsoft.com/office/drawing/2014/main" id="{22689162-7121-1AE6-B226-0388EEABDDF8}"/>
+                </a:ext>
+              </a:extLst>
+            </p:cNvPr>
+            <p:cNvGrpSpPr/>
+            <p:nvPr/>
+          </p:nvGrpSpPr>
+          <p:grpSpPr>
+            <a:xfrm>
+              <a:off x="4170218" y="2277763"/>
+              <a:ext cx="6919224" cy="4064539"/>
+              <a:chOff x="759528" y="274231"/>
+              <a:chExt cx="10329914" cy="6068071"/>
+            </a:xfrm>
+          </p:grpSpPr>
+          <p:grpSp>
+            <p:nvGrpSpPr>
+              <p:cNvPr id="13" name="Group 12">
+                <a:extLst>
+                  <a:ext uri="{FF2B5EF4-FFF2-40B4-BE49-F238E27FC236}">
+                    <a16:creationId xmlns:a16="http://schemas.microsoft.com/office/drawing/2014/main" id="{91662234-6831-892E-A2F8-919597071329}"/>
+                  </a:ext>
+                </a:extLst>
+              </p:cNvPr>
+              <p:cNvGrpSpPr/>
+              <p:nvPr/>
+            </p:nvGrpSpPr>
+            <p:grpSpPr>
+              <a:xfrm>
+                <a:off x="4358853" y="1684792"/>
+                <a:ext cx="1805322" cy="1805322"/>
+                <a:chOff x="4418788" y="1835197"/>
+                <a:chExt cx="1521775" cy="1521775"/>
+              </a:xfrm>
+            </p:grpSpPr>
+            <p:pic>
+              <p:nvPicPr>
+                <p:cNvPr id="10" name="Graphic 9" descr="Laptop with solid fill">
+                  <a:extLst>
+                    <a:ext uri="{FF2B5EF4-FFF2-40B4-BE49-F238E27FC236}">
+                      <a16:creationId xmlns:a16="http://schemas.microsoft.com/office/drawing/2014/main" id="{1C6C131C-39FF-AC9A-492C-F22B443C98BB}"/>
+                    </a:ext>
+                  </a:extLst>
+                </p:cNvPr>
+                <p:cNvPicPr>
+                  <a:picLocks noChangeAspect="1"/>
+                </p:cNvPicPr>
+                <p:nvPr/>
+              </p:nvPicPr>
+              <p:blipFill>
+                <a:blip r:embed="rId2">
+                  <a:extLst>
+                    <a:ext uri="{28A0092B-C50C-407E-A947-70E740481C1C}">
+                      <a14:useLocalDpi xmlns:a14="http://schemas.microsoft.com/office/drawing/2010/main" val="0"/>
+                    </a:ext>
+                    <a:ext uri="{96DAC541-7B7A-43D3-8B79-37D633B846F1}">
+                      <asvg:svgBlip xmlns:asvg="http://schemas.microsoft.com/office/drawing/2016/SVG/main" r:embed="rId3"/>
+                    </a:ext>
+                  </a:extLst>
+                </a:blip>
+                <a:stretch>
+                  <a:fillRect/>
+                </a:stretch>
+              </p:blipFill>
+              <p:spPr>
+                <a:xfrm>
+                  <a:off x="4418788" y="1835197"/>
+                  <a:ext cx="1521775" cy="1521775"/>
+                </a:xfrm>
+                <a:prstGeom prst="rect">
+                  <a:avLst/>
+                </a:prstGeom>
+              </p:spPr>
+            </p:pic>
+            <p:sp>
+              <p:nvSpPr>
+                <p:cNvPr id="12" name="TextBox 11">
+                  <a:extLst>
+                    <a:ext uri="{FF2B5EF4-FFF2-40B4-BE49-F238E27FC236}">
+                      <a16:creationId xmlns:a16="http://schemas.microsoft.com/office/drawing/2014/main" id="{6E949B88-60DF-D95F-CC4C-48C4C2979BDC}"/>
+                    </a:ext>
+                  </a:extLst>
+                </p:cNvPr>
+                <p:cNvSpPr txBox="1"/>
+                <p:nvPr/>
+              </p:nvSpPr>
+              <p:spPr>
+                <a:xfrm>
+                  <a:off x="4733686" y="2081042"/>
+                  <a:ext cx="896602" cy="756723"/>
+                </a:xfrm>
+                <a:prstGeom prst="rect">
+                  <a:avLst/>
+                </a:prstGeom>
+                <a:noFill/>
+              </p:spPr>
+              <p:txBody>
+                <a:bodyPr wrap="square" anchor="ctr">
+                  <a:spAutoFit/>
+                </a:bodyPr>
+                <a:lstStyle/>
+                <a:p>
+                  <a:pPr algn="ctr"/>
+                  <a:r>
+                    <a:rPr lang="en-US" sz="4000" dirty="0">
+                      <a:latin typeface="Abadi" panose="020B0604020104020204" pitchFamily="34" charset="0"/>
+                    </a:rPr>
+                    <a:t>oo</a:t>
+                  </a:r>
+                  <a:endParaRPr lang="en-US" sz="2800" dirty="0">
+                    <a:latin typeface="Abadi" panose="020B0604020104020204" pitchFamily="34" charset="0"/>
+                  </a:endParaRPr>
+                </a:p>
+              </p:txBody>
+            </p:sp>
+          </p:grpSp>
+          <p:sp>
+            <p:nvSpPr>
+              <p:cNvPr id="8" name="Rectangle 7">
+                <a:extLst>
+                  <a:ext uri="{FF2B5EF4-FFF2-40B4-BE49-F238E27FC236}">
+                    <a16:creationId xmlns:a16="http://schemas.microsoft.com/office/drawing/2014/main" id="{75850E4D-43B4-4EFA-B2B1-B385C92496CB}"/>
+                  </a:ext>
+                </a:extLst>
+              </p:cNvPr>
+              <p:cNvSpPr/>
+              <p:nvPr/>
+            </p:nvSpPr>
+            <p:spPr>
+              <a:xfrm>
+                <a:off x="4326023" y="274231"/>
+                <a:ext cx="6686534" cy="6068071"/>
+              </a:xfrm>
+              <a:prstGeom prst="rect">
+                <a:avLst/>
+              </a:prstGeom>
+              <a:noFill/>
+              <a:ln w="28575">
+                <a:solidFill>
+                  <a:schemeClr val="bg1">
+                    <a:lumMod val="50000"/>
+                  </a:schemeClr>
+                </a:solidFill>
+                <a:prstDash val="dash"/>
+              </a:ln>
+            </p:spPr>
+            <p:style>
+              <a:lnRef idx="2">
+                <a:schemeClr val="accent1">
+                  <a:shade val="50000"/>
+                </a:schemeClr>
+              </a:lnRef>
+              <a:fillRef idx="1">
+                <a:schemeClr val="accent1"/>
+              </a:fillRef>
+              <a:effectRef idx="0">
+                <a:schemeClr val="accent1"/>
+              </a:effectRef>
+              <a:fontRef idx="minor">
+                <a:schemeClr val="lt1"/>
+              </a:fontRef>
+            </p:style>
+            <p:txBody>
+              <a:bodyPr rtlCol="0" anchor="ctr"/>
+              <a:lstStyle/>
+              <a:p>
+                <a:pPr algn="ctr"/>
+                <a:endParaRPr lang="en-US" sz="1100"/>
+              </a:p>
+            </p:txBody>
+          </p:sp>
+          <p:grpSp>
+            <p:nvGrpSpPr>
+              <p:cNvPr id="5" name="Group 4">
+                <a:extLst>
+                  <a:ext uri="{FF2B5EF4-FFF2-40B4-BE49-F238E27FC236}">
+                    <a16:creationId xmlns:a16="http://schemas.microsoft.com/office/drawing/2014/main" id="{8F1B06BF-4BDA-4DAD-9A27-D3A6BD1FB8A9}"/>
+                  </a:ext>
+                </a:extLst>
+              </p:cNvPr>
+              <p:cNvGrpSpPr/>
+              <p:nvPr/>
+            </p:nvGrpSpPr>
+            <p:grpSpPr>
+              <a:xfrm>
+                <a:off x="8090242" y="552917"/>
+                <a:ext cx="820508" cy="296525"/>
+                <a:chOff x="8707899" y="597844"/>
+                <a:chExt cx="1238949" cy="447746"/>
+              </a:xfrm>
+            </p:grpSpPr>
+            <p:sp>
+              <p:nvSpPr>
+                <p:cNvPr id="3" name="Arrow: Curved Right 2">
+                  <a:extLst>
+                    <a:ext uri="{FF2B5EF4-FFF2-40B4-BE49-F238E27FC236}">
+                      <a16:creationId xmlns:a16="http://schemas.microsoft.com/office/drawing/2014/main" id="{38894D8D-97AB-4A26-8B5C-325D49EF5A7B}"/>
+                    </a:ext>
+                  </a:extLst>
+                </p:cNvPr>
+                <p:cNvSpPr/>
+                <p:nvPr/>
+              </p:nvSpPr>
+              <p:spPr>
+                <a:xfrm rot="20865349" flipH="1">
+                  <a:off x="8945041" y="597844"/>
+                  <a:ext cx="1001807" cy="313286"/>
+                </a:xfrm>
+                <a:prstGeom prst="curvedRightArrow">
+                  <a:avLst>
+                    <a:gd name="adj1" fmla="val 40132"/>
+                    <a:gd name="adj2" fmla="val 27281"/>
+                    <a:gd name="adj3" fmla="val 47456"/>
+                  </a:avLst>
+                </a:prstGeom>
+              </p:spPr>
+              <p:style>
+                <a:lnRef idx="2">
+                  <a:schemeClr val="dk1">
+                    <a:shade val="50000"/>
+                  </a:schemeClr>
+                </a:lnRef>
+                <a:fillRef idx="1">
+                  <a:schemeClr val="dk1"/>
+                </a:fillRef>
+                <a:effectRef idx="0">
+                  <a:schemeClr val="dk1"/>
+                </a:effectRef>
+                <a:fontRef idx="minor">
+                  <a:schemeClr val="lt1"/>
+                </a:fontRef>
+              </p:style>
+              <p:txBody>
+                <a:bodyPr rtlCol="0" anchor="ctr"/>
+                <a:lstStyle/>
+                <a:p>
+                  <a:pPr algn="ctr"/>
+                  <a:endParaRPr lang="en-US" sz="1100">
+                    <a:solidFill>
+                      <a:schemeClr val="tx1"/>
+                    </a:solidFill>
+                  </a:endParaRPr>
+                </a:p>
+              </p:txBody>
+            </p:sp>
+            <p:sp>
+              <p:nvSpPr>
+                <p:cNvPr id="4" name="Cylinder 3">
+                  <a:extLst>
+                    <a:ext uri="{FF2B5EF4-FFF2-40B4-BE49-F238E27FC236}">
+                      <a16:creationId xmlns:a16="http://schemas.microsoft.com/office/drawing/2014/main" id="{0415A155-E169-4422-A96F-4E02266667B5}"/>
+                    </a:ext>
+                  </a:extLst>
+                </p:cNvPr>
+                <p:cNvSpPr/>
+                <p:nvPr/>
+              </p:nvSpPr>
+              <p:spPr>
+                <a:xfrm rot="15605945">
+                  <a:off x="8669166" y="703560"/>
+                  <a:ext cx="334126" cy="256660"/>
+                </a:xfrm>
+                <a:prstGeom prst="can">
+                  <a:avLst>
+                    <a:gd name="adj" fmla="val 50000"/>
+                  </a:avLst>
+                </a:prstGeom>
+                <a:ln w="28575"/>
+              </p:spPr>
+              <p:style>
+                <a:lnRef idx="2">
+                  <a:schemeClr val="dk1">
+                    <a:shade val="50000"/>
+                  </a:schemeClr>
+                </a:lnRef>
+                <a:fillRef idx="1">
+                  <a:schemeClr val="dk1"/>
+                </a:fillRef>
+                <a:effectRef idx="0">
+                  <a:schemeClr val="dk1"/>
+                </a:effectRef>
+                <a:fontRef idx="minor">
+                  <a:schemeClr val="lt1"/>
+                </a:fontRef>
+              </p:style>
+              <p:txBody>
+                <a:bodyPr rtlCol="0" anchor="ctr"/>
+                <a:lstStyle/>
+                <a:p>
+                  <a:pPr algn="ctr"/>
+                  <a:endParaRPr lang="en-US" sz="1100"/>
+                </a:p>
+              </p:txBody>
+            </p:sp>
+            <p:sp>
+              <p:nvSpPr>
+                <p:cNvPr id="6" name="Cylinder 5">
+                  <a:extLst>
+                    <a:ext uri="{FF2B5EF4-FFF2-40B4-BE49-F238E27FC236}">
+                      <a16:creationId xmlns:a16="http://schemas.microsoft.com/office/drawing/2014/main" id="{BDF75E80-1675-4FF6-970E-F98D7DB658CE}"/>
+                    </a:ext>
+                  </a:extLst>
+                </p:cNvPr>
+                <p:cNvSpPr/>
+                <p:nvPr/>
+              </p:nvSpPr>
+              <p:spPr>
+                <a:xfrm rot="15605945">
+                  <a:off x="8877040" y="716220"/>
+                  <a:ext cx="372558" cy="286182"/>
+                </a:xfrm>
+                <a:prstGeom prst="can">
+                  <a:avLst>
+                    <a:gd name="adj" fmla="val 50000"/>
+                  </a:avLst>
+                </a:prstGeom>
+                <a:ln w="28575"/>
+              </p:spPr>
+              <p:style>
+                <a:lnRef idx="2">
+                  <a:schemeClr val="dk1">
+                    <a:shade val="50000"/>
+                  </a:schemeClr>
+                </a:lnRef>
+                <a:fillRef idx="1">
+                  <a:schemeClr val="dk1"/>
+                </a:fillRef>
+                <a:effectRef idx="0">
+                  <a:schemeClr val="dk1"/>
+                </a:effectRef>
+                <a:fontRef idx="minor">
+                  <a:schemeClr val="lt1"/>
+                </a:fontRef>
+              </p:style>
+              <p:txBody>
+                <a:bodyPr rtlCol="0" anchor="ctr"/>
+                <a:lstStyle/>
+                <a:p>
+                  <a:pPr algn="ctr"/>
+                  <a:endParaRPr lang="en-US" sz="1100"/>
+                </a:p>
+              </p:txBody>
+            </p:sp>
+          </p:grpSp>
+          <p:pic>
+            <p:nvPicPr>
+              <p:cNvPr id="27" name="Graphic 26" descr="Drum set with solid fill">
+                <a:extLst>
+                  <a:ext uri="{FF2B5EF4-FFF2-40B4-BE49-F238E27FC236}">
+                    <a16:creationId xmlns:a16="http://schemas.microsoft.com/office/drawing/2014/main" id="{94830E7F-968A-45A5-825E-32FFE6A9C9A8}"/>
+                  </a:ext>
+                </a:extLst>
+              </p:cNvPr>
+              <p:cNvPicPr>
+                <a:picLocks noChangeAspect="1"/>
+              </p:cNvPicPr>
+              <p:nvPr/>
+            </p:nvPicPr>
+            <p:blipFill>
+              <a:blip r:embed="rId4">
+                <a:extLst>
+                  <a:ext uri="{28A0092B-C50C-407E-A947-70E740481C1C}">
+                    <a14:useLocalDpi xmlns:a14="http://schemas.microsoft.com/office/drawing/2010/main" val="0"/>
+                  </a:ext>
+                  <a:ext uri="{96DAC541-7B7A-43D3-8B79-37D633B846F1}">
+                    <asvg:svgBlip xmlns:asvg="http://schemas.microsoft.com/office/drawing/2016/SVG/main" r:embed="rId5"/>
+                  </a:ext>
+                </a:extLst>
+              </a:blip>
+              <a:stretch>
+                <a:fillRect/>
+              </a:stretch>
+            </p:blipFill>
+            <p:spPr>
+              <a:xfrm>
+                <a:off x="1274820" y="434043"/>
+                <a:ext cx="1782524" cy="1782524"/>
+              </a:xfrm>
+              <a:prstGeom prst="rect">
+                <a:avLst/>
+              </a:prstGeom>
+            </p:spPr>
+          </p:pic>
+          <p:grpSp>
+            <p:nvGrpSpPr>
+              <p:cNvPr id="108" name="Group 107">
+                <a:extLst>
+                  <a:ext uri="{FF2B5EF4-FFF2-40B4-BE49-F238E27FC236}">
+                    <a16:creationId xmlns:a16="http://schemas.microsoft.com/office/drawing/2014/main" id="{715C3093-F082-4CF9-BB43-A8C8787F8F4F}"/>
+                  </a:ext>
+                </a:extLst>
+              </p:cNvPr>
+              <p:cNvGrpSpPr/>
+              <p:nvPr/>
+            </p:nvGrpSpPr>
+            <p:grpSpPr>
+              <a:xfrm>
+                <a:off x="8668595" y="4432983"/>
+                <a:ext cx="1891469" cy="1072492"/>
+                <a:chOff x="8706767" y="4668369"/>
+                <a:chExt cx="1891469" cy="1072492"/>
+              </a:xfrm>
+            </p:grpSpPr>
+            <p:sp>
+              <p:nvSpPr>
+                <p:cNvPr id="29" name="Rectangle 28">
+                  <a:extLst>
+                    <a:ext uri="{FF2B5EF4-FFF2-40B4-BE49-F238E27FC236}">
+                      <a16:creationId xmlns:a16="http://schemas.microsoft.com/office/drawing/2014/main" id="{C3789DBF-AA31-A247-BBC8-57658529EAD7}"/>
+                    </a:ext>
+                  </a:extLst>
+                </p:cNvPr>
+                <p:cNvSpPr/>
+                <p:nvPr/>
+              </p:nvSpPr>
+              <p:spPr>
+                <a:xfrm>
+                  <a:off x="8706767" y="4668369"/>
+                  <a:ext cx="1891469" cy="1072492"/>
+                </a:xfrm>
+                <a:prstGeom prst="rect">
+                  <a:avLst/>
+                </a:prstGeom>
+              </p:spPr>
+              <p:style>
+                <a:lnRef idx="2">
+                  <a:schemeClr val="dk1">
+                    <a:shade val="50000"/>
+                  </a:schemeClr>
+                </a:lnRef>
+                <a:fillRef idx="1">
+                  <a:schemeClr val="dk1"/>
+                </a:fillRef>
+                <a:effectRef idx="0">
+                  <a:schemeClr val="dk1"/>
+                </a:effectRef>
+                <a:fontRef idx="minor">
+                  <a:schemeClr val="lt1"/>
+                </a:fontRef>
+              </p:style>
+              <p:txBody>
+                <a:bodyPr rtlCol="0" anchor="ctr"/>
+                <a:lstStyle>
+                  <a:defPPr>
+                    <a:defRPr lang="en-US"/>
+                  </a:defPPr>
+                  <a:lvl1pPr marL="0" algn="l" defTabSz="914400" rtl="0" eaLnBrk="1" latinLnBrk="0" hangingPunct="1">
+                    <a:defRPr sz="1800" kern="1200">
+                      <a:solidFill>
+                        <a:schemeClr val="lt1"/>
+                      </a:solidFill>
+                      <a:latin typeface="+mn-lt"/>
+                      <a:ea typeface="+mn-ea"/>
+                      <a:cs typeface="+mn-cs"/>
+                    </a:defRPr>
+                  </a:lvl1pPr>
+                  <a:lvl2pPr marL="457200" algn="l" defTabSz="914400" rtl="0" eaLnBrk="1" latinLnBrk="0" hangingPunct="1">
+                    <a:defRPr sz="1800" kern="1200">
+                      <a:solidFill>
+                        <a:schemeClr val="lt1"/>
+                      </a:solidFill>
+                      <a:latin typeface="+mn-lt"/>
+                      <a:ea typeface="+mn-ea"/>
+                      <a:cs typeface="+mn-cs"/>
+                    </a:defRPr>
+                  </a:lvl2pPr>
+                  <a:lvl3pPr marL="914400" algn="l" defTabSz="914400" rtl="0" eaLnBrk="1" latinLnBrk="0" hangingPunct="1">
+                    <a:defRPr sz="1800" kern="1200">
+                      <a:solidFill>
+                        <a:schemeClr val="lt1"/>
+                      </a:solidFill>
+                      <a:latin typeface="+mn-lt"/>
+                      <a:ea typeface="+mn-ea"/>
+                      <a:cs typeface="+mn-cs"/>
+                    </a:defRPr>
+                  </a:lvl3pPr>
+                  <a:lvl4pPr marL="1371600" algn="l" defTabSz="914400" rtl="0" eaLnBrk="1" latinLnBrk="0" hangingPunct="1">
+                    <a:defRPr sz="1800" kern="1200">
+                      <a:solidFill>
+                        <a:schemeClr val="lt1"/>
+                      </a:solidFill>
+                      <a:latin typeface="+mn-lt"/>
+                      <a:ea typeface="+mn-ea"/>
+                      <a:cs typeface="+mn-cs"/>
+                    </a:defRPr>
+                  </a:lvl4pPr>
+                  <a:lvl5pPr marL="1828800" algn="l" defTabSz="914400" rtl="0" eaLnBrk="1" latinLnBrk="0" hangingPunct="1">
+                    <a:defRPr sz="1800" kern="1200">
+                      <a:solidFill>
+                        <a:schemeClr val="lt1"/>
+                      </a:solidFill>
+                      <a:latin typeface="+mn-lt"/>
+                      <a:ea typeface="+mn-ea"/>
+                      <a:cs typeface="+mn-cs"/>
+                    </a:defRPr>
+                  </a:lvl5pPr>
+                  <a:lvl6pPr marL="2286000" algn="l" defTabSz="914400" rtl="0" eaLnBrk="1" latinLnBrk="0" hangingPunct="1">
+                    <a:defRPr sz="1800" kern="1200">
+                      <a:solidFill>
+                        <a:schemeClr val="lt1"/>
+                      </a:solidFill>
+                      <a:latin typeface="+mn-lt"/>
+                      <a:ea typeface="+mn-ea"/>
+                      <a:cs typeface="+mn-cs"/>
+                    </a:defRPr>
+                  </a:lvl6pPr>
+                  <a:lvl7pPr marL="2743200" algn="l" defTabSz="914400" rtl="0" eaLnBrk="1" latinLnBrk="0" hangingPunct="1">
+                    <a:defRPr sz="1800" kern="1200">
+                      <a:solidFill>
+                        <a:schemeClr val="lt1"/>
+                      </a:solidFill>
+                      <a:latin typeface="+mn-lt"/>
+                      <a:ea typeface="+mn-ea"/>
+                      <a:cs typeface="+mn-cs"/>
+                    </a:defRPr>
+                  </a:lvl7pPr>
+                  <a:lvl8pPr marL="3200400" algn="l" defTabSz="914400" rtl="0" eaLnBrk="1" latinLnBrk="0" hangingPunct="1">
+                    <a:defRPr sz="1800" kern="1200">
+                      <a:solidFill>
+                        <a:schemeClr val="lt1"/>
+                      </a:solidFill>
+                      <a:latin typeface="+mn-lt"/>
+                      <a:ea typeface="+mn-ea"/>
+                      <a:cs typeface="+mn-cs"/>
+                    </a:defRPr>
+                  </a:lvl8pPr>
+                  <a:lvl9pPr marL="3657600" algn="l" defTabSz="914400" rtl="0" eaLnBrk="1" latinLnBrk="0" hangingPunct="1">
+                    <a:defRPr sz="1800" kern="1200">
+                      <a:solidFill>
+                        <a:schemeClr val="lt1"/>
+                      </a:solidFill>
+                      <a:latin typeface="+mn-lt"/>
+                      <a:ea typeface="+mn-ea"/>
+                      <a:cs typeface="+mn-cs"/>
+                    </a:defRPr>
+                  </a:lvl9pPr>
+                </a:lstStyle>
+                <a:p>
+                  <a:pPr algn="ctr"/>
+                  <a:endParaRPr lang="en-US" sz="1050"/>
+                </a:p>
+              </p:txBody>
+            </p:sp>
+            <p:sp>
+              <p:nvSpPr>
+                <p:cNvPr id="30" name="Oval 29">
+                  <a:extLst>
+                    <a:ext uri="{FF2B5EF4-FFF2-40B4-BE49-F238E27FC236}">
+                      <a16:creationId xmlns:a16="http://schemas.microsoft.com/office/drawing/2014/main" id="{0823C409-8DA2-8146-A502-DED14F35560C}"/>
+                    </a:ext>
+                  </a:extLst>
+                </p:cNvPr>
+                <p:cNvSpPr/>
+                <p:nvPr/>
+              </p:nvSpPr>
+              <p:spPr>
+                <a:xfrm>
+                  <a:off x="9630949" y="4810969"/>
+                  <a:ext cx="41918" cy="41918"/>
+                </a:xfrm>
+                <a:prstGeom prst="ellipse">
+                  <a:avLst/>
+                </a:prstGeom>
+                <a:solidFill>
+                  <a:schemeClr val="tx1"/>
+                </a:solidFill>
+                <a:ln>
+                  <a:solidFill>
+                    <a:schemeClr val="bg1">
+                      <a:lumMod val="85000"/>
+                    </a:schemeClr>
+                  </a:solidFill>
+                </a:ln>
+              </p:spPr>
+              <p:style>
+                <a:lnRef idx="2">
+                  <a:schemeClr val="accent1">
+                    <a:shade val="50000"/>
+                  </a:schemeClr>
+                </a:lnRef>
+                <a:fillRef idx="1">
+                  <a:schemeClr val="accent1"/>
+                </a:fillRef>
+                <a:effectRef idx="0">
+                  <a:schemeClr val="accent1"/>
+                </a:effectRef>
+                <a:fontRef idx="minor">
+                  <a:schemeClr val="lt1"/>
+                </a:fontRef>
+              </p:style>
+              <p:txBody>
+                <a:bodyPr rtlCol="0" anchor="ctr"/>
+                <a:lstStyle>
+                  <a:defPPr>
+                    <a:defRPr lang="en-US"/>
+                  </a:defPPr>
+                  <a:lvl1pPr marL="0" algn="l" defTabSz="914400" rtl="0" eaLnBrk="1" latinLnBrk="0" hangingPunct="1">
+                    <a:defRPr sz="1800" kern="1200">
+                      <a:solidFill>
+                        <a:schemeClr val="lt1"/>
+                      </a:solidFill>
+                      <a:latin typeface="+mn-lt"/>
+                      <a:ea typeface="+mn-ea"/>
+                      <a:cs typeface="+mn-cs"/>
+                    </a:defRPr>
+                  </a:lvl1pPr>
+                  <a:lvl2pPr marL="457200" algn="l" defTabSz="914400" rtl="0" eaLnBrk="1" latinLnBrk="0" hangingPunct="1">
+                    <a:defRPr sz="1800" kern="1200">
+                      <a:solidFill>
+                        <a:schemeClr val="lt1"/>
+                      </a:solidFill>
+                      <a:latin typeface="+mn-lt"/>
+                      <a:ea typeface="+mn-ea"/>
+                      <a:cs typeface="+mn-cs"/>
+                    </a:defRPr>
+                  </a:lvl2pPr>
+                  <a:lvl3pPr marL="914400" algn="l" defTabSz="914400" rtl="0" eaLnBrk="1" latinLnBrk="0" hangingPunct="1">
+                    <a:defRPr sz="1800" kern="1200">
+                      <a:solidFill>
+                        <a:schemeClr val="lt1"/>
+                      </a:solidFill>
+                      <a:latin typeface="+mn-lt"/>
+                      <a:ea typeface="+mn-ea"/>
+                      <a:cs typeface="+mn-cs"/>
+                    </a:defRPr>
+                  </a:lvl3pPr>
+                  <a:lvl4pPr marL="1371600" algn="l" defTabSz="914400" rtl="0" eaLnBrk="1" latinLnBrk="0" hangingPunct="1">
+                    <a:defRPr sz="1800" kern="1200">
+                      <a:solidFill>
+                        <a:schemeClr val="lt1"/>
+                      </a:solidFill>
+                      <a:latin typeface="+mn-lt"/>
+                      <a:ea typeface="+mn-ea"/>
+                      <a:cs typeface="+mn-cs"/>
+                    </a:defRPr>
+                  </a:lvl4pPr>
+                  <a:lvl5pPr marL="1828800" algn="l" defTabSz="914400" rtl="0" eaLnBrk="1" latinLnBrk="0" hangingPunct="1">
+                    <a:defRPr sz="1800" kern="1200">
+                      <a:solidFill>
+                        <a:schemeClr val="lt1"/>
+                      </a:solidFill>
+                      <a:latin typeface="+mn-lt"/>
+                      <a:ea typeface="+mn-ea"/>
+                      <a:cs typeface="+mn-cs"/>
+                    </a:defRPr>
+                  </a:lvl5pPr>
+                  <a:lvl6pPr marL="2286000" algn="l" defTabSz="914400" rtl="0" eaLnBrk="1" latinLnBrk="0" hangingPunct="1">
+                    <a:defRPr sz="1800" kern="1200">
+                      <a:solidFill>
+                        <a:schemeClr val="lt1"/>
+                      </a:solidFill>
+                      <a:latin typeface="+mn-lt"/>
+                      <a:ea typeface="+mn-ea"/>
+                      <a:cs typeface="+mn-cs"/>
+                    </a:defRPr>
+                  </a:lvl6pPr>
+                  <a:lvl7pPr marL="2743200" algn="l" defTabSz="914400" rtl="0" eaLnBrk="1" latinLnBrk="0" hangingPunct="1">
+                    <a:defRPr sz="1800" kern="1200">
+                      <a:solidFill>
+                        <a:schemeClr val="lt1"/>
+                      </a:solidFill>
+                      <a:latin typeface="+mn-lt"/>
+                      <a:ea typeface="+mn-ea"/>
+                      <a:cs typeface="+mn-cs"/>
+                    </a:defRPr>
+                  </a:lvl7pPr>
+                  <a:lvl8pPr marL="3200400" algn="l" defTabSz="914400" rtl="0" eaLnBrk="1" latinLnBrk="0" hangingPunct="1">
+                    <a:defRPr sz="1800" kern="1200">
+                      <a:solidFill>
+                        <a:schemeClr val="lt1"/>
+                      </a:solidFill>
+                      <a:latin typeface="+mn-lt"/>
+                      <a:ea typeface="+mn-ea"/>
+                      <a:cs typeface="+mn-cs"/>
+                    </a:defRPr>
+                  </a:lvl8pPr>
+                  <a:lvl9pPr marL="3657600" algn="l" defTabSz="914400" rtl="0" eaLnBrk="1" latinLnBrk="0" hangingPunct="1">
+                    <a:defRPr sz="1800" kern="1200">
+                      <a:solidFill>
+                        <a:schemeClr val="lt1"/>
+                      </a:solidFill>
+                      <a:latin typeface="+mn-lt"/>
+                      <a:ea typeface="+mn-ea"/>
+                      <a:cs typeface="+mn-cs"/>
+                    </a:defRPr>
+                  </a:lvl9pPr>
+                </a:lstStyle>
+                <a:p>
+                  <a:pPr algn="ctr"/>
+                  <a:endParaRPr lang="en-US" sz="1050" dirty="0"/>
+                </a:p>
+              </p:txBody>
+            </p:sp>
+            <p:sp>
+              <p:nvSpPr>
+                <p:cNvPr id="50" name="Oval 49">
+                  <a:extLst>
+                    <a:ext uri="{FF2B5EF4-FFF2-40B4-BE49-F238E27FC236}">
+                      <a16:creationId xmlns:a16="http://schemas.microsoft.com/office/drawing/2014/main" id="{161C1D16-17D7-0846-B7A7-D5AFF40D832D}"/>
+                    </a:ext>
+                  </a:extLst>
+                </p:cNvPr>
+                <p:cNvSpPr/>
+                <p:nvPr/>
+              </p:nvSpPr>
+              <p:spPr>
+                <a:xfrm>
+                  <a:off x="8790249" y="4751780"/>
+                  <a:ext cx="160297" cy="160297"/>
+                </a:xfrm>
+                <a:prstGeom prst="ellipse">
+                  <a:avLst/>
+                </a:prstGeom>
+                <a:solidFill>
+                  <a:schemeClr val="bg1">
+                    <a:lumMod val="85000"/>
+                  </a:schemeClr>
+                </a:solidFill>
+              </p:spPr>
+              <p:style>
+                <a:lnRef idx="2">
+                  <a:schemeClr val="dk1"/>
+                </a:lnRef>
+                <a:fillRef idx="1">
+                  <a:schemeClr val="lt1"/>
+                </a:fillRef>
+                <a:effectRef idx="0">
+                  <a:schemeClr val="dk1"/>
+                </a:effectRef>
+                <a:fontRef idx="minor">
+                  <a:schemeClr val="dk1"/>
+                </a:fontRef>
+              </p:style>
+              <p:txBody>
+                <a:bodyPr rtlCol="0" anchor="ctr"/>
+                <a:lstStyle>
+                  <a:defPPr>
+                    <a:defRPr lang="en-US"/>
+                  </a:defPPr>
+                  <a:lvl1pPr marL="0" algn="l" defTabSz="914400" rtl="0" eaLnBrk="1" latinLnBrk="0" hangingPunct="1">
+                    <a:defRPr sz="1800" kern="1200">
+                      <a:solidFill>
+                        <a:schemeClr val="dk1"/>
+                      </a:solidFill>
+                      <a:latin typeface="+mn-lt"/>
+                      <a:ea typeface="+mn-ea"/>
+                      <a:cs typeface="+mn-cs"/>
+                    </a:defRPr>
+                  </a:lvl1pPr>
+                  <a:lvl2pPr marL="457200" algn="l" defTabSz="914400" rtl="0" eaLnBrk="1" latinLnBrk="0" hangingPunct="1">
+                    <a:defRPr sz="1800" kern="1200">
+                      <a:solidFill>
+                        <a:schemeClr val="dk1"/>
+                      </a:solidFill>
+                      <a:latin typeface="+mn-lt"/>
+                      <a:ea typeface="+mn-ea"/>
+                      <a:cs typeface="+mn-cs"/>
+                    </a:defRPr>
+                  </a:lvl2pPr>
+                  <a:lvl3pPr marL="914400" algn="l" defTabSz="914400" rtl="0" eaLnBrk="1" latinLnBrk="0" hangingPunct="1">
+                    <a:defRPr sz="1800" kern="1200">
+                      <a:solidFill>
+                        <a:schemeClr val="dk1"/>
+                      </a:solidFill>
+                      <a:latin typeface="+mn-lt"/>
+                      <a:ea typeface="+mn-ea"/>
+                      <a:cs typeface="+mn-cs"/>
+                    </a:defRPr>
+                  </a:lvl3pPr>
+                  <a:lvl4pPr marL="1371600" algn="l" defTabSz="914400" rtl="0" eaLnBrk="1" latinLnBrk="0" hangingPunct="1">
+                    <a:defRPr sz="1800" kern="1200">
+                      <a:solidFill>
+                        <a:schemeClr val="dk1"/>
+                      </a:solidFill>
+                      <a:latin typeface="+mn-lt"/>
+                      <a:ea typeface="+mn-ea"/>
+                      <a:cs typeface="+mn-cs"/>
+                    </a:defRPr>
+                  </a:lvl4pPr>
+                  <a:lvl5pPr marL="1828800" algn="l" defTabSz="914400" rtl="0" eaLnBrk="1" latinLnBrk="0" hangingPunct="1">
+                    <a:defRPr sz="1800" kern="1200">
+                      <a:solidFill>
+                        <a:schemeClr val="dk1"/>
+                      </a:solidFill>
+                      <a:latin typeface="+mn-lt"/>
+                      <a:ea typeface="+mn-ea"/>
+                      <a:cs typeface="+mn-cs"/>
+                    </a:defRPr>
+                  </a:lvl5pPr>
+                  <a:lvl6pPr marL="2286000" algn="l" defTabSz="914400" rtl="0" eaLnBrk="1" latinLnBrk="0" hangingPunct="1">
+                    <a:defRPr sz="1800" kern="1200">
+                      <a:solidFill>
+                        <a:schemeClr val="dk1"/>
+                      </a:solidFill>
+                      <a:latin typeface="+mn-lt"/>
+                      <a:ea typeface="+mn-ea"/>
+                      <a:cs typeface="+mn-cs"/>
+                    </a:defRPr>
+                  </a:lvl6pPr>
+                  <a:lvl7pPr marL="2743200" algn="l" defTabSz="914400" rtl="0" eaLnBrk="1" latinLnBrk="0" hangingPunct="1">
+                    <a:defRPr sz="1800" kern="1200">
+                      <a:solidFill>
+                        <a:schemeClr val="dk1"/>
+                      </a:solidFill>
+                      <a:latin typeface="+mn-lt"/>
+                      <a:ea typeface="+mn-ea"/>
+                      <a:cs typeface="+mn-cs"/>
+                    </a:defRPr>
+                  </a:lvl7pPr>
+                  <a:lvl8pPr marL="3200400" algn="l" defTabSz="914400" rtl="0" eaLnBrk="1" latinLnBrk="0" hangingPunct="1">
+                    <a:defRPr sz="1800" kern="1200">
+                      <a:solidFill>
+                        <a:schemeClr val="dk1"/>
+                      </a:solidFill>
+                      <a:latin typeface="+mn-lt"/>
+                      <a:ea typeface="+mn-ea"/>
+                      <a:cs typeface="+mn-cs"/>
+                    </a:defRPr>
+                  </a:lvl8pPr>
+                  <a:lvl9pPr marL="3657600" algn="l" defTabSz="914400" rtl="0" eaLnBrk="1" latinLnBrk="0" hangingPunct="1">
+                    <a:defRPr sz="1800" kern="1200">
+                      <a:solidFill>
+                        <a:schemeClr val="dk1"/>
+                      </a:solidFill>
+                      <a:latin typeface="+mn-lt"/>
+                      <a:ea typeface="+mn-ea"/>
+                      <a:cs typeface="+mn-cs"/>
+                    </a:defRPr>
+                  </a:lvl9pPr>
+                </a:lstStyle>
+                <a:p>
+                  <a:pPr algn="ctr"/>
+                  <a:endParaRPr lang="en-US" sz="1050" dirty="0"/>
+                </a:p>
+              </p:txBody>
+            </p:sp>
+            <p:sp>
+              <p:nvSpPr>
+                <p:cNvPr id="52" name="Oval 51">
+                  <a:extLst>
+                    <a:ext uri="{FF2B5EF4-FFF2-40B4-BE49-F238E27FC236}">
+                      <a16:creationId xmlns:a16="http://schemas.microsoft.com/office/drawing/2014/main" id="{4FBAD7DD-76C0-6045-8780-9E257058628D}"/>
+                    </a:ext>
+                  </a:extLst>
+                </p:cNvPr>
+                <p:cNvSpPr/>
+                <p:nvPr/>
+              </p:nvSpPr>
+              <p:spPr>
+                <a:xfrm>
+                  <a:off x="8826095" y="4787965"/>
+                  <a:ext cx="89923" cy="89923"/>
+                </a:xfrm>
+                <a:prstGeom prst="ellipse">
+                  <a:avLst/>
+                </a:prstGeom>
+                <a:solidFill>
+                  <a:schemeClr val="bg1">
+                    <a:lumMod val="85000"/>
+                  </a:schemeClr>
+                </a:solidFill>
+              </p:spPr>
+              <p:style>
+                <a:lnRef idx="2">
+                  <a:schemeClr val="dk1"/>
+                </a:lnRef>
+                <a:fillRef idx="1">
+                  <a:schemeClr val="lt1"/>
+                </a:fillRef>
+                <a:effectRef idx="0">
+                  <a:schemeClr val="dk1"/>
+                </a:effectRef>
+                <a:fontRef idx="minor">
+                  <a:schemeClr val="dk1"/>
+                </a:fontRef>
+              </p:style>
+              <p:txBody>
+                <a:bodyPr rtlCol="0" anchor="ctr"/>
+                <a:lstStyle>
+                  <a:defPPr>
+                    <a:defRPr lang="en-US"/>
+                  </a:defPPr>
+                  <a:lvl1pPr marL="0" algn="l" defTabSz="914400" rtl="0" eaLnBrk="1" latinLnBrk="0" hangingPunct="1">
+                    <a:defRPr sz="1800" kern="1200">
+                      <a:solidFill>
+                        <a:schemeClr val="dk1"/>
+                      </a:solidFill>
+                      <a:latin typeface="+mn-lt"/>
+                      <a:ea typeface="+mn-ea"/>
+                      <a:cs typeface="+mn-cs"/>
+                    </a:defRPr>
+                  </a:lvl1pPr>
+                  <a:lvl2pPr marL="457200" algn="l" defTabSz="914400" rtl="0" eaLnBrk="1" latinLnBrk="0" hangingPunct="1">
+                    <a:defRPr sz="1800" kern="1200">
+                      <a:solidFill>
+                        <a:schemeClr val="dk1"/>
+                      </a:solidFill>
+                      <a:latin typeface="+mn-lt"/>
+                      <a:ea typeface="+mn-ea"/>
+                      <a:cs typeface="+mn-cs"/>
+                    </a:defRPr>
+                  </a:lvl2pPr>
+                  <a:lvl3pPr marL="914400" algn="l" defTabSz="914400" rtl="0" eaLnBrk="1" latinLnBrk="0" hangingPunct="1">
+                    <a:defRPr sz="1800" kern="1200">
+                      <a:solidFill>
+                        <a:schemeClr val="dk1"/>
+                      </a:solidFill>
+                      <a:latin typeface="+mn-lt"/>
+                      <a:ea typeface="+mn-ea"/>
+                      <a:cs typeface="+mn-cs"/>
+                    </a:defRPr>
+                  </a:lvl3pPr>
+                  <a:lvl4pPr marL="1371600" algn="l" defTabSz="914400" rtl="0" eaLnBrk="1" latinLnBrk="0" hangingPunct="1">
+                    <a:defRPr sz="1800" kern="1200">
+                      <a:solidFill>
+                        <a:schemeClr val="dk1"/>
+                      </a:solidFill>
+                      <a:latin typeface="+mn-lt"/>
+                      <a:ea typeface="+mn-ea"/>
+                      <a:cs typeface="+mn-cs"/>
+                    </a:defRPr>
+                  </a:lvl4pPr>
+                  <a:lvl5pPr marL="1828800" algn="l" defTabSz="914400" rtl="0" eaLnBrk="1" latinLnBrk="0" hangingPunct="1">
+                    <a:defRPr sz="1800" kern="1200">
+                      <a:solidFill>
+                        <a:schemeClr val="dk1"/>
+                      </a:solidFill>
+                      <a:latin typeface="+mn-lt"/>
+                      <a:ea typeface="+mn-ea"/>
+                      <a:cs typeface="+mn-cs"/>
+                    </a:defRPr>
+                  </a:lvl5pPr>
+                  <a:lvl6pPr marL="2286000" algn="l" defTabSz="914400" rtl="0" eaLnBrk="1" latinLnBrk="0" hangingPunct="1">
+                    <a:defRPr sz="1800" kern="1200">
+                      <a:solidFill>
+                        <a:schemeClr val="dk1"/>
+                      </a:solidFill>
+                      <a:latin typeface="+mn-lt"/>
+                      <a:ea typeface="+mn-ea"/>
+                      <a:cs typeface="+mn-cs"/>
+                    </a:defRPr>
+                  </a:lvl6pPr>
+                  <a:lvl7pPr marL="2743200" algn="l" defTabSz="914400" rtl="0" eaLnBrk="1" latinLnBrk="0" hangingPunct="1">
+                    <a:defRPr sz="1800" kern="1200">
+                      <a:solidFill>
+                        <a:schemeClr val="dk1"/>
+                      </a:solidFill>
+                      <a:latin typeface="+mn-lt"/>
+                      <a:ea typeface="+mn-ea"/>
+                      <a:cs typeface="+mn-cs"/>
+                    </a:defRPr>
+                  </a:lvl7pPr>
+                  <a:lvl8pPr marL="3200400" algn="l" defTabSz="914400" rtl="0" eaLnBrk="1" latinLnBrk="0" hangingPunct="1">
+                    <a:defRPr sz="1800" kern="1200">
+                      <a:solidFill>
+                        <a:schemeClr val="dk1"/>
+                      </a:solidFill>
+                      <a:latin typeface="+mn-lt"/>
+                      <a:ea typeface="+mn-ea"/>
+                      <a:cs typeface="+mn-cs"/>
+                    </a:defRPr>
+                  </a:lvl8pPr>
+                  <a:lvl9pPr marL="3657600" algn="l" defTabSz="914400" rtl="0" eaLnBrk="1" latinLnBrk="0" hangingPunct="1">
+                    <a:defRPr sz="1800" kern="1200">
+                      <a:solidFill>
+                        <a:schemeClr val="dk1"/>
+                      </a:solidFill>
+                      <a:latin typeface="+mn-lt"/>
+                      <a:ea typeface="+mn-ea"/>
+                      <a:cs typeface="+mn-cs"/>
+                    </a:defRPr>
+                  </a:lvl9pPr>
+                </a:lstStyle>
+                <a:p>
+                  <a:pPr algn="ctr"/>
+                  <a:endParaRPr lang="en-US" sz="1050" dirty="0"/>
+                </a:p>
+              </p:txBody>
+            </p:sp>
+            <p:sp>
+              <p:nvSpPr>
+                <p:cNvPr id="47" name="Oval 46">
+                  <a:extLst>
+                    <a:ext uri="{FF2B5EF4-FFF2-40B4-BE49-F238E27FC236}">
+                      <a16:creationId xmlns:a16="http://schemas.microsoft.com/office/drawing/2014/main" id="{B632B1A0-A86D-BE46-9F9A-51FD4ECF042C}"/>
+                    </a:ext>
+                  </a:extLst>
+                </p:cNvPr>
+                <p:cNvSpPr/>
+                <p:nvPr/>
+              </p:nvSpPr>
+              <p:spPr>
+                <a:xfrm>
+                  <a:off x="10353575" y="4751780"/>
+                  <a:ext cx="160297" cy="160297"/>
+                </a:xfrm>
+                <a:prstGeom prst="ellipse">
+                  <a:avLst/>
+                </a:prstGeom>
+                <a:solidFill>
+                  <a:schemeClr val="bg1">
+                    <a:lumMod val="85000"/>
+                  </a:schemeClr>
+                </a:solidFill>
+              </p:spPr>
+              <p:style>
+                <a:lnRef idx="2">
+                  <a:schemeClr val="dk1"/>
+                </a:lnRef>
+                <a:fillRef idx="1">
+                  <a:schemeClr val="lt1"/>
+                </a:fillRef>
+                <a:effectRef idx="0">
+                  <a:schemeClr val="dk1"/>
+                </a:effectRef>
+                <a:fontRef idx="minor">
+                  <a:schemeClr val="dk1"/>
+                </a:fontRef>
+              </p:style>
+              <p:txBody>
+                <a:bodyPr rtlCol="0" anchor="ctr"/>
+                <a:lstStyle>
+                  <a:defPPr>
+                    <a:defRPr lang="en-US"/>
+                  </a:defPPr>
+                  <a:lvl1pPr marL="0" algn="l" defTabSz="914400" rtl="0" eaLnBrk="1" latinLnBrk="0" hangingPunct="1">
+                    <a:defRPr sz="1800" kern="1200">
+                      <a:solidFill>
+                        <a:schemeClr val="dk1"/>
+                      </a:solidFill>
+                      <a:latin typeface="+mn-lt"/>
+                      <a:ea typeface="+mn-ea"/>
+                      <a:cs typeface="+mn-cs"/>
+                    </a:defRPr>
+                  </a:lvl1pPr>
+                  <a:lvl2pPr marL="457200" algn="l" defTabSz="914400" rtl="0" eaLnBrk="1" latinLnBrk="0" hangingPunct="1">
+                    <a:defRPr sz="1800" kern="1200">
+                      <a:solidFill>
+                        <a:schemeClr val="dk1"/>
+                      </a:solidFill>
+                      <a:latin typeface="+mn-lt"/>
+                      <a:ea typeface="+mn-ea"/>
+                      <a:cs typeface="+mn-cs"/>
+                    </a:defRPr>
+                  </a:lvl2pPr>
+                  <a:lvl3pPr marL="914400" algn="l" defTabSz="914400" rtl="0" eaLnBrk="1" latinLnBrk="0" hangingPunct="1">
+                    <a:defRPr sz="1800" kern="1200">
+                      <a:solidFill>
+                        <a:schemeClr val="dk1"/>
+                      </a:solidFill>
+                      <a:latin typeface="+mn-lt"/>
+                      <a:ea typeface="+mn-ea"/>
+                      <a:cs typeface="+mn-cs"/>
+                    </a:defRPr>
+                  </a:lvl3pPr>
+                  <a:lvl4pPr marL="1371600" algn="l" defTabSz="914400" rtl="0" eaLnBrk="1" latinLnBrk="0" hangingPunct="1">
+                    <a:defRPr sz="1800" kern="1200">
+                      <a:solidFill>
+                        <a:schemeClr val="dk1"/>
+                      </a:solidFill>
+                      <a:latin typeface="+mn-lt"/>
+                      <a:ea typeface="+mn-ea"/>
+                      <a:cs typeface="+mn-cs"/>
+                    </a:defRPr>
+                  </a:lvl4pPr>
+                  <a:lvl5pPr marL="1828800" algn="l" defTabSz="914400" rtl="0" eaLnBrk="1" latinLnBrk="0" hangingPunct="1">
+                    <a:defRPr sz="1800" kern="1200">
+                      <a:solidFill>
+                        <a:schemeClr val="dk1"/>
+                      </a:solidFill>
+                      <a:latin typeface="+mn-lt"/>
+                      <a:ea typeface="+mn-ea"/>
+                      <a:cs typeface="+mn-cs"/>
+                    </a:defRPr>
+                  </a:lvl5pPr>
+                  <a:lvl6pPr marL="2286000" algn="l" defTabSz="914400" rtl="0" eaLnBrk="1" latinLnBrk="0" hangingPunct="1">
+                    <a:defRPr sz="1800" kern="1200">
+                      <a:solidFill>
+                        <a:schemeClr val="dk1"/>
+                      </a:solidFill>
+                      <a:latin typeface="+mn-lt"/>
+                      <a:ea typeface="+mn-ea"/>
+                      <a:cs typeface="+mn-cs"/>
+                    </a:defRPr>
+                  </a:lvl6pPr>
+                  <a:lvl7pPr marL="2743200" algn="l" defTabSz="914400" rtl="0" eaLnBrk="1" latinLnBrk="0" hangingPunct="1">
+                    <a:defRPr sz="1800" kern="1200">
+                      <a:solidFill>
+                        <a:schemeClr val="dk1"/>
+                      </a:solidFill>
+                      <a:latin typeface="+mn-lt"/>
+                      <a:ea typeface="+mn-ea"/>
+                      <a:cs typeface="+mn-cs"/>
+                    </a:defRPr>
+                  </a:lvl7pPr>
+                  <a:lvl8pPr marL="3200400" algn="l" defTabSz="914400" rtl="0" eaLnBrk="1" latinLnBrk="0" hangingPunct="1">
+                    <a:defRPr sz="1800" kern="1200">
+                      <a:solidFill>
+                        <a:schemeClr val="dk1"/>
+                      </a:solidFill>
+                      <a:latin typeface="+mn-lt"/>
+                      <a:ea typeface="+mn-ea"/>
+                      <a:cs typeface="+mn-cs"/>
+                    </a:defRPr>
+                  </a:lvl8pPr>
+                  <a:lvl9pPr marL="3657600" algn="l" defTabSz="914400" rtl="0" eaLnBrk="1" latinLnBrk="0" hangingPunct="1">
+                    <a:defRPr sz="1800" kern="1200">
+                      <a:solidFill>
+                        <a:schemeClr val="dk1"/>
+                      </a:solidFill>
+                      <a:latin typeface="+mn-lt"/>
+                      <a:ea typeface="+mn-ea"/>
+                      <a:cs typeface="+mn-cs"/>
+                    </a:defRPr>
+                  </a:lvl9pPr>
+                </a:lstStyle>
+                <a:p>
+                  <a:pPr algn="ctr"/>
+                  <a:endParaRPr lang="en-US" sz="1050" dirty="0"/>
+                </a:p>
+              </p:txBody>
+            </p:sp>
+            <p:sp>
+              <p:nvSpPr>
+                <p:cNvPr id="49" name="Oval 48">
+                  <a:extLst>
+                    <a:ext uri="{FF2B5EF4-FFF2-40B4-BE49-F238E27FC236}">
+                      <a16:creationId xmlns:a16="http://schemas.microsoft.com/office/drawing/2014/main" id="{E31013F2-6CD0-9940-AC76-5DCD986EFD4A}"/>
+                    </a:ext>
+                  </a:extLst>
+                </p:cNvPr>
+                <p:cNvSpPr/>
+                <p:nvPr/>
+              </p:nvSpPr>
+              <p:spPr>
+                <a:xfrm>
+                  <a:off x="10389421" y="4787965"/>
+                  <a:ext cx="89923" cy="89923"/>
+                </a:xfrm>
+                <a:prstGeom prst="ellipse">
+                  <a:avLst/>
+                </a:prstGeom>
+                <a:solidFill>
+                  <a:schemeClr val="bg1">
+                    <a:lumMod val="85000"/>
+                  </a:schemeClr>
+                </a:solidFill>
+              </p:spPr>
+              <p:style>
+                <a:lnRef idx="2">
+                  <a:schemeClr val="dk1"/>
+                </a:lnRef>
+                <a:fillRef idx="1">
+                  <a:schemeClr val="lt1"/>
+                </a:fillRef>
+                <a:effectRef idx="0">
+                  <a:schemeClr val="dk1"/>
+                </a:effectRef>
+                <a:fontRef idx="minor">
+                  <a:schemeClr val="dk1"/>
+                </a:fontRef>
+              </p:style>
+              <p:txBody>
+                <a:bodyPr rtlCol="0" anchor="ctr"/>
+                <a:lstStyle>
+                  <a:defPPr>
+                    <a:defRPr lang="en-US"/>
+                  </a:defPPr>
+                  <a:lvl1pPr marL="0" algn="l" defTabSz="914400" rtl="0" eaLnBrk="1" latinLnBrk="0" hangingPunct="1">
+                    <a:defRPr sz="1800" kern="1200">
+                      <a:solidFill>
+                        <a:schemeClr val="dk1"/>
+                      </a:solidFill>
+                      <a:latin typeface="+mn-lt"/>
+                      <a:ea typeface="+mn-ea"/>
+                      <a:cs typeface="+mn-cs"/>
+                    </a:defRPr>
+                  </a:lvl1pPr>
+                  <a:lvl2pPr marL="457200" algn="l" defTabSz="914400" rtl="0" eaLnBrk="1" latinLnBrk="0" hangingPunct="1">
+                    <a:defRPr sz="1800" kern="1200">
+                      <a:solidFill>
+                        <a:schemeClr val="dk1"/>
+                      </a:solidFill>
+                      <a:latin typeface="+mn-lt"/>
+                      <a:ea typeface="+mn-ea"/>
+                      <a:cs typeface="+mn-cs"/>
+                    </a:defRPr>
+                  </a:lvl2pPr>
+                  <a:lvl3pPr marL="914400" algn="l" defTabSz="914400" rtl="0" eaLnBrk="1" latinLnBrk="0" hangingPunct="1">
+                    <a:defRPr sz="1800" kern="1200">
+                      <a:solidFill>
+                        <a:schemeClr val="dk1"/>
+                      </a:solidFill>
+                      <a:latin typeface="+mn-lt"/>
+                      <a:ea typeface="+mn-ea"/>
+                      <a:cs typeface="+mn-cs"/>
+                    </a:defRPr>
+                  </a:lvl3pPr>
+                  <a:lvl4pPr marL="1371600" algn="l" defTabSz="914400" rtl="0" eaLnBrk="1" latinLnBrk="0" hangingPunct="1">
+                    <a:defRPr sz="1800" kern="1200">
+                      <a:solidFill>
+                        <a:schemeClr val="dk1"/>
+                      </a:solidFill>
+                      <a:latin typeface="+mn-lt"/>
+                      <a:ea typeface="+mn-ea"/>
+                      <a:cs typeface="+mn-cs"/>
+                    </a:defRPr>
+                  </a:lvl4pPr>
+                  <a:lvl5pPr marL="1828800" algn="l" defTabSz="914400" rtl="0" eaLnBrk="1" latinLnBrk="0" hangingPunct="1">
+                    <a:defRPr sz="1800" kern="1200">
+                      <a:solidFill>
+                        <a:schemeClr val="dk1"/>
+                      </a:solidFill>
+                      <a:latin typeface="+mn-lt"/>
+                      <a:ea typeface="+mn-ea"/>
+                      <a:cs typeface="+mn-cs"/>
+                    </a:defRPr>
+                  </a:lvl5pPr>
+                  <a:lvl6pPr marL="2286000" algn="l" defTabSz="914400" rtl="0" eaLnBrk="1" latinLnBrk="0" hangingPunct="1">
+                    <a:defRPr sz="1800" kern="1200">
+                      <a:solidFill>
+                        <a:schemeClr val="dk1"/>
+                      </a:solidFill>
+                      <a:latin typeface="+mn-lt"/>
+                      <a:ea typeface="+mn-ea"/>
+                      <a:cs typeface="+mn-cs"/>
+                    </a:defRPr>
+                  </a:lvl6pPr>
+                  <a:lvl7pPr marL="2743200" algn="l" defTabSz="914400" rtl="0" eaLnBrk="1" latinLnBrk="0" hangingPunct="1">
+                    <a:defRPr sz="1800" kern="1200">
+                      <a:solidFill>
+                        <a:schemeClr val="dk1"/>
+                      </a:solidFill>
+                      <a:latin typeface="+mn-lt"/>
+                      <a:ea typeface="+mn-ea"/>
+                      <a:cs typeface="+mn-cs"/>
+                    </a:defRPr>
+                  </a:lvl7pPr>
+                  <a:lvl8pPr marL="3200400" algn="l" defTabSz="914400" rtl="0" eaLnBrk="1" latinLnBrk="0" hangingPunct="1">
+                    <a:defRPr sz="1800" kern="1200">
+                      <a:solidFill>
+                        <a:schemeClr val="dk1"/>
+                      </a:solidFill>
+                      <a:latin typeface="+mn-lt"/>
+                      <a:ea typeface="+mn-ea"/>
+                      <a:cs typeface="+mn-cs"/>
+                    </a:defRPr>
+                  </a:lvl8pPr>
+                  <a:lvl9pPr marL="3657600" algn="l" defTabSz="914400" rtl="0" eaLnBrk="1" latinLnBrk="0" hangingPunct="1">
+                    <a:defRPr sz="1800" kern="1200">
+                      <a:solidFill>
+                        <a:schemeClr val="dk1"/>
+                      </a:solidFill>
+                      <a:latin typeface="+mn-lt"/>
+                      <a:ea typeface="+mn-ea"/>
+                      <a:cs typeface="+mn-cs"/>
+                    </a:defRPr>
+                  </a:lvl9pPr>
+                </a:lstStyle>
+                <a:p>
+                  <a:pPr algn="ctr"/>
+                  <a:endParaRPr lang="en-US" sz="1050" dirty="0"/>
+                </a:p>
+              </p:txBody>
+            </p:sp>
+            <p:sp>
+              <p:nvSpPr>
+                <p:cNvPr id="44" name="Oval 43">
+                  <a:extLst>
+                    <a:ext uri="{FF2B5EF4-FFF2-40B4-BE49-F238E27FC236}">
+                      <a16:creationId xmlns:a16="http://schemas.microsoft.com/office/drawing/2014/main" id="{952D1361-0412-7642-A8EF-CC7CE28E9827}"/>
+                    </a:ext>
+                  </a:extLst>
+                </p:cNvPr>
+                <p:cNvSpPr/>
+                <p:nvPr/>
+              </p:nvSpPr>
+              <p:spPr>
+                <a:xfrm>
+                  <a:off x="8793859" y="5492668"/>
+                  <a:ext cx="160297" cy="160297"/>
+                </a:xfrm>
+                <a:prstGeom prst="ellipse">
+                  <a:avLst/>
+                </a:prstGeom>
+                <a:solidFill>
+                  <a:schemeClr val="bg1">
+                    <a:lumMod val="85000"/>
+                  </a:schemeClr>
+                </a:solidFill>
+              </p:spPr>
+              <p:style>
+                <a:lnRef idx="2">
+                  <a:schemeClr val="dk1"/>
+                </a:lnRef>
+                <a:fillRef idx="1">
+                  <a:schemeClr val="lt1"/>
+                </a:fillRef>
+                <a:effectRef idx="0">
+                  <a:schemeClr val="dk1"/>
+                </a:effectRef>
+                <a:fontRef idx="minor">
+                  <a:schemeClr val="dk1"/>
+                </a:fontRef>
+              </p:style>
+              <p:txBody>
+                <a:bodyPr rtlCol="0" anchor="ctr"/>
+                <a:lstStyle>
+                  <a:defPPr>
+                    <a:defRPr lang="en-US"/>
+                  </a:defPPr>
+                  <a:lvl1pPr marL="0" algn="l" defTabSz="914400" rtl="0" eaLnBrk="1" latinLnBrk="0" hangingPunct="1">
+                    <a:defRPr sz="1800" kern="1200">
+                      <a:solidFill>
+                        <a:schemeClr val="dk1"/>
+                      </a:solidFill>
+                      <a:latin typeface="+mn-lt"/>
+                      <a:ea typeface="+mn-ea"/>
+                      <a:cs typeface="+mn-cs"/>
+                    </a:defRPr>
+                  </a:lvl1pPr>
+                  <a:lvl2pPr marL="457200" algn="l" defTabSz="914400" rtl="0" eaLnBrk="1" latinLnBrk="0" hangingPunct="1">
+                    <a:defRPr sz="1800" kern="1200">
+                      <a:solidFill>
+                        <a:schemeClr val="dk1"/>
+                      </a:solidFill>
+                      <a:latin typeface="+mn-lt"/>
+                      <a:ea typeface="+mn-ea"/>
+                      <a:cs typeface="+mn-cs"/>
+                    </a:defRPr>
+                  </a:lvl2pPr>
+                  <a:lvl3pPr marL="914400" algn="l" defTabSz="914400" rtl="0" eaLnBrk="1" latinLnBrk="0" hangingPunct="1">
+                    <a:defRPr sz="1800" kern="1200">
+                      <a:solidFill>
+                        <a:schemeClr val="dk1"/>
+                      </a:solidFill>
+                      <a:latin typeface="+mn-lt"/>
+                      <a:ea typeface="+mn-ea"/>
+                      <a:cs typeface="+mn-cs"/>
+                    </a:defRPr>
+                  </a:lvl3pPr>
+                  <a:lvl4pPr marL="1371600" algn="l" defTabSz="914400" rtl="0" eaLnBrk="1" latinLnBrk="0" hangingPunct="1">
+                    <a:defRPr sz="1800" kern="1200">
+                      <a:solidFill>
+                        <a:schemeClr val="dk1"/>
+                      </a:solidFill>
+                      <a:latin typeface="+mn-lt"/>
+                      <a:ea typeface="+mn-ea"/>
+                      <a:cs typeface="+mn-cs"/>
+                    </a:defRPr>
+                  </a:lvl4pPr>
+                  <a:lvl5pPr marL="1828800" algn="l" defTabSz="914400" rtl="0" eaLnBrk="1" latinLnBrk="0" hangingPunct="1">
+                    <a:defRPr sz="1800" kern="1200">
+                      <a:solidFill>
+                        <a:schemeClr val="dk1"/>
+                      </a:solidFill>
+                      <a:latin typeface="+mn-lt"/>
+                      <a:ea typeface="+mn-ea"/>
+                      <a:cs typeface="+mn-cs"/>
+                    </a:defRPr>
+                  </a:lvl5pPr>
+                  <a:lvl6pPr marL="2286000" algn="l" defTabSz="914400" rtl="0" eaLnBrk="1" latinLnBrk="0" hangingPunct="1">
+                    <a:defRPr sz="1800" kern="1200">
+                      <a:solidFill>
+                        <a:schemeClr val="dk1"/>
+                      </a:solidFill>
+                      <a:latin typeface="+mn-lt"/>
+                      <a:ea typeface="+mn-ea"/>
+                      <a:cs typeface="+mn-cs"/>
+                    </a:defRPr>
+                  </a:lvl6pPr>
+                  <a:lvl7pPr marL="2743200" algn="l" defTabSz="914400" rtl="0" eaLnBrk="1" latinLnBrk="0" hangingPunct="1">
+                    <a:defRPr sz="1800" kern="1200">
+                      <a:solidFill>
+                        <a:schemeClr val="dk1"/>
+                      </a:solidFill>
+                      <a:latin typeface="+mn-lt"/>
+                      <a:ea typeface="+mn-ea"/>
+                      <a:cs typeface="+mn-cs"/>
+                    </a:defRPr>
+                  </a:lvl7pPr>
+                  <a:lvl8pPr marL="3200400" algn="l" defTabSz="914400" rtl="0" eaLnBrk="1" latinLnBrk="0" hangingPunct="1">
+                    <a:defRPr sz="1800" kern="1200">
+                      <a:solidFill>
+                        <a:schemeClr val="dk1"/>
+                      </a:solidFill>
+                      <a:latin typeface="+mn-lt"/>
+                      <a:ea typeface="+mn-ea"/>
+                      <a:cs typeface="+mn-cs"/>
+                    </a:defRPr>
+                  </a:lvl8pPr>
+                  <a:lvl9pPr marL="3657600" algn="l" defTabSz="914400" rtl="0" eaLnBrk="1" latinLnBrk="0" hangingPunct="1">
+                    <a:defRPr sz="1800" kern="1200">
+                      <a:solidFill>
+                        <a:schemeClr val="dk1"/>
+                      </a:solidFill>
+                      <a:latin typeface="+mn-lt"/>
+                      <a:ea typeface="+mn-ea"/>
+                      <a:cs typeface="+mn-cs"/>
+                    </a:defRPr>
+                  </a:lvl9pPr>
+                </a:lstStyle>
+                <a:p>
+                  <a:pPr algn="ctr"/>
+                  <a:endParaRPr lang="en-US" sz="1050" dirty="0"/>
+                </a:p>
+              </p:txBody>
+            </p:sp>
+            <p:sp>
+              <p:nvSpPr>
+                <p:cNvPr id="46" name="Oval 45">
+                  <a:extLst>
+                    <a:ext uri="{FF2B5EF4-FFF2-40B4-BE49-F238E27FC236}">
+                      <a16:creationId xmlns:a16="http://schemas.microsoft.com/office/drawing/2014/main" id="{0802B6E2-AA88-ED43-B05E-C823653CE501}"/>
+                    </a:ext>
+                  </a:extLst>
+                </p:cNvPr>
+                <p:cNvSpPr/>
+                <p:nvPr/>
+              </p:nvSpPr>
+              <p:spPr>
+                <a:xfrm>
+                  <a:off x="8829705" y="5528853"/>
+                  <a:ext cx="89923" cy="89923"/>
+                </a:xfrm>
+                <a:prstGeom prst="ellipse">
+                  <a:avLst/>
+                </a:prstGeom>
+                <a:solidFill>
+                  <a:schemeClr val="bg1">
+                    <a:lumMod val="85000"/>
+                  </a:schemeClr>
+                </a:solidFill>
+              </p:spPr>
+              <p:style>
+                <a:lnRef idx="2">
+                  <a:schemeClr val="dk1"/>
+                </a:lnRef>
+                <a:fillRef idx="1">
+                  <a:schemeClr val="lt1"/>
+                </a:fillRef>
+                <a:effectRef idx="0">
+                  <a:schemeClr val="dk1"/>
+                </a:effectRef>
+                <a:fontRef idx="minor">
+                  <a:schemeClr val="dk1"/>
+                </a:fontRef>
+              </p:style>
+              <p:txBody>
+                <a:bodyPr rtlCol="0" anchor="ctr"/>
+                <a:lstStyle>
+                  <a:defPPr>
+                    <a:defRPr lang="en-US"/>
+                  </a:defPPr>
+                  <a:lvl1pPr marL="0" algn="l" defTabSz="914400" rtl="0" eaLnBrk="1" latinLnBrk="0" hangingPunct="1">
+                    <a:defRPr sz="1800" kern="1200">
+                      <a:solidFill>
+                        <a:schemeClr val="dk1"/>
+                      </a:solidFill>
+                      <a:latin typeface="+mn-lt"/>
+                      <a:ea typeface="+mn-ea"/>
+                      <a:cs typeface="+mn-cs"/>
+                    </a:defRPr>
+                  </a:lvl1pPr>
+                  <a:lvl2pPr marL="457200" algn="l" defTabSz="914400" rtl="0" eaLnBrk="1" latinLnBrk="0" hangingPunct="1">
+                    <a:defRPr sz="1800" kern="1200">
+                      <a:solidFill>
+                        <a:schemeClr val="dk1"/>
+                      </a:solidFill>
+                      <a:latin typeface="+mn-lt"/>
+                      <a:ea typeface="+mn-ea"/>
+                      <a:cs typeface="+mn-cs"/>
+                    </a:defRPr>
+                  </a:lvl2pPr>
+                  <a:lvl3pPr marL="914400" algn="l" defTabSz="914400" rtl="0" eaLnBrk="1" latinLnBrk="0" hangingPunct="1">
+                    <a:defRPr sz="1800" kern="1200">
+                      <a:solidFill>
+                        <a:schemeClr val="dk1"/>
+                      </a:solidFill>
+                      <a:latin typeface="+mn-lt"/>
+                      <a:ea typeface="+mn-ea"/>
+                      <a:cs typeface="+mn-cs"/>
+                    </a:defRPr>
+                  </a:lvl3pPr>
+                  <a:lvl4pPr marL="1371600" algn="l" defTabSz="914400" rtl="0" eaLnBrk="1" latinLnBrk="0" hangingPunct="1">
+                    <a:defRPr sz="1800" kern="1200">
+                      <a:solidFill>
+                        <a:schemeClr val="dk1"/>
+                      </a:solidFill>
+                      <a:latin typeface="+mn-lt"/>
+                      <a:ea typeface="+mn-ea"/>
+                      <a:cs typeface="+mn-cs"/>
+                    </a:defRPr>
+                  </a:lvl4pPr>
+                  <a:lvl5pPr marL="1828800" algn="l" defTabSz="914400" rtl="0" eaLnBrk="1" latinLnBrk="0" hangingPunct="1">
+                    <a:defRPr sz="1800" kern="1200">
+                      <a:solidFill>
+                        <a:schemeClr val="dk1"/>
+                      </a:solidFill>
+                      <a:latin typeface="+mn-lt"/>
+                      <a:ea typeface="+mn-ea"/>
+                      <a:cs typeface="+mn-cs"/>
+                    </a:defRPr>
+                  </a:lvl5pPr>
+                  <a:lvl6pPr marL="2286000" algn="l" defTabSz="914400" rtl="0" eaLnBrk="1" latinLnBrk="0" hangingPunct="1">
+                    <a:defRPr sz="1800" kern="1200">
+                      <a:solidFill>
+                        <a:schemeClr val="dk1"/>
+                      </a:solidFill>
+                      <a:latin typeface="+mn-lt"/>
+                      <a:ea typeface="+mn-ea"/>
+                      <a:cs typeface="+mn-cs"/>
+                    </a:defRPr>
+                  </a:lvl6pPr>
+                  <a:lvl7pPr marL="2743200" algn="l" defTabSz="914400" rtl="0" eaLnBrk="1" latinLnBrk="0" hangingPunct="1">
+                    <a:defRPr sz="1800" kern="1200">
+                      <a:solidFill>
+                        <a:schemeClr val="dk1"/>
+                      </a:solidFill>
+                      <a:latin typeface="+mn-lt"/>
+                      <a:ea typeface="+mn-ea"/>
+                      <a:cs typeface="+mn-cs"/>
+                    </a:defRPr>
+                  </a:lvl7pPr>
+                  <a:lvl8pPr marL="3200400" algn="l" defTabSz="914400" rtl="0" eaLnBrk="1" latinLnBrk="0" hangingPunct="1">
+                    <a:defRPr sz="1800" kern="1200">
+                      <a:solidFill>
+                        <a:schemeClr val="dk1"/>
+                      </a:solidFill>
+                      <a:latin typeface="+mn-lt"/>
+                      <a:ea typeface="+mn-ea"/>
+                      <a:cs typeface="+mn-cs"/>
+                    </a:defRPr>
+                  </a:lvl8pPr>
+                  <a:lvl9pPr marL="3657600" algn="l" defTabSz="914400" rtl="0" eaLnBrk="1" latinLnBrk="0" hangingPunct="1">
+                    <a:defRPr sz="1800" kern="1200">
+                      <a:solidFill>
+                        <a:schemeClr val="dk1"/>
+                      </a:solidFill>
+                      <a:latin typeface="+mn-lt"/>
+                      <a:ea typeface="+mn-ea"/>
+                      <a:cs typeface="+mn-cs"/>
+                    </a:defRPr>
+                  </a:lvl9pPr>
+                </a:lstStyle>
+                <a:p>
+                  <a:pPr algn="ctr"/>
+                  <a:endParaRPr lang="en-US" sz="1050" dirty="0"/>
+                </a:p>
+              </p:txBody>
+            </p:sp>
+            <p:sp>
+              <p:nvSpPr>
+                <p:cNvPr id="41" name="Oval 40">
+                  <a:extLst>
+                    <a:ext uri="{FF2B5EF4-FFF2-40B4-BE49-F238E27FC236}">
+                      <a16:creationId xmlns:a16="http://schemas.microsoft.com/office/drawing/2014/main" id="{0B45DF8D-1ACD-2C43-903E-E3AAE56710BF}"/>
+                    </a:ext>
+                  </a:extLst>
+                </p:cNvPr>
+                <p:cNvSpPr/>
+                <p:nvPr/>
+              </p:nvSpPr>
+              <p:spPr>
+                <a:xfrm>
+                  <a:off x="10348544" y="5493186"/>
+                  <a:ext cx="160297" cy="160297"/>
+                </a:xfrm>
+                <a:prstGeom prst="ellipse">
+                  <a:avLst/>
+                </a:prstGeom>
+                <a:solidFill>
+                  <a:schemeClr val="bg1">
+                    <a:lumMod val="85000"/>
+                  </a:schemeClr>
+                </a:solidFill>
+              </p:spPr>
+              <p:style>
+                <a:lnRef idx="2">
+                  <a:schemeClr val="dk1"/>
+                </a:lnRef>
+                <a:fillRef idx="1">
+                  <a:schemeClr val="lt1"/>
+                </a:fillRef>
+                <a:effectRef idx="0">
+                  <a:schemeClr val="dk1"/>
+                </a:effectRef>
+                <a:fontRef idx="minor">
+                  <a:schemeClr val="dk1"/>
+                </a:fontRef>
+              </p:style>
+              <p:txBody>
+                <a:bodyPr rtlCol="0" anchor="ctr"/>
+                <a:lstStyle>
+                  <a:defPPr>
+                    <a:defRPr lang="en-US"/>
+                  </a:defPPr>
+                  <a:lvl1pPr marL="0" algn="l" defTabSz="914400" rtl="0" eaLnBrk="1" latinLnBrk="0" hangingPunct="1">
+                    <a:defRPr sz="1800" kern="1200">
+                      <a:solidFill>
+                        <a:schemeClr val="dk1"/>
+                      </a:solidFill>
+                      <a:latin typeface="+mn-lt"/>
+                      <a:ea typeface="+mn-ea"/>
+                      <a:cs typeface="+mn-cs"/>
+                    </a:defRPr>
+                  </a:lvl1pPr>
+                  <a:lvl2pPr marL="457200" algn="l" defTabSz="914400" rtl="0" eaLnBrk="1" latinLnBrk="0" hangingPunct="1">
+                    <a:defRPr sz="1800" kern="1200">
+                      <a:solidFill>
+                        <a:schemeClr val="dk1"/>
+                      </a:solidFill>
+                      <a:latin typeface="+mn-lt"/>
+                      <a:ea typeface="+mn-ea"/>
+                      <a:cs typeface="+mn-cs"/>
+                    </a:defRPr>
+                  </a:lvl2pPr>
+                  <a:lvl3pPr marL="914400" algn="l" defTabSz="914400" rtl="0" eaLnBrk="1" latinLnBrk="0" hangingPunct="1">
+                    <a:defRPr sz="1800" kern="1200">
+                      <a:solidFill>
+                        <a:schemeClr val="dk1"/>
+                      </a:solidFill>
+                      <a:latin typeface="+mn-lt"/>
+                      <a:ea typeface="+mn-ea"/>
+                      <a:cs typeface="+mn-cs"/>
+                    </a:defRPr>
+                  </a:lvl3pPr>
+                  <a:lvl4pPr marL="1371600" algn="l" defTabSz="914400" rtl="0" eaLnBrk="1" latinLnBrk="0" hangingPunct="1">
+                    <a:defRPr sz="1800" kern="1200">
+                      <a:solidFill>
+                        <a:schemeClr val="dk1"/>
+                      </a:solidFill>
+                      <a:latin typeface="+mn-lt"/>
+                      <a:ea typeface="+mn-ea"/>
+                      <a:cs typeface="+mn-cs"/>
+                    </a:defRPr>
+                  </a:lvl4pPr>
+                  <a:lvl5pPr marL="1828800" algn="l" defTabSz="914400" rtl="0" eaLnBrk="1" latinLnBrk="0" hangingPunct="1">
+                    <a:defRPr sz="1800" kern="1200">
+                      <a:solidFill>
+                        <a:schemeClr val="dk1"/>
+                      </a:solidFill>
+                      <a:latin typeface="+mn-lt"/>
+                      <a:ea typeface="+mn-ea"/>
+                      <a:cs typeface="+mn-cs"/>
+                    </a:defRPr>
+                  </a:lvl5pPr>
+                  <a:lvl6pPr marL="2286000" algn="l" defTabSz="914400" rtl="0" eaLnBrk="1" latinLnBrk="0" hangingPunct="1">
+                    <a:defRPr sz="1800" kern="1200">
+                      <a:solidFill>
+                        <a:schemeClr val="dk1"/>
+                      </a:solidFill>
+                      <a:latin typeface="+mn-lt"/>
+                      <a:ea typeface="+mn-ea"/>
+                      <a:cs typeface="+mn-cs"/>
+                    </a:defRPr>
+                  </a:lvl6pPr>
+                  <a:lvl7pPr marL="2743200" algn="l" defTabSz="914400" rtl="0" eaLnBrk="1" latinLnBrk="0" hangingPunct="1">
+                    <a:defRPr sz="1800" kern="1200">
+                      <a:solidFill>
+                        <a:schemeClr val="dk1"/>
+                      </a:solidFill>
+                      <a:latin typeface="+mn-lt"/>
+                      <a:ea typeface="+mn-ea"/>
+                      <a:cs typeface="+mn-cs"/>
+                    </a:defRPr>
+                  </a:lvl7pPr>
+                  <a:lvl8pPr marL="3200400" algn="l" defTabSz="914400" rtl="0" eaLnBrk="1" latinLnBrk="0" hangingPunct="1">
+                    <a:defRPr sz="1800" kern="1200">
+                      <a:solidFill>
+                        <a:schemeClr val="dk1"/>
+                      </a:solidFill>
+                      <a:latin typeface="+mn-lt"/>
+                      <a:ea typeface="+mn-ea"/>
+                      <a:cs typeface="+mn-cs"/>
+                    </a:defRPr>
+                  </a:lvl8pPr>
+                  <a:lvl9pPr marL="3657600" algn="l" defTabSz="914400" rtl="0" eaLnBrk="1" latinLnBrk="0" hangingPunct="1">
+                    <a:defRPr sz="1800" kern="1200">
+                      <a:solidFill>
+                        <a:schemeClr val="dk1"/>
+                      </a:solidFill>
+                      <a:latin typeface="+mn-lt"/>
+                      <a:ea typeface="+mn-ea"/>
+                      <a:cs typeface="+mn-cs"/>
+                    </a:defRPr>
+                  </a:lvl9pPr>
+                </a:lstStyle>
+                <a:p>
+                  <a:pPr algn="ctr"/>
+                  <a:endParaRPr lang="en-US" sz="1050" dirty="0"/>
+                </a:p>
+              </p:txBody>
+            </p:sp>
+            <p:sp>
+              <p:nvSpPr>
+                <p:cNvPr id="43" name="Oval 42">
+                  <a:extLst>
+                    <a:ext uri="{FF2B5EF4-FFF2-40B4-BE49-F238E27FC236}">
+                      <a16:creationId xmlns:a16="http://schemas.microsoft.com/office/drawing/2014/main" id="{BB12EDC4-2978-DB4B-93C6-3DFEFF413D4F}"/>
+                    </a:ext>
+                  </a:extLst>
+                </p:cNvPr>
+                <p:cNvSpPr/>
+                <p:nvPr/>
+              </p:nvSpPr>
+              <p:spPr>
+                <a:xfrm>
+                  <a:off x="10384390" y="5529371"/>
+                  <a:ext cx="89923" cy="89923"/>
+                </a:xfrm>
+                <a:prstGeom prst="ellipse">
+                  <a:avLst/>
+                </a:prstGeom>
+                <a:solidFill>
+                  <a:schemeClr val="bg1">
+                    <a:lumMod val="85000"/>
+                  </a:schemeClr>
+                </a:solidFill>
+              </p:spPr>
+              <p:style>
+                <a:lnRef idx="2">
+                  <a:schemeClr val="dk1"/>
+                </a:lnRef>
+                <a:fillRef idx="1">
+                  <a:schemeClr val="lt1"/>
+                </a:fillRef>
+                <a:effectRef idx="0">
+                  <a:schemeClr val="dk1"/>
+                </a:effectRef>
+                <a:fontRef idx="minor">
+                  <a:schemeClr val="dk1"/>
+                </a:fontRef>
+              </p:style>
+              <p:txBody>
+                <a:bodyPr rtlCol="0" anchor="ctr"/>
+                <a:lstStyle>
+                  <a:defPPr>
+                    <a:defRPr lang="en-US"/>
+                  </a:defPPr>
+                  <a:lvl1pPr marL="0" algn="l" defTabSz="914400" rtl="0" eaLnBrk="1" latinLnBrk="0" hangingPunct="1">
+                    <a:defRPr sz="1800" kern="1200">
+                      <a:solidFill>
+                        <a:schemeClr val="dk1"/>
+                      </a:solidFill>
+                      <a:latin typeface="+mn-lt"/>
+                      <a:ea typeface="+mn-ea"/>
+                      <a:cs typeface="+mn-cs"/>
+                    </a:defRPr>
+                  </a:lvl1pPr>
+                  <a:lvl2pPr marL="457200" algn="l" defTabSz="914400" rtl="0" eaLnBrk="1" latinLnBrk="0" hangingPunct="1">
+                    <a:defRPr sz="1800" kern="1200">
+                      <a:solidFill>
+                        <a:schemeClr val="dk1"/>
+                      </a:solidFill>
+                      <a:latin typeface="+mn-lt"/>
+                      <a:ea typeface="+mn-ea"/>
+                      <a:cs typeface="+mn-cs"/>
+                    </a:defRPr>
+                  </a:lvl2pPr>
+                  <a:lvl3pPr marL="914400" algn="l" defTabSz="914400" rtl="0" eaLnBrk="1" latinLnBrk="0" hangingPunct="1">
+                    <a:defRPr sz="1800" kern="1200">
+                      <a:solidFill>
+                        <a:schemeClr val="dk1"/>
+                      </a:solidFill>
+                      <a:latin typeface="+mn-lt"/>
+                      <a:ea typeface="+mn-ea"/>
+                      <a:cs typeface="+mn-cs"/>
+                    </a:defRPr>
+                  </a:lvl3pPr>
+                  <a:lvl4pPr marL="1371600" algn="l" defTabSz="914400" rtl="0" eaLnBrk="1" latinLnBrk="0" hangingPunct="1">
+                    <a:defRPr sz="1800" kern="1200">
+                      <a:solidFill>
+                        <a:schemeClr val="dk1"/>
+                      </a:solidFill>
+                      <a:latin typeface="+mn-lt"/>
+                      <a:ea typeface="+mn-ea"/>
+                      <a:cs typeface="+mn-cs"/>
+                    </a:defRPr>
+                  </a:lvl4pPr>
+                  <a:lvl5pPr marL="1828800" algn="l" defTabSz="914400" rtl="0" eaLnBrk="1" latinLnBrk="0" hangingPunct="1">
+                    <a:defRPr sz="1800" kern="1200">
+                      <a:solidFill>
+                        <a:schemeClr val="dk1"/>
+                      </a:solidFill>
+                      <a:latin typeface="+mn-lt"/>
+                      <a:ea typeface="+mn-ea"/>
+                      <a:cs typeface="+mn-cs"/>
+                    </a:defRPr>
+                  </a:lvl5pPr>
+                  <a:lvl6pPr marL="2286000" algn="l" defTabSz="914400" rtl="0" eaLnBrk="1" latinLnBrk="0" hangingPunct="1">
+                    <a:defRPr sz="1800" kern="1200">
+                      <a:solidFill>
+                        <a:schemeClr val="dk1"/>
+                      </a:solidFill>
+                      <a:latin typeface="+mn-lt"/>
+                      <a:ea typeface="+mn-ea"/>
+                      <a:cs typeface="+mn-cs"/>
+                    </a:defRPr>
+                  </a:lvl6pPr>
+                  <a:lvl7pPr marL="2743200" algn="l" defTabSz="914400" rtl="0" eaLnBrk="1" latinLnBrk="0" hangingPunct="1">
+                    <a:defRPr sz="1800" kern="1200">
+                      <a:solidFill>
+                        <a:schemeClr val="dk1"/>
+                      </a:solidFill>
+                      <a:latin typeface="+mn-lt"/>
+                      <a:ea typeface="+mn-ea"/>
+                      <a:cs typeface="+mn-cs"/>
+                    </a:defRPr>
+                  </a:lvl7pPr>
+                  <a:lvl8pPr marL="3200400" algn="l" defTabSz="914400" rtl="0" eaLnBrk="1" latinLnBrk="0" hangingPunct="1">
+                    <a:defRPr sz="1800" kern="1200">
+                      <a:solidFill>
+                        <a:schemeClr val="dk1"/>
+                      </a:solidFill>
+                      <a:latin typeface="+mn-lt"/>
+                      <a:ea typeface="+mn-ea"/>
+                      <a:cs typeface="+mn-cs"/>
+                    </a:defRPr>
+                  </a:lvl8pPr>
+                  <a:lvl9pPr marL="3657600" algn="l" defTabSz="914400" rtl="0" eaLnBrk="1" latinLnBrk="0" hangingPunct="1">
+                    <a:defRPr sz="1800" kern="1200">
+                      <a:solidFill>
+                        <a:schemeClr val="dk1"/>
+                      </a:solidFill>
+                      <a:latin typeface="+mn-lt"/>
+                      <a:ea typeface="+mn-ea"/>
+                      <a:cs typeface="+mn-cs"/>
+                    </a:defRPr>
+                  </a:lvl9pPr>
+                </a:lstStyle>
+                <a:p>
+                  <a:pPr algn="ctr"/>
+                  <a:endParaRPr lang="en-US" sz="1050" dirty="0"/>
+                </a:p>
+              </p:txBody>
+            </p:sp>
+            <p:sp>
+              <p:nvSpPr>
+                <p:cNvPr id="38" name="Oval 37">
+                  <a:extLst>
+                    <a:ext uri="{FF2B5EF4-FFF2-40B4-BE49-F238E27FC236}">
+                      <a16:creationId xmlns:a16="http://schemas.microsoft.com/office/drawing/2014/main" id="{61B4389F-14E2-ED41-A565-C65DFEE792BF}"/>
+                    </a:ext>
+                  </a:extLst>
+                </p:cNvPr>
+                <p:cNvSpPr/>
+                <p:nvPr/>
+              </p:nvSpPr>
+              <p:spPr>
+                <a:xfrm>
+                  <a:off x="9575885" y="5103628"/>
+                  <a:ext cx="160297" cy="160297"/>
+                </a:xfrm>
+                <a:prstGeom prst="ellipse">
+                  <a:avLst/>
+                </a:prstGeom>
+                <a:solidFill>
+                  <a:schemeClr val="bg1">
+                    <a:lumMod val="85000"/>
+                  </a:schemeClr>
+                </a:solidFill>
+              </p:spPr>
+              <p:style>
+                <a:lnRef idx="2">
+                  <a:schemeClr val="dk1"/>
+                </a:lnRef>
+                <a:fillRef idx="1">
+                  <a:schemeClr val="lt1"/>
+                </a:fillRef>
+                <a:effectRef idx="0">
+                  <a:schemeClr val="dk1"/>
+                </a:effectRef>
+                <a:fontRef idx="minor">
+                  <a:schemeClr val="dk1"/>
+                </a:fontRef>
+              </p:style>
+              <p:txBody>
+                <a:bodyPr rtlCol="0" anchor="ctr"/>
+                <a:lstStyle>
+                  <a:defPPr>
+                    <a:defRPr lang="en-US"/>
+                  </a:defPPr>
+                  <a:lvl1pPr marL="0" algn="l" defTabSz="914400" rtl="0" eaLnBrk="1" latinLnBrk="0" hangingPunct="1">
+                    <a:defRPr sz="1800" kern="1200">
+                      <a:solidFill>
+                        <a:schemeClr val="dk1"/>
+                      </a:solidFill>
+                      <a:latin typeface="+mn-lt"/>
+                      <a:ea typeface="+mn-ea"/>
+                      <a:cs typeface="+mn-cs"/>
+                    </a:defRPr>
+                  </a:lvl1pPr>
+                  <a:lvl2pPr marL="457200" algn="l" defTabSz="914400" rtl="0" eaLnBrk="1" latinLnBrk="0" hangingPunct="1">
+                    <a:defRPr sz="1800" kern="1200">
+                      <a:solidFill>
+                        <a:schemeClr val="dk1"/>
+                      </a:solidFill>
+                      <a:latin typeface="+mn-lt"/>
+                      <a:ea typeface="+mn-ea"/>
+                      <a:cs typeface="+mn-cs"/>
+                    </a:defRPr>
+                  </a:lvl2pPr>
+                  <a:lvl3pPr marL="914400" algn="l" defTabSz="914400" rtl="0" eaLnBrk="1" latinLnBrk="0" hangingPunct="1">
+                    <a:defRPr sz="1800" kern="1200">
+                      <a:solidFill>
+                        <a:schemeClr val="dk1"/>
+                      </a:solidFill>
+                      <a:latin typeface="+mn-lt"/>
+                      <a:ea typeface="+mn-ea"/>
+                      <a:cs typeface="+mn-cs"/>
+                    </a:defRPr>
+                  </a:lvl3pPr>
+                  <a:lvl4pPr marL="1371600" algn="l" defTabSz="914400" rtl="0" eaLnBrk="1" latinLnBrk="0" hangingPunct="1">
+                    <a:defRPr sz="1800" kern="1200">
+                      <a:solidFill>
+                        <a:schemeClr val="dk1"/>
+                      </a:solidFill>
+                      <a:latin typeface="+mn-lt"/>
+                      <a:ea typeface="+mn-ea"/>
+                      <a:cs typeface="+mn-cs"/>
+                    </a:defRPr>
+                  </a:lvl4pPr>
+                  <a:lvl5pPr marL="1828800" algn="l" defTabSz="914400" rtl="0" eaLnBrk="1" latinLnBrk="0" hangingPunct="1">
+                    <a:defRPr sz="1800" kern="1200">
+                      <a:solidFill>
+                        <a:schemeClr val="dk1"/>
+                      </a:solidFill>
+                      <a:latin typeface="+mn-lt"/>
+                      <a:ea typeface="+mn-ea"/>
+                      <a:cs typeface="+mn-cs"/>
+                    </a:defRPr>
+                  </a:lvl5pPr>
+                  <a:lvl6pPr marL="2286000" algn="l" defTabSz="914400" rtl="0" eaLnBrk="1" latinLnBrk="0" hangingPunct="1">
+                    <a:defRPr sz="1800" kern="1200">
+                      <a:solidFill>
+                        <a:schemeClr val="dk1"/>
+                      </a:solidFill>
+                      <a:latin typeface="+mn-lt"/>
+                      <a:ea typeface="+mn-ea"/>
+                      <a:cs typeface="+mn-cs"/>
+                    </a:defRPr>
+                  </a:lvl6pPr>
+                  <a:lvl7pPr marL="2743200" algn="l" defTabSz="914400" rtl="0" eaLnBrk="1" latinLnBrk="0" hangingPunct="1">
+                    <a:defRPr sz="1800" kern="1200">
+                      <a:solidFill>
+                        <a:schemeClr val="dk1"/>
+                      </a:solidFill>
+                      <a:latin typeface="+mn-lt"/>
+                      <a:ea typeface="+mn-ea"/>
+                      <a:cs typeface="+mn-cs"/>
+                    </a:defRPr>
+                  </a:lvl7pPr>
+                  <a:lvl8pPr marL="3200400" algn="l" defTabSz="914400" rtl="0" eaLnBrk="1" latinLnBrk="0" hangingPunct="1">
+                    <a:defRPr sz="1800" kern="1200">
+                      <a:solidFill>
+                        <a:schemeClr val="dk1"/>
+                      </a:solidFill>
+                      <a:latin typeface="+mn-lt"/>
+                      <a:ea typeface="+mn-ea"/>
+                      <a:cs typeface="+mn-cs"/>
+                    </a:defRPr>
+                  </a:lvl8pPr>
+                  <a:lvl9pPr marL="3657600" algn="l" defTabSz="914400" rtl="0" eaLnBrk="1" latinLnBrk="0" hangingPunct="1">
+                    <a:defRPr sz="1800" kern="1200">
+                      <a:solidFill>
+                        <a:schemeClr val="dk1"/>
+                      </a:solidFill>
+                      <a:latin typeface="+mn-lt"/>
+                      <a:ea typeface="+mn-ea"/>
+                      <a:cs typeface="+mn-cs"/>
+                    </a:defRPr>
+                  </a:lvl9pPr>
+                </a:lstStyle>
+                <a:p>
+                  <a:pPr algn="ctr"/>
+                  <a:endParaRPr lang="en-US" sz="1050" dirty="0"/>
+                </a:p>
+              </p:txBody>
+            </p:sp>
+            <p:sp>
+              <p:nvSpPr>
+                <p:cNvPr id="40" name="Oval 39">
+                  <a:extLst>
+                    <a:ext uri="{FF2B5EF4-FFF2-40B4-BE49-F238E27FC236}">
+                      <a16:creationId xmlns:a16="http://schemas.microsoft.com/office/drawing/2014/main" id="{CD0DE9F8-7705-0042-A143-1DA665E0783E}"/>
+                    </a:ext>
+                  </a:extLst>
+                </p:cNvPr>
+                <p:cNvSpPr/>
+                <p:nvPr/>
+              </p:nvSpPr>
+              <p:spPr>
+                <a:xfrm>
+                  <a:off x="9611731" y="5139813"/>
+                  <a:ext cx="89923" cy="89923"/>
+                </a:xfrm>
+                <a:prstGeom prst="ellipse">
+                  <a:avLst/>
+                </a:prstGeom>
+                <a:solidFill>
+                  <a:schemeClr val="bg1">
+                    <a:lumMod val="85000"/>
+                  </a:schemeClr>
+                </a:solidFill>
+              </p:spPr>
+              <p:style>
+                <a:lnRef idx="2">
+                  <a:schemeClr val="dk1"/>
+                </a:lnRef>
+                <a:fillRef idx="1">
+                  <a:schemeClr val="lt1"/>
+                </a:fillRef>
+                <a:effectRef idx="0">
+                  <a:schemeClr val="dk1"/>
+                </a:effectRef>
+                <a:fontRef idx="minor">
+                  <a:schemeClr val="dk1"/>
+                </a:fontRef>
+              </p:style>
+              <p:txBody>
+                <a:bodyPr rtlCol="0" anchor="ctr"/>
+                <a:lstStyle>
+                  <a:defPPr>
+                    <a:defRPr lang="en-US"/>
+                  </a:defPPr>
+                  <a:lvl1pPr marL="0" algn="l" defTabSz="914400" rtl="0" eaLnBrk="1" latinLnBrk="0" hangingPunct="1">
+                    <a:defRPr sz="1800" kern="1200">
+                      <a:solidFill>
+                        <a:schemeClr val="dk1"/>
+                      </a:solidFill>
+                      <a:latin typeface="+mn-lt"/>
+                      <a:ea typeface="+mn-ea"/>
+                      <a:cs typeface="+mn-cs"/>
+                    </a:defRPr>
+                  </a:lvl1pPr>
+                  <a:lvl2pPr marL="457200" algn="l" defTabSz="914400" rtl="0" eaLnBrk="1" latinLnBrk="0" hangingPunct="1">
+                    <a:defRPr sz="1800" kern="1200">
+                      <a:solidFill>
+                        <a:schemeClr val="dk1"/>
+                      </a:solidFill>
+                      <a:latin typeface="+mn-lt"/>
+                      <a:ea typeface="+mn-ea"/>
+                      <a:cs typeface="+mn-cs"/>
+                    </a:defRPr>
+                  </a:lvl2pPr>
+                  <a:lvl3pPr marL="914400" algn="l" defTabSz="914400" rtl="0" eaLnBrk="1" latinLnBrk="0" hangingPunct="1">
+                    <a:defRPr sz="1800" kern="1200">
+                      <a:solidFill>
+                        <a:schemeClr val="dk1"/>
+                      </a:solidFill>
+                      <a:latin typeface="+mn-lt"/>
+                      <a:ea typeface="+mn-ea"/>
+                      <a:cs typeface="+mn-cs"/>
+                    </a:defRPr>
+                  </a:lvl3pPr>
+                  <a:lvl4pPr marL="1371600" algn="l" defTabSz="914400" rtl="0" eaLnBrk="1" latinLnBrk="0" hangingPunct="1">
+                    <a:defRPr sz="1800" kern="1200">
+                      <a:solidFill>
+                        <a:schemeClr val="dk1"/>
+                      </a:solidFill>
+                      <a:latin typeface="+mn-lt"/>
+                      <a:ea typeface="+mn-ea"/>
+                      <a:cs typeface="+mn-cs"/>
+                    </a:defRPr>
+                  </a:lvl4pPr>
+                  <a:lvl5pPr marL="1828800" algn="l" defTabSz="914400" rtl="0" eaLnBrk="1" latinLnBrk="0" hangingPunct="1">
+                    <a:defRPr sz="1800" kern="1200">
+                      <a:solidFill>
+                        <a:schemeClr val="dk1"/>
+                      </a:solidFill>
+                      <a:latin typeface="+mn-lt"/>
+                      <a:ea typeface="+mn-ea"/>
+                      <a:cs typeface="+mn-cs"/>
+                    </a:defRPr>
+                  </a:lvl5pPr>
+                  <a:lvl6pPr marL="2286000" algn="l" defTabSz="914400" rtl="0" eaLnBrk="1" latinLnBrk="0" hangingPunct="1">
+                    <a:defRPr sz="1800" kern="1200">
+                      <a:solidFill>
+                        <a:schemeClr val="dk1"/>
+                      </a:solidFill>
+                      <a:latin typeface="+mn-lt"/>
+                      <a:ea typeface="+mn-ea"/>
+                      <a:cs typeface="+mn-cs"/>
+                    </a:defRPr>
+                  </a:lvl6pPr>
+                  <a:lvl7pPr marL="2743200" algn="l" defTabSz="914400" rtl="0" eaLnBrk="1" latinLnBrk="0" hangingPunct="1">
+                    <a:defRPr sz="1800" kern="1200">
+                      <a:solidFill>
+                        <a:schemeClr val="dk1"/>
+                      </a:solidFill>
+                      <a:latin typeface="+mn-lt"/>
+                      <a:ea typeface="+mn-ea"/>
+                      <a:cs typeface="+mn-cs"/>
+                    </a:defRPr>
+                  </a:lvl7pPr>
+                  <a:lvl8pPr marL="3200400" algn="l" defTabSz="914400" rtl="0" eaLnBrk="1" latinLnBrk="0" hangingPunct="1">
+                    <a:defRPr sz="1800" kern="1200">
+                      <a:solidFill>
+                        <a:schemeClr val="dk1"/>
+                      </a:solidFill>
+                      <a:latin typeface="+mn-lt"/>
+                      <a:ea typeface="+mn-ea"/>
+                      <a:cs typeface="+mn-cs"/>
+                    </a:defRPr>
+                  </a:lvl8pPr>
+                  <a:lvl9pPr marL="3657600" algn="l" defTabSz="914400" rtl="0" eaLnBrk="1" latinLnBrk="0" hangingPunct="1">
+                    <a:defRPr sz="1800" kern="1200">
+                      <a:solidFill>
+                        <a:schemeClr val="dk1"/>
+                      </a:solidFill>
+                      <a:latin typeface="+mn-lt"/>
+                      <a:ea typeface="+mn-ea"/>
+                      <a:cs typeface="+mn-cs"/>
+                    </a:defRPr>
+                  </a:lvl9pPr>
+                </a:lstStyle>
+                <a:p>
+                  <a:pPr algn="ctr"/>
+                  <a:endParaRPr lang="en-US" sz="1050" dirty="0"/>
+                </a:p>
+              </p:txBody>
+            </p:sp>
+            <p:sp>
+              <p:nvSpPr>
+                <p:cNvPr id="36" name="Oval 35">
+                  <a:extLst>
+                    <a:ext uri="{FF2B5EF4-FFF2-40B4-BE49-F238E27FC236}">
+                      <a16:creationId xmlns:a16="http://schemas.microsoft.com/office/drawing/2014/main" id="{CE8D5914-3E50-934B-A4ED-7869797E0F18}"/>
+                    </a:ext>
+                  </a:extLst>
+                </p:cNvPr>
+                <p:cNvSpPr/>
+                <p:nvPr/>
+              </p:nvSpPr>
+              <p:spPr>
+                <a:xfrm>
+                  <a:off x="9736182" y="4810968"/>
+                  <a:ext cx="41918" cy="41918"/>
+                </a:xfrm>
+                <a:prstGeom prst="ellipse">
+                  <a:avLst/>
+                </a:prstGeom>
+                <a:solidFill>
+                  <a:schemeClr val="tx1"/>
+                </a:solidFill>
+                <a:ln>
+                  <a:solidFill>
+                    <a:schemeClr val="bg1">
+                      <a:lumMod val="85000"/>
+                    </a:schemeClr>
+                  </a:solidFill>
+                </a:ln>
+              </p:spPr>
+              <p:style>
+                <a:lnRef idx="2">
+                  <a:schemeClr val="accent1">
+                    <a:shade val="50000"/>
+                  </a:schemeClr>
+                </a:lnRef>
+                <a:fillRef idx="1">
+                  <a:schemeClr val="accent1"/>
+                </a:fillRef>
+                <a:effectRef idx="0">
+                  <a:schemeClr val="accent1"/>
+                </a:effectRef>
+                <a:fontRef idx="minor">
+                  <a:schemeClr val="lt1"/>
+                </a:fontRef>
+              </p:style>
+              <p:txBody>
+                <a:bodyPr rtlCol="0" anchor="ctr"/>
+                <a:lstStyle>
+                  <a:defPPr>
+                    <a:defRPr lang="en-US"/>
+                  </a:defPPr>
+                  <a:lvl1pPr marL="0" algn="l" defTabSz="914400" rtl="0" eaLnBrk="1" latinLnBrk="0" hangingPunct="1">
+                    <a:defRPr sz="1800" kern="1200">
+                      <a:solidFill>
+                        <a:schemeClr val="lt1"/>
+                      </a:solidFill>
+                      <a:latin typeface="+mn-lt"/>
+                      <a:ea typeface="+mn-ea"/>
+                      <a:cs typeface="+mn-cs"/>
+                    </a:defRPr>
+                  </a:lvl1pPr>
+                  <a:lvl2pPr marL="457200" algn="l" defTabSz="914400" rtl="0" eaLnBrk="1" latinLnBrk="0" hangingPunct="1">
+                    <a:defRPr sz="1800" kern="1200">
+                      <a:solidFill>
+                        <a:schemeClr val="lt1"/>
+                      </a:solidFill>
+                      <a:latin typeface="+mn-lt"/>
+                      <a:ea typeface="+mn-ea"/>
+                      <a:cs typeface="+mn-cs"/>
+                    </a:defRPr>
+                  </a:lvl2pPr>
+                  <a:lvl3pPr marL="914400" algn="l" defTabSz="914400" rtl="0" eaLnBrk="1" latinLnBrk="0" hangingPunct="1">
+                    <a:defRPr sz="1800" kern="1200">
+                      <a:solidFill>
+                        <a:schemeClr val="lt1"/>
+                      </a:solidFill>
+                      <a:latin typeface="+mn-lt"/>
+                      <a:ea typeface="+mn-ea"/>
+                      <a:cs typeface="+mn-cs"/>
+                    </a:defRPr>
+                  </a:lvl3pPr>
+                  <a:lvl4pPr marL="1371600" algn="l" defTabSz="914400" rtl="0" eaLnBrk="1" latinLnBrk="0" hangingPunct="1">
+                    <a:defRPr sz="1800" kern="1200">
+                      <a:solidFill>
+                        <a:schemeClr val="lt1"/>
+                      </a:solidFill>
+                      <a:latin typeface="+mn-lt"/>
+                      <a:ea typeface="+mn-ea"/>
+                      <a:cs typeface="+mn-cs"/>
+                    </a:defRPr>
+                  </a:lvl4pPr>
+                  <a:lvl5pPr marL="1828800" algn="l" defTabSz="914400" rtl="0" eaLnBrk="1" latinLnBrk="0" hangingPunct="1">
+                    <a:defRPr sz="1800" kern="1200">
+                      <a:solidFill>
+                        <a:schemeClr val="lt1"/>
+                      </a:solidFill>
+                      <a:latin typeface="+mn-lt"/>
+                      <a:ea typeface="+mn-ea"/>
+                      <a:cs typeface="+mn-cs"/>
+                    </a:defRPr>
+                  </a:lvl5pPr>
+                  <a:lvl6pPr marL="2286000" algn="l" defTabSz="914400" rtl="0" eaLnBrk="1" latinLnBrk="0" hangingPunct="1">
+                    <a:defRPr sz="1800" kern="1200">
+                      <a:solidFill>
+                        <a:schemeClr val="lt1"/>
+                      </a:solidFill>
+                      <a:latin typeface="+mn-lt"/>
+                      <a:ea typeface="+mn-ea"/>
+                      <a:cs typeface="+mn-cs"/>
+                    </a:defRPr>
+                  </a:lvl6pPr>
+                  <a:lvl7pPr marL="2743200" algn="l" defTabSz="914400" rtl="0" eaLnBrk="1" latinLnBrk="0" hangingPunct="1">
+                    <a:defRPr sz="1800" kern="1200">
+                      <a:solidFill>
+                        <a:schemeClr val="lt1"/>
+                      </a:solidFill>
+                      <a:latin typeface="+mn-lt"/>
+                      <a:ea typeface="+mn-ea"/>
+                      <a:cs typeface="+mn-cs"/>
+                    </a:defRPr>
+                  </a:lvl7pPr>
+                  <a:lvl8pPr marL="3200400" algn="l" defTabSz="914400" rtl="0" eaLnBrk="1" latinLnBrk="0" hangingPunct="1">
+                    <a:defRPr sz="1800" kern="1200">
+                      <a:solidFill>
+                        <a:schemeClr val="lt1"/>
+                      </a:solidFill>
+                      <a:latin typeface="+mn-lt"/>
+                      <a:ea typeface="+mn-ea"/>
+                      <a:cs typeface="+mn-cs"/>
+                    </a:defRPr>
+                  </a:lvl8pPr>
+                  <a:lvl9pPr marL="3657600" algn="l" defTabSz="914400" rtl="0" eaLnBrk="1" latinLnBrk="0" hangingPunct="1">
+                    <a:defRPr sz="1800" kern="1200">
+                      <a:solidFill>
+                        <a:schemeClr val="lt1"/>
+                      </a:solidFill>
+                      <a:latin typeface="+mn-lt"/>
+                      <a:ea typeface="+mn-ea"/>
+                      <a:cs typeface="+mn-cs"/>
+                    </a:defRPr>
+                  </a:lvl9pPr>
+                </a:lstStyle>
+                <a:p>
+                  <a:pPr algn="ctr"/>
+                  <a:endParaRPr lang="en-US" sz="1050" dirty="0"/>
+                </a:p>
+              </p:txBody>
+            </p:sp>
+            <p:sp>
+              <p:nvSpPr>
+                <p:cNvPr id="37" name="Oval 36">
+                  <a:extLst>
+                    <a:ext uri="{FF2B5EF4-FFF2-40B4-BE49-F238E27FC236}">
+                      <a16:creationId xmlns:a16="http://schemas.microsoft.com/office/drawing/2014/main" id="{90D2729A-7CDD-A949-9D0F-250925C0E856}"/>
+                    </a:ext>
+                  </a:extLst>
+                </p:cNvPr>
+                <p:cNvSpPr/>
+                <p:nvPr/>
+              </p:nvSpPr>
+              <p:spPr>
+                <a:xfrm>
+                  <a:off x="9527314" y="4809859"/>
+                  <a:ext cx="41918" cy="41918"/>
+                </a:xfrm>
+                <a:prstGeom prst="ellipse">
+                  <a:avLst/>
+                </a:prstGeom>
+                <a:solidFill>
+                  <a:schemeClr val="tx1"/>
+                </a:solidFill>
+                <a:ln>
+                  <a:solidFill>
+                    <a:schemeClr val="bg1">
+                      <a:lumMod val="85000"/>
+                    </a:schemeClr>
+                  </a:solidFill>
+                </a:ln>
+              </p:spPr>
+              <p:style>
+                <a:lnRef idx="2">
+                  <a:schemeClr val="accent1">
+                    <a:shade val="50000"/>
+                  </a:schemeClr>
+                </a:lnRef>
+                <a:fillRef idx="1">
+                  <a:schemeClr val="accent1"/>
+                </a:fillRef>
+                <a:effectRef idx="0">
+                  <a:schemeClr val="accent1"/>
+                </a:effectRef>
+                <a:fontRef idx="minor">
+                  <a:schemeClr val="lt1"/>
+                </a:fontRef>
+              </p:style>
+              <p:txBody>
+                <a:bodyPr rtlCol="0" anchor="ctr"/>
+                <a:lstStyle>
+                  <a:defPPr>
+                    <a:defRPr lang="en-US"/>
+                  </a:defPPr>
+                  <a:lvl1pPr marL="0" algn="l" defTabSz="914400" rtl="0" eaLnBrk="1" latinLnBrk="0" hangingPunct="1">
+                    <a:defRPr sz="1800" kern="1200">
+                      <a:solidFill>
+                        <a:schemeClr val="lt1"/>
+                      </a:solidFill>
+                      <a:latin typeface="+mn-lt"/>
+                      <a:ea typeface="+mn-ea"/>
+                      <a:cs typeface="+mn-cs"/>
+                    </a:defRPr>
+                  </a:lvl1pPr>
+                  <a:lvl2pPr marL="457200" algn="l" defTabSz="914400" rtl="0" eaLnBrk="1" latinLnBrk="0" hangingPunct="1">
+                    <a:defRPr sz="1800" kern="1200">
+                      <a:solidFill>
+                        <a:schemeClr val="lt1"/>
+                      </a:solidFill>
+                      <a:latin typeface="+mn-lt"/>
+                      <a:ea typeface="+mn-ea"/>
+                      <a:cs typeface="+mn-cs"/>
+                    </a:defRPr>
+                  </a:lvl2pPr>
+                  <a:lvl3pPr marL="914400" algn="l" defTabSz="914400" rtl="0" eaLnBrk="1" latinLnBrk="0" hangingPunct="1">
+                    <a:defRPr sz="1800" kern="1200">
+                      <a:solidFill>
+                        <a:schemeClr val="lt1"/>
+                      </a:solidFill>
+                      <a:latin typeface="+mn-lt"/>
+                      <a:ea typeface="+mn-ea"/>
+                      <a:cs typeface="+mn-cs"/>
+                    </a:defRPr>
+                  </a:lvl3pPr>
+                  <a:lvl4pPr marL="1371600" algn="l" defTabSz="914400" rtl="0" eaLnBrk="1" latinLnBrk="0" hangingPunct="1">
+                    <a:defRPr sz="1800" kern="1200">
+                      <a:solidFill>
+                        <a:schemeClr val="lt1"/>
+                      </a:solidFill>
+                      <a:latin typeface="+mn-lt"/>
+                      <a:ea typeface="+mn-ea"/>
+                      <a:cs typeface="+mn-cs"/>
+                    </a:defRPr>
+                  </a:lvl4pPr>
+                  <a:lvl5pPr marL="1828800" algn="l" defTabSz="914400" rtl="0" eaLnBrk="1" latinLnBrk="0" hangingPunct="1">
+                    <a:defRPr sz="1800" kern="1200">
+                      <a:solidFill>
+                        <a:schemeClr val="lt1"/>
+                      </a:solidFill>
+                      <a:latin typeface="+mn-lt"/>
+                      <a:ea typeface="+mn-ea"/>
+                      <a:cs typeface="+mn-cs"/>
+                    </a:defRPr>
+                  </a:lvl5pPr>
+                  <a:lvl6pPr marL="2286000" algn="l" defTabSz="914400" rtl="0" eaLnBrk="1" latinLnBrk="0" hangingPunct="1">
+                    <a:defRPr sz="1800" kern="1200">
+                      <a:solidFill>
+                        <a:schemeClr val="lt1"/>
+                      </a:solidFill>
+                      <a:latin typeface="+mn-lt"/>
+                      <a:ea typeface="+mn-ea"/>
+                      <a:cs typeface="+mn-cs"/>
+                    </a:defRPr>
+                  </a:lvl6pPr>
+                  <a:lvl7pPr marL="2743200" algn="l" defTabSz="914400" rtl="0" eaLnBrk="1" latinLnBrk="0" hangingPunct="1">
+                    <a:defRPr sz="1800" kern="1200">
+                      <a:solidFill>
+                        <a:schemeClr val="lt1"/>
+                      </a:solidFill>
+                      <a:latin typeface="+mn-lt"/>
+                      <a:ea typeface="+mn-ea"/>
+                      <a:cs typeface="+mn-cs"/>
+                    </a:defRPr>
+                  </a:lvl7pPr>
+                  <a:lvl8pPr marL="3200400" algn="l" defTabSz="914400" rtl="0" eaLnBrk="1" latinLnBrk="0" hangingPunct="1">
+                    <a:defRPr sz="1800" kern="1200">
+                      <a:solidFill>
+                        <a:schemeClr val="lt1"/>
+                      </a:solidFill>
+                      <a:latin typeface="+mn-lt"/>
+                      <a:ea typeface="+mn-ea"/>
+                      <a:cs typeface="+mn-cs"/>
+                    </a:defRPr>
+                  </a:lvl8pPr>
+                  <a:lvl9pPr marL="3657600" algn="l" defTabSz="914400" rtl="0" eaLnBrk="1" latinLnBrk="0" hangingPunct="1">
+                    <a:defRPr sz="1800" kern="1200">
+                      <a:solidFill>
+                        <a:schemeClr val="lt1"/>
+                      </a:solidFill>
+                      <a:latin typeface="+mn-lt"/>
+                      <a:ea typeface="+mn-ea"/>
+                      <a:cs typeface="+mn-cs"/>
+                    </a:defRPr>
+                  </a:lvl9pPr>
+                </a:lstStyle>
+                <a:p>
+                  <a:pPr algn="ctr"/>
+                  <a:endParaRPr lang="en-US" sz="1050" dirty="0"/>
+                </a:p>
+              </p:txBody>
+            </p:sp>
+          </p:grpSp>
+          <p:grpSp>
+            <p:nvGrpSpPr>
+              <p:cNvPr id="59" name="Group 58">
+                <a:extLst>
+                  <a:ext uri="{FF2B5EF4-FFF2-40B4-BE49-F238E27FC236}">
+                    <a16:creationId xmlns:a16="http://schemas.microsoft.com/office/drawing/2014/main" id="{0CDA3608-DD66-4506-86E4-776584C0CBF7}"/>
+                  </a:ext>
+                </a:extLst>
+              </p:cNvPr>
+              <p:cNvGrpSpPr/>
+              <p:nvPr/>
+            </p:nvGrpSpPr>
+            <p:grpSpPr>
+              <a:xfrm>
+                <a:off x="1393122" y="4044569"/>
+                <a:ext cx="1711036" cy="1072492"/>
+                <a:chOff x="1163782" y="4588602"/>
+                <a:chExt cx="1711036" cy="1072492"/>
+              </a:xfrm>
+            </p:grpSpPr>
+            <p:sp>
+              <p:nvSpPr>
+                <p:cNvPr id="56" name="Rectangle: Rounded Corners 55">
+                  <a:extLst>
+                    <a:ext uri="{FF2B5EF4-FFF2-40B4-BE49-F238E27FC236}">
+                      <a16:creationId xmlns:a16="http://schemas.microsoft.com/office/drawing/2014/main" id="{895A9F02-E8B7-476C-9439-3FD1D19D7ED7}"/>
+                    </a:ext>
+                  </a:extLst>
+                </p:cNvPr>
+                <p:cNvSpPr/>
+                <p:nvPr/>
+              </p:nvSpPr>
+              <p:spPr>
+                <a:xfrm>
+                  <a:off x="1163782" y="4588602"/>
+                  <a:ext cx="1711036" cy="1072492"/>
+                </a:xfrm>
+                <a:prstGeom prst="roundRect">
+                  <a:avLst/>
+                </a:prstGeom>
+              </p:spPr>
+              <p:style>
+                <a:lnRef idx="2">
+                  <a:schemeClr val="dk1">
+                    <a:shade val="50000"/>
+                  </a:schemeClr>
+                </a:lnRef>
+                <a:fillRef idx="1">
+                  <a:schemeClr val="dk1"/>
+                </a:fillRef>
+                <a:effectRef idx="0">
+                  <a:schemeClr val="dk1"/>
+                </a:effectRef>
+                <a:fontRef idx="minor">
+                  <a:schemeClr val="lt1"/>
+                </a:fontRef>
+              </p:style>
+              <p:txBody>
+                <a:bodyPr rtlCol="0" anchor="ctr"/>
+                <a:lstStyle/>
+                <a:p>
+                  <a:pPr algn="ctr"/>
+                  <a:endParaRPr lang="en-US" sz="1100"/>
+                </a:p>
+              </p:txBody>
+            </p:sp>
+            <p:sp>
+              <p:nvSpPr>
+                <p:cNvPr id="57" name="Rectangle: Rounded Corners 56">
+                  <a:extLst>
+                    <a:ext uri="{FF2B5EF4-FFF2-40B4-BE49-F238E27FC236}">
+                      <a16:creationId xmlns:a16="http://schemas.microsoft.com/office/drawing/2014/main" id="{BAB9A8E3-09B5-4145-9EC3-CADC3AABF95D}"/>
+                    </a:ext>
+                  </a:extLst>
+                </p:cNvPr>
+                <p:cNvSpPr/>
+                <p:nvPr/>
+              </p:nvSpPr>
+              <p:spPr>
+                <a:xfrm>
+                  <a:off x="1424899" y="4768412"/>
+                  <a:ext cx="1177636" cy="239707"/>
+                </a:xfrm>
+                <a:prstGeom prst="roundRect">
+                  <a:avLst/>
+                </a:prstGeom>
+              </p:spPr>
+              <p:style>
+                <a:lnRef idx="2">
+                  <a:schemeClr val="dk1"/>
+                </a:lnRef>
+                <a:fillRef idx="1">
+                  <a:schemeClr val="lt1"/>
+                </a:fillRef>
+                <a:effectRef idx="0">
+                  <a:schemeClr val="dk1"/>
+                </a:effectRef>
+                <a:fontRef idx="minor">
+                  <a:schemeClr val="dk1"/>
+                </a:fontRef>
+              </p:style>
+              <p:txBody>
+                <a:bodyPr rtlCol="0" anchor="ctr"/>
+                <a:lstStyle/>
+                <a:p>
+                  <a:pPr algn="ctr"/>
+                  <a:endParaRPr lang="en-US" sz="1100"/>
+                </a:p>
+              </p:txBody>
+            </p:sp>
+            <p:sp>
+              <p:nvSpPr>
+                <p:cNvPr id="58" name="Oval 57">
+                  <a:extLst>
+                    <a:ext uri="{FF2B5EF4-FFF2-40B4-BE49-F238E27FC236}">
+                      <a16:creationId xmlns:a16="http://schemas.microsoft.com/office/drawing/2014/main" id="{9F543A2D-ACCB-4B54-BE23-D1C1E73CCF9D}"/>
+                    </a:ext>
+                  </a:extLst>
+                </p:cNvPr>
+                <p:cNvSpPr/>
+                <p:nvPr/>
+              </p:nvSpPr>
+              <p:spPr>
+                <a:xfrm>
+                  <a:off x="2235389" y="5122199"/>
+                  <a:ext cx="377215" cy="377215"/>
+                </a:xfrm>
+                <a:prstGeom prst="ellipse">
+                  <a:avLst/>
+                </a:prstGeom>
+                <a:solidFill>
+                  <a:schemeClr val="tx1"/>
+                </a:solidFill>
+                <a:ln w="57150">
+                  <a:solidFill>
+                    <a:schemeClr val="bg1"/>
+                  </a:solidFill>
+                </a:ln>
+              </p:spPr>
+              <p:style>
+                <a:lnRef idx="2">
+                  <a:schemeClr val="accent1">
+                    <a:shade val="50000"/>
+                  </a:schemeClr>
+                </a:lnRef>
+                <a:fillRef idx="1">
+                  <a:schemeClr val="accent1"/>
+                </a:fillRef>
+                <a:effectRef idx="0">
+                  <a:schemeClr val="accent1"/>
+                </a:effectRef>
+                <a:fontRef idx="minor">
+                  <a:schemeClr val="lt1"/>
+                </a:fontRef>
+              </p:style>
+              <p:txBody>
+                <a:bodyPr rtlCol="0" anchor="ctr"/>
+                <a:lstStyle/>
+                <a:p>
+                  <a:pPr algn="ctr"/>
+                  <a:endParaRPr lang="en-US" sz="1100"/>
+                </a:p>
+              </p:txBody>
+            </p:sp>
+          </p:grpSp>
+          <p:cxnSp>
+            <p:nvCxnSpPr>
+              <p:cNvPr id="61" name="Connector: Elbow 60">
+                <a:extLst>
+                  <a:ext uri="{FF2B5EF4-FFF2-40B4-BE49-F238E27FC236}">
+                    <a16:creationId xmlns:a16="http://schemas.microsoft.com/office/drawing/2014/main" id="{7A05F2A6-761A-43FF-8F52-6A020967B1D9}"/>
+                  </a:ext>
+                </a:extLst>
+              </p:cNvPr>
+              <p:cNvCxnSpPr>
+                <a:cxnSpLocks/>
+                <a:stCxn id="56" idx="3"/>
+              </p:cNvCxnSpPr>
+              <p:nvPr/>
+            </p:nvCxnSpPr>
+            <p:spPr>
+              <a:xfrm flipV="1">
+                <a:off x="3104158" y="2524425"/>
+                <a:ext cx="1659220" cy="2056390"/>
+              </a:xfrm>
+              <a:prstGeom prst="bentConnector3">
+                <a:avLst/>
+              </a:prstGeom>
+              <a:ln w="76200">
+                <a:solidFill>
+                  <a:schemeClr val="accent2"/>
+                </a:solidFill>
+                <a:tailEnd type="triangle"/>
+              </a:ln>
+            </p:spPr>
+            <p:style>
+              <a:lnRef idx="1">
+                <a:schemeClr val="accent5"/>
+              </a:lnRef>
+              <a:fillRef idx="0">
+                <a:schemeClr val="accent5"/>
+              </a:fillRef>
+              <a:effectRef idx="0">
+                <a:schemeClr val="accent5"/>
+              </a:effectRef>
+              <a:fontRef idx="minor">
+                <a:schemeClr val="tx1"/>
+              </a:fontRef>
+            </p:style>
+          </p:cxnSp>
+          <p:cxnSp>
+            <p:nvCxnSpPr>
+              <p:cNvPr id="65" name="Straight Arrow Connector 64">
+                <a:extLst>
+                  <a:ext uri="{FF2B5EF4-FFF2-40B4-BE49-F238E27FC236}">
+                    <a16:creationId xmlns:a16="http://schemas.microsoft.com/office/drawing/2014/main" id="{872503C8-2937-4F16-9784-0F8FF2C6186E}"/>
+                  </a:ext>
+                </a:extLst>
+              </p:cNvPr>
+              <p:cNvCxnSpPr>
+                <a:cxnSpLocks/>
+              </p:cNvCxnSpPr>
+              <p:nvPr/>
+            </p:nvCxnSpPr>
+            <p:spPr>
+              <a:xfrm flipV="1">
+                <a:off x="6054943" y="1146548"/>
+                <a:ext cx="2013998" cy="1084440"/>
+              </a:xfrm>
+              <a:prstGeom prst="straightConnector1">
+                <a:avLst/>
+              </a:prstGeom>
+              <a:ln w="76200">
+                <a:solidFill>
+                  <a:srgbClr val="00B0F0"/>
+                </a:solidFill>
+                <a:prstDash val="sysDot"/>
+                <a:tailEnd type="triangle"/>
+              </a:ln>
+            </p:spPr>
+            <p:style>
+              <a:lnRef idx="1">
+                <a:schemeClr val="accent1"/>
+              </a:lnRef>
+              <a:fillRef idx="0">
+                <a:schemeClr val="accent1"/>
+              </a:fillRef>
+              <a:effectRef idx="0">
+                <a:schemeClr val="accent1"/>
+              </a:effectRef>
+              <a:fontRef idx="minor">
+                <a:schemeClr val="tx1"/>
+              </a:fontRef>
+            </p:style>
+          </p:cxnSp>
+          <p:cxnSp>
+            <p:nvCxnSpPr>
+              <p:cNvPr id="68" name="Straight Arrow Connector 67">
+                <a:extLst>
+                  <a:ext uri="{FF2B5EF4-FFF2-40B4-BE49-F238E27FC236}">
+                    <a16:creationId xmlns:a16="http://schemas.microsoft.com/office/drawing/2014/main" id="{9EEDE9EA-98D3-4152-830E-627D10B88838}"/>
+                  </a:ext>
+                </a:extLst>
+              </p:cNvPr>
+              <p:cNvCxnSpPr>
+                <a:cxnSpLocks/>
+              </p:cNvCxnSpPr>
+              <p:nvPr/>
+            </p:nvCxnSpPr>
+            <p:spPr>
+              <a:xfrm flipV="1">
+                <a:off x="6052644" y="2330376"/>
+                <a:ext cx="2719272" cy="348879"/>
+              </a:xfrm>
+              <a:prstGeom prst="straightConnector1">
+                <a:avLst/>
+              </a:prstGeom>
+              <a:ln w="76200">
+                <a:solidFill>
+                  <a:srgbClr val="00B0F0"/>
+                </a:solidFill>
+                <a:prstDash val="sysDot"/>
+                <a:tailEnd type="triangle"/>
+              </a:ln>
+            </p:spPr>
+            <p:style>
+              <a:lnRef idx="1">
+                <a:schemeClr val="accent1"/>
+              </a:lnRef>
+              <a:fillRef idx="0">
+                <a:schemeClr val="accent1"/>
+              </a:fillRef>
+              <a:effectRef idx="0">
+                <a:schemeClr val="accent1"/>
+              </a:effectRef>
+              <a:fontRef idx="minor">
+                <a:schemeClr val="tx1"/>
+              </a:fontRef>
+            </p:style>
+          </p:cxnSp>
+          <p:cxnSp>
+            <p:nvCxnSpPr>
+              <p:cNvPr id="72" name="Straight Arrow Connector 71">
+                <a:extLst>
+                  <a:ext uri="{FF2B5EF4-FFF2-40B4-BE49-F238E27FC236}">
+                    <a16:creationId xmlns:a16="http://schemas.microsoft.com/office/drawing/2014/main" id="{461E98BF-C61C-40A0-BAAD-D152B91D1B6E}"/>
+                  </a:ext>
+                </a:extLst>
+              </p:cNvPr>
+              <p:cNvCxnSpPr>
+                <a:cxnSpLocks/>
+              </p:cNvCxnSpPr>
+              <p:nvPr/>
+            </p:nvCxnSpPr>
+            <p:spPr>
+              <a:xfrm flipH="1" flipV="1">
+                <a:off x="6036681" y="3152787"/>
+                <a:ext cx="2433736" cy="1455528"/>
+              </a:xfrm>
+              <a:prstGeom prst="straightConnector1">
+                <a:avLst/>
+              </a:prstGeom>
+              <a:ln w="76200">
+                <a:solidFill>
+                  <a:srgbClr val="00B0F0"/>
+                </a:solidFill>
+                <a:prstDash val="sysDot"/>
+                <a:tailEnd type="triangle"/>
+              </a:ln>
+            </p:spPr>
+            <p:style>
+              <a:lnRef idx="1">
+                <a:schemeClr val="accent1"/>
+              </a:lnRef>
+              <a:fillRef idx="0">
+                <a:schemeClr val="accent1"/>
+              </a:fillRef>
+              <a:effectRef idx="0">
+                <a:schemeClr val="accent1"/>
+              </a:effectRef>
+              <a:fontRef idx="minor">
+                <a:schemeClr val="tx1"/>
+              </a:fontRef>
+            </p:style>
+          </p:cxnSp>
+          <p:cxnSp>
+            <p:nvCxnSpPr>
+              <p:cNvPr id="78" name="Straight Arrow Connector 77">
+                <a:extLst>
+                  <a:ext uri="{FF2B5EF4-FFF2-40B4-BE49-F238E27FC236}">
+                    <a16:creationId xmlns:a16="http://schemas.microsoft.com/office/drawing/2014/main" id="{396EBFB1-A790-449E-B539-8D4AE8120C52}"/>
+                  </a:ext>
+                </a:extLst>
+              </p:cNvPr>
+              <p:cNvCxnSpPr>
+                <a:cxnSpLocks/>
+              </p:cNvCxnSpPr>
+              <p:nvPr/>
+            </p:nvCxnSpPr>
+            <p:spPr>
+              <a:xfrm>
+                <a:off x="1704849" y="2216567"/>
+                <a:ext cx="0" cy="1828002"/>
+              </a:xfrm>
+              <a:prstGeom prst="straightConnector1">
+                <a:avLst/>
+              </a:prstGeom>
+              <a:ln w="76200">
+                <a:solidFill>
+                  <a:schemeClr val="tx1"/>
+                </a:solidFill>
+                <a:tailEnd type="triangle"/>
+              </a:ln>
+            </p:spPr>
+            <p:style>
+              <a:lnRef idx="1">
+                <a:schemeClr val="accent1"/>
+              </a:lnRef>
+              <a:fillRef idx="0">
+                <a:schemeClr val="accent1"/>
+              </a:fillRef>
+              <a:effectRef idx="0">
+                <a:schemeClr val="accent1"/>
+              </a:effectRef>
+              <a:fontRef idx="minor">
+                <a:schemeClr val="tx1"/>
+              </a:fontRef>
+            </p:style>
+          </p:cxnSp>
+          <p:cxnSp>
+            <p:nvCxnSpPr>
+              <p:cNvPr id="79" name="Straight Arrow Connector 78">
+                <a:extLst>
+                  <a:ext uri="{FF2B5EF4-FFF2-40B4-BE49-F238E27FC236}">
+                    <a16:creationId xmlns:a16="http://schemas.microsoft.com/office/drawing/2014/main" id="{01840620-852C-4C47-BBA0-BD7F585DE0C1}"/>
+                  </a:ext>
+                </a:extLst>
+              </p:cNvPr>
+              <p:cNvCxnSpPr>
+                <a:cxnSpLocks/>
+              </p:cNvCxnSpPr>
+              <p:nvPr/>
+            </p:nvCxnSpPr>
+            <p:spPr>
+              <a:xfrm>
+                <a:off x="2166082" y="2216567"/>
+                <a:ext cx="0" cy="1828002"/>
+              </a:xfrm>
+              <a:prstGeom prst="straightConnector1">
+                <a:avLst/>
+              </a:prstGeom>
+              <a:ln w="76200">
+                <a:solidFill>
+                  <a:schemeClr val="tx1"/>
+                </a:solidFill>
+                <a:tailEnd type="triangle"/>
+              </a:ln>
+            </p:spPr>
+            <p:style>
+              <a:lnRef idx="1">
+                <a:schemeClr val="accent1"/>
+              </a:lnRef>
+              <a:fillRef idx="0">
+                <a:schemeClr val="accent1"/>
+              </a:fillRef>
+              <a:effectRef idx="0">
+                <a:schemeClr val="accent1"/>
+              </a:effectRef>
+              <a:fontRef idx="minor">
+                <a:schemeClr val="tx1"/>
+              </a:fontRef>
+            </p:style>
+          </p:cxnSp>
+          <p:sp>
+            <p:nvSpPr>
+              <p:cNvPr id="80" name="TextBox 79">
+                <a:extLst>
+                  <a:ext uri="{FF2B5EF4-FFF2-40B4-BE49-F238E27FC236}">
+                    <a16:creationId xmlns:a16="http://schemas.microsoft.com/office/drawing/2014/main" id="{8C7923B5-26DD-4133-86E7-87815DB697FD}"/>
+                  </a:ext>
+                </a:extLst>
+              </p:cNvPr>
+              <p:cNvSpPr txBox="1"/>
+              <p:nvPr/>
+            </p:nvSpPr>
+            <p:spPr>
+              <a:xfrm>
+                <a:off x="4113997" y="3152786"/>
+                <a:ext cx="2363201" cy="351282"/>
+              </a:xfrm>
+              <a:prstGeom prst="rect">
+                <a:avLst/>
+              </a:prstGeom>
+              <a:noFill/>
+            </p:spPr>
+            <p:txBody>
+              <a:bodyPr wrap="square" rtlCol="0">
+                <a:spAutoFit/>
+              </a:bodyPr>
+              <a:lstStyle/>
+              <a:p>
+                <a:pPr algn="ctr"/>
+                <a:r>
+                  <a:rPr lang="en-US" sz="1200" dirty="0">
+                    <a:latin typeface="Abadi" panose="020B0604020104020204" pitchFamily="34" charset="0"/>
+                  </a:rPr>
+                  <a:t>HootBeat Brain</a:t>
+                </a:r>
+              </a:p>
+            </p:txBody>
+          </p:sp>
+          <p:sp>
+            <p:nvSpPr>
+              <p:cNvPr id="81" name="TextBox 80">
+                <a:extLst>
+                  <a:ext uri="{FF2B5EF4-FFF2-40B4-BE49-F238E27FC236}">
+                    <a16:creationId xmlns:a16="http://schemas.microsoft.com/office/drawing/2014/main" id="{04D7C62D-70CF-4521-9E88-C10CF3C7640E}"/>
+                  </a:ext>
+                </a:extLst>
+              </p:cNvPr>
+              <p:cNvSpPr txBox="1"/>
+              <p:nvPr/>
+            </p:nvSpPr>
+            <p:spPr>
+              <a:xfrm>
+                <a:off x="8344483" y="5529387"/>
+                <a:ext cx="2580421" cy="585470"/>
+              </a:xfrm>
+              <a:prstGeom prst="rect">
+                <a:avLst/>
+              </a:prstGeom>
+              <a:noFill/>
+            </p:spPr>
+            <p:txBody>
+              <a:bodyPr wrap="square" rtlCol="0">
+                <a:spAutoFit/>
+              </a:bodyPr>
+              <a:lstStyle/>
+              <a:p>
+                <a:pPr algn="ctr"/>
+                <a:r>
+                  <a:rPr lang="en-US" sz="1200" dirty="0">
+                    <a:latin typeface="Abadi" panose="020B0604020104020204" pitchFamily="34" charset="0"/>
+                  </a:rPr>
+                  <a:t>BLE-MIDI-enabled pedalboard controller</a:t>
+                </a:r>
+              </a:p>
+            </p:txBody>
+          </p:sp>
+          <p:sp>
+            <p:nvSpPr>
+              <p:cNvPr id="82" name="TextBox 81">
+                <a:extLst>
+                  <a:ext uri="{FF2B5EF4-FFF2-40B4-BE49-F238E27FC236}">
+                    <a16:creationId xmlns:a16="http://schemas.microsoft.com/office/drawing/2014/main" id="{EF8AFF93-F499-43A1-A40C-D7537EDFFB9F}"/>
+                  </a:ext>
+                </a:extLst>
+              </p:cNvPr>
+              <p:cNvSpPr txBox="1"/>
+              <p:nvPr/>
+            </p:nvSpPr>
+            <p:spPr>
+              <a:xfrm>
+                <a:off x="9673455" y="627928"/>
+                <a:ext cx="1415987" cy="585470"/>
+              </a:xfrm>
+              <a:prstGeom prst="rect">
+                <a:avLst/>
+              </a:prstGeom>
+              <a:noFill/>
+            </p:spPr>
+            <p:txBody>
+              <a:bodyPr wrap="square" rtlCol="0">
+                <a:spAutoFit/>
+              </a:bodyPr>
+              <a:lstStyle/>
+              <a:p>
+                <a:pPr algn="ctr"/>
+                <a:r>
+                  <a:rPr lang="en-US" sz="1200" dirty="0">
+                    <a:latin typeface="Abadi" panose="020B0604020104020204" pitchFamily="34" charset="0"/>
+                  </a:rPr>
+                  <a:t>HootBeat</a:t>
+                </a:r>
+              </a:p>
+              <a:p>
+                <a:pPr algn="ctr"/>
+                <a:r>
+                  <a:rPr lang="en-US" sz="1200" dirty="0">
+                    <a:latin typeface="Abadi" panose="020B0604020104020204" pitchFamily="34" charset="0"/>
+                  </a:rPr>
+                  <a:t>Goggles</a:t>
+                </a:r>
+              </a:p>
+            </p:txBody>
+          </p:sp>
+          <p:sp>
+            <p:nvSpPr>
+              <p:cNvPr id="83" name="TextBox 82">
+                <a:extLst>
+                  <a:ext uri="{FF2B5EF4-FFF2-40B4-BE49-F238E27FC236}">
+                    <a16:creationId xmlns:a16="http://schemas.microsoft.com/office/drawing/2014/main" id="{88DFB63D-3286-47FF-ABB3-FD840754821A}"/>
+                  </a:ext>
+                </a:extLst>
+              </p:cNvPr>
+              <p:cNvSpPr txBox="1"/>
+              <p:nvPr/>
+            </p:nvSpPr>
+            <p:spPr>
+              <a:xfrm>
+                <a:off x="759528" y="5135037"/>
+                <a:ext cx="3105264" cy="351282"/>
+              </a:xfrm>
+              <a:prstGeom prst="rect">
+                <a:avLst/>
+              </a:prstGeom>
+              <a:noFill/>
+            </p:spPr>
+            <p:txBody>
+              <a:bodyPr wrap="square" rtlCol="0">
+                <a:spAutoFit/>
+              </a:bodyPr>
+              <a:lstStyle/>
+              <a:p>
+                <a:pPr algn="ctr"/>
+                <a:r>
+                  <a:rPr lang="en-US" sz="1200" dirty="0">
+                    <a:latin typeface="Abadi" panose="020B0604020104020204" pitchFamily="34" charset="0"/>
+                  </a:rPr>
+                  <a:t>Trigger-to-MIDI interface</a:t>
+                </a:r>
+              </a:p>
+            </p:txBody>
+          </p:sp>
+          <p:sp>
+            <p:nvSpPr>
+              <p:cNvPr id="87" name="TextBox 86">
+                <a:extLst>
+                  <a:ext uri="{FF2B5EF4-FFF2-40B4-BE49-F238E27FC236}">
+                    <a16:creationId xmlns:a16="http://schemas.microsoft.com/office/drawing/2014/main" id="{ED7A67F8-5872-4DAD-A930-86C27BEAF7A3}"/>
+                  </a:ext>
+                </a:extLst>
+              </p:cNvPr>
+              <p:cNvSpPr txBox="1"/>
+              <p:nvPr/>
+            </p:nvSpPr>
+            <p:spPr>
+              <a:xfrm>
+                <a:off x="2624690" y="1237754"/>
+                <a:ext cx="1528648" cy="585470"/>
+              </a:xfrm>
+              <a:prstGeom prst="rect">
+                <a:avLst/>
+              </a:prstGeom>
+              <a:noFill/>
+            </p:spPr>
+            <p:txBody>
+              <a:bodyPr wrap="square" rtlCol="0">
+                <a:spAutoFit/>
+              </a:bodyPr>
+              <a:lstStyle/>
+              <a:p>
+                <a:pPr algn="ctr"/>
+                <a:r>
+                  <a:rPr lang="en-US" sz="1200" dirty="0">
+                    <a:latin typeface="Abadi" panose="020B0604020104020204" pitchFamily="34" charset="0"/>
+                  </a:rPr>
+                  <a:t>Drum</a:t>
+                </a:r>
+              </a:p>
+              <a:p>
+                <a:pPr algn="ctr"/>
+                <a:r>
+                  <a:rPr lang="en-US" sz="1200" dirty="0">
+                    <a:latin typeface="Abadi" panose="020B0604020104020204" pitchFamily="34" charset="0"/>
+                  </a:rPr>
+                  <a:t>triggers</a:t>
+                </a:r>
+              </a:p>
+            </p:txBody>
+          </p:sp>
+          <p:grpSp>
+            <p:nvGrpSpPr>
+              <p:cNvPr id="7" name="Group 6">
+                <a:extLst>
+                  <a:ext uri="{FF2B5EF4-FFF2-40B4-BE49-F238E27FC236}">
+                    <a16:creationId xmlns:a16="http://schemas.microsoft.com/office/drawing/2014/main" id="{2084D877-86DF-40C2-996D-D217CA977374}"/>
+                  </a:ext>
+                </a:extLst>
+              </p:cNvPr>
+              <p:cNvGrpSpPr/>
+              <p:nvPr/>
+            </p:nvGrpSpPr>
+            <p:grpSpPr>
+              <a:xfrm>
+                <a:off x="4716046" y="4622535"/>
+                <a:ext cx="2586890" cy="760856"/>
+                <a:chOff x="4552177" y="5558475"/>
+                <a:chExt cx="2586890" cy="760856"/>
+              </a:xfrm>
+            </p:grpSpPr>
+            <p:sp>
+              <p:nvSpPr>
+                <p:cNvPr id="103" name="Rectangle 102">
+                  <a:extLst>
+                    <a:ext uri="{FF2B5EF4-FFF2-40B4-BE49-F238E27FC236}">
+                      <a16:creationId xmlns:a16="http://schemas.microsoft.com/office/drawing/2014/main" id="{2F339625-9C3B-493E-8A8B-339F24952064}"/>
+                    </a:ext>
+                  </a:extLst>
+                </p:cNvPr>
+                <p:cNvSpPr/>
+                <p:nvPr/>
+              </p:nvSpPr>
+              <p:spPr>
+                <a:xfrm>
+                  <a:off x="4552177" y="5558475"/>
+                  <a:ext cx="2496992" cy="760856"/>
+                </a:xfrm>
+                <a:prstGeom prst="rect">
+                  <a:avLst/>
+                </a:prstGeom>
+                <a:noFill/>
+                <a:ln>
+                  <a:solidFill>
+                    <a:schemeClr val="tx1"/>
+                  </a:solidFill>
+                </a:ln>
+              </p:spPr>
+              <p:style>
+                <a:lnRef idx="2">
+                  <a:schemeClr val="accent1">
+                    <a:shade val="50000"/>
+                  </a:schemeClr>
+                </a:lnRef>
+                <a:fillRef idx="1">
+                  <a:schemeClr val="accent1"/>
+                </a:fillRef>
+                <a:effectRef idx="0">
+                  <a:schemeClr val="accent1"/>
+                </a:effectRef>
+                <a:fontRef idx="minor">
+                  <a:schemeClr val="lt1"/>
+                </a:fontRef>
+              </p:style>
+              <p:txBody>
+                <a:bodyPr rtlCol="0" anchor="ctr"/>
+                <a:lstStyle/>
+                <a:p>
+                  <a:pPr algn="ctr"/>
+                  <a:endParaRPr lang="en-US" sz="1100"/>
+                </a:p>
+              </p:txBody>
+            </p:sp>
+            <p:cxnSp>
+              <p:nvCxnSpPr>
+                <p:cNvPr id="100" name="Straight Connector 99">
+                  <a:extLst>
+                    <a:ext uri="{FF2B5EF4-FFF2-40B4-BE49-F238E27FC236}">
+                      <a16:creationId xmlns:a16="http://schemas.microsoft.com/office/drawing/2014/main" id="{C83B1E5B-7DD3-446F-BC6C-FFF16589B354}"/>
+                    </a:ext>
+                  </a:extLst>
+                </p:cNvPr>
+                <p:cNvCxnSpPr>
+                  <a:cxnSpLocks/>
+                </p:cNvCxnSpPr>
+                <p:nvPr/>
+              </p:nvCxnSpPr>
+              <p:spPr>
+                <a:xfrm>
+                  <a:off x="4818520" y="5838382"/>
+                  <a:ext cx="853605" cy="0"/>
+                </a:xfrm>
+                <a:prstGeom prst="line">
+                  <a:avLst/>
+                </a:prstGeom>
+                <a:ln w="76200">
+                  <a:solidFill>
+                    <a:schemeClr val="accent2"/>
+                  </a:solidFill>
+                </a:ln>
+              </p:spPr>
+              <p:style>
+                <a:lnRef idx="1">
+                  <a:schemeClr val="accent1"/>
+                </a:lnRef>
+                <a:fillRef idx="0">
+                  <a:schemeClr val="accent1"/>
+                </a:fillRef>
+                <a:effectRef idx="0">
+                  <a:schemeClr val="accent1"/>
+                </a:effectRef>
+                <a:fontRef idx="minor">
+                  <a:schemeClr val="tx1"/>
+                </a:fontRef>
+              </p:style>
+            </p:cxnSp>
+            <p:cxnSp>
+              <p:nvCxnSpPr>
+                <p:cNvPr id="101" name="Straight Connector 100">
+                  <a:extLst>
+                    <a:ext uri="{FF2B5EF4-FFF2-40B4-BE49-F238E27FC236}">
+                      <a16:creationId xmlns:a16="http://schemas.microsoft.com/office/drawing/2014/main" id="{3C5296DE-BEAE-4856-BAE2-34C71F6400CC}"/>
+                    </a:ext>
+                  </a:extLst>
+                </p:cNvPr>
+                <p:cNvCxnSpPr>
+                  <a:cxnSpLocks/>
+                </p:cNvCxnSpPr>
+                <p:nvPr/>
+              </p:nvCxnSpPr>
+              <p:spPr>
+                <a:xfrm>
+                  <a:off x="4818520" y="6079327"/>
+                  <a:ext cx="927466" cy="0"/>
+                </a:xfrm>
+                <a:prstGeom prst="line">
+                  <a:avLst/>
+                </a:prstGeom>
+                <a:ln w="76200">
+                  <a:solidFill>
+                    <a:srgbClr val="00B0F0"/>
+                  </a:solidFill>
+                  <a:prstDash val="sysDot"/>
+                </a:ln>
+              </p:spPr>
+              <p:style>
+                <a:lnRef idx="1">
+                  <a:schemeClr val="accent1"/>
+                </a:lnRef>
+                <a:fillRef idx="0">
+                  <a:schemeClr val="accent1"/>
+                </a:fillRef>
+                <a:effectRef idx="0">
+                  <a:schemeClr val="accent1"/>
+                </a:effectRef>
+                <a:fontRef idx="minor">
+                  <a:schemeClr val="tx1"/>
+                </a:fontRef>
+              </p:style>
+            </p:cxnSp>
+            <p:sp>
+              <p:nvSpPr>
+                <p:cNvPr id="102" name="TextBox 101">
+                  <a:extLst>
+                    <a:ext uri="{FF2B5EF4-FFF2-40B4-BE49-F238E27FC236}">
+                      <a16:creationId xmlns:a16="http://schemas.microsoft.com/office/drawing/2014/main" id="{B84B6188-F0A3-47AF-9403-9BCF1A1CDF89}"/>
+                    </a:ext>
+                  </a:extLst>
+                </p:cNvPr>
+                <p:cNvSpPr txBox="1"/>
+                <p:nvPr/>
+              </p:nvSpPr>
+              <p:spPr>
+                <a:xfrm>
+                  <a:off x="5742720" y="5661764"/>
+                  <a:ext cx="1396347" cy="585469"/>
+                </a:xfrm>
+                <a:prstGeom prst="rect">
+                  <a:avLst/>
+                </a:prstGeom>
+                <a:noFill/>
+              </p:spPr>
+              <p:txBody>
+                <a:bodyPr wrap="square" rtlCol="0">
+                  <a:spAutoFit/>
+                </a:bodyPr>
+                <a:lstStyle/>
+                <a:p>
+                  <a:r>
+                    <a:rPr lang="en-US" sz="1200" dirty="0">
+                      <a:latin typeface="Abadi" panose="020B0604020104020204" pitchFamily="34" charset="0"/>
+                    </a:rPr>
+                    <a:t>USB-MIDI</a:t>
+                  </a:r>
+                </a:p>
+                <a:p>
+                  <a:r>
+                    <a:rPr lang="en-US" sz="1200" dirty="0">
+                      <a:latin typeface="Abadi" panose="020B0604020104020204" pitchFamily="34" charset="0"/>
+                    </a:rPr>
+                    <a:t>BLE-MIDI</a:t>
+                  </a:r>
+                </a:p>
+              </p:txBody>
+            </p:sp>
+          </p:grpSp>
+          <p:sp>
+            <p:nvSpPr>
+              <p:cNvPr id="105" name="TextBox 104">
+                <a:extLst>
+                  <a:ext uri="{FF2B5EF4-FFF2-40B4-BE49-F238E27FC236}">
+                    <a16:creationId xmlns:a16="http://schemas.microsoft.com/office/drawing/2014/main" id="{E8332983-29F3-4C33-8984-4EA30BA590E6}"/>
+                  </a:ext>
+                </a:extLst>
+              </p:cNvPr>
+              <p:cNvSpPr txBox="1"/>
+              <p:nvPr/>
+            </p:nvSpPr>
+            <p:spPr>
+              <a:xfrm>
+                <a:off x="7582737" y="3610872"/>
+                <a:ext cx="560193" cy="351282"/>
+              </a:xfrm>
+              <a:prstGeom prst="rect">
+                <a:avLst/>
+              </a:prstGeom>
+              <a:noFill/>
+            </p:spPr>
+            <p:txBody>
+              <a:bodyPr wrap="square" rtlCol="0">
+                <a:spAutoFit/>
+              </a:bodyPr>
+              <a:lstStyle/>
+              <a:p>
+                <a:r>
+                  <a:rPr lang="en-US" sz="1200" dirty="0">
+                    <a:solidFill>
+                      <a:srgbClr val="00B0F0"/>
+                    </a:solidFill>
+                    <a:latin typeface="Abadi" panose="020B0604020104020204" pitchFamily="34" charset="0"/>
+                  </a:rPr>
+                  <a:t>PC</a:t>
+                </a:r>
+              </a:p>
+            </p:txBody>
+          </p:sp>
+          <p:sp>
+            <p:nvSpPr>
+              <p:cNvPr id="106" name="TextBox 105">
+                <a:extLst>
+                  <a:ext uri="{FF2B5EF4-FFF2-40B4-BE49-F238E27FC236}">
+                    <a16:creationId xmlns:a16="http://schemas.microsoft.com/office/drawing/2014/main" id="{31C3D071-47C3-40B4-A2CB-1BC1C37C42E2}"/>
+                  </a:ext>
+                </a:extLst>
+              </p:cNvPr>
+              <p:cNvSpPr txBox="1"/>
+              <p:nvPr/>
+            </p:nvSpPr>
+            <p:spPr>
+              <a:xfrm>
+                <a:off x="6575546" y="942790"/>
+                <a:ext cx="1378088" cy="351282"/>
+              </a:xfrm>
+              <a:prstGeom prst="rect">
+                <a:avLst/>
+              </a:prstGeom>
+              <a:noFill/>
+            </p:spPr>
+            <p:txBody>
+              <a:bodyPr wrap="square" rtlCol="0">
+                <a:spAutoFit/>
+              </a:bodyPr>
+              <a:lstStyle/>
+              <a:p>
+                <a:r>
+                  <a:rPr lang="en-US" sz="1200" dirty="0">
+                    <a:solidFill>
+                      <a:srgbClr val="00B0F0"/>
+                    </a:solidFill>
+                    <a:latin typeface="Abadi" panose="020B0604020104020204" pitchFamily="34" charset="0"/>
+                  </a:rPr>
+                  <a:t>PC, Notes</a:t>
+                </a:r>
+              </a:p>
+            </p:txBody>
+          </p:sp>
+          <p:sp>
+            <p:nvSpPr>
+              <p:cNvPr id="107" name="TextBox 106">
+                <a:extLst>
+                  <a:ext uri="{FF2B5EF4-FFF2-40B4-BE49-F238E27FC236}">
+                    <a16:creationId xmlns:a16="http://schemas.microsoft.com/office/drawing/2014/main" id="{7745AFA1-DCFD-4D9B-8D49-4C4808E116EA}"/>
+                  </a:ext>
+                </a:extLst>
+              </p:cNvPr>
+              <p:cNvSpPr txBox="1"/>
+              <p:nvPr/>
+            </p:nvSpPr>
+            <p:spPr>
+              <a:xfrm>
+                <a:off x="3114325" y="3465783"/>
+                <a:ext cx="914055" cy="351282"/>
+              </a:xfrm>
+              <a:prstGeom prst="rect">
+                <a:avLst/>
+              </a:prstGeom>
+              <a:noFill/>
+            </p:spPr>
+            <p:txBody>
+              <a:bodyPr wrap="square" rtlCol="0">
+                <a:spAutoFit/>
+              </a:bodyPr>
+              <a:lstStyle/>
+              <a:p>
+                <a:r>
+                  <a:rPr lang="en-US" sz="1200" dirty="0">
+                    <a:solidFill>
+                      <a:schemeClr val="accent2"/>
+                    </a:solidFill>
+                    <a:latin typeface="Abadi" panose="020B0604020104020204" pitchFamily="34" charset="0"/>
+                  </a:rPr>
+                  <a:t>Notes</a:t>
+                </a:r>
+              </a:p>
+            </p:txBody>
+          </p:sp>
+          <p:grpSp>
+            <p:nvGrpSpPr>
+              <p:cNvPr id="60" name="Group 59">
+                <a:extLst>
+                  <a:ext uri="{FF2B5EF4-FFF2-40B4-BE49-F238E27FC236}">
+                    <a16:creationId xmlns:a16="http://schemas.microsoft.com/office/drawing/2014/main" id="{22505D96-7EB4-40A8-B0BF-E755E9DDC90A}"/>
+                  </a:ext>
+                </a:extLst>
+              </p:cNvPr>
+              <p:cNvGrpSpPr/>
+              <p:nvPr/>
+            </p:nvGrpSpPr>
+            <p:grpSpPr>
+              <a:xfrm>
+                <a:off x="8907494" y="739876"/>
+                <a:ext cx="820508" cy="296525"/>
+                <a:chOff x="8707899" y="597844"/>
+                <a:chExt cx="1238949" cy="447746"/>
+              </a:xfrm>
+            </p:grpSpPr>
+            <p:sp>
+              <p:nvSpPr>
+                <p:cNvPr id="62" name="Arrow: Curved Right 61">
+                  <a:extLst>
+                    <a:ext uri="{FF2B5EF4-FFF2-40B4-BE49-F238E27FC236}">
+                      <a16:creationId xmlns:a16="http://schemas.microsoft.com/office/drawing/2014/main" id="{B1902250-3267-4621-933C-DCD444802F2D}"/>
+                    </a:ext>
+                  </a:extLst>
+                </p:cNvPr>
+                <p:cNvSpPr/>
+                <p:nvPr/>
+              </p:nvSpPr>
+              <p:spPr>
+                <a:xfrm rot="20865349" flipH="1">
+                  <a:off x="8945041" y="597844"/>
+                  <a:ext cx="1001807" cy="313286"/>
+                </a:xfrm>
+                <a:prstGeom prst="curvedRightArrow">
+                  <a:avLst>
+                    <a:gd name="adj1" fmla="val 40132"/>
+                    <a:gd name="adj2" fmla="val 27281"/>
+                    <a:gd name="adj3" fmla="val 47456"/>
+                  </a:avLst>
+                </a:prstGeom>
+              </p:spPr>
+              <p:style>
+                <a:lnRef idx="2">
+                  <a:schemeClr val="dk1">
+                    <a:shade val="50000"/>
+                  </a:schemeClr>
+                </a:lnRef>
+                <a:fillRef idx="1">
+                  <a:schemeClr val="dk1"/>
+                </a:fillRef>
+                <a:effectRef idx="0">
+                  <a:schemeClr val="dk1"/>
+                </a:effectRef>
+                <a:fontRef idx="minor">
+                  <a:schemeClr val="lt1"/>
+                </a:fontRef>
+              </p:style>
+              <p:txBody>
+                <a:bodyPr rtlCol="0" anchor="ctr"/>
+                <a:lstStyle/>
+                <a:p>
+                  <a:pPr algn="ctr"/>
+                  <a:endParaRPr lang="en-US" sz="1100">
+                    <a:solidFill>
+                      <a:schemeClr val="tx1"/>
+                    </a:solidFill>
+                  </a:endParaRPr>
+                </a:p>
+              </p:txBody>
+            </p:sp>
+            <p:sp>
+              <p:nvSpPr>
+                <p:cNvPr id="63" name="Cylinder 62">
+                  <a:extLst>
+                    <a:ext uri="{FF2B5EF4-FFF2-40B4-BE49-F238E27FC236}">
+                      <a16:creationId xmlns:a16="http://schemas.microsoft.com/office/drawing/2014/main" id="{F84EF189-8C5A-460A-9E86-A2EE2CABCA7D}"/>
+                    </a:ext>
+                  </a:extLst>
+                </p:cNvPr>
+                <p:cNvSpPr/>
+                <p:nvPr/>
+              </p:nvSpPr>
+              <p:spPr>
+                <a:xfrm rot="15605945">
+                  <a:off x="8669166" y="703560"/>
+                  <a:ext cx="334126" cy="256660"/>
+                </a:xfrm>
+                <a:prstGeom prst="can">
+                  <a:avLst>
+                    <a:gd name="adj" fmla="val 50000"/>
+                  </a:avLst>
+                </a:prstGeom>
+                <a:ln w="28575"/>
+              </p:spPr>
+              <p:style>
+                <a:lnRef idx="2">
+                  <a:schemeClr val="dk1">
+                    <a:shade val="50000"/>
+                  </a:schemeClr>
+                </a:lnRef>
+                <a:fillRef idx="1">
+                  <a:schemeClr val="dk1"/>
+                </a:fillRef>
+                <a:effectRef idx="0">
+                  <a:schemeClr val="dk1"/>
+                </a:effectRef>
+                <a:fontRef idx="minor">
+                  <a:schemeClr val="lt1"/>
+                </a:fontRef>
+              </p:style>
+              <p:txBody>
+                <a:bodyPr rtlCol="0" anchor="ctr"/>
+                <a:lstStyle/>
+                <a:p>
+                  <a:pPr algn="ctr"/>
+                  <a:endParaRPr lang="en-US" sz="1100"/>
+                </a:p>
+              </p:txBody>
+            </p:sp>
+            <p:sp>
+              <p:nvSpPr>
+                <p:cNvPr id="64" name="Cylinder 63">
+                  <a:extLst>
+                    <a:ext uri="{FF2B5EF4-FFF2-40B4-BE49-F238E27FC236}">
+                      <a16:creationId xmlns:a16="http://schemas.microsoft.com/office/drawing/2014/main" id="{33FC726D-4C1E-4D2C-86A6-3C272391D98B}"/>
+                    </a:ext>
+                  </a:extLst>
+                </p:cNvPr>
+                <p:cNvSpPr/>
+                <p:nvPr/>
+              </p:nvSpPr>
+              <p:spPr>
+                <a:xfrm rot="15605945">
+                  <a:off x="8877040" y="716220"/>
+                  <a:ext cx="372558" cy="286182"/>
+                </a:xfrm>
+                <a:prstGeom prst="can">
+                  <a:avLst>
+                    <a:gd name="adj" fmla="val 50000"/>
+                  </a:avLst>
+                </a:prstGeom>
+                <a:ln w="28575"/>
+              </p:spPr>
+              <p:style>
+                <a:lnRef idx="2">
+                  <a:schemeClr val="dk1">
+                    <a:shade val="50000"/>
+                  </a:schemeClr>
+                </a:lnRef>
+                <a:fillRef idx="1">
+                  <a:schemeClr val="dk1"/>
+                </a:fillRef>
+                <a:effectRef idx="0">
+                  <a:schemeClr val="dk1"/>
+                </a:effectRef>
+                <a:fontRef idx="minor">
+                  <a:schemeClr val="lt1"/>
+                </a:fontRef>
+              </p:style>
+              <p:txBody>
+                <a:bodyPr rtlCol="0" anchor="ctr"/>
+                <a:lstStyle/>
+                <a:p>
+                  <a:pPr algn="ctr"/>
+                  <a:endParaRPr lang="en-US" sz="1100"/>
+                </a:p>
+              </p:txBody>
+            </p:sp>
+          </p:grpSp>
+          <p:grpSp>
+            <p:nvGrpSpPr>
+              <p:cNvPr id="67" name="Group 66">
+                <a:extLst>
+                  <a:ext uri="{FF2B5EF4-FFF2-40B4-BE49-F238E27FC236}">
+                    <a16:creationId xmlns:a16="http://schemas.microsoft.com/office/drawing/2014/main" id="{E8A00947-6465-4C60-87F8-A33AD7B11AA7}"/>
+                  </a:ext>
+                </a:extLst>
+              </p:cNvPr>
+              <p:cNvGrpSpPr/>
+              <p:nvPr/>
+            </p:nvGrpSpPr>
+            <p:grpSpPr>
+              <a:xfrm>
+                <a:off x="8421971" y="1311392"/>
+                <a:ext cx="820508" cy="296525"/>
+                <a:chOff x="8707899" y="597844"/>
+                <a:chExt cx="1238949" cy="447746"/>
+              </a:xfrm>
+            </p:grpSpPr>
+            <p:sp>
+              <p:nvSpPr>
+                <p:cNvPr id="69" name="Arrow: Curved Right 68">
+                  <a:extLst>
+                    <a:ext uri="{FF2B5EF4-FFF2-40B4-BE49-F238E27FC236}">
+                      <a16:creationId xmlns:a16="http://schemas.microsoft.com/office/drawing/2014/main" id="{A4F0AA07-B69A-49F3-99A4-6F7592055911}"/>
+                    </a:ext>
+                  </a:extLst>
+                </p:cNvPr>
+                <p:cNvSpPr/>
+                <p:nvPr/>
+              </p:nvSpPr>
+              <p:spPr>
+                <a:xfrm rot="20865349" flipH="1">
+                  <a:off x="8945041" y="597844"/>
+                  <a:ext cx="1001807" cy="313286"/>
+                </a:xfrm>
+                <a:prstGeom prst="curvedRightArrow">
+                  <a:avLst>
+                    <a:gd name="adj1" fmla="val 40132"/>
+                    <a:gd name="adj2" fmla="val 27281"/>
+                    <a:gd name="adj3" fmla="val 47456"/>
+                  </a:avLst>
+                </a:prstGeom>
+              </p:spPr>
+              <p:style>
+                <a:lnRef idx="2">
+                  <a:schemeClr val="dk1">
+                    <a:shade val="50000"/>
+                  </a:schemeClr>
+                </a:lnRef>
+                <a:fillRef idx="1">
+                  <a:schemeClr val="dk1"/>
+                </a:fillRef>
+                <a:effectRef idx="0">
+                  <a:schemeClr val="dk1"/>
+                </a:effectRef>
+                <a:fontRef idx="minor">
+                  <a:schemeClr val="lt1"/>
+                </a:fontRef>
+              </p:style>
+              <p:txBody>
+                <a:bodyPr rtlCol="0" anchor="ctr"/>
+                <a:lstStyle/>
+                <a:p>
+                  <a:pPr algn="ctr"/>
+                  <a:endParaRPr lang="en-US" sz="1100">
+                    <a:solidFill>
+                      <a:schemeClr val="tx1"/>
+                    </a:solidFill>
+                  </a:endParaRPr>
+                </a:p>
+              </p:txBody>
+            </p:sp>
+            <p:sp>
+              <p:nvSpPr>
+                <p:cNvPr id="70" name="Cylinder 69">
+                  <a:extLst>
+                    <a:ext uri="{FF2B5EF4-FFF2-40B4-BE49-F238E27FC236}">
+                      <a16:creationId xmlns:a16="http://schemas.microsoft.com/office/drawing/2014/main" id="{B2B39281-E2EE-4F09-AFF3-ED2933D9C560}"/>
+                    </a:ext>
+                  </a:extLst>
+                </p:cNvPr>
+                <p:cNvSpPr/>
+                <p:nvPr/>
+              </p:nvSpPr>
+              <p:spPr>
+                <a:xfrm rot="15605945">
+                  <a:off x="8669166" y="703560"/>
+                  <a:ext cx="334126" cy="256660"/>
+                </a:xfrm>
+                <a:prstGeom prst="can">
+                  <a:avLst>
+                    <a:gd name="adj" fmla="val 50000"/>
+                  </a:avLst>
+                </a:prstGeom>
+                <a:ln w="28575"/>
+              </p:spPr>
+              <p:style>
+                <a:lnRef idx="2">
+                  <a:schemeClr val="dk1">
+                    <a:shade val="50000"/>
+                  </a:schemeClr>
+                </a:lnRef>
+                <a:fillRef idx="1">
+                  <a:schemeClr val="dk1"/>
+                </a:fillRef>
+                <a:effectRef idx="0">
+                  <a:schemeClr val="dk1"/>
+                </a:effectRef>
+                <a:fontRef idx="minor">
+                  <a:schemeClr val="lt1"/>
+                </a:fontRef>
+              </p:style>
+              <p:txBody>
+                <a:bodyPr rtlCol="0" anchor="ctr"/>
+                <a:lstStyle/>
+                <a:p>
+                  <a:pPr algn="ctr"/>
+                  <a:endParaRPr lang="en-US" sz="1100"/>
+                </a:p>
+              </p:txBody>
+            </p:sp>
+            <p:sp>
+              <p:nvSpPr>
+                <p:cNvPr id="71" name="Cylinder 70">
+                  <a:extLst>
+                    <a:ext uri="{FF2B5EF4-FFF2-40B4-BE49-F238E27FC236}">
+                      <a16:creationId xmlns:a16="http://schemas.microsoft.com/office/drawing/2014/main" id="{96750C45-6F64-4DA7-A8E4-EFC3CE27CB4D}"/>
+                    </a:ext>
+                  </a:extLst>
+                </p:cNvPr>
+                <p:cNvSpPr/>
+                <p:nvPr/>
+              </p:nvSpPr>
+              <p:spPr>
+                <a:xfrm rot="15605945">
+                  <a:off x="8877040" y="716220"/>
+                  <a:ext cx="372558" cy="286182"/>
+                </a:xfrm>
+                <a:prstGeom prst="can">
+                  <a:avLst>
+                    <a:gd name="adj" fmla="val 50000"/>
+                  </a:avLst>
+                </a:prstGeom>
+                <a:ln w="28575"/>
+              </p:spPr>
+              <p:style>
+                <a:lnRef idx="2">
+                  <a:schemeClr val="dk1">
+                    <a:shade val="50000"/>
+                  </a:schemeClr>
+                </a:lnRef>
+                <a:fillRef idx="1">
+                  <a:schemeClr val="dk1"/>
+                </a:fillRef>
+                <a:effectRef idx="0">
+                  <a:schemeClr val="dk1"/>
+                </a:effectRef>
+                <a:fontRef idx="minor">
+                  <a:schemeClr val="lt1"/>
+                </a:fontRef>
+              </p:style>
+              <p:txBody>
+                <a:bodyPr rtlCol="0" anchor="ctr"/>
+                <a:lstStyle/>
+                <a:p>
+                  <a:pPr algn="ctr"/>
+                  <a:endParaRPr lang="en-US" sz="1100"/>
+                </a:p>
+              </p:txBody>
+            </p:sp>
+          </p:grpSp>
+          <p:sp>
+            <p:nvSpPr>
+              <p:cNvPr id="73" name="TextBox 72">
+                <a:extLst>
+                  <a:ext uri="{FF2B5EF4-FFF2-40B4-BE49-F238E27FC236}">
+                    <a16:creationId xmlns:a16="http://schemas.microsoft.com/office/drawing/2014/main" id="{C963605E-99A4-4420-A76E-8C669F0F7CB2}"/>
+                  </a:ext>
+                </a:extLst>
+              </p:cNvPr>
+              <p:cNvSpPr txBox="1"/>
+              <p:nvPr/>
+            </p:nvSpPr>
+            <p:spPr>
+              <a:xfrm>
+                <a:off x="4428725" y="342238"/>
+                <a:ext cx="1965149" cy="429344"/>
+              </a:xfrm>
+              <a:prstGeom prst="rect">
+                <a:avLst/>
+              </a:prstGeom>
+              <a:noFill/>
+            </p:spPr>
+            <p:txBody>
+              <a:bodyPr wrap="square">
+                <a:spAutoFit/>
+              </a:bodyPr>
+              <a:lstStyle/>
+              <a:p>
+                <a:r>
+                  <a:rPr lang="en-US" sz="1600" dirty="0">
+                    <a:latin typeface="Abadi" panose="020B0604020104020204" pitchFamily="34" charset="0"/>
+                  </a:rPr>
+                  <a:t>HootBeat</a:t>
+                </a:r>
+                <a:endParaRPr lang="en-US" sz="1600" dirty="0"/>
+              </a:p>
+            </p:txBody>
+          </p:sp>
+          <p:sp>
+            <p:nvSpPr>
+              <p:cNvPr id="15" name="TextBox 14">
+                <a:extLst>
+                  <a:ext uri="{FF2B5EF4-FFF2-40B4-BE49-F238E27FC236}">
+                    <a16:creationId xmlns:a16="http://schemas.microsoft.com/office/drawing/2014/main" id="{C05F2CF9-E042-E872-EAB8-156912AAB0E3}"/>
+                  </a:ext>
+                </a:extLst>
+              </p:cNvPr>
+              <p:cNvSpPr txBox="1"/>
+              <p:nvPr/>
+            </p:nvSpPr>
+            <p:spPr>
+              <a:xfrm>
+                <a:off x="9396273" y="2220583"/>
+                <a:ext cx="1415987" cy="351282"/>
+              </a:xfrm>
+              <a:prstGeom prst="rect">
+                <a:avLst/>
+              </a:prstGeom>
+              <a:noFill/>
+            </p:spPr>
+            <p:txBody>
+              <a:bodyPr wrap="square" rtlCol="0">
+                <a:spAutoFit/>
+              </a:bodyPr>
+              <a:lstStyle/>
+              <a:p>
+                <a:pPr algn="ctr"/>
+                <a:r>
+                  <a:rPr lang="en-US" sz="1200" dirty="0">
+                    <a:latin typeface="Abadi" panose="020B0604020104020204" pitchFamily="34" charset="0"/>
+                  </a:rPr>
+                  <a:t>BT LED bars</a:t>
+                </a:r>
+              </a:p>
+            </p:txBody>
+          </p:sp>
+          <p:grpSp>
+            <p:nvGrpSpPr>
+              <p:cNvPr id="23" name="Group 22">
+                <a:extLst>
+                  <a:ext uri="{FF2B5EF4-FFF2-40B4-BE49-F238E27FC236}">
+                    <a16:creationId xmlns:a16="http://schemas.microsoft.com/office/drawing/2014/main" id="{1EA79E6C-1D34-155D-E60F-05BF24109F77}"/>
+                  </a:ext>
+                </a:extLst>
+              </p:cNvPr>
+              <p:cNvGrpSpPr/>
+              <p:nvPr/>
+            </p:nvGrpSpPr>
+            <p:grpSpPr>
+              <a:xfrm>
+                <a:off x="8935524" y="1936418"/>
+                <a:ext cx="229130" cy="1388263"/>
+                <a:chOff x="9050090" y="2101851"/>
+                <a:chExt cx="229130" cy="1388263"/>
+              </a:xfrm>
+            </p:grpSpPr>
+            <p:sp>
+              <p:nvSpPr>
+                <p:cNvPr id="21" name="Rectangle: Rounded Corners 20">
+                  <a:extLst>
+                    <a:ext uri="{FF2B5EF4-FFF2-40B4-BE49-F238E27FC236}">
+                      <a16:creationId xmlns:a16="http://schemas.microsoft.com/office/drawing/2014/main" id="{EB4BD70D-DFCB-3837-4D6F-5B485C5E8773}"/>
+                    </a:ext>
+                  </a:extLst>
+                </p:cNvPr>
+                <p:cNvSpPr/>
+                <p:nvPr/>
+              </p:nvSpPr>
+              <p:spPr>
+                <a:xfrm>
+                  <a:off x="9095229" y="2101851"/>
+                  <a:ext cx="137919" cy="1276218"/>
+                </a:xfrm>
+                <a:prstGeom prst="roundRect">
+                  <a:avLst>
+                    <a:gd name="adj" fmla="val 50000"/>
+                  </a:avLst>
+                </a:prstGeom>
+                <a:solidFill>
+                  <a:schemeClr val="bg1">
+                    <a:lumMod val="50000"/>
+                  </a:schemeClr>
+                </a:solidFill>
+                <a:ln w="57150">
+                  <a:solidFill>
+                    <a:schemeClr val="tx1"/>
+                  </a:solidFill>
+                </a:ln>
+              </p:spPr>
+              <p:style>
+                <a:lnRef idx="2">
+                  <a:schemeClr val="accent1">
+                    <a:shade val="15000"/>
+                  </a:schemeClr>
+                </a:lnRef>
+                <a:fillRef idx="1">
+                  <a:schemeClr val="accent1"/>
+                </a:fillRef>
+                <a:effectRef idx="0">
+                  <a:schemeClr val="accent1"/>
+                </a:effectRef>
+                <a:fontRef idx="minor">
+                  <a:schemeClr val="lt1"/>
+                </a:fontRef>
+              </p:style>
+              <p:txBody>
+                <a:bodyPr rtlCol="0" anchor="ctr"/>
+                <a:lstStyle/>
+                <a:p>
+                  <a:pPr algn="ctr"/>
+                  <a:endParaRPr lang="en-US" sz="1100" dirty="0"/>
+                </a:p>
+              </p:txBody>
+            </p:sp>
+            <p:sp>
+              <p:nvSpPr>
+                <p:cNvPr id="22" name="Rectangle: Rounded Corners 21">
+                  <a:extLst>
+                    <a:ext uri="{FF2B5EF4-FFF2-40B4-BE49-F238E27FC236}">
+                      <a16:creationId xmlns:a16="http://schemas.microsoft.com/office/drawing/2014/main" id="{B312F504-9871-D207-B76B-3486E39C5726}"/>
+                    </a:ext>
+                  </a:extLst>
+                </p:cNvPr>
+                <p:cNvSpPr/>
+                <p:nvPr/>
+              </p:nvSpPr>
+              <p:spPr>
+                <a:xfrm>
+                  <a:off x="9050090" y="3283129"/>
+                  <a:ext cx="229130" cy="206985"/>
+                </a:xfrm>
+                <a:prstGeom prst="roundRect">
+                  <a:avLst>
+                    <a:gd name="adj" fmla="val 16558"/>
+                  </a:avLst>
+                </a:prstGeom>
+                <a:solidFill>
+                  <a:schemeClr val="tx1"/>
+                </a:solidFill>
+                <a:ln w="57150">
+                  <a:solidFill>
+                    <a:schemeClr val="tx1"/>
+                  </a:solidFill>
+                </a:ln>
+              </p:spPr>
+              <p:style>
+                <a:lnRef idx="2">
+                  <a:schemeClr val="accent1">
+                    <a:shade val="15000"/>
+                  </a:schemeClr>
+                </a:lnRef>
+                <a:fillRef idx="1">
+                  <a:schemeClr val="accent1"/>
+                </a:fillRef>
+                <a:effectRef idx="0">
+                  <a:schemeClr val="accent1"/>
+                </a:effectRef>
+                <a:fontRef idx="minor">
+                  <a:schemeClr val="lt1"/>
+                </a:fontRef>
+              </p:style>
+              <p:txBody>
+                <a:bodyPr rtlCol="0" anchor="ctr"/>
+                <a:lstStyle/>
+                <a:p>
+                  <a:pPr algn="ctr"/>
+                  <a:endParaRPr lang="en-US" sz="1100"/>
+                </a:p>
+              </p:txBody>
+            </p:sp>
+          </p:grpSp>
+          <p:grpSp>
+            <p:nvGrpSpPr>
+              <p:cNvPr id="25" name="Group 24">
+                <a:extLst>
+                  <a:ext uri="{FF2B5EF4-FFF2-40B4-BE49-F238E27FC236}">
+                    <a16:creationId xmlns:a16="http://schemas.microsoft.com/office/drawing/2014/main" id="{929BB049-166B-A7EB-FBF7-A5C3FA7BCC52}"/>
+                  </a:ext>
+                </a:extLst>
+              </p:cNvPr>
+              <p:cNvGrpSpPr/>
+              <p:nvPr/>
+            </p:nvGrpSpPr>
+            <p:grpSpPr>
+              <a:xfrm>
+                <a:off x="9283226" y="1936418"/>
+                <a:ext cx="229130" cy="1388263"/>
+                <a:chOff x="9050090" y="2101851"/>
+                <a:chExt cx="229130" cy="1388263"/>
+              </a:xfrm>
+            </p:grpSpPr>
+            <p:sp>
+              <p:nvSpPr>
+                <p:cNvPr id="26" name="Rectangle: Rounded Corners 25">
+                  <a:extLst>
+                    <a:ext uri="{FF2B5EF4-FFF2-40B4-BE49-F238E27FC236}">
+                      <a16:creationId xmlns:a16="http://schemas.microsoft.com/office/drawing/2014/main" id="{5496FC93-1534-3B6A-EC00-992286EDDB57}"/>
+                    </a:ext>
+                  </a:extLst>
+                </p:cNvPr>
+                <p:cNvSpPr/>
+                <p:nvPr/>
+              </p:nvSpPr>
+              <p:spPr>
+                <a:xfrm>
+                  <a:off x="9095229" y="2101851"/>
+                  <a:ext cx="137919" cy="1276218"/>
+                </a:xfrm>
+                <a:prstGeom prst="roundRect">
+                  <a:avLst>
+                    <a:gd name="adj" fmla="val 50000"/>
+                  </a:avLst>
+                </a:prstGeom>
+                <a:solidFill>
+                  <a:schemeClr val="bg1">
+                    <a:lumMod val="50000"/>
+                  </a:schemeClr>
+                </a:solidFill>
+                <a:ln w="57150">
+                  <a:solidFill>
+                    <a:schemeClr val="tx1"/>
+                  </a:solidFill>
+                </a:ln>
+              </p:spPr>
+              <p:style>
+                <a:lnRef idx="2">
+                  <a:schemeClr val="accent1">
+                    <a:shade val="15000"/>
+                  </a:schemeClr>
+                </a:lnRef>
+                <a:fillRef idx="1">
+                  <a:schemeClr val="accent1"/>
+                </a:fillRef>
+                <a:effectRef idx="0">
+                  <a:schemeClr val="accent1"/>
+                </a:effectRef>
+                <a:fontRef idx="minor">
+                  <a:schemeClr val="lt1"/>
+                </a:fontRef>
+              </p:style>
+              <p:txBody>
+                <a:bodyPr rtlCol="0" anchor="ctr"/>
+                <a:lstStyle/>
+                <a:p>
+                  <a:pPr algn="ctr"/>
+                  <a:endParaRPr lang="en-US" sz="1100" dirty="0"/>
+                </a:p>
+              </p:txBody>
+            </p:sp>
+            <p:sp>
+              <p:nvSpPr>
+                <p:cNvPr id="28" name="Rectangle: Rounded Corners 27">
+                  <a:extLst>
+                    <a:ext uri="{FF2B5EF4-FFF2-40B4-BE49-F238E27FC236}">
+                      <a16:creationId xmlns:a16="http://schemas.microsoft.com/office/drawing/2014/main" id="{475C414D-4FF3-A3DE-0700-CDA71A100A9C}"/>
+                    </a:ext>
+                  </a:extLst>
+                </p:cNvPr>
+                <p:cNvSpPr/>
+                <p:nvPr/>
+              </p:nvSpPr>
+              <p:spPr>
+                <a:xfrm>
+                  <a:off x="9050090" y="3283129"/>
+                  <a:ext cx="229130" cy="206985"/>
+                </a:xfrm>
+                <a:prstGeom prst="roundRect">
+                  <a:avLst>
+                    <a:gd name="adj" fmla="val 16558"/>
+                  </a:avLst>
+                </a:prstGeom>
+                <a:solidFill>
+                  <a:schemeClr val="tx1"/>
+                </a:solidFill>
+                <a:ln w="57150">
+                  <a:solidFill>
+                    <a:schemeClr val="tx1"/>
+                  </a:solidFill>
+                </a:ln>
+              </p:spPr>
+              <p:style>
+                <a:lnRef idx="2">
+                  <a:schemeClr val="accent1">
+                    <a:shade val="15000"/>
+                  </a:schemeClr>
+                </a:lnRef>
+                <a:fillRef idx="1">
+                  <a:schemeClr val="accent1"/>
+                </a:fillRef>
+                <a:effectRef idx="0">
+                  <a:schemeClr val="accent1"/>
+                </a:effectRef>
+                <a:fontRef idx="minor">
+                  <a:schemeClr val="lt1"/>
+                </a:fontRef>
+              </p:style>
+              <p:txBody>
+                <a:bodyPr rtlCol="0" anchor="ctr"/>
+                <a:lstStyle/>
+                <a:p>
+                  <a:pPr algn="ctr"/>
+                  <a:endParaRPr lang="en-US" sz="1100"/>
+                </a:p>
+              </p:txBody>
+            </p:sp>
+          </p:grpSp>
+          <p:sp>
+            <p:nvSpPr>
+              <p:cNvPr id="34" name="TextBox 33">
+                <a:extLst>
+                  <a:ext uri="{FF2B5EF4-FFF2-40B4-BE49-F238E27FC236}">
+                    <a16:creationId xmlns:a16="http://schemas.microsoft.com/office/drawing/2014/main" id="{DA448FB6-67B4-41D4-EE9B-CBF337EE2299}"/>
+                  </a:ext>
+                </a:extLst>
+              </p:cNvPr>
+              <p:cNvSpPr txBox="1"/>
+              <p:nvPr/>
+            </p:nvSpPr>
+            <p:spPr>
+              <a:xfrm>
+                <a:off x="6948891" y="1945502"/>
+                <a:ext cx="1378088" cy="351282"/>
+              </a:xfrm>
+              <a:prstGeom prst="rect">
+                <a:avLst/>
+              </a:prstGeom>
+              <a:noFill/>
+            </p:spPr>
+            <p:txBody>
+              <a:bodyPr wrap="square" rtlCol="0">
+                <a:spAutoFit/>
+              </a:bodyPr>
+              <a:lstStyle/>
+              <a:p>
+                <a:r>
+                  <a:rPr lang="en-US" sz="1200" dirty="0">
+                    <a:solidFill>
+                      <a:srgbClr val="00B0F0"/>
+                    </a:solidFill>
+                    <a:latin typeface="Abadi" panose="020B0604020104020204" pitchFamily="34" charset="0"/>
+                  </a:rPr>
+                  <a:t>PC, Notes</a:t>
+                </a:r>
+              </a:p>
+            </p:txBody>
+          </p:sp>
+        </p:grpSp>
+        <p:cxnSp>
+          <p:nvCxnSpPr>
+            <p:cNvPr id="9" name="Straight Arrow Connector 8">
+              <a:extLst>
+                <a:ext uri="{FF2B5EF4-FFF2-40B4-BE49-F238E27FC236}">
+                  <a16:creationId xmlns:a16="http://schemas.microsoft.com/office/drawing/2014/main" id="{97B7DCB5-EC19-57CF-B7C5-347B1C2CD965}"/>
+                </a:ext>
+              </a:extLst>
+            </p:cNvPr>
+            <p:cNvCxnSpPr>
+              <a:cxnSpLocks/>
+            </p:cNvCxnSpPr>
+            <p:nvPr/>
+          </p:nvCxnSpPr>
+          <p:spPr>
+            <a:xfrm flipH="1" flipV="1">
+              <a:off x="5155077" y="1794037"/>
+              <a:ext cx="1718545" cy="1523682"/>
+            </a:xfrm>
+            <a:prstGeom prst="straightConnector1">
+              <a:avLst/>
+            </a:prstGeom>
+            <a:ln w="76200">
+              <a:solidFill>
+                <a:srgbClr val="00B050"/>
+              </a:solidFill>
+              <a:prstDash val="sysDot"/>
+              <a:headEnd type="triangle" w="med" len="med"/>
+              <a:tailEnd type="triangle" w="med" len="med"/>
+            </a:ln>
+          </p:spPr>
+          <p:style>
+            <a:lnRef idx="1">
+              <a:schemeClr val="accent1"/>
+            </a:lnRef>
+            <a:fillRef idx="0">
+              <a:schemeClr val="accent1"/>
+            </a:fillRef>
+            <a:effectRef idx="0">
+              <a:schemeClr val="accent1"/>
+            </a:effectRef>
+            <a:fontRef idx="minor">
+              <a:schemeClr val="tx1"/>
+            </a:fontRef>
+          </p:style>
+        </p:cxnSp>
+        <p:pic>
+          <p:nvPicPr>
+            <p:cNvPr id="19" name="Graphic 18" descr="Cloud outline">
+              <a:extLst>
+                <a:ext uri="{FF2B5EF4-FFF2-40B4-BE49-F238E27FC236}">
+                  <a16:creationId xmlns:a16="http://schemas.microsoft.com/office/drawing/2014/main" id="{AD61530D-4E96-CC52-B3A5-7511287FFD4D}"/>
+                </a:ext>
+              </a:extLst>
+            </p:cNvPr>
+            <p:cNvPicPr>
+              <a:picLocks noChangeAspect="1"/>
+            </p:cNvPicPr>
+            <p:nvPr/>
+          </p:nvPicPr>
+          <p:blipFill>
+            <a:blip r:embed="rId6">
+              <a:extLst>
+                <a:ext uri="{28A0092B-C50C-407E-A947-70E740481C1C}">
+                  <a14:useLocalDpi xmlns:a14="http://schemas.microsoft.com/office/drawing/2010/main" val="0"/>
+                </a:ext>
+                <a:ext uri="{96DAC541-7B7A-43D3-8B79-37D633B846F1}">
+                  <asvg:svgBlip xmlns:asvg="http://schemas.microsoft.com/office/drawing/2016/SVG/main" r:embed="rId7"/>
+                </a:ext>
+              </a:extLst>
+            </a:blip>
+            <a:stretch>
+              <a:fillRect/>
+            </a:stretch>
+          </p:blipFill>
+          <p:spPr>
+            <a:xfrm>
+              <a:off x="4152714" y="863029"/>
+              <a:ext cx="1185014" cy="1185014"/>
+            </a:xfrm>
+            <a:prstGeom prst="rect">
+              <a:avLst/>
+            </a:prstGeom>
+          </p:spPr>
+        </p:pic>
+        <p:sp>
+          <p:nvSpPr>
+            <p:cNvPr id="20" name="Rectangle 19">
+              <a:extLst>
+                <a:ext uri="{FF2B5EF4-FFF2-40B4-BE49-F238E27FC236}">
+                  <a16:creationId xmlns:a16="http://schemas.microsoft.com/office/drawing/2014/main" id="{159DD67B-B5E6-093D-49C3-441C6F86B06A}"/>
+                </a:ext>
+              </a:extLst>
+            </p:cNvPr>
+            <p:cNvSpPr/>
+            <p:nvPr/>
+          </p:nvSpPr>
+          <p:spPr>
+            <a:xfrm>
+              <a:off x="6554999" y="815506"/>
+              <a:ext cx="4478801" cy="1190625"/>
+            </a:xfrm>
+            <a:prstGeom prst="rect">
+              <a:avLst/>
+            </a:prstGeom>
+            <a:noFill/>
+            <a:ln w="28575">
+              <a:solidFill>
+                <a:schemeClr val="bg1">
+                  <a:lumMod val="50000"/>
+                </a:schemeClr>
+              </a:solidFill>
+              <a:prstDash val="dash"/>
+            </a:ln>
+          </p:spPr>
+          <p:style>
+            <a:lnRef idx="2">
+              <a:schemeClr val="accent1">
+                <a:shade val="50000"/>
+              </a:schemeClr>
+            </a:lnRef>
+            <a:fillRef idx="1">
+              <a:schemeClr val="accent1"/>
+            </a:fillRef>
+            <a:effectRef idx="0">
+              <a:schemeClr val="accent1"/>
+            </a:effectRef>
+            <a:fontRef idx="minor">
+              <a:schemeClr val="lt1"/>
+            </a:fontRef>
+          </p:style>
+          <p:txBody>
+            <a:bodyPr rtlCol="0" anchor="ctr"/>
+            <a:lstStyle/>
+            <a:p>
+              <a:pPr algn="ctr"/>
+              <a:endParaRPr lang="en-US" sz="1100"/>
+            </a:p>
+          </p:txBody>
+        </p:sp>
+        <p:sp>
+          <p:nvSpPr>
+            <p:cNvPr id="24" name="TextBox 23">
+              <a:extLst>
+                <a:ext uri="{FF2B5EF4-FFF2-40B4-BE49-F238E27FC236}">
+                  <a16:creationId xmlns:a16="http://schemas.microsoft.com/office/drawing/2014/main" id="{669F65AE-C9B3-DA87-5126-8C6576B839D3}"/>
+                </a:ext>
+              </a:extLst>
+            </p:cNvPr>
+            <p:cNvSpPr txBox="1"/>
+            <p:nvPr/>
+          </p:nvSpPr>
+          <p:spPr>
+            <a:xfrm>
+              <a:off x="6627933" y="855716"/>
+              <a:ext cx="3389589" cy="287585"/>
+            </a:xfrm>
+            <a:prstGeom prst="rect">
+              <a:avLst/>
+            </a:prstGeom>
+            <a:noFill/>
+          </p:spPr>
+          <p:txBody>
+            <a:bodyPr wrap="square">
+              <a:spAutoFit/>
+            </a:bodyPr>
+            <a:lstStyle/>
+            <a:p>
+              <a:r>
+                <a:rPr lang="en-US" sz="1600" dirty="0">
+                  <a:latin typeface="Abadi" panose="020B0604020104020204" pitchFamily="34" charset="0"/>
+                </a:rPr>
+                <a:t>Attendees, with mobile phones </a:t>
+              </a:r>
+              <a:endParaRPr lang="en-US" sz="1600" dirty="0"/>
+            </a:p>
+          </p:txBody>
+        </p:sp>
+        <p:grpSp>
+          <p:nvGrpSpPr>
+            <p:cNvPr id="51" name="Group 50">
+              <a:extLst>
+                <a:ext uri="{FF2B5EF4-FFF2-40B4-BE49-F238E27FC236}">
+                  <a16:creationId xmlns:a16="http://schemas.microsoft.com/office/drawing/2014/main" id="{E664259E-F7FD-0EE4-A0FF-D06629B9DE9B}"/>
+                </a:ext>
+              </a:extLst>
+            </p:cNvPr>
+            <p:cNvGrpSpPr/>
+            <p:nvPr/>
+          </p:nvGrpSpPr>
+          <p:grpSpPr>
+            <a:xfrm>
+              <a:off x="6752590" y="1061115"/>
+              <a:ext cx="1001284" cy="914400"/>
+              <a:chOff x="6752590" y="1061115"/>
+              <a:chExt cx="1001284" cy="914400"/>
+            </a:xfrm>
+          </p:grpSpPr>
+          <p:pic>
+            <p:nvPicPr>
+              <p:cNvPr id="32" name="Graphic 31" descr="Dance outline">
+                <a:extLst>
+                  <a:ext uri="{FF2B5EF4-FFF2-40B4-BE49-F238E27FC236}">
+                    <a16:creationId xmlns:a16="http://schemas.microsoft.com/office/drawing/2014/main" id="{20713050-E6B7-9F6F-407E-811DAAA28CB4}"/>
+                  </a:ext>
+                </a:extLst>
+              </p:cNvPr>
+              <p:cNvPicPr>
+                <a:picLocks noChangeAspect="1"/>
+              </p:cNvPicPr>
+              <p:nvPr/>
+            </p:nvPicPr>
+            <p:blipFill>
+              <a:blip r:embed="rId8">
+                <a:extLst>
+                  <a:ext uri="{28A0092B-C50C-407E-A947-70E740481C1C}">
+                    <a14:useLocalDpi xmlns:a14="http://schemas.microsoft.com/office/drawing/2010/main" val="0"/>
+                  </a:ext>
+                  <a:ext uri="{96DAC541-7B7A-43D3-8B79-37D633B846F1}">
+                    <asvg:svgBlip xmlns:asvg="http://schemas.microsoft.com/office/drawing/2016/SVG/main" r:embed="rId9"/>
+                  </a:ext>
+                </a:extLst>
+              </a:blip>
+              <a:stretch>
+                <a:fillRect/>
+              </a:stretch>
+            </p:blipFill>
+            <p:spPr>
+              <a:xfrm>
+                <a:off x="6801274" y="1061115"/>
+                <a:ext cx="914400" cy="914400"/>
+              </a:xfrm>
+              <a:prstGeom prst="rect">
+                <a:avLst/>
+              </a:prstGeom>
+            </p:spPr>
+          </p:pic>
+          <p:sp>
+            <p:nvSpPr>
+              <p:cNvPr id="35" name="Rectangle: Rounded Corners 34">
+                <a:extLst>
+                  <a:ext uri="{FF2B5EF4-FFF2-40B4-BE49-F238E27FC236}">
+                    <a16:creationId xmlns:a16="http://schemas.microsoft.com/office/drawing/2014/main" id="{794D8497-1148-CB70-C8F0-A10BD5DDBEA0}"/>
+                  </a:ext>
+                </a:extLst>
+              </p:cNvPr>
+              <p:cNvSpPr/>
+              <p:nvPr/>
+            </p:nvSpPr>
+            <p:spPr>
+              <a:xfrm rot="20715106">
+                <a:off x="6752590" y="1241000"/>
+                <a:ext cx="97367" cy="166955"/>
+              </a:xfrm>
+              <a:prstGeom prst="roundRect">
+                <a:avLst/>
+              </a:prstGeom>
+              <a:solidFill>
+                <a:schemeClr val="bg1"/>
+              </a:solidFill>
+              <a:ln w="19050">
+                <a:solidFill>
+                  <a:schemeClr val="tx1"/>
+                </a:solidFill>
+              </a:ln>
+            </p:spPr>
+            <p:style>
+              <a:lnRef idx="2">
+                <a:schemeClr val="accent1">
+                  <a:shade val="15000"/>
+                </a:schemeClr>
+              </a:lnRef>
+              <a:fillRef idx="1">
+                <a:schemeClr val="accent1"/>
+              </a:fillRef>
+              <a:effectRef idx="0">
+                <a:schemeClr val="accent1"/>
+              </a:effectRef>
+              <a:fontRef idx="minor">
+                <a:schemeClr val="lt1"/>
+              </a:fontRef>
+            </p:style>
+            <p:txBody>
+              <a:bodyPr rtlCol="0" anchor="ctr"/>
+              <a:lstStyle/>
+              <a:p>
+                <a:pPr algn="ctr"/>
+                <a:endParaRPr lang="en-US" sz="700" dirty="0">
+                  <a:solidFill>
+                    <a:schemeClr val="tx1"/>
+                  </a:solidFill>
+                  <a:latin typeface="Abadi" panose="020B0604020104020204" pitchFamily="34" charset="0"/>
+                </a:endParaRPr>
+              </a:p>
+              <a:p>
+                <a:pPr algn="ctr"/>
+                <a:r>
+                  <a:rPr lang="en-US" sz="600" b="1" dirty="0">
+                    <a:solidFill>
+                      <a:schemeClr val="tx1"/>
+                    </a:solidFill>
+                    <a:latin typeface="Abadi" panose="020B0604020104020204" pitchFamily="34" charset="0"/>
+                  </a:rPr>
+                  <a:t>o</a:t>
+                </a:r>
+                <a:endParaRPr lang="en-US" b="1" dirty="0">
+                  <a:solidFill>
+                    <a:schemeClr val="tx1"/>
+                  </a:solidFill>
+                  <a:latin typeface="Abadi" panose="020B0604020104020204" pitchFamily="34" charset="0"/>
+                </a:endParaRPr>
+              </a:p>
+            </p:txBody>
+          </p:sp>
+          <p:sp>
+            <p:nvSpPr>
+              <p:cNvPr id="48" name="Rectangle: Rounded Corners 47">
+                <a:extLst>
+                  <a:ext uri="{FF2B5EF4-FFF2-40B4-BE49-F238E27FC236}">
+                    <a16:creationId xmlns:a16="http://schemas.microsoft.com/office/drawing/2014/main" id="{CCE76E9B-0454-E26D-F03B-7DB567A29BD8}"/>
+                  </a:ext>
+                </a:extLst>
+              </p:cNvPr>
+              <p:cNvSpPr/>
+              <p:nvPr/>
+            </p:nvSpPr>
+            <p:spPr>
+              <a:xfrm rot="1135710">
+                <a:off x="7656507" y="1167596"/>
+                <a:ext cx="97367" cy="166955"/>
+              </a:xfrm>
+              <a:prstGeom prst="roundRect">
+                <a:avLst/>
+              </a:prstGeom>
+              <a:solidFill>
+                <a:schemeClr val="bg1"/>
+              </a:solidFill>
+              <a:ln w="19050">
+                <a:solidFill>
+                  <a:schemeClr val="tx1"/>
+                </a:solidFill>
+              </a:ln>
+            </p:spPr>
+            <p:style>
+              <a:lnRef idx="2">
+                <a:schemeClr val="accent1">
+                  <a:shade val="15000"/>
+                </a:schemeClr>
+              </a:lnRef>
+              <a:fillRef idx="1">
+                <a:schemeClr val="accent1"/>
+              </a:fillRef>
+              <a:effectRef idx="0">
+                <a:schemeClr val="accent1"/>
+              </a:effectRef>
+              <a:fontRef idx="minor">
+                <a:schemeClr val="lt1"/>
+              </a:fontRef>
+            </p:style>
+            <p:txBody>
+              <a:bodyPr rtlCol="0" anchor="ctr"/>
+              <a:lstStyle/>
+              <a:p>
+                <a:pPr algn="ctr"/>
+                <a:endParaRPr lang="en-US" sz="700" dirty="0">
+                  <a:solidFill>
+                    <a:schemeClr val="tx1"/>
+                  </a:solidFill>
+                  <a:latin typeface="Abadi" panose="020B0604020104020204" pitchFamily="34" charset="0"/>
+                </a:endParaRPr>
+              </a:p>
+              <a:p>
+                <a:pPr algn="ctr"/>
+                <a:r>
+                  <a:rPr lang="en-US" sz="600" b="1" dirty="0">
+                    <a:solidFill>
+                      <a:schemeClr val="tx1"/>
+                    </a:solidFill>
+                    <a:latin typeface="Abadi" panose="020B0604020104020204" pitchFamily="34" charset="0"/>
+                  </a:rPr>
+                  <a:t>o</a:t>
+                </a:r>
+                <a:endParaRPr lang="en-US" b="1" dirty="0">
+                  <a:solidFill>
+                    <a:schemeClr val="tx1"/>
+                  </a:solidFill>
+                  <a:latin typeface="Abadi" panose="020B0604020104020204" pitchFamily="34" charset="0"/>
+                </a:endParaRPr>
+              </a:p>
+            </p:txBody>
+          </p:sp>
+        </p:grpSp>
+        <p:grpSp>
+          <p:nvGrpSpPr>
+            <p:cNvPr id="53" name="Group 52">
+              <a:extLst>
+                <a:ext uri="{FF2B5EF4-FFF2-40B4-BE49-F238E27FC236}">
+                  <a16:creationId xmlns:a16="http://schemas.microsoft.com/office/drawing/2014/main" id="{06E1BCFC-DF64-BD28-F9DC-438E8E237B2F}"/>
+                </a:ext>
+              </a:extLst>
+            </p:cNvPr>
+            <p:cNvGrpSpPr/>
+            <p:nvPr/>
+          </p:nvGrpSpPr>
+          <p:grpSpPr>
+            <a:xfrm flipH="1">
+              <a:off x="8199417" y="1050631"/>
+              <a:ext cx="1057445" cy="899804"/>
+              <a:chOff x="6708009" y="1061115"/>
+              <a:chExt cx="1001289" cy="899804"/>
+            </a:xfrm>
+          </p:grpSpPr>
+          <p:pic>
+            <p:nvPicPr>
+              <p:cNvPr id="54" name="Graphic 53" descr="Dance outline">
+                <a:extLst>
+                  <a:ext uri="{FF2B5EF4-FFF2-40B4-BE49-F238E27FC236}">
+                    <a16:creationId xmlns:a16="http://schemas.microsoft.com/office/drawing/2014/main" id="{1B09B261-3E7E-4F24-268D-C69854F5D3A3}"/>
+                  </a:ext>
+                </a:extLst>
+              </p:cNvPr>
+              <p:cNvPicPr>
+                <a:picLocks noChangeAspect="1"/>
+              </p:cNvPicPr>
+              <p:nvPr/>
+            </p:nvPicPr>
+            <p:blipFill>
+              <a:blip r:embed="rId8">
+                <a:extLst>
+                  <a:ext uri="{28A0092B-C50C-407E-A947-70E740481C1C}">
+                    <a14:useLocalDpi xmlns:a14="http://schemas.microsoft.com/office/drawing/2010/main" val="0"/>
+                  </a:ext>
+                  <a:ext uri="{96DAC541-7B7A-43D3-8B79-37D633B846F1}">
+                    <asvg:svgBlip xmlns:asvg="http://schemas.microsoft.com/office/drawing/2016/SVG/main" r:embed="rId9"/>
+                  </a:ext>
+                </a:extLst>
+              </a:blip>
+              <a:stretch>
+                <a:fillRect/>
+              </a:stretch>
+            </p:blipFill>
+            <p:spPr>
+              <a:xfrm>
+                <a:off x="6756699" y="1061115"/>
+                <a:ext cx="914400" cy="899804"/>
+              </a:xfrm>
+              <a:prstGeom prst="rect">
+                <a:avLst/>
+              </a:prstGeom>
+            </p:spPr>
+          </p:pic>
+          <p:sp>
+            <p:nvSpPr>
+              <p:cNvPr id="55" name="Rectangle: Rounded Corners 54">
+                <a:extLst>
+                  <a:ext uri="{FF2B5EF4-FFF2-40B4-BE49-F238E27FC236}">
+                    <a16:creationId xmlns:a16="http://schemas.microsoft.com/office/drawing/2014/main" id="{55EEBF1B-FC7E-FEA7-C517-4F707C822BA6}"/>
+                  </a:ext>
+                </a:extLst>
+              </p:cNvPr>
+              <p:cNvSpPr/>
+              <p:nvPr/>
+            </p:nvSpPr>
+            <p:spPr>
+              <a:xfrm rot="20715106">
+                <a:off x="6708009" y="1240998"/>
+                <a:ext cx="97367" cy="166955"/>
+              </a:xfrm>
+              <a:prstGeom prst="roundRect">
+                <a:avLst/>
+              </a:prstGeom>
+              <a:solidFill>
+                <a:schemeClr val="bg1"/>
+              </a:solidFill>
+              <a:ln w="19050">
+                <a:solidFill>
+                  <a:schemeClr val="tx1"/>
+                </a:solidFill>
+              </a:ln>
+            </p:spPr>
+            <p:style>
+              <a:lnRef idx="2">
+                <a:schemeClr val="accent1">
+                  <a:shade val="15000"/>
+                </a:schemeClr>
+              </a:lnRef>
+              <a:fillRef idx="1">
+                <a:schemeClr val="accent1"/>
+              </a:fillRef>
+              <a:effectRef idx="0">
+                <a:schemeClr val="accent1"/>
+              </a:effectRef>
+              <a:fontRef idx="minor">
+                <a:schemeClr val="lt1"/>
+              </a:fontRef>
+            </p:style>
+            <p:txBody>
+              <a:bodyPr rtlCol="0" anchor="ctr"/>
+              <a:lstStyle/>
+              <a:p>
+                <a:pPr algn="ctr"/>
+                <a:endParaRPr lang="en-US" sz="700" dirty="0">
+                  <a:solidFill>
+                    <a:schemeClr val="tx1"/>
+                  </a:solidFill>
+                  <a:latin typeface="Abadi" panose="020B0604020104020204" pitchFamily="34" charset="0"/>
+                </a:endParaRPr>
+              </a:p>
+              <a:p>
+                <a:pPr algn="ctr"/>
+                <a:r>
+                  <a:rPr lang="en-US" sz="600" b="1" dirty="0">
+                    <a:solidFill>
+                      <a:schemeClr val="tx1"/>
+                    </a:solidFill>
+                    <a:latin typeface="Abadi" panose="020B0604020104020204" pitchFamily="34" charset="0"/>
+                  </a:rPr>
+                  <a:t>o</a:t>
+                </a:r>
+                <a:endParaRPr lang="en-US" b="1" dirty="0">
+                  <a:solidFill>
+                    <a:schemeClr val="tx1"/>
+                  </a:solidFill>
+                  <a:latin typeface="Abadi" panose="020B0604020104020204" pitchFamily="34" charset="0"/>
+                </a:endParaRPr>
+              </a:p>
+            </p:txBody>
+          </p:sp>
+          <p:sp>
+            <p:nvSpPr>
+              <p:cNvPr id="66" name="Rectangle: Rounded Corners 65">
+                <a:extLst>
+                  <a:ext uri="{FF2B5EF4-FFF2-40B4-BE49-F238E27FC236}">
+                    <a16:creationId xmlns:a16="http://schemas.microsoft.com/office/drawing/2014/main" id="{DE546A9D-B76A-E988-21AD-83677D606117}"/>
+                  </a:ext>
+                </a:extLst>
+              </p:cNvPr>
+              <p:cNvSpPr/>
+              <p:nvPr/>
+            </p:nvSpPr>
+            <p:spPr>
+              <a:xfrm rot="1135710">
+                <a:off x="7611931" y="1167594"/>
+                <a:ext cx="97367" cy="166955"/>
+              </a:xfrm>
+              <a:prstGeom prst="roundRect">
+                <a:avLst/>
+              </a:prstGeom>
+              <a:solidFill>
+                <a:schemeClr val="bg1"/>
+              </a:solidFill>
+              <a:ln w="19050">
+                <a:solidFill>
+                  <a:schemeClr val="tx1"/>
+                </a:solidFill>
+              </a:ln>
+            </p:spPr>
+            <p:style>
+              <a:lnRef idx="2">
+                <a:schemeClr val="accent1">
+                  <a:shade val="15000"/>
+                </a:schemeClr>
+              </a:lnRef>
+              <a:fillRef idx="1">
+                <a:schemeClr val="accent1"/>
+              </a:fillRef>
+              <a:effectRef idx="0">
+                <a:schemeClr val="accent1"/>
+              </a:effectRef>
+              <a:fontRef idx="minor">
+                <a:schemeClr val="lt1"/>
+              </a:fontRef>
+            </p:style>
+            <p:txBody>
+              <a:bodyPr rtlCol="0" anchor="ctr"/>
+              <a:lstStyle/>
+              <a:p>
+                <a:pPr algn="ctr"/>
+                <a:endParaRPr lang="en-US" sz="700" dirty="0">
+                  <a:solidFill>
+                    <a:schemeClr val="tx1"/>
+                  </a:solidFill>
+                  <a:latin typeface="Abadi" panose="020B0604020104020204" pitchFamily="34" charset="0"/>
+                </a:endParaRPr>
+              </a:p>
+              <a:p>
+                <a:pPr algn="ctr"/>
+                <a:r>
+                  <a:rPr lang="en-US" sz="600" b="1" dirty="0">
+                    <a:solidFill>
+                      <a:schemeClr val="tx1"/>
+                    </a:solidFill>
+                    <a:latin typeface="Abadi" panose="020B0604020104020204" pitchFamily="34" charset="0"/>
+                  </a:rPr>
+                  <a:t>o</a:t>
+                </a:r>
+                <a:endParaRPr lang="en-US" b="1" dirty="0">
+                  <a:solidFill>
+                    <a:schemeClr val="tx1"/>
+                  </a:solidFill>
+                  <a:latin typeface="Abadi" panose="020B0604020104020204" pitchFamily="34" charset="0"/>
+                </a:endParaRPr>
+              </a:p>
+            </p:txBody>
+          </p:sp>
+        </p:grpSp>
+        <p:grpSp>
+          <p:nvGrpSpPr>
+            <p:cNvPr id="74" name="Group 73">
+              <a:extLst>
+                <a:ext uri="{FF2B5EF4-FFF2-40B4-BE49-F238E27FC236}">
+                  <a16:creationId xmlns:a16="http://schemas.microsoft.com/office/drawing/2014/main" id="{E580D18E-3982-EAB7-5C1C-EBB70CB96B76}"/>
+                </a:ext>
+              </a:extLst>
+            </p:cNvPr>
+            <p:cNvGrpSpPr/>
+            <p:nvPr/>
+          </p:nvGrpSpPr>
+          <p:grpSpPr>
+            <a:xfrm>
+              <a:off x="9631408" y="1068945"/>
+              <a:ext cx="1001284" cy="914400"/>
+              <a:chOff x="6752590" y="1061115"/>
+              <a:chExt cx="1001284" cy="914400"/>
+            </a:xfrm>
+          </p:grpSpPr>
+          <p:pic>
+            <p:nvPicPr>
+              <p:cNvPr id="75" name="Graphic 74" descr="Dance outline">
+                <a:extLst>
+                  <a:ext uri="{FF2B5EF4-FFF2-40B4-BE49-F238E27FC236}">
+                    <a16:creationId xmlns:a16="http://schemas.microsoft.com/office/drawing/2014/main" id="{01920DBE-B08F-E741-178B-3A1B541263D0}"/>
+                  </a:ext>
+                </a:extLst>
+              </p:cNvPr>
+              <p:cNvPicPr>
+                <a:picLocks noChangeAspect="1"/>
+              </p:cNvPicPr>
+              <p:nvPr/>
+            </p:nvPicPr>
+            <p:blipFill>
+              <a:blip r:embed="rId8">
+                <a:extLst>
+                  <a:ext uri="{28A0092B-C50C-407E-A947-70E740481C1C}">
+                    <a14:useLocalDpi xmlns:a14="http://schemas.microsoft.com/office/drawing/2010/main" val="0"/>
+                  </a:ext>
+                  <a:ext uri="{96DAC541-7B7A-43D3-8B79-37D633B846F1}">
+                    <asvg:svgBlip xmlns:asvg="http://schemas.microsoft.com/office/drawing/2016/SVG/main" r:embed="rId9"/>
+                  </a:ext>
+                </a:extLst>
+              </a:blip>
+              <a:stretch>
+                <a:fillRect/>
+              </a:stretch>
+            </p:blipFill>
+            <p:spPr>
+              <a:xfrm>
+                <a:off x="6801274" y="1061115"/>
+                <a:ext cx="914400" cy="914400"/>
+              </a:xfrm>
+              <a:prstGeom prst="rect">
+                <a:avLst/>
+              </a:prstGeom>
+            </p:spPr>
+          </p:pic>
+          <p:sp>
+            <p:nvSpPr>
+              <p:cNvPr id="76" name="Rectangle: Rounded Corners 75">
+                <a:extLst>
+                  <a:ext uri="{FF2B5EF4-FFF2-40B4-BE49-F238E27FC236}">
+                    <a16:creationId xmlns:a16="http://schemas.microsoft.com/office/drawing/2014/main" id="{12E172BB-899D-72F0-C758-392089E05482}"/>
+                  </a:ext>
+                </a:extLst>
+              </p:cNvPr>
+              <p:cNvSpPr/>
+              <p:nvPr/>
+            </p:nvSpPr>
+            <p:spPr>
+              <a:xfrm rot="20715106">
+                <a:off x="6752590" y="1240998"/>
+                <a:ext cx="97367" cy="166955"/>
+              </a:xfrm>
+              <a:prstGeom prst="roundRect">
+                <a:avLst/>
+              </a:prstGeom>
+              <a:solidFill>
+                <a:schemeClr val="bg1"/>
+              </a:solidFill>
+              <a:ln w="19050">
+                <a:solidFill>
+                  <a:schemeClr val="tx1"/>
+                </a:solidFill>
+              </a:ln>
+            </p:spPr>
+            <p:style>
+              <a:lnRef idx="2">
+                <a:schemeClr val="accent1">
+                  <a:shade val="15000"/>
+                </a:schemeClr>
+              </a:lnRef>
+              <a:fillRef idx="1">
+                <a:schemeClr val="accent1"/>
+              </a:fillRef>
+              <a:effectRef idx="0">
+                <a:schemeClr val="accent1"/>
+              </a:effectRef>
+              <a:fontRef idx="minor">
+                <a:schemeClr val="lt1"/>
+              </a:fontRef>
+            </p:style>
+            <p:txBody>
+              <a:bodyPr rtlCol="0" anchor="ctr"/>
+              <a:lstStyle/>
+              <a:p>
+                <a:pPr algn="ctr"/>
+                <a:endParaRPr lang="en-US" sz="700" dirty="0">
+                  <a:solidFill>
+                    <a:schemeClr val="tx1"/>
+                  </a:solidFill>
+                  <a:latin typeface="Abadi" panose="020B0604020104020204" pitchFamily="34" charset="0"/>
+                </a:endParaRPr>
+              </a:p>
+              <a:p>
+                <a:pPr algn="ctr"/>
+                <a:r>
+                  <a:rPr lang="en-US" sz="600" b="1" dirty="0">
+                    <a:solidFill>
+                      <a:schemeClr val="tx1"/>
+                    </a:solidFill>
+                    <a:latin typeface="Abadi" panose="020B0604020104020204" pitchFamily="34" charset="0"/>
+                  </a:rPr>
+                  <a:t>o</a:t>
+                </a:r>
+                <a:endParaRPr lang="en-US" b="1" dirty="0">
+                  <a:solidFill>
+                    <a:schemeClr val="tx1"/>
+                  </a:solidFill>
+                  <a:latin typeface="Abadi" panose="020B0604020104020204" pitchFamily="34" charset="0"/>
+                </a:endParaRPr>
+              </a:p>
+            </p:txBody>
+          </p:sp>
+          <p:sp>
+            <p:nvSpPr>
+              <p:cNvPr id="77" name="Rectangle: Rounded Corners 76">
+                <a:extLst>
+                  <a:ext uri="{FF2B5EF4-FFF2-40B4-BE49-F238E27FC236}">
+                    <a16:creationId xmlns:a16="http://schemas.microsoft.com/office/drawing/2014/main" id="{142AF094-C6A0-753D-116E-21EA7DA75915}"/>
+                  </a:ext>
+                </a:extLst>
+              </p:cNvPr>
+              <p:cNvSpPr/>
+              <p:nvPr/>
+            </p:nvSpPr>
+            <p:spPr>
+              <a:xfrm rot="1135710">
+                <a:off x="7656507" y="1167594"/>
+                <a:ext cx="97367" cy="166955"/>
+              </a:xfrm>
+              <a:prstGeom prst="roundRect">
+                <a:avLst/>
+              </a:prstGeom>
+              <a:solidFill>
+                <a:schemeClr val="bg1"/>
+              </a:solidFill>
+              <a:ln w="19050">
+                <a:solidFill>
+                  <a:schemeClr val="tx1"/>
+                </a:solidFill>
+              </a:ln>
+            </p:spPr>
+            <p:style>
+              <a:lnRef idx="2">
+                <a:schemeClr val="accent1">
+                  <a:shade val="15000"/>
+                </a:schemeClr>
+              </a:lnRef>
+              <a:fillRef idx="1">
+                <a:schemeClr val="accent1"/>
+              </a:fillRef>
+              <a:effectRef idx="0">
+                <a:schemeClr val="accent1"/>
+              </a:effectRef>
+              <a:fontRef idx="minor">
+                <a:schemeClr val="lt1"/>
+              </a:fontRef>
+            </p:style>
+            <p:txBody>
+              <a:bodyPr rtlCol="0" anchor="ctr"/>
+              <a:lstStyle/>
+              <a:p>
+                <a:pPr algn="ctr"/>
+                <a:endParaRPr lang="en-US" sz="700" dirty="0">
+                  <a:solidFill>
+                    <a:schemeClr val="tx1"/>
+                  </a:solidFill>
+                  <a:latin typeface="Abadi" panose="020B0604020104020204" pitchFamily="34" charset="0"/>
+                </a:endParaRPr>
+              </a:p>
+              <a:p>
+                <a:pPr algn="ctr"/>
+                <a:r>
+                  <a:rPr lang="en-US" sz="600" b="1" dirty="0">
+                    <a:solidFill>
+                      <a:schemeClr val="tx1"/>
+                    </a:solidFill>
+                    <a:latin typeface="Abadi" panose="020B0604020104020204" pitchFamily="34" charset="0"/>
+                  </a:rPr>
+                  <a:t>o</a:t>
+                </a:r>
+                <a:endParaRPr lang="en-US" b="1" dirty="0">
+                  <a:solidFill>
+                    <a:schemeClr val="tx1"/>
+                  </a:solidFill>
+                  <a:latin typeface="Abadi" panose="020B0604020104020204" pitchFamily="34" charset="0"/>
+                </a:endParaRPr>
+              </a:p>
+            </p:txBody>
+          </p:sp>
+        </p:grpSp>
+        <p:cxnSp>
+          <p:nvCxnSpPr>
+            <p:cNvPr id="84" name="Straight Arrow Connector 83">
+              <a:extLst>
+                <a:ext uri="{FF2B5EF4-FFF2-40B4-BE49-F238E27FC236}">
+                  <a16:creationId xmlns:a16="http://schemas.microsoft.com/office/drawing/2014/main" id="{D565F9DD-A289-1C11-7800-07AA3E2ED31D}"/>
+                </a:ext>
+              </a:extLst>
+            </p:cNvPr>
+            <p:cNvCxnSpPr>
+              <a:cxnSpLocks/>
+              <a:endCxn id="19" idx="3"/>
+            </p:cNvCxnSpPr>
+            <p:nvPr/>
+          </p:nvCxnSpPr>
+          <p:spPr>
+            <a:xfrm flipH="1">
+              <a:off x="5337728" y="1237955"/>
+              <a:ext cx="1329016" cy="217581"/>
+            </a:xfrm>
+            <a:prstGeom prst="straightConnector1">
+              <a:avLst/>
+            </a:prstGeom>
+            <a:ln w="76200">
+              <a:solidFill>
+                <a:srgbClr val="00B050"/>
+              </a:solidFill>
+              <a:prstDash val="sysDot"/>
+              <a:headEnd type="triangle" w="med" len="med"/>
+              <a:tailEnd type="triangle" w="med" len="med"/>
+            </a:ln>
+          </p:spPr>
+          <p:style>
+            <a:lnRef idx="1">
+              <a:schemeClr val="accent1"/>
+            </a:lnRef>
+            <a:fillRef idx="0">
+              <a:schemeClr val="accent1"/>
+            </a:fillRef>
+            <a:effectRef idx="0">
+              <a:schemeClr val="accent1"/>
+            </a:effectRef>
+            <a:fontRef idx="minor">
+              <a:schemeClr val="tx1"/>
+            </a:fontRef>
+          </p:style>
+        </p:cxnSp>
+        <p:sp>
+          <p:nvSpPr>
+            <p:cNvPr id="90" name="TextBox 89">
+              <a:extLst>
+                <a:ext uri="{FF2B5EF4-FFF2-40B4-BE49-F238E27FC236}">
+                  <a16:creationId xmlns:a16="http://schemas.microsoft.com/office/drawing/2014/main" id="{EDC164B1-0E25-48EE-5FBA-75592BF05E7B}"/>
+                </a:ext>
+              </a:extLst>
+            </p:cNvPr>
+            <p:cNvSpPr txBox="1"/>
+            <p:nvPr/>
+          </p:nvSpPr>
+          <p:spPr>
+            <a:xfrm>
+              <a:off x="5371066" y="1585513"/>
+              <a:ext cx="923076" cy="235297"/>
+            </a:xfrm>
+            <a:prstGeom prst="rect">
+              <a:avLst/>
+            </a:prstGeom>
+            <a:noFill/>
+          </p:spPr>
+          <p:txBody>
+            <a:bodyPr wrap="square" rtlCol="0">
+              <a:spAutoFit/>
+            </a:bodyPr>
+            <a:lstStyle/>
+            <a:p>
+              <a:r>
+                <a:rPr lang="en-US" sz="1200" dirty="0">
+                  <a:solidFill>
+                    <a:srgbClr val="00B050"/>
+                  </a:solidFill>
+                  <a:latin typeface="Abadi" panose="020B0604020104020204" pitchFamily="34" charset="0"/>
+                </a:rPr>
+                <a:t>4G/5G</a:t>
+              </a:r>
+            </a:p>
+          </p:txBody>
+        </p:sp>
+      </p:grpSp>
+      <p:sp>
+        <p:nvSpPr>
+          <p:cNvPr id="11" name="TextBox 10">
+            <a:extLst>
+              <a:ext uri="{FF2B5EF4-FFF2-40B4-BE49-F238E27FC236}">
+                <a16:creationId xmlns:a16="http://schemas.microsoft.com/office/drawing/2014/main" id="{5617C546-9F60-5F85-3E1C-4FCDBBE58570}"/>
+              </a:ext>
+            </a:extLst>
+          </p:cNvPr>
+          <p:cNvSpPr txBox="1"/>
+          <p:nvPr/>
+        </p:nvSpPr>
+        <p:spPr>
+          <a:xfrm>
+            <a:off x="2692333" y="772894"/>
+            <a:ext cx="1863473" cy="461665"/>
+          </a:xfrm>
+          <a:prstGeom prst="rect">
+            <a:avLst/>
+          </a:prstGeom>
+          <a:noFill/>
+        </p:spPr>
+        <p:txBody>
+          <a:bodyPr wrap="square" rtlCol="0">
+            <a:spAutoFit/>
+          </a:bodyPr>
+          <a:lstStyle/>
+          <a:p>
+            <a:pPr algn="ctr"/>
+            <a:r>
+              <a:rPr lang="en-US" sz="1200" dirty="0">
+                <a:latin typeface="Abadi" panose="020B0604020104020204" pitchFamily="34" charset="0"/>
+              </a:rPr>
+              <a:t>HootBeat</a:t>
+            </a:r>
+          </a:p>
+          <a:p>
+            <a:pPr algn="ctr"/>
+            <a:r>
+              <a:rPr lang="en-US" sz="1200" dirty="0">
+                <a:latin typeface="Abadi" panose="020B0604020104020204" pitchFamily="34" charset="0"/>
+              </a:rPr>
+              <a:t>Cloud App</a:t>
+            </a:r>
+          </a:p>
+        </p:txBody>
+      </p:sp>
+    </p:spTree>
+    <p:extLst>
+      <p:ext uri="{BB962C8B-B14F-4D97-AF65-F5344CB8AC3E}">
+        <p14:creationId xmlns:p14="http://schemas.microsoft.com/office/powerpoint/2010/main" val="1872106111"/>
+      </p:ext>
+    </p:extLst>
+  </p:cSld>
+  <p:clrMapOvr>
+    <a:masterClrMapping/>
+  </p:clrMapOvr>
+</p:sld>
+</file>
+
 <file path=ppt/theme/theme1.xml><?xml version="1.0" encoding="utf-8"?>
 <a:theme xmlns:a="http://schemas.openxmlformats.org/drawingml/2006/main" name="Office Theme">
   <a:themeElements>
